--- a/aws-iam/aws-iam.pptx
+++ b/aws-iam/aws-iam.pptx
@@ -203,7 +203,7 @@
           <a:p>
             <a:fld id="{1B6676A5-1300-B945-98B1-DD92DDC3A3CB}" type="datetimeFigureOut">
               <a:rPr lang="en-US" smtClean="0"/>
-              <a:t>4/20/15</a:t>
+              <a:t>4/21/15</a:t>
             </a:fld>
             <a:endParaRPr lang="en-US"/>
           </a:p>
@@ -1479,6 +1479,32 @@
               <a:rPr lang="en-US" dirty="0" err="1" smtClean="0"/>
               <a:t>user.docx</a:t>
             </a:r>
+            <a:endParaRPr lang="en-US" dirty="0" smtClean="0"/>
+          </a:p>
+          <a:p>
+            <a:pPr marL="171450" indent="-171450">
+              <a:buFont typeface="Arial"/>
+              <a:buChar char="•"/>
+            </a:pPr>
+            <a:r>
+              <a:rPr lang="en-US" dirty="0" err="1" smtClean="0"/>
+              <a:t>iam</a:t>
+            </a:r>
+            <a:r>
+              <a:rPr lang="en-US" dirty="0" smtClean="0"/>
+              <a:t>-restrict-access-</a:t>
+            </a:r>
+            <a:r>
+              <a:rPr lang="en-US" dirty="0" err="1" smtClean="0"/>
+              <a:t>tag.md</a:t>
+            </a:r>
+            <a:endParaRPr lang="en-US" smtClean="0"/>
+          </a:p>
+          <a:p>
+            <a:pPr marL="0" indent="0">
+              <a:buFont typeface="Arial"/>
+              <a:buNone/>
+            </a:pPr>
             <a:endParaRPr lang="en-US" dirty="0"/>
           </a:p>
         </p:txBody>
@@ -3331,7 +3357,7 @@
           <a:p>
             <a:fld id="{7CE38E4D-051A-41E1-86A4-E56916468FD0}" type="datetimeFigureOut">
               <a:rPr lang="en-US" smtClean="0"/>
-              <a:t>4/20/15</a:t>
+              <a:t>4/21/15</a:t>
             </a:fld>
             <a:endParaRPr lang="en-US"/>
           </a:p>
@@ -3512,7 +3538,7 @@
           <a:p>
             <a:fld id="{7CE38E4D-051A-41E1-86A4-E56916468FD0}" type="datetimeFigureOut">
               <a:rPr lang="en-US" smtClean="0"/>
-              <a:t>4/20/15</a:t>
+              <a:t>4/21/15</a:t>
             </a:fld>
             <a:endParaRPr lang="en-US"/>
           </a:p>
@@ -3663,7 +3689,7 @@
           <a:p>
             <a:fld id="{7CE38E4D-051A-41E1-86A4-E56916468FD0}" type="datetimeFigureOut">
               <a:rPr lang="en-US" smtClean="0"/>
-              <a:t>4/20/15</a:t>
+              <a:t>4/21/15</a:t>
             </a:fld>
             <a:endParaRPr lang="en-US"/>
           </a:p>
@@ -5489,7 +5515,7 @@
           <a:p>
             <a:fld id="{7CE38E4D-051A-41E1-86A4-E56916468FD0}" type="datetimeFigureOut">
               <a:rPr lang="en-US" smtClean="0"/>
-              <a:t>4/20/15</a:t>
+              <a:t>4/21/15</a:t>
             </a:fld>
             <a:endParaRPr lang="en-US"/>
           </a:p>
@@ -7359,7 +7385,7 @@
           <a:p>
             <a:fld id="{7CE38E4D-051A-41E1-86A4-E56916468FD0}" type="datetimeFigureOut">
               <a:rPr lang="en-US" smtClean="0"/>
-              <a:t>4/20/15</a:t>
+              <a:t>4/21/15</a:t>
             </a:fld>
             <a:endParaRPr lang="en-US"/>
           </a:p>
@@ -7472,7 +7498,7 @@
           <a:p>
             <a:fld id="{7CE38E4D-051A-41E1-86A4-E56916468FD0}" type="datetimeFigureOut">
               <a:rPr lang="en-US" smtClean="0"/>
-              <a:t>4/20/15</a:t>
+              <a:t>4/21/15</a:t>
             </a:fld>
             <a:endParaRPr lang="en-US"/>
           </a:p>
@@ -8013,7 +8039,7 @@
           <a:p>
             <a:fld id="{7CE38E4D-051A-41E1-86A4-E56916468FD0}" type="datetimeFigureOut">
               <a:rPr lang="en-US" smtClean="0"/>
-              <a:t>4/20/15</a:t>
+              <a:t>4/21/15</a:t>
             </a:fld>
             <a:endParaRPr lang="en-US"/>
           </a:p>
@@ -8126,7 +8152,7 @@
           <a:p>
             <a:fld id="{7CE38E4D-051A-41E1-86A4-E56916468FD0}" type="datetimeFigureOut">
               <a:rPr lang="en-US" smtClean="0"/>
-              <a:t>4/20/15</a:t>
+              <a:t>4/21/15</a:t>
             </a:fld>
             <a:endParaRPr lang="en-US"/>
           </a:p>
@@ -9837,7 +9863,7 @@
           <a:p>
             <a:fld id="{7CE38E4D-051A-41E1-86A4-E56916468FD0}" type="datetimeFigureOut">
               <a:rPr lang="en-US" smtClean="0"/>
-              <a:t>4/20/15</a:t>
+              <a:t>4/21/15</a:t>
             </a:fld>
             <a:endParaRPr lang="en-US"/>
           </a:p>
@@ -9988,7 +10014,7 @@
           <a:p>
             <a:fld id="{7CE38E4D-051A-41E1-86A4-E56916468FD0}" type="datetimeFigureOut">
               <a:rPr lang="en-US" smtClean="0"/>
-              <a:t>4/20/15</a:t>
+              <a:t>4/21/15</a:t>
             </a:fld>
             <a:endParaRPr lang="en-US"/>
           </a:p>
@@ -13603,7 +13629,7 @@
           <a:p>
             <a:fld id="{7CE38E4D-051A-41E1-86A4-E56916468FD0}" type="datetimeFigureOut">
               <a:rPr lang="en-US" smtClean="0"/>
-              <a:t>4/20/15</a:t>
+              <a:t>4/21/15</a:t>
             </a:fld>
             <a:endParaRPr lang="en-US"/>
           </a:p>
@@ -15462,7 +15488,7 @@
           <a:p>
             <a:fld id="{7CE38E4D-051A-41E1-86A4-E56916468FD0}" type="datetimeFigureOut">
               <a:rPr lang="en-US" smtClean="0"/>
-              <a:t>4/20/15</a:t>
+              <a:t>4/21/15</a:t>
             </a:fld>
             <a:endParaRPr lang="en-US"/>
           </a:p>
@@ -16328,10 +16354,19 @@
         <p:spPr/>
         <p:txBody>
           <a:bodyPr>
-            <a:normAutofit/>
+            <a:normAutofit fontScale="92500" lnSpcReduction="10000"/>
           </a:bodyPr>
           <a:lstStyle/>
           <a:p>
+            <a:pPr marL="0" indent="0">
+              <a:buNone/>
+            </a:pPr>
+            <a:r>
+              <a:rPr lang="en-US" dirty="0" smtClean="0"/>
+              <a:t>Create IAM User and Group:</a:t>
+            </a:r>
+          </a:p>
+          <a:p>
             <a:r>
               <a:rPr lang="en-US" dirty="0" smtClean="0"/>
               <a:t>Create an IAM Group</a:t>
@@ -16340,23 +16375,51 @@
           <a:p>
             <a:r>
               <a:rPr lang="en-US" dirty="0" smtClean="0"/>
-              <a:t>Attach a Managed Policy to the Group</a:t>
-            </a:r>
-          </a:p>
-          <a:p>
+              <a:t>Create an IAM User</a:t>
+            </a:r>
+          </a:p>
+          <a:p>
+            <a:pPr marL="0" indent="0">
+              <a:buNone/>
+            </a:pPr>
             <a:r>
               <a:rPr lang="en-US" dirty="0" smtClean="0"/>
-              <a:t>Create an IAM User</a:t>
+              <a:t>Create a Limited Access IAM User and Test:</a:t>
             </a:r>
           </a:p>
           <a:p>
             <a:r>
               <a:rPr lang="en-US" dirty="0" smtClean="0"/>
-              <a:t>Add IAM User to Group</a:t>
-            </a:r>
-          </a:p>
-          <a:p>
-            <a:endParaRPr lang="en-US" dirty="0" smtClean="0"/>
+              <a:t>Create an IAM Policy</a:t>
+            </a:r>
+          </a:p>
+          <a:p>
+            <a:r>
+              <a:rPr lang="en-US" dirty="0" smtClean="0"/>
+              <a:t>Create a user</a:t>
+            </a:r>
+          </a:p>
+          <a:p>
+            <a:r>
+              <a:rPr lang="en-US" dirty="0" smtClean="0"/>
+              <a:t>Apply Policy to user – allow access to resource by Tag</a:t>
+            </a:r>
+          </a:p>
+          <a:p>
+            <a:r>
+              <a:rPr lang="en-US" dirty="0" smtClean="0"/>
+              <a:t>Test Access Policy</a:t>
+            </a:r>
+          </a:p>
+          <a:p>
+            <a:pPr marL="0" indent="0">
+              <a:buNone/>
+            </a:pPr>
+            <a:r>
+              <a:rPr lang="en-US" smtClean="0"/>
+              <a:t>Create </a:t>
+            </a:r>
+            <a:endParaRPr lang="en-US" dirty="0"/>
           </a:p>
           <a:p>
             <a:endParaRPr lang="en-US" dirty="0" smtClean="0"/>
@@ -16382,7 +16445,11 @@
           <a:p>
             <a:r>
               <a:rPr lang="en-US" dirty="0" smtClean="0"/>
-              <a:t>Hands On: Create an IAM User</a:t>
+              <a:t>Hands On: </a:t>
+            </a:r>
+            <a:r>
+              <a:rPr lang="en-US" dirty="0" smtClean="0"/>
+              <a:t>IAM</a:t>
             </a:r>
             <a:endParaRPr lang="en-US" dirty="0"/>
           </a:p>

--- a/aws-iam/aws-iam.pptx
+++ b/aws-iam/aws-iam.pptx
@@ -5,21 +5,26 @@
     <p:sldMasterId id="2147483677" r:id="rId1"/>
   </p:sldMasterIdLst>
   <p:notesMasterIdLst>
-    <p:notesMasterId r:id="rId14"/>
+    <p:notesMasterId r:id="rId19"/>
   </p:notesMasterIdLst>
   <p:sldIdLst>
     <p:sldId id="256" r:id="rId2"/>
     <p:sldId id="276" r:id="rId3"/>
     <p:sldId id="282" r:id="rId4"/>
     <p:sldId id="284" r:id="rId5"/>
-    <p:sldId id="280" r:id="rId6"/>
-    <p:sldId id="283" r:id="rId7"/>
-    <p:sldId id="278" r:id="rId8"/>
-    <p:sldId id="286" r:id="rId9"/>
-    <p:sldId id="279" r:id="rId10"/>
-    <p:sldId id="277" r:id="rId11"/>
-    <p:sldId id="287" r:id="rId12"/>
-    <p:sldId id="258" r:id="rId13"/>
+    <p:sldId id="288" r:id="rId6"/>
+    <p:sldId id="289" r:id="rId7"/>
+    <p:sldId id="291" r:id="rId8"/>
+    <p:sldId id="292" r:id="rId9"/>
+    <p:sldId id="290" r:id="rId10"/>
+    <p:sldId id="280" r:id="rId11"/>
+    <p:sldId id="283" r:id="rId12"/>
+    <p:sldId id="278" r:id="rId13"/>
+    <p:sldId id="286" r:id="rId14"/>
+    <p:sldId id="279" r:id="rId15"/>
+    <p:sldId id="277" r:id="rId16"/>
+    <p:sldId id="287" r:id="rId17"/>
+    <p:sldId id="258" r:id="rId18"/>
   </p:sldIdLst>
   <p:sldSz cx="9144000" cy="6858000" type="screen4x3"/>
   <p:notesSz cx="6858000" cy="9144000"/>
@@ -203,7 +208,7 @@
           <a:p>
             <a:fld id="{1B6676A5-1300-B945-98B1-DD92DDC3A3CB}" type="datetimeFigureOut">
               <a:rPr lang="en-US" smtClean="0"/>
-              <a:t>4/21/15</a:t>
+              <a:t>4/23/15</a:t>
             </a:fld>
             <a:endParaRPr lang="en-US"/>
           </a:p>
@@ -577,6 +582,646 @@
 </p:notes>
 </file>
 
+<file path=ppt/notesSlides/notesSlide10.xml><?xml version="1.0" encoding="utf-8"?>
+<p:notes xmlns:a="http://schemas.openxmlformats.org/drawingml/2006/main" xmlns:r="http://schemas.openxmlformats.org/officeDocument/2006/relationships" xmlns:p="http://schemas.openxmlformats.org/presentationml/2006/main">
+  <p:cSld>
+    <p:spTree>
+      <p:nvGrpSpPr>
+        <p:cNvPr id="1" name=""/>
+        <p:cNvGrpSpPr/>
+        <p:nvPr/>
+      </p:nvGrpSpPr>
+      <p:grpSpPr>
+        <a:xfrm>
+          <a:off x="0" y="0"/>
+          <a:ext cx="0" cy="0"/>
+          <a:chOff x="0" y="0"/>
+          <a:chExt cx="0" cy="0"/>
+        </a:xfrm>
+      </p:grpSpPr>
+      <p:sp>
+        <p:nvSpPr>
+          <p:cNvPr id="2" name="Slide Image Placeholder 1"/>
+          <p:cNvSpPr>
+            <a:spLocks noGrp="1" noRot="1" noChangeAspect="1"/>
+          </p:cNvSpPr>
+          <p:nvPr>
+            <p:ph type="sldImg"/>
+          </p:nvPr>
+        </p:nvSpPr>
+        <p:spPr/>
+      </p:sp>
+      <p:sp>
+        <p:nvSpPr>
+          <p:cNvPr id="3" name="Notes Placeholder 2"/>
+          <p:cNvSpPr>
+            <a:spLocks noGrp="1"/>
+          </p:cNvSpPr>
+          <p:nvPr>
+            <p:ph type="body" idx="1"/>
+          </p:nvPr>
+        </p:nvSpPr>
+        <p:spPr/>
+        <p:txBody>
+          <a:bodyPr/>
+          <a:lstStyle/>
+          <a:p>
+            <a:r>
+              <a:rPr lang="en-US" dirty="0" smtClean="0"/>
+              <a:t>References:</a:t>
+            </a:r>
+          </a:p>
+          <a:p>
+            <a:pPr marL="171450" indent="-171450">
+              <a:buFont typeface="Arial"/>
+              <a:buChar char="•"/>
+            </a:pPr>
+            <a:r>
+              <a:rPr lang="en-US" dirty="0" smtClean="0"/>
+              <a:t>ARN Identification: http://</a:t>
+            </a:r>
+            <a:r>
+              <a:rPr lang="en-US" dirty="0" err="1" smtClean="0"/>
+              <a:t>docs.aws.amazon.com</a:t>
+            </a:r>
+            <a:r>
+              <a:rPr lang="en-US" dirty="0" smtClean="0"/>
+              <a:t>/general/latest/gr/</a:t>
+            </a:r>
+            <a:r>
+              <a:rPr lang="en-US" dirty="0" err="1" smtClean="0"/>
+              <a:t>aws</a:t>
+            </a:r>
+            <a:r>
+              <a:rPr lang="en-US" dirty="0" smtClean="0"/>
+              <a:t>-</a:t>
+            </a:r>
+            <a:r>
+              <a:rPr lang="en-US" dirty="0" err="1" smtClean="0"/>
+              <a:t>arns</a:t>
+            </a:r>
+            <a:r>
+              <a:rPr lang="en-US" dirty="0" smtClean="0"/>
+              <a:t>-and-</a:t>
+            </a:r>
+            <a:r>
+              <a:rPr lang="en-US" dirty="0" err="1" smtClean="0"/>
+              <a:t>namespaces.html</a:t>
+            </a:r>
+            <a:endParaRPr lang="en-US" dirty="0" smtClean="0"/>
+          </a:p>
+          <a:p>
+            <a:pPr marL="171450" indent="-171450">
+              <a:buFont typeface="Arial"/>
+              <a:buChar char="•"/>
+            </a:pPr>
+            <a:r>
+              <a:rPr lang="en-US" dirty="0" smtClean="0"/>
+              <a:t>Service</a:t>
+            </a:r>
+            <a:r>
+              <a:rPr lang="en-US" baseline="0" dirty="0" smtClean="0"/>
+              <a:t> Namespaces: http://</a:t>
+            </a:r>
+            <a:r>
+              <a:rPr lang="en-US" baseline="0" dirty="0" err="1" smtClean="0"/>
+              <a:t>docs.aws.amazon.com</a:t>
+            </a:r>
+            <a:r>
+              <a:rPr lang="en-US" baseline="0" dirty="0" smtClean="0"/>
+              <a:t>/general/latest/gr/</a:t>
+            </a:r>
+            <a:r>
+              <a:rPr lang="en-US" baseline="0" dirty="0" err="1" smtClean="0"/>
+              <a:t>aws-arns-and-namespaces.html#genref-aws-service-namespaces</a:t>
+            </a:r>
+            <a:endParaRPr lang="en-US" dirty="0"/>
+          </a:p>
+        </p:txBody>
+      </p:sp>
+      <p:sp>
+        <p:nvSpPr>
+          <p:cNvPr id="4" name="Slide Number Placeholder 3"/>
+          <p:cNvSpPr>
+            <a:spLocks noGrp="1"/>
+          </p:cNvSpPr>
+          <p:nvPr>
+            <p:ph type="sldNum" sz="quarter" idx="10"/>
+          </p:nvPr>
+        </p:nvSpPr>
+        <p:spPr/>
+        <p:txBody>
+          <a:bodyPr/>
+          <a:lstStyle/>
+          <a:p>
+            <a:fld id="{BFB43062-714D-1146-A97F-0D45BD9E7BF0}" type="slidenum">
+              <a:rPr lang="en-US" smtClean="0"/>
+              <a:t>13</a:t>
+            </a:fld>
+            <a:endParaRPr lang="en-US"/>
+          </a:p>
+        </p:txBody>
+      </p:sp>
+    </p:spTree>
+    <p:extLst>
+      <p:ext uri="{BB962C8B-B14F-4D97-AF65-F5344CB8AC3E}">
+        <p14:creationId xmlns:p14="http://schemas.microsoft.com/office/powerpoint/2010/main" val="3147512962"/>
+      </p:ext>
+    </p:extLst>
+  </p:cSld>
+  <p:clrMapOvr>
+    <a:masterClrMapping/>
+  </p:clrMapOvr>
+</p:notes>
+</file>
+
+<file path=ppt/notesSlides/notesSlide11.xml><?xml version="1.0" encoding="utf-8"?>
+<p:notes xmlns:a="http://schemas.openxmlformats.org/drawingml/2006/main" xmlns:r="http://schemas.openxmlformats.org/officeDocument/2006/relationships" xmlns:p="http://schemas.openxmlformats.org/presentationml/2006/main">
+  <p:cSld>
+    <p:spTree>
+      <p:nvGrpSpPr>
+        <p:cNvPr id="1" name=""/>
+        <p:cNvGrpSpPr/>
+        <p:nvPr/>
+      </p:nvGrpSpPr>
+      <p:grpSpPr>
+        <a:xfrm>
+          <a:off x="0" y="0"/>
+          <a:ext cx="0" cy="0"/>
+          <a:chOff x="0" y="0"/>
+          <a:chExt cx="0" cy="0"/>
+        </a:xfrm>
+      </p:grpSpPr>
+      <p:sp>
+        <p:nvSpPr>
+          <p:cNvPr id="2" name="Slide Image Placeholder 1"/>
+          <p:cNvSpPr>
+            <a:spLocks noGrp="1" noRot="1" noChangeAspect="1"/>
+          </p:cNvSpPr>
+          <p:nvPr>
+            <p:ph type="sldImg"/>
+          </p:nvPr>
+        </p:nvSpPr>
+        <p:spPr/>
+      </p:sp>
+      <p:sp>
+        <p:nvSpPr>
+          <p:cNvPr id="3" name="Notes Placeholder 2"/>
+          <p:cNvSpPr>
+            <a:spLocks noGrp="1"/>
+          </p:cNvSpPr>
+          <p:nvPr>
+            <p:ph type="body" idx="1"/>
+          </p:nvPr>
+        </p:nvSpPr>
+        <p:spPr/>
+        <p:txBody>
+          <a:bodyPr/>
+          <a:lstStyle/>
+          <a:p>
+            <a:r>
+              <a:rPr lang="en-US" dirty="0" smtClean="0"/>
+              <a:t>Reference:</a:t>
+            </a:r>
+          </a:p>
+          <a:p>
+            <a:pPr marL="171450" indent="-171450">
+              <a:buFont typeface="Arial"/>
+              <a:buChar char="•"/>
+            </a:pPr>
+            <a:r>
+              <a:rPr lang="en-US" dirty="0" smtClean="0"/>
+              <a:t>Role for EC2: http://</a:t>
+            </a:r>
+            <a:r>
+              <a:rPr lang="en-US" dirty="0" err="1" smtClean="0"/>
+              <a:t>docs.aws.amazon.com</a:t>
+            </a:r>
+            <a:r>
+              <a:rPr lang="en-US" dirty="0" smtClean="0"/>
+              <a:t>/AWSEC2/latest/</a:t>
+            </a:r>
+            <a:r>
+              <a:rPr lang="en-US" dirty="0" err="1" smtClean="0"/>
+              <a:t>UserGuide</a:t>
+            </a:r>
+            <a:r>
+              <a:rPr lang="en-US" dirty="0" smtClean="0"/>
+              <a:t>/iam-roles-for-amazon-ec2.html</a:t>
+            </a:r>
+            <a:endParaRPr lang="en-US" dirty="0"/>
+          </a:p>
+        </p:txBody>
+      </p:sp>
+      <p:sp>
+        <p:nvSpPr>
+          <p:cNvPr id="4" name="Slide Number Placeholder 3"/>
+          <p:cNvSpPr>
+            <a:spLocks noGrp="1"/>
+          </p:cNvSpPr>
+          <p:nvPr>
+            <p:ph type="sldNum" sz="quarter" idx="10"/>
+          </p:nvPr>
+        </p:nvSpPr>
+        <p:spPr/>
+        <p:txBody>
+          <a:bodyPr/>
+          <a:lstStyle/>
+          <a:p>
+            <a:fld id="{BFB43062-714D-1146-A97F-0D45BD9E7BF0}" type="slidenum">
+              <a:rPr lang="en-US" smtClean="0"/>
+              <a:t>14</a:t>
+            </a:fld>
+            <a:endParaRPr lang="en-US"/>
+          </a:p>
+        </p:txBody>
+      </p:sp>
+    </p:spTree>
+    <p:extLst>
+      <p:ext uri="{BB962C8B-B14F-4D97-AF65-F5344CB8AC3E}">
+        <p14:creationId xmlns:p14="http://schemas.microsoft.com/office/powerpoint/2010/main" val="3986410793"/>
+      </p:ext>
+    </p:extLst>
+  </p:cSld>
+  <p:clrMapOvr>
+    <a:masterClrMapping/>
+  </p:clrMapOvr>
+</p:notes>
+</file>
+
+<file path=ppt/notesSlides/notesSlide12.xml><?xml version="1.0" encoding="utf-8"?>
+<p:notes xmlns:a="http://schemas.openxmlformats.org/drawingml/2006/main" xmlns:r="http://schemas.openxmlformats.org/officeDocument/2006/relationships" xmlns:p="http://schemas.openxmlformats.org/presentationml/2006/main">
+  <p:cSld>
+    <p:spTree>
+      <p:nvGrpSpPr>
+        <p:cNvPr id="1" name=""/>
+        <p:cNvGrpSpPr/>
+        <p:nvPr/>
+      </p:nvGrpSpPr>
+      <p:grpSpPr>
+        <a:xfrm>
+          <a:off x="0" y="0"/>
+          <a:ext cx="0" cy="0"/>
+          <a:chOff x="0" y="0"/>
+          <a:chExt cx="0" cy="0"/>
+        </a:xfrm>
+      </p:grpSpPr>
+      <p:sp>
+        <p:nvSpPr>
+          <p:cNvPr id="2" name="Slide Image Placeholder 1"/>
+          <p:cNvSpPr>
+            <a:spLocks noGrp="1" noRot="1" noChangeAspect="1"/>
+          </p:cNvSpPr>
+          <p:nvPr>
+            <p:ph type="sldImg"/>
+          </p:nvPr>
+        </p:nvSpPr>
+        <p:spPr/>
+      </p:sp>
+      <p:sp>
+        <p:nvSpPr>
+          <p:cNvPr id="3" name="Notes Placeholder 2"/>
+          <p:cNvSpPr>
+            <a:spLocks noGrp="1"/>
+          </p:cNvSpPr>
+          <p:nvPr>
+            <p:ph type="body" idx="1"/>
+          </p:nvPr>
+        </p:nvSpPr>
+        <p:spPr/>
+        <p:txBody>
+          <a:bodyPr/>
+          <a:lstStyle/>
+          <a:p>
+            <a:r>
+              <a:rPr lang="en-US" dirty="0" smtClean="0"/>
+              <a:t>References:</a:t>
+            </a:r>
+          </a:p>
+          <a:p>
+            <a:pPr marL="171450" indent="-171450">
+              <a:buFont typeface="Arial"/>
+              <a:buChar char="•"/>
+            </a:pPr>
+            <a:r>
+              <a:rPr lang="en-US" dirty="0" smtClean="0"/>
+              <a:t>IAM Best Practices:</a:t>
+            </a:r>
+            <a:r>
+              <a:rPr lang="en-US" baseline="0" dirty="0" smtClean="0"/>
+              <a:t> http://</a:t>
+            </a:r>
+            <a:r>
+              <a:rPr lang="en-US" baseline="0" dirty="0" err="1" smtClean="0"/>
+              <a:t>docs.aws.amazon.com</a:t>
+            </a:r>
+            <a:r>
+              <a:rPr lang="en-US" baseline="0" dirty="0" smtClean="0"/>
+              <a:t>/IAM/latest/</a:t>
+            </a:r>
+            <a:r>
+              <a:rPr lang="en-US" baseline="0" dirty="0" err="1" smtClean="0"/>
+              <a:t>UserGuide</a:t>
+            </a:r>
+            <a:r>
+              <a:rPr lang="en-US" baseline="0" dirty="0" smtClean="0"/>
+              <a:t>/</a:t>
+            </a:r>
+            <a:r>
+              <a:rPr lang="en-US" baseline="0" dirty="0" err="1" smtClean="0"/>
+              <a:t>IAMBestPractices.html</a:t>
+            </a:r>
+            <a:endParaRPr lang="en-US" baseline="0" dirty="0" smtClean="0"/>
+          </a:p>
+          <a:p>
+            <a:pPr marL="171450" indent="-171450">
+              <a:buFont typeface="Arial"/>
+              <a:buChar char="•"/>
+            </a:pPr>
+            <a:r>
+              <a:rPr lang="en-US" dirty="0" smtClean="0"/>
+              <a:t>http://</a:t>
+            </a:r>
+            <a:r>
+              <a:rPr lang="en-US" dirty="0" err="1" smtClean="0"/>
+              <a:t>aws.amazon.com</a:t>
+            </a:r>
+            <a:r>
+              <a:rPr lang="en-US" dirty="0" smtClean="0"/>
+              <a:t>/</a:t>
+            </a:r>
+            <a:r>
+              <a:rPr lang="en-US" dirty="0" err="1" smtClean="0"/>
+              <a:t>iam</a:t>
+            </a:r>
+            <a:r>
+              <a:rPr lang="en-US" dirty="0" smtClean="0"/>
+              <a:t>/details/manage-users/</a:t>
+            </a:r>
+            <a:endParaRPr lang="en-US" dirty="0"/>
+          </a:p>
+        </p:txBody>
+      </p:sp>
+      <p:sp>
+        <p:nvSpPr>
+          <p:cNvPr id="4" name="Slide Number Placeholder 3"/>
+          <p:cNvSpPr>
+            <a:spLocks noGrp="1"/>
+          </p:cNvSpPr>
+          <p:nvPr>
+            <p:ph type="sldNum" sz="quarter" idx="10"/>
+          </p:nvPr>
+        </p:nvSpPr>
+        <p:spPr/>
+        <p:txBody>
+          <a:bodyPr/>
+          <a:lstStyle/>
+          <a:p>
+            <a:fld id="{BFB43062-714D-1146-A97F-0D45BD9E7BF0}" type="slidenum">
+              <a:rPr lang="en-US" smtClean="0"/>
+              <a:t>15</a:t>
+            </a:fld>
+            <a:endParaRPr lang="en-US"/>
+          </a:p>
+        </p:txBody>
+      </p:sp>
+    </p:spTree>
+    <p:extLst>
+      <p:ext uri="{BB962C8B-B14F-4D97-AF65-F5344CB8AC3E}">
+        <p14:creationId xmlns:p14="http://schemas.microsoft.com/office/powerpoint/2010/main" val="1619447160"/>
+      </p:ext>
+    </p:extLst>
+  </p:cSld>
+  <p:clrMapOvr>
+    <a:masterClrMapping/>
+  </p:clrMapOvr>
+</p:notes>
+</file>
+
+<file path=ppt/notesSlides/notesSlide13.xml><?xml version="1.0" encoding="utf-8"?>
+<p:notes xmlns:a="http://schemas.openxmlformats.org/drawingml/2006/main" xmlns:r="http://schemas.openxmlformats.org/officeDocument/2006/relationships" xmlns:p="http://schemas.openxmlformats.org/presentationml/2006/main">
+  <p:cSld>
+    <p:spTree>
+      <p:nvGrpSpPr>
+        <p:cNvPr id="1" name=""/>
+        <p:cNvGrpSpPr/>
+        <p:nvPr/>
+      </p:nvGrpSpPr>
+      <p:grpSpPr>
+        <a:xfrm>
+          <a:off x="0" y="0"/>
+          <a:ext cx="0" cy="0"/>
+          <a:chOff x="0" y="0"/>
+          <a:chExt cx="0" cy="0"/>
+        </a:xfrm>
+      </p:grpSpPr>
+      <p:sp>
+        <p:nvSpPr>
+          <p:cNvPr id="2" name="Slide Image Placeholder 1"/>
+          <p:cNvSpPr>
+            <a:spLocks noGrp="1" noRot="1" noChangeAspect="1"/>
+          </p:cNvSpPr>
+          <p:nvPr>
+            <p:ph type="sldImg"/>
+          </p:nvPr>
+        </p:nvSpPr>
+        <p:spPr/>
+      </p:sp>
+      <p:sp>
+        <p:nvSpPr>
+          <p:cNvPr id="3" name="Notes Placeholder 2"/>
+          <p:cNvSpPr>
+            <a:spLocks noGrp="1"/>
+          </p:cNvSpPr>
+          <p:nvPr>
+            <p:ph type="body" idx="1"/>
+          </p:nvPr>
+        </p:nvSpPr>
+        <p:spPr/>
+        <p:txBody>
+          <a:bodyPr/>
+          <a:lstStyle/>
+          <a:p>
+            <a:endParaRPr lang="en-US" dirty="0"/>
+          </a:p>
+        </p:txBody>
+      </p:sp>
+      <p:sp>
+        <p:nvSpPr>
+          <p:cNvPr id="4" name="Slide Number Placeholder 3"/>
+          <p:cNvSpPr>
+            <a:spLocks noGrp="1"/>
+          </p:cNvSpPr>
+          <p:nvPr>
+            <p:ph type="sldNum" sz="quarter" idx="10"/>
+          </p:nvPr>
+        </p:nvSpPr>
+        <p:spPr/>
+        <p:txBody>
+          <a:bodyPr/>
+          <a:lstStyle/>
+          <a:p>
+            <a:fld id="{BFB43062-714D-1146-A97F-0D45BD9E7BF0}" type="slidenum">
+              <a:rPr lang="en-US" smtClean="0"/>
+              <a:t>16</a:t>
+            </a:fld>
+            <a:endParaRPr lang="en-US"/>
+          </a:p>
+        </p:txBody>
+      </p:sp>
+    </p:spTree>
+    <p:extLst>
+      <p:ext uri="{BB962C8B-B14F-4D97-AF65-F5344CB8AC3E}">
+        <p14:creationId xmlns:p14="http://schemas.microsoft.com/office/powerpoint/2010/main" val="1619447160"/>
+      </p:ext>
+    </p:extLst>
+  </p:cSld>
+  <p:clrMapOvr>
+    <a:masterClrMapping/>
+  </p:clrMapOvr>
+</p:notes>
+</file>
+
+<file path=ppt/notesSlides/notesSlide14.xml><?xml version="1.0" encoding="utf-8"?>
+<p:notes xmlns:a="http://schemas.openxmlformats.org/drawingml/2006/main" xmlns:r="http://schemas.openxmlformats.org/officeDocument/2006/relationships" xmlns:p="http://schemas.openxmlformats.org/presentationml/2006/main">
+  <p:cSld>
+    <p:spTree>
+      <p:nvGrpSpPr>
+        <p:cNvPr id="1" name=""/>
+        <p:cNvGrpSpPr/>
+        <p:nvPr/>
+      </p:nvGrpSpPr>
+      <p:grpSpPr>
+        <a:xfrm>
+          <a:off x="0" y="0"/>
+          <a:ext cx="0" cy="0"/>
+          <a:chOff x="0" y="0"/>
+          <a:chExt cx="0" cy="0"/>
+        </a:xfrm>
+      </p:grpSpPr>
+      <p:sp>
+        <p:nvSpPr>
+          <p:cNvPr id="2" name="Slide Image Placeholder 1"/>
+          <p:cNvSpPr>
+            <a:spLocks noGrp="1" noRot="1" noChangeAspect="1"/>
+          </p:cNvSpPr>
+          <p:nvPr>
+            <p:ph type="sldImg"/>
+          </p:nvPr>
+        </p:nvSpPr>
+        <p:spPr/>
+      </p:sp>
+      <p:sp>
+        <p:nvSpPr>
+          <p:cNvPr id="3" name="Notes Placeholder 2"/>
+          <p:cNvSpPr>
+            <a:spLocks noGrp="1"/>
+          </p:cNvSpPr>
+          <p:nvPr>
+            <p:ph type="body" idx="1"/>
+          </p:nvPr>
+        </p:nvSpPr>
+        <p:spPr/>
+        <p:txBody>
+          <a:bodyPr/>
+          <a:lstStyle/>
+          <a:p>
+            <a:r>
+              <a:rPr lang="en-US" dirty="0" smtClean="0"/>
+              <a:t>Hands</a:t>
+            </a:r>
+            <a:r>
+              <a:rPr lang="en-US" baseline="0" dirty="0" smtClean="0"/>
+              <a:t> On Files</a:t>
+            </a:r>
+            <a:r>
+              <a:rPr lang="en-US" dirty="0" smtClean="0"/>
+              <a:t>:</a:t>
+            </a:r>
+          </a:p>
+          <a:p>
+            <a:pPr marL="171450" indent="-171450">
+              <a:buFont typeface="Arial"/>
+              <a:buChar char="•"/>
+            </a:pPr>
+            <a:r>
+              <a:rPr lang="en-US" dirty="0" err="1" smtClean="0"/>
+              <a:t>iam</a:t>
+            </a:r>
+            <a:r>
+              <a:rPr lang="en-US" dirty="0" smtClean="0"/>
+              <a:t>-create-group-</a:t>
+            </a:r>
+            <a:r>
+              <a:rPr lang="en-US" dirty="0" err="1" smtClean="0"/>
+              <a:t>user.docx</a:t>
+            </a:r>
+            <a:endParaRPr lang="en-US" dirty="0" smtClean="0"/>
+          </a:p>
+          <a:p>
+            <a:pPr marL="171450" indent="-171450">
+              <a:buFont typeface="Arial"/>
+              <a:buChar char="•"/>
+            </a:pPr>
+            <a:r>
+              <a:rPr lang="en-US" dirty="0" err="1" smtClean="0"/>
+              <a:t>iam</a:t>
+            </a:r>
+            <a:r>
+              <a:rPr lang="en-US" dirty="0" smtClean="0"/>
+              <a:t>-restrict-access-</a:t>
+            </a:r>
+            <a:r>
+              <a:rPr lang="en-US" dirty="0" err="1" smtClean="0"/>
+              <a:t>tag.md</a:t>
+            </a:r>
+            <a:endParaRPr lang="en-US" smtClean="0"/>
+          </a:p>
+          <a:p>
+            <a:pPr marL="0" indent="0">
+              <a:buFont typeface="Arial"/>
+              <a:buNone/>
+            </a:pPr>
+            <a:endParaRPr lang="en-US" dirty="0"/>
+          </a:p>
+        </p:txBody>
+      </p:sp>
+      <p:sp>
+        <p:nvSpPr>
+          <p:cNvPr id="4" name="Slide Number Placeholder 3"/>
+          <p:cNvSpPr>
+            <a:spLocks noGrp="1"/>
+          </p:cNvSpPr>
+          <p:nvPr>
+            <p:ph type="sldNum" sz="quarter" idx="10"/>
+          </p:nvPr>
+        </p:nvSpPr>
+        <p:spPr/>
+        <p:txBody>
+          <a:bodyPr/>
+          <a:lstStyle/>
+          <a:p>
+            <a:fld id="{BFB43062-714D-1146-A97F-0D45BD9E7BF0}" type="slidenum">
+              <a:rPr lang="en-US" smtClean="0"/>
+              <a:t>17</a:t>
+            </a:fld>
+            <a:endParaRPr lang="en-US"/>
+          </a:p>
+        </p:txBody>
+      </p:sp>
+    </p:spTree>
+    <p:extLst>
+      <p:ext uri="{BB962C8B-B14F-4D97-AF65-F5344CB8AC3E}">
+        <p14:creationId xmlns:p14="http://schemas.microsoft.com/office/powerpoint/2010/main" val="1326461569"/>
+      </p:ext>
+    </p:extLst>
+  </p:cSld>
+  <p:clrMapOvr>
+    <a:masterClrMapping/>
+  </p:clrMapOvr>
+</p:notes>
+</file>
+
 <file path=ppt/notesSlides/notesSlide2.xml><?xml version="1.0" encoding="utf-8"?>
 <p:notes xmlns:a="http://schemas.openxmlformats.org/drawingml/2006/main" xmlns:r="http://schemas.openxmlformats.org/officeDocument/2006/relationships" xmlns:p="http://schemas.openxmlformats.org/presentationml/2006/main">
   <p:cSld>
@@ -707,13 +1352,50 @@
           <a:p>
             <a:r>
               <a:rPr lang="en-US" dirty="0" smtClean="0"/>
-              <a:t>Reference:</a:t>
-            </a:r>
-          </a:p>
-          <a:p>
-            <a:pPr marL="171450" indent="-171450">
-              <a:buFont typeface="Arial"/>
-              <a:buChar char="•"/>
+              <a:t>Answer: No. Result of policy evaluation:</a:t>
+            </a:r>
+          </a:p>
+          <a:p>
+            <a:pPr marL="228600" marR="0" indent="-228600" algn="l" defTabSz="457200" rtl="0" eaLnBrk="1" fontAlgn="auto" latinLnBrk="0" hangingPunct="1">
+              <a:lnSpc>
+                <a:spcPct val="100000"/>
+              </a:lnSpc>
+              <a:spcBef>
+                <a:spcPts val="0"/>
+              </a:spcBef>
+              <a:spcAft>
+                <a:spcPts val="0"/>
+              </a:spcAft>
+              <a:buClrTx/>
+              <a:buSzTx/>
+              <a:buFontTx/>
+              <a:buAutoNum type="arabicPeriod"/>
+              <a:tabLst/>
+              <a:defRPr/>
+            </a:pPr>
+            <a:r>
+              <a:rPr lang="en-US" baseline="0" dirty="0" smtClean="0"/>
+              <a:t>No. The resource (</a:t>
+            </a:r>
+            <a:r>
+              <a:rPr lang="de-DE" baseline="0" dirty="0" smtClean="0"/>
+              <a:t>i-8f00e559)</a:t>
+            </a:r>
+            <a:r>
+              <a:rPr lang="en-US" baseline="0" dirty="0" smtClean="0"/>
+              <a:t> specified in the resource context does not match the resources for which Actions are specified in the given policy.</a:t>
+            </a:r>
+            <a:endParaRPr lang="en-US" dirty="0" smtClean="0"/>
+          </a:p>
+          <a:p>
+            <a:pPr marL="0" indent="0">
+              <a:buNone/>
+            </a:pPr>
+            <a:endParaRPr lang="en-US" baseline="0" dirty="0" smtClean="0"/>
+          </a:p>
+          <a:p>
+            <a:pPr marL="0" indent="0">
+              <a:buNone/>
             </a:pPr>
             <a:r>
               <a:rPr lang="en-US" dirty="0" smtClean="0"/>
@@ -733,19 +1415,11 @@
             </a:r>
             <a:r>
               <a:rPr lang="en-US" dirty="0" smtClean="0"/>
-              <a:t>/policies-managed-</a:t>
+              <a:t>/</a:t>
             </a:r>
             <a:r>
               <a:rPr lang="en-US" dirty="0" err="1" smtClean="0"/>
-              <a:t>vs</a:t>
-            </a:r>
-            <a:r>
-              <a:rPr lang="en-US" dirty="0" smtClean="0"/>
-              <a:t>-</a:t>
-            </a:r>
-            <a:r>
-              <a:rPr lang="en-US" dirty="0" err="1" smtClean="0"/>
-              <a:t>inline.html</a:t>
+              <a:t>AccessPolicyLanguage_EvaluationLogic.html</a:t>
             </a:r>
             <a:endParaRPr lang="en-US" dirty="0"/>
           </a:p>
@@ -768,7 +1442,7 @@
           <a:p>
             <a:fld id="{BFB43062-714D-1146-A97F-0D45BD9E7BF0}" type="slidenum">
               <a:rPr lang="en-US" smtClean="0"/>
-              <a:t>6</a:t>
+              <a:t>5</a:t>
             </a:fld>
             <a:endParaRPr lang="en-US"/>
           </a:p>
@@ -777,7 +1451,7 @@
     </p:spTree>
     <p:extLst>
       <p:ext uri="{BB962C8B-B14F-4D97-AF65-F5344CB8AC3E}">
-        <p14:creationId xmlns:p14="http://schemas.microsoft.com/office/powerpoint/2010/main" val="2555364409"/>
+        <p14:creationId xmlns:p14="http://schemas.microsoft.com/office/powerpoint/2010/main" val="116716749"/>
       </p:ext>
     </p:extLst>
   </p:cSld>
@@ -833,13 +1507,63 @@
           <a:p>
             <a:r>
               <a:rPr lang="en-US" dirty="0" smtClean="0"/>
-              <a:t>Reference:</a:t>
-            </a:r>
-          </a:p>
-          <a:p>
-            <a:pPr marL="171450" indent="-171450">
-              <a:buFont typeface="Arial"/>
-              <a:buChar char="•"/>
+              <a:t>Answer: No. Result of policy evaluation:</a:t>
+            </a:r>
+          </a:p>
+          <a:p>
+            <a:pPr marL="228600" marR="0" indent="-228600" algn="l" defTabSz="457200" rtl="0" eaLnBrk="1" fontAlgn="auto" latinLnBrk="0" hangingPunct="1">
+              <a:lnSpc>
+                <a:spcPct val="100000"/>
+              </a:lnSpc>
+              <a:spcBef>
+                <a:spcPts val="0"/>
+              </a:spcBef>
+              <a:spcAft>
+                <a:spcPts val="0"/>
+              </a:spcAft>
+              <a:buClrTx/>
+              <a:buSzTx/>
+              <a:buFontTx/>
+              <a:buAutoNum type="arabicPeriod"/>
+              <a:tabLst/>
+              <a:defRPr/>
+            </a:pPr>
+            <a:r>
+              <a:rPr lang="en-US" baseline="0" dirty="0" smtClean="0"/>
+              <a:t>Yes. The resource (</a:t>
+            </a:r>
+            <a:r>
+              <a:rPr lang="de-DE" baseline="0" dirty="0" smtClean="0"/>
+              <a:t>i-8f00e559)</a:t>
+            </a:r>
+            <a:r>
+              <a:rPr lang="en-US" baseline="0" dirty="0" smtClean="0"/>
+              <a:t> specified in the resource context matches the resources for which Actions are specified in the given policy.</a:t>
+            </a:r>
+            <a:endParaRPr lang="en-US" dirty="0" smtClean="0"/>
+          </a:p>
+          <a:p>
+            <a:pPr marL="228600" indent="-228600">
+              <a:buAutoNum type="arabicPeriod"/>
+            </a:pPr>
+            <a:r>
+              <a:rPr lang="en-US" dirty="0" smtClean="0"/>
+              <a:t>No. The command (terminate-instances)</a:t>
+            </a:r>
+            <a:r>
+              <a:rPr lang="en-US" baseline="0" dirty="0" smtClean="0"/>
+              <a:t> in the resource context does not match the commands allowed in the “Action” element in the given policy.</a:t>
+            </a:r>
+          </a:p>
+          <a:p>
+            <a:pPr marL="228600" indent="-228600">
+              <a:buAutoNum type="arabicPeriod"/>
+            </a:pPr>
+            <a:endParaRPr lang="en-US" baseline="0" dirty="0" smtClean="0"/>
+          </a:p>
+          <a:p>
+            <a:pPr marL="0" indent="0">
+              <a:buNone/>
             </a:pPr>
             <a:r>
               <a:rPr lang="en-US" dirty="0" smtClean="0"/>
@@ -863,7 +1587,7 @@
             </a:r>
             <a:r>
               <a:rPr lang="en-US" dirty="0" err="1" smtClean="0"/>
-              <a:t>PolicyVariables.html</a:t>
+              <a:t>AccessPolicyLanguage_EvaluationLogic.html</a:t>
             </a:r>
             <a:endParaRPr lang="en-US" dirty="0"/>
           </a:p>
@@ -886,7 +1610,7 @@
           <a:p>
             <a:fld id="{BFB43062-714D-1146-A97F-0D45BD9E7BF0}" type="slidenum">
               <a:rPr lang="en-US" smtClean="0"/>
-              <a:t>7</a:t>
+              <a:t>6</a:t>
             </a:fld>
             <a:endParaRPr lang="en-US"/>
           </a:p>
@@ -895,7 +1619,7 @@
     </p:spTree>
     <p:extLst>
       <p:ext uri="{BB962C8B-B14F-4D97-AF65-F5344CB8AC3E}">
-        <p14:creationId xmlns:p14="http://schemas.microsoft.com/office/powerpoint/2010/main" val="305666501"/>
+        <p14:creationId xmlns:p14="http://schemas.microsoft.com/office/powerpoint/2010/main" val="116716749"/>
       </p:ext>
     </p:extLst>
   </p:cSld>
@@ -951,17 +1675,67 @@
           <a:p>
             <a:r>
               <a:rPr lang="en-US" dirty="0" smtClean="0"/>
-              <a:t>References:</a:t>
-            </a:r>
-          </a:p>
-          <a:p>
-            <a:pPr marL="171450" indent="-171450">
-              <a:buFont typeface="Arial"/>
-              <a:buChar char="•"/>
+              <a:t>Answer: Yes. Result of policy evaluation:</a:t>
+            </a:r>
+          </a:p>
+          <a:p>
+            <a:pPr marL="228600" marR="0" indent="-228600" algn="l" defTabSz="457200" rtl="0" eaLnBrk="1" fontAlgn="auto" latinLnBrk="0" hangingPunct="1">
+              <a:lnSpc>
+                <a:spcPct val="100000"/>
+              </a:lnSpc>
+              <a:spcBef>
+                <a:spcPts val="0"/>
+              </a:spcBef>
+              <a:spcAft>
+                <a:spcPts val="0"/>
+              </a:spcAft>
+              <a:buClrTx/>
+              <a:buSzTx/>
+              <a:buFontTx/>
+              <a:buAutoNum type="arabicPeriod"/>
+              <a:tabLst/>
+              <a:defRPr/>
             </a:pPr>
             <a:r>
+              <a:rPr lang="en-US" baseline="0" dirty="0" smtClean="0"/>
+              <a:t>Yes. The resource (</a:t>
+            </a:r>
+            <a:r>
+              <a:rPr lang="de-DE" baseline="0" dirty="0" smtClean="0"/>
+              <a:t>i-8f00e559)</a:t>
+            </a:r>
+            <a:r>
+              <a:rPr lang="en-US" baseline="0" dirty="0" smtClean="0"/>
+              <a:t> specified in the resource context does matches the resources for which Actions are specified in the given policy.</a:t>
+            </a:r>
+            <a:endParaRPr lang="en-US" dirty="0" smtClean="0"/>
+          </a:p>
+          <a:p>
+            <a:pPr marL="228600" indent="-228600">
+              <a:buAutoNum type="arabicPeriod"/>
+            </a:pPr>
+            <a:r>
               <a:rPr lang="en-US" dirty="0" smtClean="0"/>
-              <a:t>ARN Identification: http://</a:t>
+              <a:t>Yes. The command (terminate-instances)</a:t>
+            </a:r>
+            <a:r>
+              <a:rPr lang="en-US" baseline="0" dirty="0" smtClean="0"/>
+              <a:t> in the resource context does not match the commands allowed in the “Action” element in the given policy.</a:t>
+            </a:r>
+          </a:p>
+          <a:p>
+            <a:pPr marL="228600" indent="-228600">
+              <a:buAutoNum type="arabicPeriod"/>
+            </a:pPr>
+            <a:endParaRPr lang="en-US" baseline="0" dirty="0" smtClean="0"/>
+          </a:p>
+          <a:p>
+            <a:pPr marL="0" indent="0">
+              <a:buNone/>
+            </a:pPr>
+            <a:r>
+              <a:rPr lang="en-US" dirty="0" smtClean="0"/>
+              <a:t>http://</a:t>
             </a:r>
             <a:r>
               <a:rPr lang="en-US" dirty="0" err="1" smtClean="0"/>
@@ -969,54 +1743,19 @@
             </a:r>
             <a:r>
               <a:rPr lang="en-US" dirty="0" smtClean="0"/>
-              <a:t>/general/latest/gr/</a:t>
+              <a:t>/IAM/latest/</a:t>
             </a:r>
             <a:r>
               <a:rPr lang="en-US" dirty="0" err="1" smtClean="0"/>
-              <a:t>aws</a:t>
+              <a:t>UserGuide</a:t>
             </a:r>
             <a:r>
               <a:rPr lang="en-US" dirty="0" smtClean="0"/>
-              <a:t>-</a:t>
+              <a:t>/</a:t>
             </a:r>
             <a:r>
               <a:rPr lang="en-US" dirty="0" err="1" smtClean="0"/>
-              <a:t>arns</a:t>
-            </a:r>
-            <a:r>
-              <a:rPr lang="en-US" dirty="0" smtClean="0"/>
-              <a:t>-and-</a:t>
-            </a:r>
-            <a:r>
-              <a:rPr lang="en-US" dirty="0" err="1" smtClean="0"/>
-              <a:t>namespaces.html</a:t>
-            </a:r>
-            <a:endParaRPr lang="en-US" dirty="0" smtClean="0"/>
-          </a:p>
-          <a:p>
-            <a:pPr marL="171450" indent="-171450">
-              <a:buFont typeface="Arial"/>
-              <a:buChar char="•"/>
-            </a:pPr>
-            <a:r>
-              <a:rPr lang="en-US" dirty="0" smtClean="0"/>
-              <a:t>Service</a:t>
-            </a:r>
-            <a:r>
-              <a:rPr lang="en-US" baseline="0" dirty="0" smtClean="0"/>
-              <a:t> Namespaces: http://</a:t>
-            </a:r>
-            <a:r>
-              <a:rPr lang="en-US" baseline="0" dirty="0" err="1" smtClean="0"/>
-              <a:t>docs.aws.amazon.com</a:t>
-            </a:r>
-            <a:r>
-              <a:rPr lang="en-US" baseline="0" dirty="0" smtClean="0"/>
-              <a:t>/general/latest/gr/</a:t>
-            </a:r>
-            <a:r>
-              <a:rPr lang="en-US" baseline="0" dirty="0" err="1" smtClean="0"/>
-              <a:t>aws-arns-and-namespaces.html#genref-aws-service-namespaces</a:t>
+              <a:t>AccessPolicyLanguage_EvaluationLogic.html</a:t>
             </a:r>
             <a:endParaRPr lang="en-US" dirty="0"/>
           </a:p>
@@ -1039,7 +1778,7 @@
           <a:p>
             <a:fld id="{BFB43062-714D-1146-A97F-0D45BD9E7BF0}" type="slidenum">
               <a:rPr lang="en-US" smtClean="0"/>
-              <a:t>8</a:t>
+              <a:t>7</a:t>
             </a:fld>
             <a:endParaRPr lang="en-US"/>
           </a:p>
@@ -1048,7 +1787,7 @@
     </p:spTree>
     <p:extLst>
       <p:ext uri="{BB962C8B-B14F-4D97-AF65-F5344CB8AC3E}">
-        <p14:creationId xmlns:p14="http://schemas.microsoft.com/office/powerpoint/2010/main" val="3147512962"/>
+        <p14:creationId xmlns:p14="http://schemas.microsoft.com/office/powerpoint/2010/main" val="116716749"/>
       </p:ext>
     </p:extLst>
   </p:cSld>
@@ -1104,17 +1843,62 @@
           <a:p>
             <a:r>
               <a:rPr lang="en-US" dirty="0" smtClean="0"/>
-              <a:t>Reference:</a:t>
-            </a:r>
-          </a:p>
-          <a:p>
-            <a:pPr marL="171450" indent="-171450">
-              <a:buFont typeface="Arial"/>
-              <a:buChar char="•"/>
+              <a:t>Answer</a:t>
+            </a:r>
+            <a:r>
+              <a:rPr lang="en-US" smtClean="0"/>
+              <a:t>: No. </a:t>
+            </a:r>
+            <a:r>
+              <a:rPr lang="en-US" dirty="0" smtClean="0"/>
+              <a:t>Result of policy evaluation:</a:t>
+            </a:r>
+          </a:p>
+          <a:p>
+            <a:pPr marL="228600" marR="0" indent="-228600" algn="l" defTabSz="457200" rtl="0" eaLnBrk="1" fontAlgn="auto" latinLnBrk="0" hangingPunct="1">
+              <a:lnSpc>
+                <a:spcPct val="100000"/>
+              </a:lnSpc>
+              <a:spcBef>
+                <a:spcPts val="0"/>
+              </a:spcBef>
+              <a:spcAft>
+                <a:spcPts val="0"/>
+              </a:spcAft>
+              <a:buClrTx/>
+              <a:buSzTx/>
+              <a:buFontTx/>
+              <a:buAutoNum type="arabicPeriod"/>
+              <a:tabLst/>
+              <a:defRPr/>
             </a:pPr>
             <a:r>
+              <a:rPr lang="en-US" baseline="0" dirty="0" smtClean="0"/>
+              <a:t>No. The resource (</a:t>
+            </a:r>
+            <a:r>
+              <a:rPr lang="de-DE" baseline="0" dirty="0" smtClean="0"/>
+              <a:t>i-8f00e559)</a:t>
+            </a:r>
+            <a:r>
+              <a:rPr lang="en-US" baseline="0" dirty="0" smtClean="0"/>
+              <a:t> specified in the resource context does not match the resources for which Actions are specified in the given policy.</a:t>
+            </a:r>
+            <a:endParaRPr lang="en-US" dirty="0" smtClean="0"/>
+          </a:p>
+          <a:p>
+            <a:pPr marL="0" indent="0">
+              <a:buNone/>
+            </a:pPr>
+            <a:endParaRPr lang="en-US" baseline="0" dirty="0" smtClean="0"/>
+          </a:p>
+          <a:p>
+            <a:pPr marL="0" indent="0">
+              <a:buNone/>
+            </a:pPr>
+            <a:r>
               <a:rPr lang="en-US" dirty="0" smtClean="0"/>
-              <a:t>Role for EC2: http://</a:t>
+              <a:t>http://</a:t>
             </a:r>
             <a:r>
               <a:rPr lang="en-US" dirty="0" err="1" smtClean="0"/>
@@ -1122,7 +1906,7 @@
             </a:r>
             <a:r>
               <a:rPr lang="en-US" dirty="0" smtClean="0"/>
-              <a:t>/AWSEC2/latest/</a:t>
+              <a:t>/IAM/latest/</a:t>
             </a:r>
             <a:r>
               <a:rPr lang="en-US" dirty="0" err="1" smtClean="0"/>
@@ -1130,7 +1914,11 @@
             </a:r>
             <a:r>
               <a:rPr lang="en-US" dirty="0" smtClean="0"/>
-              <a:t>/iam-roles-for-amazon-ec2.html</a:t>
+              <a:t>/</a:t>
+            </a:r>
+            <a:r>
+              <a:rPr lang="en-US" dirty="0" err="1" smtClean="0"/>
+              <a:t>AccessPolicyLanguage_EvaluationLogic.html</a:t>
             </a:r>
             <a:endParaRPr lang="en-US" dirty="0"/>
           </a:p>
@@ -1153,7 +1941,7 @@
           <a:p>
             <a:fld id="{BFB43062-714D-1146-A97F-0D45BD9E7BF0}" type="slidenum">
               <a:rPr lang="en-US" smtClean="0"/>
-              <a:t>9</a:t>
+              <a:t>8</a:t>
             </a:fld>
             <a:endParaRPr lang="en-US"/>
           </a:p>
@@ -1162,7 +1950,7 @@
     </p:spTree>
     <p:extLst>
       <p:ext uri="{BB962C8B-B14F-4D97-AF65-F5344CB8AC3E}">
-        <p14:creationId xmlns:p14="http://schemas.microsoft.com/office/powerpoint/2010/main" val="3986410793"/>
+        <p14:creationId xmlns:p14="http://schemas.microsoft.com/office/powerpoint/2010/main" val="116716749"/>
       </p:ext>
     </p:extLst>
   </p:cSld>
@@ -1218,68 +2006,45 @@
           <a:p>
             <a:r>
               <a:rPr lang="en-US" dirty="0" smtClean="0"/>
-              <a:t>References:</a:t>
-            </a:r>
-          </a:p>
-          <a:p>
-            <a:pPr marL="171450" indent="-171450">
-              <a:buFont typeface="Arial"/>
-              <a:buChar char="•"/>
+              <a:t>Answer: no. Result of policy</a:t>
+            </a:r>
+            <a:r>
+              <a:rPr lang="en-US" baseline="0" dirty="0" smtClean="0"/>
+              <a:t> evaluation</a:t>
+            </a:r>
+            <a:r>
+              <a:rPr lang="en-US" dirty="0" smtClean="0"/>
+              <a:t>:</a:t>
+            </a:r>
+          </a:p>
+          <a:p>
+            <a:pPr marL="228600" indent="-228600">
+              <a:buAutoNum type="arabicPeriod"/>
             </a:pPr>
             <a:r>
               <a:rPr lang="en-US" dirty="0" smtClean="0"/>
-              <a:t>IAM Best Practices:</a:t>
+              <a:t>The terminate-instances</a:t>
             </a:r>
             <a:r>
               <a:rPr lang="en-US" baseline="0" dirty="0" smtClean="0"/>
-              <a:t> http://</a:t>
-            </a:r>
-            <a:r>
-              <a:rPr lang="en-US" baseline="0" dirty="0" err="1" smtClean="0"/>
-              <a:t>docs.aws.amazon.com</a:t>
-            </a:r>
+              <a:t> command in the resource context does not match the commands allowed in the “Action” element in the given policy.</a:t>
+            </a:r>
+          </a:p>
+          <a:p>
+            <a:pPr marL="228600" indent="-228600">
+              <a:buAutoNum type="arabicPeriod"/>
+            </a:pPr>
             <a:r>
               <a:rPr lang="en-US" baseline="0" dirty="0" smtClean="0"/>
-              <a:t>/IAM/latest/</a:t>
-            </a:r>
-            <a:r>
-              <a:rPr lang="en-US" baseline="0" dirty="0" err="1" smtClean="0"/>
-              <a:t>UserGuide</a:t>
+              <a:t>The resource (</a:t>
+            </a:r>
+            <a:r>
+              <a:rPr lang="de-DE" baseline="0" dirty="0" smtClean="0"/>
+              <a:t>i-8f00e559)</a:t>
             </a:r>
             <a:r>
               <a:rPr lang="en-US" baseline="0" dirty="0" smtClean="0"/>
-              <a:t>/</a:t>
-            </a:r>
-            <a:r>
-              <a:rPr lang="en-US" baseline="0" dirty="0" err="1" smtClean="0"/>
-              <a:t>IAMBestPractices.html</a:t>
-            </a:r>
-            <a:endParaRPr lang="en-US" baseline="0" dirty="0" smtClean="0"/>
-          </a:p>
-          <a:p>
-            <a:pPr marL="171450" indent="-171450">
-              <a:buFont typeface="Arial"/>
-              <a:buChar char="•"/>
-            </a:pPr>
-            <a:r>
-              <a:rPr lang="en-US" dirty="0" smtClean="0"/>
-              <a:t>http://</a:t>
-            </a:r>
-            <a:r>
-              <a:rPr lang="en-US" dirty="0" err="1" smtClean="0"/>
-              <a:t>aws.amazon.com</a:t>
-            </a:r>
-            <a:r>
-              <a:rPr lang="en-US" dirty="0" smtClean="0"/>
-              <a:t>/</a:t>
-            </a:r>
-            <a:r>
-              <a:rPr lang="en-US" dirty="0" err="1" smtClean="0"/>
-              <a:t>iam</a:t>
-            </a:r>
-            <a:r>
-              <a:rPr lang="en-US" dirty="0" smtClean="0"/>
-              <a:t>/details/manage-users/</a:t>
+              <a:t> on which an action is requested matches the resource given in the resource context, but in this case the action is not allowed.</a:t>
             </a:r>
             <a:endParaRPr lang="en-US" dirty="0"/>
           </a:p>
@@ -1302,7 +2067,7 @@
           <a:p>
             <a:fld id="{BFB43062-714D-1146-A97F-0D45BD9E7BF0}" type="slidenum">
               <a:rPr lang="en-US" smtClean="0"/>
-              <a:t>10</a:t>
+              <a:t>9</a:t>
             </a:fld>
             <a:endParaRPr lang="en-US"/>
           </a:p>
@@ -1311,7 +2076,7 @@
     </p:spTree>
     <p:extLst>
       <p:ext uri="{BB962C8B-B14F-4D97-AF65-F5344CB8AC3E}">
-        <p14:creationId xmlns:p14="http://schemas.microsoft.com/office/powerpoint/2010/main" val="1619447160"/>
+        <p14:creationId xmlns:p14="http://schemas.microsoft.com/office/powerpoint/2010/main" val="116716749"/>
       </p:ext>
     </p:extLst>
   </p:cSld>
@@ -1365,6 +2130,48 @@
           <a:bodyPr/>
           <a:lstStyle/>
           <a:p>
+            <a:r>
+              <a:rPr lang="en-US" dirty="0" smtClean="0"/>
+              <a:t>Reference:</a:t>
+            </a:r>
+          </a:p>
+          <a:p>
+            <a:pPr marL="171450" indent="-171450">
+              <a:buFont typeface="Arial"/>
+              <a:buChar char="•"/>
+            </a:pPr>
+            <a:r>
+              <a:rPr lang="en-US" dirty="0" smtClean="0"/>
+              <a:t>http://</a:t>
+            </a:r>
+            <a:r>
+              <a:rPr lang="en-US" dirty="0" err="1" smtClean="0"/>
+              <a:t>docs.aws.amazon.com</a:t>
+            </a:r>
+            <a:r>
+              <a:rPr lang="en-US" dirty="0" smtClean="0"/>
+              <a:t>/IAM/latest/</a:t>
+            </a:r>
+            <a:r>
+              <a:rPr lang="en-US" dirty="0" err="1" smtClean="0"/>
+              <a:t>UserGuide</a:t>
+            </a:r>
+            <a:r>
+              <a:rPr lang="en-US" dirty="0" smtClean="0"/>
+              <a:t>/policies-managed-</a:t>
+            </a:r>
+            <a:r>
+              <a:rPr lang="en-US" dirty="0" err="1" smtClean="0"/>
+              <a:t>vs</a:t>
+            </a:r>
+            <a:r>
+              <a:rPr lang="en-US" dirty="0" smtClean="0"/>
+              <a:t>-</a:t>
+            </a:r>
+            <a:r>
+              <a:rPr lang="en-US" dirty="0" err="1" smtClean="0"/>
+              <a:t>inline.html</a:t>
+            </a:r>
             <a:endParaRPr lang="en-US" dirty="0"/>
           </a:p>
         </p:txBody>
@@ -1395,7 +2202,7 @@
     </p:spTree>
     <p:extLst>
       <p:ext uri="{BB962C8B-B14F-4D97-AF65-F5344CB8AC3E}">
-        <p14:creationId xmlns:p14="http://schemas.microsoft.com/office/powerpoint/2010/main" val="1619447160"/>
+        <p14:creationId xmlns:p14="http://schemas.microsoft.com/office/powerpoint/2010/main" val="2555364409"/>
       </p:ext>
     </p:extLst>
   </p:cSld>
@@ -1451,15 +2258,7 @@
           <a:p>
             <a:r>
               <a:rPr lang="en-US" dirty="0" smtClean="0"/>
-              <a:t>Hands</a:t>
-            </a:r>
-            <a:r>
-              <a:rPr lang="en-US" baseline="0" dirty="0" smtClean="0"/>
-              <a:t> On Files</a:t>
-            </a:r>
-            <a:r>
-              <a:rPr lang="en-US" dirty="0" smtClean="0"/>
-              <a:t>:</a:t>
+              <a:t>Reference:</a:t>
             </a:r>
           </a:p>
           <a:p>
@@ -1468,43 +2267,29 @@
               <a:buChar char="•"/>
             </a:pPr>
             <a:r>
+              <a:rPr lang="en-US" dirty="0" smtClean="0"/>
+              <a:t>http://</a:t>
+            </a:r>
+            <a:r>
               <a:rPr lang="en-US" dirty="0" err="1" smtClean="0"/>
-              <a:t>iam</a:t>
+              <a:t>docs.aws.amazon.com</a:t>
             </a:r>
             <a:r>
               <a:rPr lang="en-US" dirty="0" smtClean="0"/>
-              <a:t>-create-group-</a:t>
+              <a:t>/IAM/latest/</a:t>
             </a:r>
             <a:r>
               <a:rPr lang="en-US" dirty="0" err="1" smtClean="0"/>
-              <a:t>user.docx</a:t>
-            </a:r>
-            <a:endParaRPr lang="en-US" dirty="0" smtClean="0"/>
-          </a:p>
-          <a:p>
-            <a:pPr marL="171450" indent="-171450">
-              <a:buFont typeface="Arial"/>
-              <a:buChar char="•"/>
-            </a:pPr>
+              <a:t>UserGuide</a:t>
+            </a:r>
+            <a:r>
+              <a:rPr lang="en-US" dirty="0" smtClean="0"/>
+              <a:t>/</a:t>
+            </a:r>
             <a:r>
               <a:rPr lang="en-US" dirty="0" err="1" smtClean="0"/>
-              <a:t>iam</a:t>
-            </a:r>
-            <a:r>
-              <a:rPr lang="en-US" dirty="0" smtClean="0"/>
-              <a:t>-restrict-access-</a:t>
-            </a:r>
-            <a:r>
-              <a:rPr lang="en-US" dirty="0" err="1" smtClean="0"/>
-              <a:t>tag.md</a:t>
-            </a:r>
-            <a:endParaRPr lang="en-US" smtClean="0"/>
-          </a:p>
-          <a:p>
-            <a:pPr marL="0" indent="0">
-              <a:buFont typeface="Arial"/>
-              <a:buNone/>
-            </a:pPr>
+              <a:t>PolicyVariables.html</a:t>
+            </a:r>
             <a:endParaRPr lang="en-US" dirty="0"/>
           </a:p>
         </p:txBody>
@@ -1535,7 +2320,7 @@
     </p:spTree>
     <p:extLst>
       <p:ext uri="{BB962C8B-B14F-4D97-AF65-F5344CB8AC3E}">
-        <p14:creationId xmlns:p14="http://schemas.microsoft.com/office/powerpoint/2010/main" val="1326461569"/>
+        <p14:creationId xmlns:p14="http://schemas.microsoft.com/office/powerpoint/2010/main" val="305666501"/>
       </p:ext>
     </p:extLst>
   </p:cSld>
@@ -3357,7 +4142,7 @@
           <a:p>
             <a:fld id="{7CE38E4D-051A-41E1-86A4-E56916468FD0}" type="datetimeFigureOut">
               <a:rPr lang="en-US" smtClean="0"/>
-              <a:t>4/21/15</a:t>
+              <a:t>4/23/15</a:t>
             </a:fld>
             <a:endParaRPr lang="en-US"/>
           </a:p>
@@ -3538,7 +4323,7 @@
           <a:p>
             <a:fld id="{7CE38E4D-051A-41E1-86A4-E56916468FD0}" type="datetimeFigureOut">
               <a:rPr lang="en-US" smtClean="0"/>
-              <a:t>4/21/15</a:t>
+              <a:t>4/23/15</a:t>
             </a:fld>
             <a:endParaRPr lang="en-US"/>
           </a:p>
@@ -3689,7 +4474,7 @@
           <a:p>
             <a:fld id="{7CE38E4D-051A-41E1-86A4-E56916468FD0}" type="datetimeFigureOut">
               <a:rPr lang="en-US" smtClean="0"/>
-              <a:t>4/21/15</a:t>
+              <a:t>4/23/15</a:t>
             </a:fld>
             <a:endParaRPr lang="en-US"/>
           </a:p>
@@ -5515,7 +6300,7 @@
           <a:p>
             <a:fld id="{7CE38E4D-051A-41E1-86A4-E56916468FD0}" type="datetimeFigureOut">
               <a:rPr lang="en-US" smtClean="0"/>
-              <a:t>4/21/15</a:t>
+              <a:t>4/23/15</a:t>
             </a:fld>
             <a:endParaRPr lang="en-US"/>
           </a:p>
@@ -7385,7 +8170,7 @@
           <a:p>
             <a:fld id="{7CE38E4D-051A-41E1-86A4-E56916468FD0}" type="datetimeFigureOut">
               <a:rPr lang="en-US" smtClean="0"/>
-              <a:t>4/21/15</a:t>
+              <a:t>4/23/15</a:t>
             </a:fld>
             <a:endParaRPr lang="en-US"/>
           </a:p>
@@ -7498,7 +8283,7 @@
           <a:p>
             <a:fld id="{7CE38E4D-051A-41E1-86A4-E56916468FD0}" type="datetimeFigureOut">
               <a:rPr lang="en-US" smtClean="0"/>
-              <a:t>4/21/15</a:t>
+              <a:t>4/23/15</a:t>
             </a:fld>
             <a:endParaRPr lang="en-US"/>
           </a:p>
@@ -8039,7 +8824,7 @@
           <a:p>
             <a:fld id="{7CE38E4D-051A-41E1-86A4-E56916468FD0}" type="datetimeFigureOut">
               <a:rPr lang="en-US" smtClean="0"/>
-              <a:t>4/21/15</a:t>
+              <a:t>4/23/15</a:t>
             </a:fld>
             <a:endParaRPr lang="en-US"/>
           </a:p>
@@ -8152,7 +8937,7 @@
           <a:p>
             <a:fld id="{7CE38E4D-051A-41E1-86A4-E56916468FD0}" type="datetimeFigureOut">
               <a:rPr lang="en-US" smtClean="0"/>
-              <a:t>4/21/15</a:t>
+              <a:t>4/23/15</a:t>
             </a:fld>
             <a:endParaRPr lang="en-US"/>
           </a:p>
@@ -9863,7 +10648,7 @@
           <a:p>
             <a:fld id="{7CE38E4D-051A-41E1-86A4-E56916468FD0}" type="datetimeFigureOut">
               <a:rPr lang="en-US" smtClean="0"/>
-              <a:t>4/21/15</a:t>
+              <a:t>4/23/15</a:t>
             </a:fld>
             <a:endParaRPr lang="en-US"/>
           </a:p>
@@ -10014,7 +10799,7 @@
           <a:p>
             <a:fld id="{7CE38E4D-051A-41E1-86A4-E56916468FD0}" type="datetimeFigureOut">
               <a:rPr lang="en-US" smtClean="0"/>
-              <a:t>4/21/15</a:t>
+              <a:t>4/23/15</a:t>
             </a:fld>
             <a:endParaRPr lang="en-US"/>
           </a:p>
@@ -13629,7 +14414,7 @@
           <a:p>
             <a:fld id="{7CE38E4D-051A-41E1-86A4-E56916468FD0}" type="datetimeFigureOut">
               <a:rPr lang="en-US" smtClean="0"/>
-              <a:t>4/21/15</a:t>
+              <a:t>4/23/15</a:t>
             </a:fld>
             <a:endParaRPr lang="en-US"/>
           </a:p>
@@ -15488,7 +16273,7 @@
           <a:p>
             <a:fld id="{7CE38E4D-051A-41E1-86A4-E56916468FD0}" type="datetimeFigureOut">
               <a:rPr lang="en-US" smtClean="0"/>
-              <a:t>4/21/15</a:t>
+              <a:t>4/23/15</a:t>
             </a:fld>
             <a:endParaRPr lang="en-US"/>
           </a:p>
@@ -16099,58 +16884,6 @@
       </p:grpSpPr>
       <p:sp>
         <p:nvSpPr>
-          <p:cNvPr id="3" name="Content Placeholder 2"/>
-          <p:cNvSpPr>
-            <a:spLocks noGrp="1"/>
-          </p:cNvSpPr>
-          <p:nvPr>
-            <p:ph idx="1"/>
-          </p:nvPr>
-        </p:nvSpPr>
-        <p:spPr/>
-        <p:txBody>
-          <a:bodyPr>
-            <a:normAutofit/>
-          </a:bodyPr>
-          <a:lstStyle/>
-          <a:p>
-            <a:r>
-              <a:rPr lang="en-US" dirty="0" smtClean="0"/>
-              <a:t>Use IAM instead of Root Account</a:t>
-            </a:r>
-          </a:p>
-          <a:p>
-            <a:r>
-              <a:rPr lang="en-US" dirty="0" smtClean="0"/>
-              <a:t>Use IAM groups</a:t>
-            </a:r>
-          </a:p>
-          <a:p>
-            <a:r>
-              <a:rPr lang="en-US" dirty="0"/>
-              <a:t>Use Multi-Factor </a:t>
-            </a:r>
-            <a:r>
-              <a:rPr lang="en-US" dirty="0" smtClean="0"/>
-              <a:t>Authentication if Possible</a:t>
-            </a:r>
-          </a:p>
-          <a:p>
-            <a:r>
-              <a:rPr lang="en-US" dirty="0" smtClean="0"/>
-              <a:t>Provide IAM password reset sparingly</a:t>
-            </a:r>
-          </a:p>
-          <a:p>
-            <a:r>
-              <a:rPr lang="en-US" dirty="0" smtClean="0"/>
-              <a:t>Use “Least Privilege Principle” if Organization Allows</a:t>
-            </a:r>
-          </a:p>
-        </p:txBody>
-      </p:sp>
-      <p:sp>
-        <p:nvSpPr>
           <p:cNvPr id="2" name="Title 1"/>
           <p:cNvSpPr>
             <a:spLocks noGrp="1"/>
@@ -16168,7 +16901,138 @@
           <a:p>
             <a:r>
               <a:rPr lang="en-US" dirty="0" smtClean="0"/>
-              <a:t>IAM: Best Practices</a:t>
+              <a:t>IAM: Roles and Users Compared</a:t>
+            </a:r>
+            <a:endParaRPr lang="en-US" dirty="0"/>
+          </a:p>
+        </p:txBody>
+      </p:sp>
+      <p:sp>
+        <p:nvSpPr>
+          <p:cNvPr id="5" name="Text Placeholder 4"/>
+          <p:cNvSpPr>
+            <a:spLocks noGrp="1"/>
+          </p:cNvSpPr>
+          <p:nvPr>
+            <p:ph type="body" idx="1"/>
+          </p:nvPr>
+        </p:nvSpPr>
+        <p:spPr/>
+        <p:txBody>
+          <a:bodyPr/>
+          <a:lstStyle/>
+          <a:p>
+            <a:r>
+              <a:rPr lang="en-US" dirty="0" smtClean="0"/>
+              <a:t>IAM Role</a:t>
+            </a:r>
+            <a:endParaRPr lang="en-US" dirty="0"/>
+          </a:p>
+        </p:txBody>
+      </p:sp>
+      <p:sp>
+        <p:nvSpPr>
+          <p:cNvPr id="3" name="Content Placeholder 2"/>
+          <p:cNvSpPr>
+            <a:spLocks noGrp="1"/>
+          </p:cNvSpPr>
+          <p:nvPr>
+            <p:ph sz="half" idx="2"/>
+          </p:nvPr>
+        </p:nvSpPr>
+        <p:spPr/>
+        <p:txBody>
+          <a:bodyPr>
+            <a:normAutofit lnSpcReduction="10000"/>
+          </a:bodyPr>
+          <a:lstStyle/>
+          <a:p>
+            <a:r>
+              <a:rPr lang="en-US" dirty="0" smtClean="0"/>
+              <a:t>If using AWS SDKs, it “just works”</a:t>
+            </a:r>
+          </a:p>
+          <a:p>
+            <a:r>
+              <a:rPr lang="en-US" dirty="0"/>
+              <a:t>Supported only on EC2 and AWS </a:t>
+            </a:r>
+            <a:r>
+              <a:rPr lang="en-US" dirty="0" smtClean="0"/>
+              <a:t>Resources</a:t>
+            </a:r>
+            <a:endParaRPr lang="en-US" dirty="0"/>
+          </a:p>
+          <a:p>
+            <a:r>
+              <a:rPr lang="en-US" dirty="0" smtClean="0"/>
+              <a:t>Credential rotation provided by Amazon</a:t>
+            </a:r>
+          </a:p>
+          <a:p>
+            <a:r>
+              <a:rPr lang="en-US" dirty="0" smtClean="0"/>
+              <a:t>Available via instance meta-data query</a:t>
+            </a:r>
+          </a:p>
+          <a:p>
+            <a:endParaRPr lang="en-US" dirty="0" smtClean="0"/>
+          </a:p>
+        </p:txBody>
+      </p:sp>
+      <p:sp>
+        <p:nvSpPr>
+          <p:cNvPr id="6" name="Text Placeholder 5"/>
+          <p:cNvSpPr>
+            <a:spLocks noGrp="1"/>
+          </p:cNvSpPr>
+          <p:nvPr>
+            <p:ph type="body" sz="quarter" idx="3"/>
+          </p:nvPr>
+        </p:nvSpPr>
+        <p:spPr/>
+        <p:txBody>
+          <a:bodyPr/>
+          <a:lstStyle/>
+          <a:p>
+            <a:r>
+              <a:rPr lang="en-US" dirty="0" smtClean="0"/>
+              <a:t>IAM Users</a:t>
+            </a:r>
+            <a:endParaRPr lang="en-US" dirty="0"/>
+          </a:p>
+        </p:txBody>
+      </p:sp>
+      <p:sp>
+        <p:nvSpPr>
+          <p:cNvPr id="7" name="Content Placeholder 6"/>
+          <p:cNvSpPr>
+            <a:spLocks noGrp="1"/>
+          </p:cNvSpPr>
+          <p:nvPr>
+            <p:ph sz="quarter" idx="4"/>
+          </p:nvPr>
+        </p:nvSpPr>
+        <p:spPr/>
+        <p:txBody>
+          <a:bodyPr/>
+          <a:lstStyle/>
+          <a:p>
+            <a:r>
+              <a:rPr lang="en-US" dirty="0" smtClean="0"/>
+              <a:t>Can be utilized on non-AWS Resources</a:t>
+            </a:r>
+          </a:p>
+          <a:p>
+            <a:r>
+              <a:rPr lang="en-US" dirty="0" smtClean="0"/>
+              <a:t>Permissions can be tested easily</a:t>
+            </a:r>
+          </a:p>
+          <a:p>
+            <a:r>
+              <a:rPr lang="en-US" dirty="0" smtClean="0"/>
+              <a:t>Difficult to Secure (has to be checked in / distributed securely)</a:t>
             </a:r>
             <a:endParaRPr lang="en-US" dirty="0"/>
           </a:p>
@@ -16177,7 +17041,7 @@
     </p:spTree>
     <p:extLst>
       <p:ext uri="{BB962C8B-B14F-4D97-AF65-F5344CB8AC3E}">
-        <p14:creationId xmlns:p14="http://schemas.microsoft.com/office/powerpoint/2010/main" val="2424893038"/>
+        <p14:creationId xmlns:p14="http://schemas.microsoft.com/office/powerpoint/2010/main" val="2555247866"/>
       </p:ext>
     </p:extLst>
   </p:cSld>
@@ -16213,74 +17077,6 @@
       </p:grpSpPr>
       <p:sp>
         <p:nvSpPr>
-          <p:cNvPr id="3" name="Content Placeholder 2"/>
-          <p:cNvSpPr>
-            <a:spLocks noGrp="1"/>
-          </p:cNvSpPr>
-          <p:nvPr>
-            <p:ph idx="1"/>
-          </p:nvPr>
-        </p:nvSpPr>
-        <p:spPr/>
-        <p:txBody>
-          <a:bodyPr>
-            <a:normAutofit lnSpcReduction="10000"/>
-          </a:bodyPr>
-          <a:lstStyle/>
-          <a:p>
-            <a:r>
-              <a:rPr lang="en-US" dirty="0" smtClean="0"/>
-              <a:t>Use IAM roles to allow EC2 servers access to S3 buckets in order to retrieve configuration information</a:t>
-            </a:r>
-          </a:p>
-          <a:p>
-            <a:r>
-              <a:rPr lang="en-US" dirty="0" smtClean="0"/>
-              <a:t>Use IAM users to provide only required access to S3 and SQS for applications</a:t>
-            </a:r>
-          </a:p>
-          <a:p>
-            <a:pPr lvl="1"/>
-            <a:r>
-              <a:rPr lang="en-US" dirty="0" smtClean="0"/>
-              <a:t>scraper-prod01 = access scraper-prod01-* Queues and s3://scraper/prod01/* resources</a:t>
-            </a:r>
-            <a:endParaRPr lang="en-US" dirty="0"/>
-          </a:p>
-          <a:p>
-            <a:r>
-              <a:rPr lang="en-US" dirty="0" smtClean="0"/>
-              <a:t>Use IAM Policy Variables to create “Home Folders” on S3:</a:t>
-            </a:r>
-          </a:p>
-          <a:p>
-            <a:pPr lvl="1"/>
-            <a:r>
-              <a:rPr lang="en-US" dirty="0"/>
-              <a:t>"arn:aws:s3:::</a:t>
-            </a:r>
-            <a:r>
-              <a:rPr lang="en-US" dirty="0" err="1"/>
-              <a:t>company_backups</a:t>
-            </a:r>
-            <a:r>
-              <a:rPr lang="en-US" dirty="0"/>
-              <a:t>/${</a:t>
-            </a:r>
-            <a:r>
-              <a:rPr lang="en-US" dirty="0" err="1"/>
-              <a:t>aws:username</a:t>
-            </a:r>
-            <a:r>
-              <a:rPr lang="en-US" dirty="0"/>
-              <a:t>}/*"</a:t>
-            </a:r>
-            <a:endParaRPr lang="en-US" dirty="0" smtClean="0"/>
-          </a:p>
-        </p:txBody>
-      </p:sp>
-      <p:sp>
-        <p:nvSpPr>
           <p:cNvPr id="2" name="Title 1"/>
           <p:cNvSpPr>
             <a:spLocks noGrp="1"/>
@@ -16298,16 +17094,116 @@
           <a:p>
             <a:r>
               <a:rPr lang="en-US" dirty="0" smtClean="0"/>
-              <a:t>IAM: Practical Examples</a:t>
+              <a:t>IAM: Managed vs. Inline Policies</a:t>
             </a:r>
             <a:endParaRPr lang="en-US" dirty="0"/>
           </a:p>
         </p:txBody>
       </p:sp>
+      <p:sp>
+        <p:nvSpPr>
+          <p:cNvPr id="9" name="Text Placeholder 8"/>
+          <p:cNvSpPr>
+            <a:spLocks noGrp="1"/>
+          </p:cNvSpPr>
+          <p:nvPr>
+            <p:ph type="body" idx="1"/>
+          </p:nvPr>
+        </p:nvSpPr>
+        <p:spPr>
+          <a:xfrm>
+            <a:off x="265514" y="2478023"/>
+            <a:ext cx="3822192" cy="639762"/>
+          </a:xfrm>
+        </p:spPr>
+        <p:txBody>
+          <a:bodyPr/>
+          <a:lstStyle/>
+          <a:p>
+            <a:r>
+              <a:rPr lang="en-US" dirty="0" smtClean="0"/>
+              <a:t>Managed Policy</a:t>
+            </a:r>
+            <a:endParaRPr lang="en-US" dirty="0"/>
+          </a:p>
+        </p:txBody>
+      </p:sp>
+      <p:pic>
+        <p:nvPicPr>
+          <p:cNvPr id="4" name="Content Placeholder 3"/>
+          <p:cNvPicPr>
+            <a:picLocks noGrp="1" noChangeAspect="1"/>
+          </p:cNvPicPr>
+          <p:nvPr>
+            <p:ph sz="half" idx="2"/>
+          </p:nvPr>
+        </p:nvPicPr>
+        <p:blipFill rotWithShape="1">
+          <a:blip r:embed="rId3"/>
+          <a:srcRect t="1832" b="664"/>
+          <a:stretch/>
+        </p:blipFill>
+        <p:spPr>
+          <a:xfrm>
+            <a:off x="459337" y="3317876"/>
+            <a:ext cx="3820055" cy="3366428"/>
+          </a:xfrm>
+        </p:spPr>
+      </p:pic>
+      <p:sp>
+        <p:nvSpPr>
+          <p:cNvPr id="10" name="Text Placeholder 9"/>
+          <p:cNvSpPr>
+            <a:spLocks noGrp="1"/>
+          </p:cNvSpPr>
+          <p:nvPr>
+            <p:ph type="body" sz="quarter" idx="3"/>
+          </p:nvPr>
+        </p:nvSpPr>
+        <p:spPr>
+          <a:xfrm>
+            <a:off x="4864608" y="2496789"/>
+            <a:ext cx="3822192" cy="639762"/>
+          </a:xfrm>
+        </p:spPr>
+        <p:txBody>
+          <a:bodyPr/>
+          <a:lstStyle/>
+          <a:p>
+            <a:r>
+              <a:rPr lang="en-US" dirty="0" smtClean="0"/>
+              <a:t>Inline Policy</a:t>
+            </a:r>
+            <a:endParaRPr lang="en-US" dirty="0"/>
+          </a:p>
+        </p:txBody>
+      </p:sp>
+      <p:pic>
+        <p:nvPicPr>
+          <p:cNvPr id="8" name="Content Placeholder 7"/>
+          <p:cNvPicPr>
+            <a:picLocks noGrp="1" noChangeAspect="1"/>
+          </p:cNvPicPr>
+          <p:nvPr>
+            <p:ph sz="quarter" idx="4"/>
+          </p:nvPr>
+        </p:nvPicPr>
+        <p:blipFill rotWithShape="1">
+          <a:blip r:embed="rId4"/>
+          <a:srcRect l="786" r="908"/>
+          <a:stretch/>
+        </p:blipFill>
+        <p:spPr>
+          <a:xfrm>
+            <a:off x="4634114" y="3593712"/>
+            <a:ext cx="4222354" cy="2412661"/>
+          </a:xfrm>
+        </p:spPr>
+      </p:pic>
     </p:spTree>
     <p:extLst>
       <p:ext uri="{BB962C8B-B14F-4D97-AF65-F5344CB8AC3E}">
-        <p14:creationId xmlns:p14="http://schemas.microsoft.com/office/powerpoint/2010/main" val="3708169065"/>
+        <p14:creationId xmlns:p14="http://schemas.microsoft.com/office/powerpoint/2010/main" val="422451648"/>
       </p:ext>
     </p:extLst>
   </p:cSld>
@@ -16354,7 +17250,7 @@
         <p:spPr/>
         <p:txBody>
           <a:bodyPr>
-            <a:normAutofit fontScale="92500" lnSpcReduction="10000"/>
+            <a:normAutofit fontScale="62500" lnSpcReduction="20000"/>
           </a:bodyPr>
           <a:lstStyle/>
           <a:p>
@@ -16362,20 +17258,11 @@
               <a:buNone/>
             </a:pPr>
             <a:r>
-              <a:rPr lang="en-US" dirty="0" smtClean="0"/>
-              <a:t>Create IAM User and Group:</a:t>
-            </a:r>
-          </a:p>
-          <a:p>
-            <a:r>
-              <a:rPr lang="en-US" dirty="0" smtClean="0"/>
-              <a:t>Create an IAM Group</a:t>
-            </a:r>
-          </a:p>
-          <a:p>
-            <a:r>
-              <a:rPr lang="en-US" dirty="0" smtClean="0"/>
-              <a:t>Create an IAM User</a:t>
+              <a:rPr lang="en-US" dirty="0" smtClean="0">
+                <a:latin typeface="Calibri"/>
+                <a:cs typeface="Calibri"/>
+              </a:rPr>
+              <a:t>Use IAM Policy Variables within IAM Policy Documents</a:t>
             </a:r>
           </a:p>
           <a:p>
@@ -16383,46 +17270,257 @@
               <a:buNone/>
             </a:pPr>
             <a:r>
-              <a:rPr lang="en-US" dirty="0" smtClean="0"/>
-              <a:t>Create a Limited Access IAM User and Test:</a:t>
-            </a:r>
-          </a:p>
-          <a:p>
-            <a:r>
-              <a:rPr lang="en-US" dirty="0" smtClean="0"/>
-              <a:t>Create an IAM Policy</a:t>
-            </a:r>
-          </a:p>
-          <a:p>
-            <a:r>
-              <a:rPr lang="en-US" dirty="0" smtClean="0"/>
-              <a:t>Create a user</a:t>
-            </a:r>
-          </a:p>
-          <a:p>
-            <a:r>
-              <a:rPr lang="en-US" dirty="0" smtClean="0"/>
-              <a:t>Apply Policy to user – allow access to resource by Tag</a:t>
-            </a:r>
-          </a:p>
-          <a:p>
-            <a:r>
-              <a:rPr lang="en-US" dirty="0" smtClean="0"/>
-              <a:t>Test Access Policy</a:t>
-            </a:r>
+              <a:rPr lang="en-US" dirty="0" smtClean="0">
+                <a:latin typeface="Courier"/>
+                <a:cs typeface="Courier"/>
+              </a:rPr>
+              <a:t>{</a:t>
+            </a:r>
+            <a:endParaRPr lang="en-US" dirty="0">
+              <a:latin typeface="Courier"/>
+              <a:cs typeface="Courier"/>
+            </a:endParaRPr>
           </a:p>
           <a:p>
             <a:pPr marL="0" indent="0">
               <a:buNone/>
             </a:pPr>
             <a:r>
-              <a:rPr lang="en-US" smtClean="0"/>
-              <a:t>Create </a:t>
-            </a:r>
-            <a:endParaRPr lang="en-US" dirty="0"/>
-          </a:p>
-          <a:p>
-            <a:endParaRPr lang="en-US" dirty="0" smtClean="0"/>
+              <a:rPr lang="en-US" dirty="0">
+                <a:latin typeface="Courier"/>
+                <a:cs typeface="Courier"/>
+              </a:rPr>
+              <a:t>  "Version": "2012-10-17",</a:t>
+            </a:r>
+          </a:p>
+          <a:p>
+            <a:pPr marL="0" indent="0">
+              <a:buNone/>
+            </a:pPr>
+            <a:r>
+              <a:rPr lang="en-US" dirty="0">
+                <a:latin typeface="Courier"/>
+                <a:cs typeface="Courier"/>
+              </a:rPr>
+              <a:t>  "Statement": [</a:t>
+            </a:r>
+          </a:p>
+          <a:p>
+            <a:pPr marL="0" indent="0">
+              <a:buNone/>
+            </a:pPr>
+            <a:r>
+              <a:rPr lang="en-US" dirty="0">
+                <a:latin typeface="Courier"/>
+                <a:cs typeface="Courier"/>
+              </a:rPr>
+              <a:t>    {</a:t>
+            </a:r>
+          </a:p>
+          <a:p>
+            <a:pPr marL="0" indent="0">
+              <a:buNone/>
+            </a:pPr>
+            <a:r>
+              <a:rPr lang="en-US" dirty="0">
+                <a:latin typeface="Courier"/>
+                <a:cs typeface="Courier"/>
+              </a:rPr>
+              <a:t>      "Action": [</a:t>
+            </a:r>
+          </a:p>
+          <a:p>
+            <a:pPr marL="0" indent="0">
+              <a:buNone/>
+            </a:pPr>
+            <a:r>
+              <a:rPr lang="en-US" dirty="0">
+                <a:latin typeface="Courier"/>
+                <a:cs typeface="Courier"/>
+              </a:rPr>
+              <a:t>        "s3:GetObject",</a:t>
+            </a:r>
+          </a:p>
+          <a:p>
+            <a:pPr marL="0" indent="0">
+              <a:buNone/>
+            </a:pPr>
+            <a:r>
+              <a:rPr lang="en-US" dirty="0">
+                <a:latin typeface="Courier"/>
+                <a:cs typeface="Courier"/>
+              </a:rPr>
+              <a:t>        "s3:PutObject"</a:t>
+            </a:r>
+          </a:p>
+          <a:p>
+            <a:pPr marL="0" indent="0">
+              <a:buNone/>
+            </a:pPr>
+            <a:r>
+              <a:rPr lang="en-US" dirty="0">
+                <a:latin typeface="Courier"/>
+                <a:cs typeface="Courier"/>
+              </a:rPr>
+              <a:t>      ],</a:t>
+            </a:r>
+          </a:p>
+          <a:p>
+            <a:pPr marL="0" indent="0">
+              <a:buNone/>
+            </a:pPr>
+            <a:r>
+              <a:rPr lang="en-US" dirty="0">
+                <a:latin typeface="Courier"/>
+                <a:cs typeface="Courier"/>
+              </a:rPr>
+              <a:t>      "Effect": "Allow",</a:t>
+            </a:r>
+          </a:p>
+          <a:p>
+            <a:pPr marL="0" indent="0">
+              <a:buNone/>
+            </a:pPr>
+            <a:r>
+              <a:rPr lang="en-US" dirty="0">
+                <a:solidFill>
+                  <a:srgbClr val="FF0000"/>
+                </a:solidFill>
+                <a:latin typeface="Courier"/>
+                <a:cs typeface="Courier"/>
+              </a:rPr>
+              <a:t>      "</a:t>
+            </a:r>
+            <a:r>
+              <a:rPr lang="en-US" dirty="0" smtClean="0">
+                <a:solidFill>
+                  <a:srgbClr val="FF0000"/>
+                </a:solidFill>
+                <a:latin typeface="Courier"/>
+                <a:cs typeface="Courier"/>
+              </a:rPr>
+              <a:t>Resource”:[</a:t>
+            </a:r>
+            <a:r>
+              <a:rPr lang="en-US" dirty="0">
+                <a:solidFill>
+                  <a:srgbClr val="FF0000"/>
+                </a:solidFill>
+                <a:latin typeface="Courier"/>
+                <a:cs typeface="Courier"/>
+              </a:rPr>
+              <a:t>"arn:aws:s3::</a:t>
+            </a:r>
+            <a:r>
+              <a:rPr lang="en-US" dirty="0" smtClean="0">
+                <a:solidFill>
+                  <a:srgbClr val="FF0000"/>
+                </a:solidFill>
+                <a:latin typeface="Courier"/>
+                <a:cs typeface="Courier"/>
+              </a:rPr>
+              <a:t>:</a:t>
+            </a:r>
+            <a:r>
+              <a:rPr lang="en-US" dirty="0" err="1" smtClean="0">
+                <a:solidFill>
+                  <a:srgbClr val="FF0000"/>
+                </a:solidFill>
+                <a:latin typeface="Courier"/>
+                <a:cs typeface="Courier"/>
+              </a:rPr>
+              <a:t>user_bucket</a:t>
+            </a:r>
+            <a:r>
+              <a:rPr lang="en-US" dirty="0" smtClean="0">
+                <a:solidFill>
+                  <a:srgbClr val="FF0000"/>
+                </a:solidFill>
+                <a:latin typeface="Courier"/>
+                <a:cs typeface="Courier"/>
+              </a:rPr>
+              <a:t>/</a:t>
+            </a:r>
+            <a:r>
+              <a:rPr lang="en-US" dirty="0">
+                <a:solidFill>
+                  <a:srgbClr val="FF0000"/>
+                </a:solidFill>
+                <a:latin typeface="Courier"/>
+                <a:cs typeface="Courier"/>
+              </a:rPr>
+              <a:t>${</a:t>
+            </a:r>
+            <a:r>
+              <a:rPr lang="en-US" dirty="0" err="1">
+                <a:solidFill>
+                  <a:srgbClr val="FF0000"/>
+                </a:solidFill>
+                <a:latin typeface="Courier"/>
+                <a:cs typeface="Courier"/>
+              </a:rPr>
+              <a:t>aws:username</a:t>
+            </a:r>
+            <a:r>
+              <a:rPr lang="en-US" dirty="0" smtClean="0">
+                <a:solidFill>
+                  <a:srgbClr val="FF0000"/>
+                </a:solidFill>
+                <a:latin typeface="Courier"/>
+                <a:cs typeface="Courier"/>
+              </a:rPr>
+              <a:t>}/*</a:t>
+            </a:r>
+            <a:r>
+              <a:rPr lang="en-US" dirty="0">
+                <a:solidFill>
+                  <a:srgbClr val="FF0000"/>
+                </a:solidFill>
+                <a:latin typeface="Courier"/>
+                <a:cs typeface="Courier"/>
+              </a:rPr>
+              <a:t>"]</a:t>
+            </a:r>
+          </a:p>
+          <a:p>
+            <a:pPr marL="0" indent="0">
+              <a:buNone/>
+            </a:pPr>
+            <a:r>
+              <a:rPr lang="en-US" dirty="0">
+                <a:latin typeface="Courier"/>
+                <a:cs typeface="Courier"/>
+              </a:rPr>
+              <a:t>    }</a:t>
+            </a:r>
+          </a:p>
+          <a:p>
+            <a:pPr marL="0" indent="0">
+              <a:buNone/>
+            </a:pPr>
+            <a:r>
+              <a:rPr lang="en-US" dirty="0">
+                <a:latin typeface="Courier"/>
+                <a:cs typeface="Courier"/>
+              </a:rPr>
+              <a:t>  ]</a:t>
+            </a:r>
+          </a:p>
+          <a:p>
+            <a:pPr marL="0" indent="0">
+              <a:buNone/>
+            </a:pPr>
+            <a:r>
+              <a:rPr lang="en-US" dirty="0">
+                <a:latin typeface="Courier"/>
+                <a:cs typeface="Courier"/>
+              </a:rPr>
+              <a:t>}</a:t>
+            </a:r>
+            <a:endParaRPr lang="en-US" dirty="0" smtClean="0">
+              <a:latin typeface="Courier"/>
+              <a:cs typeface="Courier"/>
+            </a:endParaRPr>
           </a:p>
         </p:txBody>
       </p:sp>
@@ -16445,11 +17543,982 @@
           <a:p>
             <a:r>
               <a:rPr lang="en-US" dirty="0" smtClean="0"/>
-              <a:t>Hands On: </a:t>
-            </a:r>
+              <a:t>IAM: Policy Variables</a:t>
+            </a:r>
+            <a:endParaRPr lang="en-US" dirty="0"/>
+          </a:p>
+        </p:txBody>
+      </p:sp>
+    </p:spTree>
+    <p:extLst>
+      <p:ext uri="{BB962C8B-B14F-4D97-AF65-F5344CB8AC3E}">
+        <p14:creationId xmlns:p14="http://schemas.microsoft.com/office/powerpoint/2010/main" val="3196469798"/>
+      </p:ext>
+    </p:extLst>
+  </p:cSld>
+  <p:clrMapOvr>
+    <a:masterClrMapping/>
+  </p:clrMapOvr>
+  <p:timing>
+    <p:tnLst>
+      <p:par>
+        <p:cTn xmlns:p14="http://schemas.microsoft.com/office/powerpoint/2010/main" id="1" dur="indefinite" restart="never" nodeType="tmRoot"/>
+      </p:par>
+    </p:tnLst>
+  </p:timing>
+</p:sld>
+</file>
+
+<file path=ppt/slides/slide13.xml><?xml version="1.0" encoding="utf-8"?>
+<p:sld xmlns:a="http://schemas.openxmlformats.org/drawingml/2006/main" xmlns:r="http://schemas.openxmlformats.org/officeDocument/2006/relationships" xmlns:p="http://schemas.openxmlformats.org/presentationml/2006/main">
+  <p:cSld>
+    <p:spTree>
+      <p:nvGrpSpPr>
+        <p:cNvPr id="1" name=""/>
+        <p:cNvGrpSpPr/>
+        <p:nvPr/>
+      </p:nvGrpSpPr>
+      <p:grpSpPr>
+        <a:xfrm>
+          <a:off x="0" y="0"/>
+          <a:ext cx="0" cy="0"/>
+          <a:chOff x="0" y="0"/>
+          <a:chExt cx="0" cy="0"/>
+        </a:xfrm>
+      </p:grpSpPr>
+      <p:sp>
+        <p:nvSpPr>
+          <p:cNvPr id="2" name="Content Placeholder 1"/>
+          <p:cNvSpPr>
+            <a:spLocks noGrp="1"/>
+          </p:cNvSpPr>
+          <p:nvPr>
+            <p:ph idx="1"/>
+          </p:nvPr>
+        </p:nvSpPr>
+        <p:spPr/>
+        <p:txBody>
+          <a:bodyPr>
+            <a:normAutofit fontScale="77500" lnSpcReduction="20000"/>
+          </a:bodyPr>
+          <a:lstStyle/>
+          <a:p>
+            <a:pPr marL="0" indent="0">
+              <a:buNone/>
+            </a:pPr>
+            <a:r>
+              <a:rPr lang="en-US" sz="1800" dirty="0" smtClean="0">
+                <a:solidFill>
+                  <a:srgbClr val="FF0000"/>
+                </a:solidFill>
+                <a:latin typeface="Courier"/>
+                <a:cs typeface="Courier"/>
+              </a:rPr>
+              <a:t>"Resource”:[</a:t>
+            </a:r>
+            <a:r>
+              <a:rPr lang="en-US" sz="1800" dirty="0">
+                <a:solidFill>
+                  <a:srgbClr val="FF0000"/>
+                </a:solidFill>
+                <a:latin typeface="Courier"/>
+                <a:cs typeface="Courier"/>
+              </a:rPr>
+              <a:t>"</a:t>
+            </a:r>
+            <a:r>
+              <a:rPr lang="en-US" sz="1800" dirty="0" smtClean="0">
+                <a:solidFill>
+                  <a:srgbClr val="FF0000"/>
+                </a:solidFill>
+                <a:latin typeface="Courier"/>
+                <a:cs typeface="Courier"/>
+              </a:rPr>
+              <a:t>arn:aws:ec2:us-west-</a:t>
+            </a:r>
+            <a:r>
+              <a:rPr lang="en-US" sz="1800" dirty="0">
+                <a:solidFill>
+                  <a:srgbClr val="FF0000"/>
+                </a:solidFill>
+                <a:latin typeface="Courier"/>
+                <a:cs typeface="Courier"/>
+              </a:rPr>
+              <a:t>2:</a:t>
+            </a:r>
+            <a:r>
+              <a:rPr lang="en-US" sz="1800" dirty="0" smtClean="0">
+                <a:solidFill>
+                  <a:srgbClr val="FF0000"/>
+                </a:solidFill>
+                <a:latin typeface="Courier"/>
+                <a:cs typeface="Courier"/>
+              </a:rPr>
+              <a:t>12345:user/tom”]</a:t>
+            </a:r>
+          </a:p>
+          <a:p>
+            <a:r>
+              <a:rPr lang="en-US" dirty="0" err="1">
+                <a:solidFill>
+                  <a:srgbClr val="000000"/>
+                </a:solidFill>
+                <a:latin typeface="Calibri"/>
+                <a:cs typeface="Calibri"/>
+              </a:rPr>
+              <a:t>a</a:t>
+            </a:r>
+            <a:r>
+              <a:rPr lang="en-US" dirty="0" err="1" smtClean="0">
+                <a:solidFill>
+                  <a:srgbClr val="000000"/>
+                </a:solidFill>
+                <a:latin typeface="Calibri"/>
+                <a:cs typeface="Calibri"/>
+              </a:rPr>
+              <a:t>rn</a:t>
+            </a:r>
+            <a:r>
+              <a:rPr lang="en-US" dirty="0" smtClean="0">
+                <a:solidFill>
+                  <a:srgbClr val="000000"/>
+                </a:solidFill>
+                <a:latin typeface="Calibri"/>
+                <a:cs typeface="Calibri"/>
+              </a:rPr>
+              <a:t>: always included</a:t>
+            </a:r>
+          </a:p>
+          <a:p>
+            <a:r>
+              <a:rPr lang="en-US" dirty="0">
+                <a:solidFill>
+                  <a:srgbClr val="000000"/>
+                </a:solidFill>
+                <a:latin typeface="Calibri"/>
+                <a:cs typeface="Calibri"/>
+              </a:rPr>
+              <a:t>p</a:t>
+            </a:r>
+            <a:r>
+              <a:rPr lang="en-US" dirty="0" smtClean="0">
+                <a:solidFill>
+                  <a:srgbClr val="000000"/>
+                </a:solidFill>
+                <a:latin typeface="Calibri"/>
+                <a:cs typeface="Calibri"/>
+              </a:rPr>
+              <a:t>artition: </a:t>
+            </a:r>
+            <a:r>
+              <a:rPr lang="en-US" dirty="0" err="1" smtClean="0">
+                <a:solidFill>
+                  <a:srgbClr val="000000"/>
+                </a:solidFill>
+                <a:latin typeface="Calibri"/>
+                <a:cs typeface="Calibri"/>
+              </a:rPr>
+              <a:t>aws</a:t>
+            </a:r>
+            <a:r>
+              <a:rPr lang="en-US" dirty="0" smtClean="0">
+                <a:solidFill>
+                  <a:srgbClr val="000000"/>
+                </a:solidFill>
+                <a:latin typeface="Calibri"/>
+                <a:cs typeface="Calibri"/>
+              </a:rPr>
+              <a:t>, although </a:t>
+            </a:r>
+            <a:r>
+              <a:rPr lang="en-US" dirty="0" err="1" smtClean="0">
+                <a:solidFill>
+                  <a:srgbClr val="000000"/>
+                </a:solidFill>
+                <a:latin typeface="Calibri"/>
+                <a:cs typeface="Calibri"/>
+              </a:rPr>
+              <a:t>aws-cn</a:t>
+            </a:r>
+            <a:r>
+              <a:rPr lang="en-US" dirty="0" smtClean="0">
+                <a:solidFill>
+                  <a:srgbClr val="000000"/>
+                </a:solidFill>
+                <a:latin typeface="Calibri"/>
+                <a:cs typeface="Calibri"/>
+              </a:rPr>
+              <a:t> exists for China</a:t>
+            </a:r>
+          </a:p>
+          <a:p>
+            <a:r>
+              <a:rPr lang="en-US" dirty="0" smtClean="0">
+                <a:solidFill>
+                  <a:srgbClr val="000000"/>
+                </a:solidFill>
+                <a:latin typeface="Calibri"/>
+                <a:cs typeface="Calibri"/>
+              </a:rPr>
+              <a:t>service: ec2, </a:t>
+            </a:r>
+            <a:r>
+              <a:rPr lang="en-US" dirty="0" err="1" smtClean="0">
+                <a:solidFill>
+                  <a:srgbClr val="000000"/>
+                </a:solidFill>
+                <a:latin typeface="Calibri"/>
+                <a:cs typeface="Calibri"/>
+              </a:rPr>
+              <a:t>rds</a:t>
+            </a:r>
+            <a:r>
+              <a:rPr lang="en-US" dirty="0" smtClean="0">
+                <a:solidFill>
+                  <a:srgbClr val="000000"/>
+                </a:solidFill>
+                <a:latin typeface="Calibri"/>
+                <a:cs typeface="Calibri"/>
+              </a:rPr>
+              <a:t>, </a:t>
+            </a:r>
+            <a:r>
+              <a:rPr lang="en-US" dirty="0" err="1" smtClean="0">
+                <a:solidFill>
+                  <a:srgbClr val="000000"/>
+                </a:solidFill>
+                <a:latin typeface="Calibri"/>
+                <a:cs typeface="Calibri"/>
+              </a:rPr>
+              <a:t>iam</a:t>
+            </a:r>
+            <a:r>
+              <a:rPr lang="en-US" dirty="0" smtClean="0">
+                <a:solidFill>
+                  <a:srgbClr val="000000"/>
+                </a:solidFill>
+                <a:latin typeface="Calibri"/>
+                <a:cs typeface="Calibri"/>
+              </a:rPr>
+              <a:t>, etc.</a:t>
+            </a:r>
+          </a:p>
+          <a:p>
+            <a:r>
+              <a:rPr lang="en-US" dirty="0" smtClean="0">
+                <a:solidFill>
+                  <a:srgbClr val="000000"/>
+                </a:solidFill>
+                <a:latin typeface="Calibri"/>
+                <a:cs typeface="Calibri"/>
+              </a:rPr>
+              <a:t>region: us-west-2, us-east-1, etc.</a:t>
+            </a:r>
+          </a:p>
+          <a:p>
+            <a:pPr lvl="1"/>
+            <a:r>
+              <a:rPr lang="en-US" dirty="0" smtClean="0">
+                <a:solidFill>
+                  <a:srgbClr val="000000"/>
+                </a:solidFill>
+                <a:latin typeface="Calibri"/>
+                <a:cs typeface="Calibri"/>
+              </a:rPr>
+              <a:t>use wildcards here if possible</a:t>
+            </a:r>
+          </a:p>
+          <a:p>
+            <a:r>
+              <a:rPr lang="en-US" dirty="0">
+                <a:solidFill>
+                  <a:srgbClr val="000000"/>
+                </a:solidFill>
+                <a:latin typeface="Calibri"/>
+                <a:cs typeface="Calibri"/>
+              </a:rPr>
+              <a:t>a</a:t>
+            </a:r>
+            <a:r>
+              <a:rPr lang="en-US" dirty="0" smtClean="0">
+                <a:solidFill>
+                  <a:srgbClr val="000000"/>
+                </a:solidFill>
+                <a:latin typeface="Calibri"/>
+                <a:cs typeface="Calibri"/>
+              </a:rPr>
+              <a:t>ccount id: an AWS account ID</a:t>
+            </a:r>
+          </a:p>
+          <a:p>
+            <a:pPr lvl="1"/>
+            <a:r>
+              <a:rPr lang="en-US" dirty="0" smtClean="0">
+                <a:solidFill>
+                  <a:srgbClr val="000000"/>
+                </a:solidFill>
+                <a:latin typeface="Calibri"/>
+                <a:cs typeface="Calibri"/>
+              </a:rPr>
+              <a:t>use wildcards here if possible</a:t>
+            </a:r>
+          </a:p>
+          <a:p>
+            <a:r>
+              <a:rPr lang="en-US" dirty="0">
+                <a:solidFill>
+                  <a:srgbClr val="000000"/>
+                </a:solidFill>
+                <a:latin typeface="Calibri"/>
+                <a:cs typeface="Calibri"/>
+              </a:rPr>
+              <a:t>r</a:t>
+            </a:r>
+            <a:r>
+              <a:rPr lang="en-US" dirty="0" smtClean="0">
+                <a:solidFill>
+                  <a:srgbClr val="000000"/>
+                </a:solidFill>
+                <a:latin typeface="Calibri"/>
+                <a:cs typeface="Calibri"/>
+              </a:rPr>
+              <a:t>esource: varies by service, examples:</a:t>
+            </a:r>
+          </a:p>
+          <a:p>
+            <a:pPr lvl="1"/>
+            <a:r>
+              <a:rPr lang="en-US" dirty="0" smtClean="0">
+                <a:solidFill>
+                  <a:srgbClr val="000000"/>
+                </a:solidFill>
+                <a:latin typeface="Calibri"/>
+                <a:cs typeface="Calibri"/>
+              </a:rPr>
+              <a:t>security-group/sg-1a2b3c4d</a:t>
+            </a:r>
+          </a:p>
+          <a:p>
+            <a:pPr lvl="1"/>
+            <a:r>
+              <a:rPr lang="en-US" dirty="0" smtClean="0">
+                <a:solidFill>
+                  <a:srgbClr val="000000"/>
+                </a:solidFill>
+                <a:latin typeface="Calibri"/>
+                <a:cs typeface="Calibri"/>
+              </a:rPr>
+              <a:t>reports-batch-</a:t>
+            </a:r>
+            <a:r>
+              <a:rPr lang="en-US" dirty="0" err="1" smtClean="0">
+                <a:solidFill>
+                  <a:srgbClr val="000000"/>
+                </a:solidFill>
+                <a:latin typeface="Calibri"/>
+                <a:cs typeface="Calibri"/>
+              </a:rPr>
+              <a:t>sqs</a:t>
+            </a:r>
+            <a:endParaRPr lang="en-US" dirty="0" smtClean="0">
+              <a:solidFill>
+                <a:srgbClr val="000000"/>
+              </a:solidFill>
+              <a:latin typeface="Calibri"/>
+              <a:cs typeface="Calibri"/>
+            </a:endParaRPr>
+          </a:p>
+          <a:p>
+            <a:pPr lvl="1"/>
+            <a:r>
+              <a:rPr lang="en-US" dirty="0" err="1" smtClean="0">
+                <a:solidFill>
+                  <a:srgbClr val="000000"/>
+                </a:solidFill>
+                <a:latin typeface="Calibri"/>
+                <a:cs typeface="Calibri"/>
+              </a:rPr>
+              <a:t>mybucket</a:t>
+            </a:r>
+            <a:r>
+              <a:rPr lang="en-US" dirty="0" smtClean="0">
+                <a:solidFill>
+                  <a:srgbClr val="000000"/>
+                </a:solidFill>
+                <a:latin typeface="Calibri"/>
+                <a:cs typeface="Calibri"/>
+              </a:rPr>
+              <a:t>/</a:t>
+            </a:r>
+            <a:r>
+              <a:rPr lang="en-US" dirty="0" err="1" smtClean="0">
+                <a:solidFill>
+                  <a:srgbClr val="000000"/>
+                </a:solidFill>
+                <a:latin typeface="Calibri"/>
+                <a:cs typeface="Calibri"/>
+              </a:rPr>
+              <a:t>myobjectpath</a:t>
+            </a:r>
+            <a:r>
+              <a:rPr lang="en-US" dirty="0" smtClean="0">
+                <a:solidFill>
+                  <a:srgbClr val="000000"/>
+                </a:solidFill>
+                <a:latin typeface="Calibri"/>
+                <a:cs typeface="Calibri"/>
+              </a:rPr>
+              <a:t>/*</a:t>
+            </a:r>
+          </a:p>
+          <a:p>
+            <a:endParaRPr lang="en-US" dirty="0">
+              <a:solidFill>
+                <a:srgbClr val="000000"/>
+              </a:solidFill>
+              <a:latin typeface="Courier"/>
+              <a:cs typeface="Courier"/>
+            </a:endParaRPr>
+          </a:p>
+        </p:txBody>
+      </p:sp>
+      <p:sp>
+        <p:nvSpPr>
+          <p:cNvPr id="3" name="Title 2"/>
+          <p:cNvSpPr>
+            <a:spLocks noGrp="1"/>
+          </p:cNvSpPr>
+          <p:nvPr>
+            <p:ph type="title"/>
+          </p:nvPr>
+        </p:nvSpPr>
+        <p:spPr/>
+        <p:txBody>
+          <a:bodyPr>
+            <a:normAutofit fontScale="90000"/>
+          </a:bodyPr>
+          <a:lstStyle/>
+          <a:p>
+            <a:r>
+              <a:rPr lang="en-US" dirty="0"/>
+              <a:t>IAM: </a:t>
+            </a:r>
+            <a:br>
+              <a:rPr lang="en-US" dirty="0"/>
+            </a:br>
+            <a:r>
+              <a:rPr lang="en-US" dirty="0"/>
+              <a:t>Resource Identification with ARN</a:t>
+            </a:r>
+          </a:p>
+        </p:txBody>
+      </p:sp>
+    </p:spTree>
+    <p:extLst>
+      <p:ext uri="{BB962C8B-B14F-4D97-AF65-F5344CB8AC3E}">
+        <p14:creationId xmlns:p14="http://schemas.microsoft.com/office/powerpoint/2010/main" val="4141466889"/>
+      </p:ext>
+    </p:extLst>
+  </p:cSld>
+  <p:clrMapOvr>
+    <a:masterClrMapping/>
+  </p:clrMapOvr>
+</p:sld>
+</file>
+
+<file path=ppt/slides/slide14.xml><?xml version="1.0" encoding="utf-8"?>
+<p:sld xmlns:a="http://schemas.openxmlformats.org/drawingml/2006/main" xmlns:r="http://schemas.openxmlformats.org/officeDocument/2006/relationships" xmlns:p="http://schemas.openxmlformats.org/presentationml/2006/main">
+  <p:cSld>
+    <p:spTree>
+      <p:nvGrpSpPr>
+        <p:cNvPr id="1" name=""/>
+        <p:cNvGrpSpPr/>
+        <p:nvPr/>
+      </p:nvGrpSpPr>
+      <p:grpSpPr>
+        <a:xfrm>
+          <a:off x="0" y="0"/>
+          <a:ext cx="0" cy="0"/>
+          <a:chOff x="0" y="0"/>
+          <a:chExt cx="0" cy="0"/>
+        </a:xfrm>
+      </p:grpSpPr>
+      <p:sp>
+        <p:nvSpPr>
+          <p:cNvPr id="3" name="Content Placeholder 2"/>
+          <p:cNvSpPr>
+            <a:spLocks noGrp="1"/>
+          </p:cNvSpPr>
+          <p:nvPr>
+            <p:ph idx="1"/>
+          </p:nvPr>
+        </p:nvSpPr>
+        <p:spPr/>
+        <p:txBody>
+          <a:bodyPr>
+            <a:normAutofit/>
+          </a:bodyPr>
+          <a:lstStyle/>
+          <a:p>
             <a:r>
               <a:rPr lang="en-US" dirty="0" smtClean="0"/>
-              <a:t>IAM</a:t>
+              <a:t>Allows API calls to be made from an Application on EC2</a:t>
+            </a:r>
+          </a:p>
+          <a:p>
+            <a:r>
+              <a:rPr lang="en-US" dirty="0" smtClean="0"/>
+              <a:t>Access Key and Secret Key available </a:t>
+            </a:r>
+            <a:r>
+              <a:rPr lang="en-US" dirty="0"/>
+              <a:t>at URL curl http://169.254.169.254/latest/meta-data/</a:t>
+            </a:r>
+            <a:r>
+              <a:rPr lang="en-US" dirty="0" err="1"/>
+              <a:t>iam</a:t>
+            </a:r>
+            <a:r>
+              <a:rPr lang="en-US" dirty="0"/>
+              <a:t>/security-credentials/</a:t>
+            </a:r>
+            <a:r>
+              <a:rPr lang="en-US" dirty="0" err="1"/>
+              <a:t>role_name</a:t>
+            </a:r>
+            <a:endParaRPr lang="en-US" dirty="0" smtClean="0"/>
+          </a:p>
+          <a:p>
+            <a:r>
+              <a:rPr lang="en-US" dirty="0" smtClean="0"/>
+              <a:t>Official AWS SDKs can retrieve this Access Key and Secret Key for you – it “just works”</a:t>
+            </a:r>
+          </a:p>
+          <a:p>
+            <a:r>
+              <a:rPr lang="en-US" dirty="0" smtClean="0"/>
+              <a:t>Credentials rotated Automatically</a:t>
+            </a:r>
+          </a:p>
+          <a:p>
+            <a:endParaRPr lang="en-US" dirty="0" smtClean="0"/>
+          </a:p>
+          <a:p>
+            <a:endParaRPr lang="en-US" dirty="0" smtClean="0"/>
+          </a:p>
+        </p:txBody>
+      </p:sp>
+      <p:sp>
+        <p:nvSpPr>
+          <p:cNvPr id="2" name="Title 1"/>
+          <p:cNvSpPr>
+            <a:spLocks noGrp="1"/>
+          </p:cNvSpPr>
+          <p:nvPr>
+            <p:ph type="title"/>
+          </p:nvPr>
+        </p:nvSpPr>
+        <p:spPr/>
+        <p:txBody>
+          <a:bodyPr>
+            <a:normAutofit/>
+          </a:bodyPr>
+          <a:lstStyle/>
+          <a:p>
+            <a:r>
+              <a:rPr lang="en-US" dirty="0" smtClean="0"/>
+              <a:t>IAM: IAM Roles for EC2</a:t>
+            </a:r>
+            <a:endParaRPr lang="en-US" dirty="0"/>
+          </a:p>
+        </p:txBody>
+      </p:sp>
+    </p:spTree>
+    <p:extLst>
+      <p:ext uri="{BB962C8B-B14F-4D97-AF65-F5344CB8AC3E}">
+        <p14:creationId xmlns:p14="http://schemas.microsoft.com/office/powerpoint/2010/main" val="4122533754"/>
+      </p:ext>
+    </p:extLst>
+  </p:cSld>
+  <p:clrMapOvr>
+    <a:masterClrMapping/>
+  </p:clrMapOvr>
+  <p:timing>
+    <p:tnLst>
+      <p:par>
+        <p:cTn xmlns:p14="http://schemas.microsoft.com/office/powerpoint/2010/main" id="1" dur="indefinite" restart="never" nodeType="tmRoot"/>
+      </p:par>
+    </p:tnLst>
+  </p:timing>
+</p:sld>
+</file>
+
+<file path=ppt/slides/slide15.xml><?xml version="1.0" encoding="utf-8"?>
+<p:sld xmlns:a="http://schemas.openxmlformats.org/drawingml/2006/main" xmlns:r="http://schemas.openxmlformats.org/officeDocument/2006/relationships" xmlns:p="http://schemas.openxmlformats.org/presentationml/2006/main">
+  <p:cSld>
+    <p:spTree>
+      <p:nvGrpSpPr>
+        <p:cNvPr id="1" name=""/>
+        <p:cNvGrpSpPr/>
+        <p:nvPr/>
+      </p:nvGrpSpPr>
+      <p:grpSpPr>
+        <a:xfrm>
+          <a:off x="0" y="0"/>
+          <a:ext cx="0" cy="0"/>
+          <a:chOff x="0" y="0"/>
+          <a:chExt cx="0" cy="0"/>
+        </a:xfrm>
+      </p:grpSpPr>
+      <p:sp>
+        <p:nvSpPr>
+          <p:cNvPr id="3" name="Content Placeholder 2"/>
+          <p:cNvSpPr>
+            <a:spLocks noGrp="1"/>
+          </p:cNvSpPr>
+          <p:nvPr>
+            <p:ph idx="1"/>
+          </p:nvPr>
+        </p:nvSpPr>
+        <p:spPr/>
+        <p:txBody>
+          <a:bodyPr>
+            <a:normAutofit/>
+          </a:bodyPr>
+          <a:lstStyle/>
+          <a:p>
+            <a:r>
+              <a:rPr lang="en-US" dirty="0" smtClean="0"/>
+              <a:t>Use IAM instead of Root Account</a:t>
+            </a:r>
+          </a:p>
+          <a:p>
+            <a:r>
+              <a:rPr lang="en-US" dirty="0" smtClean="0"/>
+              <a:t>Use IAM groups</a:t>
+            </a:r>
+          </a:p>
+          <a:p>
+            <a:r>
+              <a:rPr lang="en-US" dirty="0"/>
+              <a:t>Use Multi-Factor </a:t>
+            </a:r>
+            <a:r>
+              <a:rPr lang="en-US" dirty="0" smtClean="0"/>
+              <a:t>Authentication if Possible</a:t>
+            </a:r>
+          </a:p>
+          <a:p>
+            <a:r>
+              <a:rPr lang="en-US" dirty="0" smtClean="0"/>
+              <a:t>Provide IAM password reset sparingly</a:t>
+            </a:r>
+          </a:p>
+          <a:p>
+            <a:r>
+              <a:rPr lang="en-US" dirty="0" smtClean="0"/>
+              <a:t>Use “Least Privilege Principle” if Organization Allows</a:t>
+            </a:r>
+          </a:p>
+        </p:txBody>
+      </p:sp>
+      <p:sp>
+        <p:nvSpPr>
+          <p:cNvPr id="2" name="Title 1"/>
+          <p:cNvSpPr>
+            <a:spLocks noGrp="1"/>
+          </p:cNvSpPr>
+          <p:nvPr>
+            <p:ph type="title"/>
+          </p:nvPr>
+        </p:nvSpPr>
+        <p:spPr/>
+        <p:txBody>
+          <a:bodyPr>
+            <a:normAutofit/>
+          </a:bodyPr>
+          <a:lstStyle/>
+          <a:p>
+            <a:r>
+              <a:rPr lang="en-US" dirty="0" smtClean="0"/>
+              <a:t>IAM: Best Practices</a:t>
+            </a:r>
+            <a:endParaRPr lang="en-US" dirty="0"/>
+          </a:p>
+        </p:txBody>
+      </p:sp>
+    </p:spTree>
+    <p:extLst>
+      <p:ext uri="{BB962C8B-B14F-4D97-AF65-F5344CB8AC3E}">
+        <p14:creationId xmlns:p14="http://schemas.microsoft.com/office/powerpoint/2010/main" val="2424893038"/>
+      </p:ext>
+    </p:extLst>
+  </p:cSld>
+  <p:clrMapOvr>
+    <a:masterClrMapping/>
+  </p:clrMapOvr>
+  <p:timing>
+    <p:tnLst>
+      <p:par>
+        <p:cTn xmlns:p14="http://schemas.microsoft.com/office/powerpoint/2010/main" id="1" dur="indefinite" restart="never" nodeType="tmRoot"/>
+      </p:par>
+    </p:tnLst>
+  </p:timing>
+</p:sld>
+</file>
+
+<file path=ppt/slides/slide16.xml><?xml version="1.0" encoding="utf-8"?>
+<p:sld xmlns:a="http://schemas.openxmlformats.org/drawingml/2006/main" xmlns:r="http://schemas.openxmlformats.org/officeDocument/2006/relationships" xmlns:p="http://schemas.openxmlformats.org/presentationml/2006/main">
+  <p:cSld>
+    <p:spTree>
+      <p:nvGrpSpPr>
+        <p:cNvPr id="1" name=""/>
+        <p:cNvGrpSpPr/>
+        <p:nvPr/>
+      </p:nvGrpSpPr>
+      <p:grpSpPr>
+        <a:xfrm>
+          <a:off x="0" y="0"/>
+          <a:ext cx="0" cy="0"/>
+          <a:chOff x="0" y="0"/>
+          <a:chExt cx="0" cy="0"/>
+        </a:xfrm>
+      </p:grpSpPr>
+      <p:sp>
+        <p:nvSpPr>
+          <p:cNvPr id="3" name="Content Placeholder 2"/>
+          <p:cNvSpPr>
+            <a:spLocks noGrp="1"/>
+          </p:cNvSpPr>
+          <p:nvPr>
+            <p:ph idx="1"/>
+          </p:nvPr>
+        </p:nvSpPr>
+        <p:spPr/>
+        <p:txBody>
+          <a:bodyPr>
+            <a:normAutofit lnSpcReduction="10000"/>
+          </a:bodyPr>
+          <a:lstStyle/>
+          <a:p>
+            <a:r>
+              <a:rPr lang="en-US" dirty="0" smtClean="0"/>
+              <a:t>Use IAM roles to allow EC2 servers access to S3 buckets in order to retrieve configuration information</a:t>
+            </a:r>
+          </a:p>
+          <a:p>
+            <a:r>
+              <a:rPr lang="en-US" dirty="0" smtClean="0"/>
+              <a:t>Use IAM users to provide only required access to S3 and SQS for applications</a:t>
+            </a:r>
+          </a:p>
+          <a:p>
+            <a:pPr lvl="1"/>
+            <a:r>
+              <a:rPr lang="en-US" dirty="0" smtClean="0"/>
+              <a:t>scraper-prod01 = access scraper-prod01-* Queues and s3://scraper/prod01/* resources</a:t>
+            </a:r>
+            <a:endParaRPr lang="en-US" dirty="0"/>
+          </a:p>
+          <a:p>
+            <a:r>
+              <a:rPr lang="en-US" dirty="0" smtClean="0"/>
+              <a:t>Use IAM Policy Variables to create “Home Folders” on S3:</a:t>
+            </a:r>
+          </a:p>
+          <a:p>
+            <a:pPr lvl="1"/>
+            <a:r>
+              <a:rPr lang="en-US" dirty="0"/>
+              <a:t>"arn:aws:s3:::</a:t>
+            </a:r>
+            <a:r>
+              <a:rPr lang="en-US" dirty="0" err="1"/>
+              <a:t>company_backups</a:t>
+            </a:r>
+            <a:r>
+              <a:rPr lang="en-US" dirty="0"/>
+              <a:t>/${</a:t>
+            </a:r>
+            <a:r>
+              <a:rPr lang="en-US" dirty="0" err="1"/>
+              <a:t>aws:username</a:t>
+            </a:r>
+            <a:r>
+              <a:rPr lang="en-US" dirty="0"/>
+              <a:t>}/*"</a:t>
+            </a:r>
+            <a:endParaRPr lang="en-US" dirty="0" smtClean="0"/>
+          </a:p>
+        </p:txBody>
+      </p:sp>
+      <p:sp>
+        <p:nvSpPr>
+          <p:cNvPr id="2" name="Title 1"/>
+          <p:cNvSpPr>
+            <a:spLocks noGrp="1"/>
+          </p:cNvSpPr>
+          <p:nvPr>
+            <p:ph type="title"/>
+          </p:nvPr>
+        </p:nvSpPr>
+        <p:spPr/>
+        <p:txBody>
+          <a:bodyPr>
+            <a:normAutofit/>
+          </a:bodyPr>
+          <a:lstStyle/>
+          <a:p>
+            <a:r>
+              <a:rPr lang="en-US" dirty="0" smtClean="0"/>
+              <a:t>IAM: Practical Examples</a:t>
+            </a:r>
+            <a:endParaRPr lang="en-US" dirty="0"/>
+          </a:p>
+        </p:txBody>
+      </p:sp>
+    </p:spTree>
+    <p:extLst>
+      <p:ext uri="{BB962C8B-B14F-4D97-AF65-F5344CB8AC3E}">
+        <p14:creationId xmlns:p14="http://schemas.microsoft.com/office/powerpoint/2010/main" val="3708169065"/>
+      </p:ext>
+    </p:extLst>
+  </p:cSld>
+  <p:clrMapOvr>
+    <a:masterClrMapping/>
+  </p:clrMapOvr>
+  <p:timing>
+    <p:tnLst>
+      <p:par>
+        <p:cTn xmlns:p14="http://schemas.microsoft.com/office/powerpoint/2010/main" id="1" dur="indefinite" restart="never" nodeType="tmRoot"/>
+      </p:par>
+    </p:tnLst>
+  </p:timing>
+</p:sld>
+</file>
+
+<file path=ppt/slides/slide17.xml><?xml version="1.0" encoding="utf-8"?>
+<p:sld xmlns:a="http://schemas.openxmlformats.org/drawingml/2006/main" xmlns:r="http://schemas.openxmlformats.org/officeDocument/2006/relationships" xmlns:p="http://schemas.openxmlformats.org/presentationml/2006/main">
+  <p:cSld>
+    <p:spTree>
+      <p:nvGrpSpPr>
+        <p:cNvPr id="1" name=""/>
+        <p:cNvGrpSpPr/>
+        <p:nvPr/>
+      </p:nvGrpSpPr>
+      <p:grpSpPr>
+        <a:xfrm>
+          <a:off x="0" y="0"/>
+          <a:ext cx="0" cy="0"/>
+          <a:chOff x="0" y="0"/>
+          <a:chExt cx="0" cy="0"/>
+        </a:xfrm>
+      </p:grpSpPr>
+      <p:sp>
+        <p:nvSpPr>
+          <p:cNvPr id="3" name="Content Placeholder 2"/>
+          <p:cNvSpPr>
+            <a:spLocks noGrp="1"/>
+          </p:cNvSpPr>
+          <p:nvPr>
+            <p:ph idx="1"/>
+          </p:nvPr>
+        </p:nvSpPr>
+        <p:spPr/>
+        <p:txBody>
+          <a:bodyPr>
+            <a:normAutofit fontScale="92500" lnSpcReduction="10000"/>
+          </a:bodyPr>
+          <a:lstStyle/>
+          <a:p>
+            <a:pPr marL="0" indent="0">
+              <a:buNone/>
+            </a:pPr>
+            <a:r>
+              <a:rPr lang="en-US" dirty="0" smtClean="0"/>
+              <a:t>Create IAM User and Group:</a:t>
+            </a:r>
+          </a:p>
+          <a:p>
+            <a:r>
+              <a:rPr lang="en-US" dirty="0" smtClean="0"/>
+              <a:t>Create an IAM Group</a:t>
+            </a:r>
+          </a:p>
+          <a:p>
+            <a:r>
+              <a:rPr lang="en-US" dirty="0" smtClean="0"/>
+              <a:t>Create an IAM User</a:t>
+            </a:r>
+          </a:p>
+          <a:p>
+            <a:pPr marL="0" indent="0">
+              <a:buNone/>
+            </a:pPr>
+            <a:r>
+              <a:rPr lang="en-US" dirty="0" smtClean="0"/>
+              <a:t>Create a Limited Access IAM User and Test:</a:t>
+            </a:r>
+          </a:p>
+          <a:p>
+            <a:r>
+              <a:rPr lang="en-US" dirty="0" smtClean="0"/>
+              <a:t>Create an IAM Policy</a:t>
+            </a:r>
+          </a:p>
+          <a:p>
+            <a:r>
+              <a:rPr lang="en-US" dirty="0" smtClean="0"/>
+              <a:t>Create a user</a:t>
+            </a:r>
+          </a:p>
+          <a:p>
+            <a:r>
+              <a:rPr lang="en-US" dirty="0" smtClean="0"/>
+              <a:t>Apply Policy to user – allow access to resource by Tag</a:t>
+            </a:r>
+          </a:p>
+          <a:p>
+            <a:r>
+              <a:rPr lang="en-US" dirty="0" smtClean="0"/>
+              <a:t>Test Access Policy</a:t>
+            </a:r>
+          </a:p>
+          <a:p>
+            <a:pPr marL="0" indent="0">
+              <a:buNone/>
+            </a:pPr>
+            <a:r>
+              <a:rPr lang="en-US" smtClean="0"/>
+              <a:t>Create </a:t>
+            </a:r>
+            <a:endParaRPr lang="en-US" dirty="0"/>
+          </a:p>
+          <a:p>
+            <a:endParaRPr lang="en-US" dirty="0" smtClean="0"/>
+          </a:p>
+        </p:txBody>
+      </p:sp>
+      <p:sp>
+        <p:nvSpPr>
+          <p:cNvPr id="2" name="Title 1"/>
+          <p:cNvSpPr>
+            <a:spLocks noGrp="1"/>
+          </p:cNvSpPr>
+          <p:nvPr>
+            <p:ph type="title"/>
+          </p:nvPr>
+        </p:nvSpPr>
+        <p:spPr/>
+        <p:txBody>
+          <a:bodyPr>
+            <a:normAutofit/>
+          </a:bodyPr>
+          <a:lstStyle/>
+          <a:p>
+            <a:r>
+              <a:rPr lang="en-US" dirty="0" smtClean="0"/>
+              <a:t>Hands On: IAM</a:t>
             </a:r>
             <a:endParaRPr lang="en-US" dirty="0"/>
           </a:p>
@@ -16899,6 +18968,249 @@
       </p:grpSpPr>
       <p:sp>
         <p:nvSpPr>
+          <p:cNvPr id="3" name="Content Placeholder 2"/>
+          <p:cNvSpPr>
+            <a:spLocks noGrp="1"/>
+          </p:cNvSpPr>
+          <p:nvPr>
+            <p:ph idx="1"/>
+          </p:nvPr>
+        </p:nvSpPr>
+        <p:spPr/>
+        <p:txBody>
+          <a:bodyPr>
+            <a:normAutofit fontScale="62500" lnSpcReduction="20000"/>
+          </a:bodyPr>
+          <a:lstStyle/>
+          <a:p>
+            <a:pPr marL="0" indent="0">
+              <a:buNone/>
+            </a:pPr>
+            <a:r>
+              <a:rPr lang="en-US" dirty="0" smtClean="0">
+                <a:latin typeface="Courier"/>
+                <a:cs typeface="Courier"/>
+              </a:rPr>
+              <a:t>Command: </a:t>
+            </a:r>
+            <a:r>
+              <a:rPr lang="en-US" dirty="0" err="1" smtClean="0">
+                <a:latin typeface="Courier"/>
+                <a:cs typeface="Courier"/>
+              </a:rPr>
+              <a:t>aws</a:t>
+            </a:r>
+            <a:r>
+              <a:rPr lang="en-US" dirty="0" smtClean="0">
+                <a:latin typeface="Courier"/>
+                <a:cs typeface="Courier"/>
+              </a:rPr>
+              <a:t> </a:t>
+            </a:r>
+            <a:r>
+              <a:rPr lang="en-US" dirty="0">
+                <a:latin typeface="Courier"/>
+                <a:cs typeface="Courier"/>
+              </a:rPr>
+              <a:t>ec2 terminate-instances --instance-ids i-</a:t>
+            </a:r>
+            <a:r>
+              <a:rPr lang="en-US" dirty="0" smtClean="0">
+                <a:latin typeface="Courier"/>
+                <a:cs typeface="Courier"/>
+              </a:rPr>
+              <a:t>8f00e559</a:t>
+            </a:r>
+          </a:p>
+          <a:p>
+            <a:pPr marL="0" indent="0">
+              <a:buNone/>
+            </a:pPr>
+            <a:endParaRPr lang="en-US" dirty="0" smtClean="0">
+              <a:latin typeface="Courier"/>
+              <a:cs typeface="Courier"/>
+            </a:endParaRPr>
+          </a:p>
+          <a:p>
+            <a:pPr marL="0" indent="0">
+              <a:buNone/>
+            </a:pPr>
+            <a:r>
+              <a:rPr lang="en-US" dirty="0" smtClean="0">
+                <a:latin typeface="Courier"/>
+                <a:cs typeface="Courier"/>
+              </a:rPr>
+              <a:t>{</a:t>
+            </a:r>
+            <a:endParaRPr lang="en-US" dirty="0">
+              <a:latin typeface="Courier"/>
+              <a:cs typeface="Courier"/>
+            </a:endParaRPr>
+          </a:p>
+          <a:p>
+            <a:pPr marL="0" indent="0">
+              <a:buNone/>
+            </a:pPr>
+            <a:r>
+              <a:rPr lang="en-US" dirty="0">
+                <a:latin typeface="Courier"/>
+                <a:cs typeface="Courier"/>
+              </a:rPr>
+              <a:t>  "Statement": [</a:t>
+            </a:r>
+          </a:p>
+          <a:p>
+            <a:pPr marL="0" indent="0">
+              <a:buNone/>
+            </a:pPr>
+            <a:r>
+              <a:rPr lang="en-US" dirty="0">
+                <a:latin typeface="Courier"/>
+                <a:cs typeface="Courier"/>
+              </a:rPr>
+              <a:t>    {</a:t>
+            </a:r>
+          </a:p>
+          <a:p>
+            <a:pPr marL="0" indent="0">
+              <a:buNone/>
+            </a:pPr>
+            <a:r>
+              <a:rPr lang="en-US" dirty="0">
+                <a:latin typeface="Courier"/>
+                <a:cs typeface="Courier"/>
+              </a:rPr>
+              <a:t>      "Action": [</a:t>
+            </a:r>
+          </a:p>
+          <a:p>
+            <a:pPr marL="0" indent="0">
+              <a:buNone/>
+            </a:pPr>
+            <a:r>
+              <a:rPr lang="en-US" dirty="0">
+                <a:latin typeface="Courier"/>
+                <a:cs typeface="Courier"/>
+              </a:rPr>
+              <a:t>        "s3:GetObject",</a:t>
+            </a:r>
+          </a:p>
+          <a:p>
+            <a:pPr marL="0" indent="0">
+              <a:buNone/>
+            </a:pPr>
+            <a:r>
+              <a:rPr lang="en-US" dirty="0">
+                <a:latin typeface="Courier"/>
+                <a:cs typeface="Courier"/>
+              </a:rPr>
+              <a:t>        "s3:PutObject"</a:t>
+            </a:r>
+          </a:p>
+          <a:p>
+            <a:pPr marL="0" indent="0">
+              <a:buNone/>
+            </a:pPr>
+            <a:r>
+              <a:rPr lang="en-US" dirty="0">
+                <a:latin typeface="Courier"/>
+                <a:cs typeface="Courier"/>
+              </a:rPr>
+              <a:t>      ],</a:t>
+            </a:r>
+          </a:p>
+          <a:p>
+            <a:pPr marL="0" indent="0">
+              <a:buNone/>
+            </a:pPr>
+            <a:r>
+              <a:rPr lang="en-US" dirty="0">
+                <a:latin typeface="Courier"/>
+                <a:cs typeface="Courier"/>
+              </a:rPr>
+              <a:t>      "Effect": "Allow",</a:t>
+            </a:r>
+          </a:p>
+          <a:p>
+            <a:pPr marL="0" indent="0">
+              <a:buNone/>
+            </a:pPr>
+            <a:r>
+              <a:rPr lang="en-US" dirty="0">
+                <a:latin typeface="Courier"/>
+                <a:cs typeface="Courier"/>
+              </a:rPr>
+              <a:t>      "Resource”:["arn:aws:s3:::</a:t>
+            </a:r>
+            <a:r>
+              <a:rPr lang="en-US" dirty="0" err="1">
+                <a:latin typeface="Courier"/>
+                <a:cs typeface="Courier"/>
+              </a:rPr>
+              <a:t>user_bucket</a:t>
+            </a:r>
+            <a:r>
+              <a:rPr lang="en-US" dirty="0">
+                <a:latin typeface="Courier"/>
+                <a:cs typeface="Courier"/>
+              </a:rPr>
+              <a:t>/${</a:t>
+            </a:r>
+            <a:r>
+              <a:rPr lang="en-US" dirty="0" err="1">
+                <a:latin typeface="Courier"/>
+                <a:cs typeface="Courier"/>
+              </a:rPr>
+              <a:t>aws:username</a:t>
+            </a:r>
+            <a:r>
+              <a:rPr lang="en-US" dirty="0">
+                <a:latin typeface="Courier"/>
+                <a:cs typeface="Courier"/>
+              </a:rPr>
+              <a:t>}/*"]</a:t>
+            </a:r>
+          </a:p>
+          <a:p>
+            <a:pPr marL="0" indent="0">
+              <a:buNone/>
+            </a:pPr>
+            <a:r>
+              <a:rPr lang="en-US" dirty="0">
+                <a:latin typeface="Courier"/>
+                <a:cs typeface="Courier"/>
+              </a:rPr>
+              <a:t>    }</a:t>
+            </a:r>
+          </a:p>
+          <a:p>
+            <a:pPr marL="0" indent="0">
+              <a:buNone/>
+            </a:pPr>
+            <a:r>
+              <a:rPr lang="en-US" dirty="0">
+                <a:latin typeface="Courier"/>
+                <a:cs typeface="Courier"/>
+              </a:rPr>
+              <a:t>  ]</a:t>
+            </a:r>
+          </a:p>
+          <a:p>
+            <a:pPr marL="0" indent="0">
+              <a:buNone/>
+            </a:pPr>
+            <a:r>
+              <a:rPr lang="en-US" dirty="0">
+                <a:latin typeface="Courier"/>
+                <a:cs typeface="Courier"/>
+              </a:rPr>
+              <a:t>}</a:t>
+            </a:r>
+          </a:p>
+        </p:txBody>
+      </p:sp>
+      <p:sp>
+        <p:nvSpPr>
           <p:cNvPr id="2" name="Title 1"/>
           <p:cNvSpPr>
             <a:spLocks noGrp="1"/>
@@ -16916,138 +19228,7 @@
           <a:p>
             <a:r>
               <a:rPr lang="en-US" dirty="0" smtClean="0"/>
-              <a:t>IAM: Roles and Users Compared</a:t>
-            </a:r>
-            <a:endParaRPr lang="en-US" dirty="0"/>
-          </a:p>
-        </p:txBody>
-      </p:sp>
-      <p:sp>
-        <p:nvSpPr>
-          <p:cNvPr id="5" name="Text Placeholder 4"/>
-          <p:cNvSpPr>
-            <a:spLocks noGrp="1"/>
-          </p:cNvSpPr>
-          <p:nvPr>
-            <p:ph type="body" idx="1"/>
-          </p:nvPr>
-        </p:nvSpPr>
-        <p:spPr/>
-        <p:txBody>
-          <a:bodyPr/>
-          <a:lstStyle/>
-          <a:p>
-            <a:r>
-              <a:rPr lang="en-US" dirty="0" smtClean="0"/>
-              <a:t>IAM Role</a:t>
-            </a:r>
-            <a:endParaRPr lang="en-US" dirty="0"/>
-          </a:p>
-        </p:txBody>
-      </p:sp>
-      <p:sp>
-        <p:nvSpPr>
-          <p:cNvPr id="3" name="Content Placeholder 2"/>
-          <p:cNvSpPr>
-            <a:spLocks noGrp="1"/>
-          </p:cNvSpPr>
-          <p:nvPr>
-            <p:ph sz="half" idx="2"/>
-          </p:nvPr>
-        </p:nvSpPr>
-        <p:spPr/>
-        <p:txBody>
-          <a:bodyPr>
-            <a:normAutofit lnSpcReduction="10000"/>
-          </a:bodyPr>
-          <a:lstStyle/>
-          <a:p>
-            <a:r>
-              <a:rPr lang="en-US" dirty="0" smtClean="0"/>
-              <a:t>If using AWS SDKs, it “just works”</a:t>
-            </a:r>
-          </a:p>
-          <a:p>
-            <a:r>
-              <a:rPr lang="en-US" dirty="0"/>
-              <a:t>Supported only on EC2 and AWS </a:t>
-            </a:r>
-            <a:r>
-              <a:rPr lang="en-US" dirty="0" smtClean="0"/>
-              <a:t>Resources</a:t>
-            </a:r>
-            <a:endParaRPr lang="en-US" dirty="0"/>
-          </a:p>
-          <a:p>
-            <a:r>
-              <a:rPr lang="en-US" dirty="0" smtClean="0"/>
-              <a:t>Credential rotation provided by Amazon</a:t>
-            </a:r>
-          </a:p>
-          <a:p>
-            <a:r>
-              <a:rPr lang="en-US" dirty="0" smtClean="0"/>
-              <a:t>Available via instance meta-data query</a:t>
-            </a:r>
-          </a:p>
-          <a:p>
-            <a:endParaRPr lang="en-US" dirty="0" smtClean="0"/>
-          </a:p>
-        </p:txBody>
-      </p:sp>
-      <p:sp>
-        <p:nvSpPr>
-          <p:cNvPr id="6" name="Text Placeholder 5"/>
-          <p:cNvSpPr>
-            <a:spLocks noGrp="1"/>
-          </p:cNvSpPr>
-          <p:nvPr>
-            <p:ph type="body" sz="quarter" idx="3"/>
-          </p:nvPr>
-        </p:nvSpPr>
-        <p:spPr/>
-        <p:txBody>
-          <a:bodyPr/>
-          <a:lstStyle/>
-          <a:p>
-            <a:r>
-              <a:rPr lang="en-US" dirty="0" smtClean="0"/>
-              <a:t>IAM Users</a:t>
-            </a:r>
-            <a:endParaRPr lang="en-US" dirty="0"/>
-          </a:p>
-        </p:txBody>
-      </p:sp>
-      <p:sp>
-        <p:nvSpPr>
-          <p:cNvPr id="7" name="Content Placeholder 6"/>
-          <p:cNvSpPr>
-            <a:spLocks noGrp="1"/>
-          </p:cNvSpPr>
-          <p:nvPr>
-            <p:ph sz="quarter" idx="4"/>
-          </p:nvPr>
-        </p:nvSpPr>
-        <p:spPr/>
-        <p:txBody>
-          <a:bodyPr/>
-          <a:lstStyle/>
-          <a:p>
-            <a:r>
-              <a:rPr lang="en-US" dirty="0" smtClean="0"/>
-              <a:t>Can be utilized on non-AWS Resources</a:t>
-            </a:r>
-          </a:p>
-          <a:p>
-            <a:r>
-              <a:rPr lang="en-US" dirty="0" smtClean="0"/>
-              <a:t>Permissions can be tested easily</a:t>
-            </a:r>
-          </a:p>
-          <a:p>
-            <a:r>
-              <a:rPr lang="en-US" dirty="0" smtClean="0"/>
-              <a:t>Difficult to Secure (has to be checked in / distributed securely)</a:t>
+              <a:t>IAM: Will it Terminate?</a:t>
             </a:r>
             <a:endParaRPr lang="en-US" dirty="0"/>
           </a:p>
@@ -17056,7 +19237,7 @@
     </p:spTree>
     <p:extLst>
       <p:ext uri="{BB962C8B-B14F-4D97-AF65-F5344CB8AC3E}">
-        <p14:creationId xmlns:p14="http://schemas.microsoft.com/office/powerpoint/2010/main" val="2555247866"/>
+        <p14:creationId xmlns:p14="http://schemas.microsoft.com/office/powerpoint/2010/main" val="851706829"/>
       </p:ext>
     </p:extLst>
   </p:cSld>
@@ -17092,6 +19273,293 @@
       </p:grpSpPr>
       <p:sp>
         <p:nvSpPr>
+          <p:cNvPr id="3" name="Content Placeholder 2"/>
+          <p:cNvSpPr>
+            <a:spLocks noGrp="1"/>
+          </p:cNvSpPr>
+          <p:nvPr>
+            <p:ph idx="1"/>
+          </p:nvPr>
+        </p:nvSpPr>
+        <p:spPr/>
+        <p:txBody>
+          <a:bodyPr>
+            <a:normAutofit fontScale="55000" lnSpcReduction="20000"/>
+          </a:bodyPr>
+          <a:lstStyle/>
+          <a:p>
+            <a:pPr marL="0" indent="0">
+              <a:buNone/>
+            </a:pPr>
+            <a:r>
+              <a:rPr lang="en-US" dirty="0" smtClean="0">
+                <a:latin typeface="Courier"/>
+                <a:cs typeface="Courier"/>
+              </a:rPr>
+              <a:t>Command: </a:t>
+            </a:r>
+            <a:r>
+              <a:rPr lang="en-US" dirty="0" err="1" smtClean="0">
+                <a:latin typeface="Courier"/>
+                <a:cs typeface="Courier"/>
+              </a:rPr>
+              <a:t>aws</a:t>
+            </a:r>
+            <a:r>
+              <a:rPr lang="en-US" dirty="0" smtClean="0">
+                <a:latin typeface="Courier"/>
+                <a:cs typeface="Courier"/>
+              </a:rPr>
+              <a:t> </a:t>
+            </a:r>
+            <a:r>
+              <a:rPr lang="en-US" dirty="0">
+                <a:latin typeface="Courier"/>
+                <a:cs typeface="Courier"/>
+              </a:rPr>
+              <a:t>ec2 terminate-instances --instance-ids i-</a:t>
+            </a:r>
+            <a:r>
+              <a:rPr lang="en-US" dirty="0" smtClean="0">
+                <a:latin typeface="Courier"/>
+                <a:cs typeface="Courier"/>
+              </a:rPr>
+              <a:t>8f00e559</a:t>
+            </a:r>
+          </a:p>
+          <a:p>
+            <a:pPr marL="0" indent="0">
+              <a:buNone/>
+            </a:pPr>
+            <a:endParaRPr lang="en-US" dirty="0" smtClean="0">
+              <a:latin typeface="Courier"/>
+              <a:cs typeface="Courier"/>
+            </a:endParaRPr>
+          </a:p>
+          <a:p>
+            <a:pPr marL="0" indent="0">
+              <a:buNone/>
+            </a:pPr>
+            <a:r>
+              <a:rPr lang="en-US" dirty="0" smtClean="0">
+                <a:latin typeface="Courier"/>
+                <a:cs typeface="Courier"/>
+              </a:rPr>
+              <a:t>{</a:t>
+            </a:r>
+            <a:endParaRPr lang="en-US" dirty="0">
+              <a:latin typeface="Courier"/>
+              <a:cs typeface="Courier"/>
+            </a:endParaRPr>
+          </a:p>
+          <a:p>
+            <a:pPr marL="0" indent="0">
+              <a:buNone/>
+            </a:pPr>
+            <a:r>
+              <a:rPr lang="en-US" dirty="0">
+                <a:latin typeface="Courier"/>
+                <a:cs typeface="Courier"/>
+              </a:rPr>
+              <a:t>  "Statement": [</a:t>
+            </a:r>
+          </a:p>
+          <a:p>
+            <a:pPr marL="0" indent="0">
+              <a:buNone/>
+            </a:pPr>
+            <a:r>
+              <a:rPr lang="en-US" dirty="0">
+                <a:latin typeface="Courier"/>
+                <a:cs typeface="Courier"/>
+              </a:rPr>
+              <a:t>    {</a:t>
+            </a:r>
+          </a:p>
+          <a:p>
+            <a:pPr marL="0" indent="0">
+              <a:buNone/>
+            </a:pPr>
+            <a:r>
+              <a:rPr lang="en-US" dirty="0">
+                <a:latin typeface="Courier"/>
+                <a:cs typeface="Courier"/>
+              </a:rPr>
+              <a:t>      "Action": [</a:t>
+            </a:r>
+          </a:p>
+          <a:p>
+            <a:pPr marL="0" indent="0">
+              <a:buNone/>
+            </a:pPr>
+            <a:r>
+              <a:rPr lang="en-US" dirty="0">
+                <a:latin typeface="Courier"/>
+                <a:cs typeface="Courier"/>
+              </a:rPr>
+              <a:t>        </a:t>
+            </a:r>
+            <a:r>
+              <a:rPr lang="en-US" dirty="0" smtClean="0">
+                <a:latin typeface="Courier"/>
+                <a:cs typeface="Courier"/>
+              </a:rPr>
+              <a:t>”ec2:Describe*"</a:t>
+            </a:r>
+            <a:r>
+              <a:rPr lang="en-US" dirty="0">
+                <a:latin typeface="Courier"/>
+                <a:cs typeface="Courier"/>
+              </a:rPr>
+              <a:t>,</a:t>
+            </a:r>
+          </a:p>
+          <a:p>
+            <a:pPr marL="0" indent="0">
+              <a:buNone/>
+            </a:pPr>
+            <a:r>
+              <a:rPr lang="en-US" dirty="0" smtClean="0">
+                <a:latin typeface="Courier"/>
+                <a:cs typeface="Courier"/>
+              </a:rPr>
+              <a:t>        </a:t>
+            </a:r>
+            <a:r>
+              <a:rPr lang="en-US" dirty="0">
+                <a:latin typeface="Courier"/>
+                <a:cs typeface="Courier"/>
+              </a:rPr>
+              <a:t>”ec2:</a:t>
+            </a:r>
+            <a:r>
+              <a:rPr lang="en-US" dirty="0" smtClean="0">
+                <a:latin typeface="Courier"/>
+                <a:cs typeface="Courier"/>
+              </a:rPr>
+              <a:t>StartInstance”,</a:t>
+            </a:r>
+          </a:p>
+          <a:p>
+            <a:pPr marL="0" indent="0">
+              <a:buNone/>
+            </a:pPr>
+            <a:r>
+              <a:rPr lang="en-US" dirty="0" smtClean="0">
+                <a:latin typeface="Courier"/>
+                <a:cs typeface="Courier"/>
+              </a:rPr>
+              <a:t>        ”ec2:StopInstance"</a:t>
+            </a:r>
+            <a:endParaRPr lang="en-US" dirty="0">
+              <a:latin typeface="Courier"/>
+              <a:cs typeface="Courier"/>
+            </a:endParaRPr>
+          </a:p>
+          <a:p>
+            <a:pPr marL="0" indent="0">
+              <a:buNone/>
+            </a:pPr>
+            <a:r>
+              <a:rPr lang="en-US" dirty="0">
+                <a:latin typeface="Courier"/>
+                <a:cs typeface="Courier"/>
+              </a:rPr>
+              <a:t>      ],</a:t>
+            </a:r>
+          </a:p>
+          <a:p>
+            <a:pPr marL="0" indent="0">
+              <a:buNone/>
+            </a:pPr>
+            <a:r>
+              <a:rPr lang="en-US" dirty="0">
+                <a:latin typeface="Courier"/>
+                <a:cs typeface="Courier"/>
+              </a:rPr>
+              <a:t>      "Effect": "Allow",</a:t>
+            </a:r>
+          </a:p>
+          <a:p>
+            <a:pPr marL="0" indent="0">
+              <a:buNone/>
+            </a:pPr>
+            <a:r>
+              <a:rPr lang="en-US" dirty="0">
+                <a:latin typeface="Courier"/>
+                <a:cs typeface="Courier"/>
+              </a:rPr>
+              <a:t>      "Resource”:["</a:t>
+            </a:r>
+            <a:r>
+              <a:rPr lang="en-US" dirty="0" smtClean="0">
+                <a:latin typeface="Courier"/>
+                <a:cs typeface="Courier"/>
+              </a:rPr>
+              <a:t>arn:aws:ec2:</a:t>
+            </a:r>
+            <a:r>
+              <a:rPr lang="en-US" dirty="0">
+                <a:latin typeface="Courier"/>
+                <a:cs typeface="Courier"/>
+              </a:rPr>
+              <a:t>:</a:t>
+            </a:r>
+            <a:r>
+              <a:rPr lang="en-US" dirty="0" smtClean="0">
+                <a:latin typeface="Courier"/>
+                <a:cs typeface="Courier"/>
+              </a:rPr>
+              <a:t>:*"</a:t>
+            </a:r>
+            <a:r>
+              <a:rPr lang="en-US" dirty="0">
+                <a:latin typeface="Courier"/>
+                <a:cs typeface="Courier"/>
+              </a:rPr>
+              <a:t>]</a:t>
+            </a:r>
+          </a:p>
+          <a:p>
+            <a:pPr marL="0" indent="0">
+              <a:buNone/>
+            </a:pPr>
+            <a:r>
+              <a:rPr lang="en-US" dirty="0">
+                <a:latin typeface="Courier"/>
+                <a:cs typeface="Courier"/>
+              </a:rPr>
+              <a:t>    }</a:t>
+            </a:r>
+          </a:p>
+          <a:p>
+            <a:pPr marL="0" indent="0">
+              <a:buNone/>
+            </a:pPr>
+            <a:r>
+              <a:rPr lang="en-US" dirty="0">
+                <a:latin typeface="Courier"/>
+                <a:cs typeface="Courier"/>
+              </a:rPr>
+              <a:t>  ]</a:t>
+            </a:r>
+          </a:p>
+          <a:p>
+            <a:pPr marL="0" indent="0">
+              <a:buNone/>
+            </a:pPr>
+            <a:r>
+              <a:rPr lang="en-US" dirty="0">
+                <a:latin typeface="Courier"/>
+                <a:cs typeface="Courier"/>
+              </a:rPr>
+              <a:t>}</a:t>
+            </a:r>
+          </a:p>
+        </p:txBody>
+      </p:sp>
+      <p:sp>
+        <p:nvSpPr>
           <p:cNvPr id="2" name="Title 1"/>
           <p:cNvSpPr>
             <a:spLocks noGrp="1"/>
@@ -17109,116 +19577,16 @@
           <a:p>
             <a:r>
               <a:rPr lang="en-US" dirty="0" smtClean="0"/>
-              <a:t>IAM: Managed vs. Inline Policies</a:t>
+              <a:t>IAM: Will it Terminate?</a:t>
             </a:r>
             <a:endParaRPr lang="en-US" dirty="0"/>
           </a:p>
         </p:txBody>
       </p:sp>
-      <p:sp>
-        <p:nvSpPr>
-          <p:cNvPr id="9" name="Text Placeholder 8"/>
-          <p:cNvSpPr>
-            <a:spLocks noGrp="1"/>
-          </p:cNvSpPr>
-          <p:nvPr>
-            <p:ph type="body" idx="1"/>
-          </p:nvPr>
-        </p:nvSpPr>
-        <p:spPr>
-          <a:xfrm>
-            <a:off x="265514" y="2478023"/>
-            <a:ext cx="3822192" cy="639762"/>
-          </a:xfrm>
-        </p:spPr>
-        <p:txBody>
-          <a:bodyPr/>
-          <a:lstStyle/>
-          <a:p>
-            <a:r>
-              <a:rPr lang="en-US" dirty="0" smtClean="0"/>
-              <a:t>Managed Policy</a:t>
-            </a:r>
-            <a:endParaRPr lang="en-US" dirty="0"/>
-          </a:p>
-        </p:txBody>
-      </p:sp>
-      <p:pic>
-        <p:nvPicPr>
-          <p:cNvPr id="4" name="Content Placeholder 3"/>
-          <p:cNvPicPr>
-            <a:picLocks noGrp="1" noChangeAspect="1"/>
-          </p:cNvPicPr>
-          <p:nvPr>
-            <p:ph sz="half" idx="2"/>
-          </p:nvPr>
-        </p:nvPicPr>
-        <p:blipFill rotWithShape="1">
-          <a:blip r:embed="rId3"/>
-          <a:srcRect t="1832" b="664"/>
-          <a:stretch/>
-        </p:blipFill>
-        <p:spPr>
-          <a:xfrm>
-            <a:off x="459337" y="3317876"/>
-            <a:ext cx="3820055" cy="3366428"/>
-          </a:xfrm>
-        </p:spPr>
-      </p:pic>
-      <p:sp>
-        <p:nvSpPr>
-          <p:cNvPr id="10" name="Text Placeholder 9"/>
-          <p:cNvSpPr>
-            <a:spLocks noGrp="1"/>
-          </p:cNvSpPr>
-          <p:nvPr>
-            <p:ph type="body" sz="quarter" idx="3"/>
-          </p:nvPr>
-        </p:nvSpPr>
-        <p:spPr>
-          <a:xfrm>
-            <a:off x="4864608" y="2496789"/>
-            <a:ext cx="3822192" cy="639762"/>
-          </a:xfrm>
-        </p:spPr>
-        <p:txBody>
-          <a:bodyPr/>
-          <a:lstStyle/>
-          <a:p>
-            <a:r>
-              <a:rPr lang="en-US" dirty="0" smtClean="0"/>
-              <a:t>Inline Policy</a:t>
-            </a:r>
-            <a:endParaRPr lang="en-US" dirty="0"/>
-          </a:p>
-        </p:txBody>
-      </p:sp>
-      <p:pic>
-        <p:nvPicPr>
-          <p:cNvPr id="8" name="Content Placeholder 7"/>
-          <p:cNvPicPr>
-            <a:picLocks noGrp="1" noChangeAspect="1"/>
-          </p:cNvPicPr>
-          <p:nvPr>
-            <p:ph sz="quarter" idx="4"/>
-          </p:nvPr>
-        </p:nvPicPr>
-        <p:blipFill rotWithShape="1">
-          <a:blip r:embed="rId4"/>
-          <a:srcRect l="786" r="908"/>
-          <a:stretch/>
-        </p:blipFill>
-        <p:spPr>
-          <a:xfrm>
-            <a:off x="4634114" y="3593712"/>
-            <a:ext cx="4222354" cy="2412661"/>
-          </a:xfrm>
-        </p:spPr>
-      </p:pic>
     </p:spTree>
     <p:extLst>
       <p:ext uri="{BB962C8B-B14F-4D97-AF65-F5344CB8AC3E}">
-        <p14:creationId xmlns:p14="http://schemas.microsoft.com/office/powerpoint/2010/main" val="422451648"/>
+        <p14:creationId xmlns:p14="http://schemas.microsoft.com/office/powerpoint/2010/main" val="3913562098"/>
       </p:ext>
     </p:extLst>
   </p:cSld>
@@ -17274,11 +19642,48 @@
             </a:pPr>
             <a:r>
               <a:rPr lang="en-US" dirty="0" smtClean="0">
-                <a:latin typeface="Calibri"/>
-                <a:cs typeface="Calibri"/>
+                <a:latin typeface="Courier"/>
+                <a:cs typeface="Courier"/>
               </a:rPr>
-              <a:t>Use IAM Policy Variables within IAM Policy Documents</a:t>
-            </a:r>
+              <a:t>Command: </a:t>
+            </a:r>
+            <a:r>
+              <a:rPr lang="en-US" dirty="0" err="1" smtClean="0">
+                <a:latin typeface="Courier"/>
+                <a:cs typeface="Courier"/>
+              </a:rPr>
+              <a:t>aws</a:t>
+            </a:r>
+            <a:r>
+              <a:rPr lang="en-US" dirty="0" smtClean="0">
+                <a:latin typeface="Courier"/>
+                <a:cs typeface="Courier"/>
+              </a:rPr>
+              <a:t> </a:t>
+            </a:r>
+            <a:r>
+              <a:rPr lang="en-US" dirty="0">
+                <a:latin typeface="Courier"/>
+                <a:cs typeface="Courier"/>
+              </a:rPr>
+              <a:t>ec2 terminate-instances --instance-ids i-</a:t>
+            </a:r>
+            <a:r>
+              <a:rPr lang="en-US" dirty="0" smtClean="0">
+                <a:latin typeface="Courier"/>
+                <a:cs typeface="Courier"/>
+              </a:rPr>
+              <a:t>8f00e559</a:t>
+            </a:r>
+          </a:p>
+          <a:p>
+            <a:pPr marL="0" indent="0">
+              <a:buNone/>
+            </a:pPr>
+            <a:endParaRPr lang="en-US" dirty="0" smtClean="0">
+              <a:latin typeface="Courier"/>
+              <a:cs typeface="Courier"/>
+            </a:endParaRPr>
           </a:p>
           <a:p>
             <a:pPr marL="0" indent="0">
@@ -17305,18 +19710,6 @@
                 <a:latin typeface="Courier"/>
                 <a:cs typeface="Courier"/>
               </a:rPr>
-              <a:t>  "Version": "2012-10-17",</a:t>
-            </a:r>
-          </a:p>
-          <a:p>
-            <a:pPr marL="0" indent="0">
-              <a:buNone/>
-            </a:pPr>
-            <a:r>
-              <a:rPr lang="en-US" dirty="0">
-                <a:latin typeface="Courier"/>
-                <a:cs typeface="Courier"/>
-              </a:rPr>
               <a:t>  "Statement": [</a:t>
             </a:r>
           </a:p>
@@ -17349,24 +19742,53 @@
               <a:buNone/>
             </a:pPr>
             <a:r>
+              <a:rPr lang="en-US" dirty="0" smtClean="0">
+                <a:latin typeface="Courier"/>
+                <a:cs typeface="Courier"/>
+              </a:rPr>
+              <a:t>        </a:t>
+            </a:r>
+            <a:r>
               <a:rPr lang="en-US" dirty="0">
                 <a:latin typeface="Courier"/>
                 <a:cs typeface="Courier"/>
               </a:rPr>
-              <a:t>        "s3:GetObject",</a:t>
-            </a:r>
-          </a:p>
-          <a:p>
-            <a:pPr marL="0" indent="0">
-              <a:buNone/>
-            </a:pPr>
+              <a:t>”ec2</a:t>
+            </a:r>
+            <a:r>
+              <a:rPr lang="en-US" dirty="0" smtClean="0">
+                <a:latin typeface="Courier"/>
+                <a:cs typeface="Courier"/>
+              </a:rPr>
+              <a:t>:Describe*”</a:t>
+            </a:r>
             <a:r>
               <a:rPr lang="en-US" dirty="0">
                 <a:latin typeface="Courier"/>
                 <a:cs typeface="Courier"/>
               </a:rPr>
-              <a:t>        "s3:PutObject"</a:t>
-            </a:r>
+              <a:t>,</a:t>
+            </a:r>
+            <a:endParaRPr lang="en-US" dirty="0" smtClean="0">
+              <a:latin typeface="Courier"/>
+              <a:cs typeface="Courier"/>
+            </a:endParaRPr>
+          </a:p>
+          <a:p>
+            <a:pPr marL="0" indent="0">
+              <a:buNone/>
+            </a:pPr>
+            <a:r>
+              <a:rPr lang="en-US" dirty="0" smtClean="0">
+                <a:latin typeface="Courier"/>
+                <a:cs typeface="Courier"/>
+              </a:rPr>
+              <a:t>        ”ec2:TerminateInstances”</a:t>
+            </a:r>
+            <a:endParaRPr lang="en-US" dirty="0">
+              <a:latin typeface="Courier"/>
+              <a:cs typeface="Courier"/>
+            </a:endParaRPr>
           </a:p>
           <a:p>
             <a:pPr marL="0" indent="0">
@@ -17398,103 +19820,38 @@
             </a:pPr>
             <a:r>
               <a:rPr lang="en-US" dirty="0">
-                <a:solidFill>
-                  <a:srgbClr val="FF0000"/>
-                </a:solidFill>
                 <a:latin typeface="Courier"/>
                 <a:cs typeface="Courier"/>
               </a:rPr>
-              <a:t>      "</a:t>
+              <a:t>      "Resource”:["</a:t>
             </a:r>
             <a:r>
               <a:rPr lang="en-US" dirty="0" smtClean="0">
-                <a:solidFill>
-                  <a:srgbClr val="FF0000"/>
-                </a:solidFill>
                 <a:latin typeface="Courier"/>
                 <a:cs typeface="Courier"/>
               </a:rPr>
-              <a:t>Resource”:[</a:t>
+              <a:t>arn:aws:ec2:</a:t>
             </a:r>
             <a:r>
               <a:rPr lang="en-US" dirty="0">
-                <a:solidFill>
-                  <a:srgbClr val="FF0000"/>
-                </a:solidFill>
-                <a:latin typeface="Courier"/>
-                <a:cs typeface="Courier"/>
-              </a:rPr>
-              <a:t>"arn:aws:s3::</a:t>
-            </a:r>
-            <a:r>
-              <a:rPr lang="en-US" dirty="0" smtClean="0">
-                <a:solidFill>
-                  <a:srgbClr val="FF0000"/>
-                </a:solidFill>
                 <a:latin typeface="Courier"/>
                 <a:cs typeface="Courier"/>
               </a:rPr>
               <a:t>:</a:t>
             </a:r>
             <a:r>
-              <a:rPr lang="en-US" dirty="0" err="1" smtClean="0">
-                <a:solidFill>
-                  <a:srgbClr val="FF0000"/>
-                </a:solidFill>
+              <a:rPr lang="en-US" dirty="0" smtClean="0">
                 <a:latin typeface="Courier"/>
                 <a:cs typeface="Courier"/>
               </a:rPr>
-              <a:t>user_bucket</a:t>
-            </a:r>
-            <a:r>
-              <a:rPr lang="en-US" dirty="0" smtClean="0">
-                <a:solidFill>
-                  <a:srgbClr val="FF0000"/>
-                </a:solidFill>
+              <a:t>:*"</a:t>
+            </a:r>
+            <a:r>
+              <a:rPr lang="en-US" dirty="0">
                 <a:latin typeface="Courier"/>
                 <a:cs typeface="Courier"/>
               </a:rPr>
-              <a:t>/</a:t>
-            </a:r>
-            <a:r>
-              <a:rPr lang="en-US" dirty="0">
-                <a:solidFill>
-                  <a:srgbClr val="FF0000"/>
-                </a:solidFill>
-                <a:latin typeface="Courier"/>
-                <a:cs typeface="Courier"/>
-              </a:rPr>
-              <a:t>${</a:t>
-            </a:r>
-            <a:r>
-              <a:rPr lang="en-US" dirty="0" err="1">
-                <a:solidFill>
-                  <a:srgbClr val="FF0000"/>
-                </a:solidFill>
-                <a:latin typeface="Courier"/>
-                <a:cs typeface="Courier"/>
-              </a:rPr>
-              <a:t>aws:username</a:t>
-            </a:r>
-            <a:r>
-              <a:rPr lang="en-US" dirty="0" smtClean="0">
-                <a:solidFill>
-                  <a:srgbClr val="FF0000"/>
-                </a:solidFill>
-                <a:latin typeface="Courier"/>
-                <a:cs typeface="Courier"/>
-              </a:rPr>
-              <a:t>}/*</a:t>
-            </a:r>
-            <a:r>
-              <a:rPr lang="en-US" dirty="0">
-                <a:solidFill>
-                  <a:srgbClr val="FF0000"/>
-                </a:solidFill>
-                <a:latin typeface="Courier"/>
-                <a:cs typeface="Courier"/>
-              </a:rPr>
-              <a:t>"]</a:t>
+              <a:t>]</a:t>
             </a:r>
           </a:p>
           <a:p>
@@ -17532,10 +19889,6 @@
               </a:rPr>
               <a:t>}</a:t>
             </a:r>
-            <a:endParaRPr lang="en-US" dirty="0" smtClean="0">
-              <a:latin typeface="Courier"/>
-              <a:cs typeface="Courier"/>
-            </a:endParaRPr>
           </a:p>
         </p:txBody>
       </p:sp>
@@ -17558,7 +19911,7 @@
           <a:p>
             <a:r>
               <a:rPr lang="en-US" dirty="0" smtClean="0"/>
-              <a:t>IAM: Policy Variables</a:t>
+              <a:t>IAM: Will it Terminate?</a:t>
             </a:r>
             <a:endParaRPr lang="en-US" dirty="0"/>
           </a:p>
@@ -17567,7 +19920,7 @@
     </p:spTree>
     <p:extLst>
       <p:ext uri="{BB962C8B-B14F-4D97-AF65-F5344CB8AC3E}">
-        <p14:creationId xmlns:p14="http://schemas.microsoft.com/office/powerpoint/2010/main" val="3196469798"/>
+        <p14:creationId xmlns:p14="http://schemas.microsoft.com/office/powerpoint/2010/main" val="151330617"/>
       </p:ext>
     </p:extLst>
   </p:cSld>
@@ -17603,7 +19956,7 @@
       </p:grpSpPr>
       <p:sp>
         <p:nvSpPr>
-          <p:cNvPr id="2" name="Content Placeholder 1"/>
+          <p:cNvPr id="3" name="Content Placeholder 2"/>
           <p:cNvSpPr>
             <a:spLocks noGrp="1"/>
           </p:cNvSpPr>
@@ -17614,7 +19967,7 @@
         <p:spPr/>
         <p:txBody>
           <a:bodyPr>
-            <a:normAutofit fontScale="77500" lnSpcReduction="20000"/>
+            <a:normAutofit fontScale="62500" lnSpcReduction="20000"/>
           </a:bodyPr>
           <a:lstStyle/>
           <a:p>
@@ -17622,384 +19975,246 @@
               <a:buNone/>
             </a:pPr>
             <a:r>
-              <a:rPr lang="en-US" sz="1800" dirty="0" smtClean="0">
-                <a:solidFill>
-                  <a:srgbClr val="FF0000"/>
-                </a:solidFill>
+              <a:rPr lang="en-US" dirty="0" smtClean="0">
                 <a:latin typeface="Courier"/>
                 <a:cs typeface="Courier"/>
               </a:rPr>
-              <a:t>"Resource”:[</a:t>
-            </a:r>
-            <a:r>
-              <a:rPr lang="en-US" sz="1800" dirty="0">
-                <a:solidFill>
-                  <a:srgbClr val="FF0000"/>
-                </a:solidFill>
+              <a:t>Command: </a:t>
+            </a:r>
+            <a:r>
+              <a:rPr lang="en-US" dirty="0" err="1" smtClean="0">
                 <a:latin typeface="Courier"/>
                 <a:cs typeface="Courier"/>
               </a:rPr>
-              <a:t>"</a:t>
-            </a:r>
-            <a:r>
-              <a:rPr lang="en-US" sz="1800" dirty="0" smtClean="0">
-                <a:solidFill>
-                  <a:srgbClr val="FF0000"/>
-                </a:solidFill>
+              <a:t>aws</a:t>
+            </a:r>
+            <a:r>
+              <a:rPr lang="en-US" dirty="0" smtClean="0">
                 <a:latin typeface="Courier"/>
                 <a:cs typeface="Courier"/>
               </a:rPr>
-              <a:t>arn:aws:ec2:us-west-</a:t>
-            </a:r>
-            <a:r>
-              <a:rPr lang="en-US" sz="1800" dirty="0">
-                <a:solidFill>
-                  <a:srgbClr val="FF0000"/>
-                </a:solidFill>
+              <a:t> </a:t>
+            </a:r>
+            <a:r>
+              <a:rPr lang="en-US" dirty="0">
                 <a:latin typeface="Courier"/>
                 <a:cs typeface="Courier"/>
               </a:rPr>
-              <a:t>2:</a:t>
-            </a:r>
-            <a:r>
-              <a:rPr lang="en-US" sz="1800" dirty="0" smtClean="0">
-                <a:solidFill>
-                  <a:srgbClr val="FF0000"/>
-                </a:solidFill>
+              <a:t>ec2 terminate-instances --instance-ids i-</a:t>
+            </a:r>
+            <a:r>
+              <a:rPr lang="en-US" dirty="0" smtClean="0">
                 <a:latin typeface="Courier"/>
                 <a:cs typeface="Courier"/>
               </a:rPr>
-              <a:t>12345:user/tom”]</a:t>
-            </a:r>
-          </a:p>
-          <a:p>
-            <a:r>
-              <a:rPr lang="en-US" dirty="0" err="1">
-                <a:solidFill>
-                  <a:srgbClr val="000000"/>
-                </a:solidFill>
-                <a:latin typeface="Calibri"/>
-                <a:cs typeface="Calibri"/>
-              </a:rPr>
-              <a:t>a</a:t>
-            </a:r>
-            <a:r>
-              <a:rPr lang="en-US" dirty="0" err="1" smtClean="0">
-                <a:solidFill>
-                  <a:srgbClr val="000000"/>
-                </a:solidFill>
-                <a:latin typeface="Calibri"/>
-                <a:cs typeface="Calibri"/>
-              </a:rPr>
-              <a:t>rn</a:t>
-            </a:r>
-            <a:r>
-              <a:rPr lang="en-US" dirty="0" smtClean="0">
-                <a:solidFill>
-                  <a:srgbClr val="000000"/>
-                </a:solidFill>
-                <a:latin typeface="Calibri"/>
-                <a:cs typeface="Calibri"/>
-              </a:rPr>
-              <a:t>: always included</a:t>
-            </a:r>
-          </a:p>
-          <a:p>
-            <a:r>
-              <a:rPr lang="en-US" dirty="0">
-                <a:solidFill>
-                  <a:srgbClr val="000000"/>
-                </a:solidFill>
-                <a:latin typeface="Calibri"/>
-                <a:cs typeface="Calibri"/>
-              </a:rPr>
-              <a:t>p</a:t>
-            </a:r>
-            <a:r>
-              <a:rPr lang="en-US" dirty="0" smtClean="0">
-                <a:solidFill>
-                  <a:srgbClr val="000000"/>
-                </a:solidFill>
-                <a:latin typeface="Calibri"/>
-                <a:cs typeface="Calibri"/>
-              </a:rPr>
-              <a:t>artition: </a:t>
-            </a:r>
-            <a:r>
-              <a:rPr lang="en-US" dirty="0" err="1" smtClean="0">
-                <a:solidFill>
-                  <a:srgbClr val="000000"/>
-                </a:solidFill>
-                <a:latin typeface="Calibri"/>
-                <a:cs typeface="Calibri"/>
-              </a:rPr>
-              <a:t>aws</a:t>
-            </a:r>
-            <a:r>
-              <a:rPr lang="en-US" dirty="0" smtClean="0">
-                <a:solidFill>
-                  <a:srgbClr val="000000"/>
-                </a:solidFill>
-                <a:latin typeface="Calibri"/>
-                <a:cs typeface="Calibri"/>
-              </a:rPr>
-              <a:t>, although </a:t>
-            </a:r>
-            <a:r>
-              <a:rPr lang="en-US" dirty="0" err="1" smtClean="0">
-                <a:solidFill>
-                  <a:srgbClr val="000000"/>
-                </a:solidFill>
-                <a:latin typeface="Calibri"/>
-                <a:cs typeface="Calibri"/>
-              </a:rPr>
-              <a:t>aws-cn</a:t>
-            </a:r>
-            <a:r>
-              <a:rPr lang="en-US" dirty="0" smtClean="0">
-                <a:solidFill>
-                  <a:srgbClr val="000000"/>
-                </a:solidFill>
-                <a:latin typeface="Calibri"/>
-                <a:cs typeface="Calibri"/>
-              </a:rPr>
-              <a:t> exists for China</a:t>
-            </a:r>
-          </a:p>
-          <a:p>
-            <a:r>
-              <a:rPr lang="en-US" dirty="0" smtClean="0">
-                <a:solidFill>
-                  <a:srgbClr val="000000"/>
-                </a:solidFill>
-                <a:latin typeface="Calibri"/>
-                <a:cs typeface="Calibri"/>
-              </a:rPr>
-              <a:t>service: ec2, </a:t>
-            </a:r>
-            <a:r>
-              <a:rPr lang="en-US" dirty="0" err="1" smtClean="0">
-                <a:solidFill>
-                  <a:srgbClr val="000000"/>
-                </a:solidFill>
-                <a:latin typeface="Calibri"/>
-                <a:cs typeface="Calibri"/>
-              </a:rPr>
-              <a:t>rds</a:t>
-            </a:r>
-            <a:r>
-              <a:rPr lang="en-US" dirty="0" smtClean="0">
-                <a:solidFill>
-                  <a:srgbClr val="000000"/>
-                </a:solidFill>
-                <a:latin typeface="Calibri"/>
-                <a:cs typeface="Calibri"/>
-              </a:rPr>
-              <a:t>, </a:t>
-            </a:r>
-            <a:r>
-              <a:rPr lang="en-US" dirty="0" err="1" smtClean="0">
-                <a:solidFill>
-                  <a:srgbClr val="000000"/>
-                </a:solidFill>
-                <a:latin typeface="Calibri"/>
-                <a:cs typeface="Calibri"/>
-              </a:rPr>
-              <a:t>iam</a:t>
-            </a:r>
-            <a:r>
-              <a:rPr lang="en-US" dirty="0" smtClean="0">
-                <a:solidFill>
-                  <a:srgbClr val="000000"/>
-                </a:solidFill>
-                <a:latin typeface="Calibri"/>
-                <a:cs typeface="Calibri"/>
-              </a:rPr>
-              <a:t>, etc.</a:t>
-            </a:r>
-          </a:p>
-          <a:p>
-            <a:r>
-              <a:rPr lang="en-US" dirty="0" smtClean="0">
-                <a:solidFill>
-                  <a:srgbClr val="000000"/>
-                </a:solidFill>
-                <a:latin typeface="Calibri"/>
-                <a:cs typeface="Calibri"/>
-              </a:rPr>
-              <a:t>region: us-west-2, us-east-1, etc.</a:t>
-            </a:r>
-          </a:p>
-          <a:p>
-            <a:pPr lvl="1"/>
-            <a:r>
-              <a:rPr lang="en-US" dirty="0" smtClean="0">
-                <a:solidFill>
-                  <a:srgbClr val="000000"/>
-                </a:solidFill>
-                <a:latin typeface="Calibri"/>
-                <a:cs typeface="Calibri"/>
-              </a:rPr>
-              <a:t>use wildcards here if possible</a:t>
-            </a:r>
-          </a:p>
-          <a:p>
-            <a:r>
-              <a:rPr lang="en-US" dirty="0">
-                <a:solidFill>
-                  <a:srgbClr val="000000"/>
-                </a:solidFill>
-                <a:latin typeface="Calibri"/>
-                <a:cs typeface="Calibri"/>
-              </a:rPr>
-              <a:t>a</a:t>
-            </a:r>
-            <a:r>
-              <a:rPr lang="en-US" dirty="0" smtClean="0">
-                <a:solidFill>
-                  <a:srgbClr val="000000"/>
-                </a:solidFill>
-                <a:latin typeface="Calibri"/>
-                <a:cs typeface="Calibri"/>
-              </a:rPr>
-              <a:t>ccount id: an AWS account ID</a:t>
-            </a:r>
-          </a:p>
-          <a:p>
-            <a:pPr lvl="1"/>
-            <a:r>
-              <a:rPr lang="en-US" dirty="0" smtClean="0">
-                <a:solidFill>
-                  <a:srgbClr val="000000"/>
-                </a:solidFill>
-                <a:latin typeface="Calibri"/>
-                <a:cs typeface="Calibri"/>
-              </a:rPr>
-              <a:t>use wildcards here if possible</a:t>
-            </a:r>
-          </a:p>
-          <a:p>
-            <a:r>
-              <a:rPr lang="en-US" dirty="0">
-                <a:solidFill>
-                  <a:srgbClr val="000000"/>
-                </a:solidFill>
-                <a:latin typeface="Calibri"/>
-                <a:cs typeface="Calibri"/>
-              </a:rPr>
-              <a:t>r</a:t>
-            </a:r>
-            <a:r>
-              <a:rPr lang="en-US" dirty="0" smtClean="0">
-                <a:solidFill>
-                  <a:srgbClr val="000000"/>
-                </a:solidFill>
-                <a:latin typeface="Calibri"/>
-                <a:cs typeface="Calibri"/>
-              </a:rPr>
-              <a:t>esource: varies by service, examples:</a:t>
-            </a:r>
-          </a:p>
-          <a:p>
-            <a:pPr lvl="1"/>
-            <a:r>
-              <a:rPr lang="en-US" dirty="0" smtClean="0">
-                <a:solidFill>
-                  <a:srgbClr val="000000"/>
-                </a:solidFill>
-                <a:latin typeface="Calibri"/>
-                <a:cs typeface="Calibri"/>
-              </a:rPr>
-              <a:t>security-group/sg-1a2b3c4d</a:t>
-            </a:r>
-          </a:p>
-          <a:p>
-            <a:pPr lvl="1"/>
-            <a:r>
-              <a:rPr lang="en-US" dirty="0" smtClean="0">
-                <a:solidFill>
-                  <a:srgbClr val="000000"/>
-                </a:solidFill>
-                <a:latin typeface="Calibri"/>
-                <a:cs typeface="Calibri"/>
-              </a:rPr>
-              <a:t>reports-batch-</a:t>
-            </a:r>
-            <a:r>
-              <a:rPr lang="en-US" dirty="0" err="1" smtClean="0">
-                <a:solidFill>
-                  <a:srgbClr val="000000"/>
-                </a:solidFill>
-                <a:latin typeface="Calibri"/>
-                <a:cs typeface="Calibri"/>
-              </a:rPr>
-              <a:t>sqs</a:t>
-            </a:r>
+              <a:t>8f00e559</a:t>
+            </a:r>
+          </a:p>
+          <a:p>
+            <a:pPr marL="0" indent="0">
+              <a:buNone/>
+            </a:pPr>
             <a:endParaRPr lang="en-US" dirty="0" smtClean="0">
-              <a:solidFill>
-                <a:srgbClr val="000000"/>
-              </a:solidFill>
-              <a:latin typeface="Calibri"/>
-              <a:cs typeface="Calibri"/>
-            </a:endParaRPr>
-          </a:p>
-          <a:p>
-            <a:pPr lvl="1"/>
-            <a:r>
-              <a:rPr lang="en-US" dirty="0" err="1" smtClean="0">
-                <a:solidFill>
-                  <a:srgbClr val="000000"/>
-                </a:solidFill>
-                <a:latin typeface="Calibri"/>
-                <a:cs typeface="Calibri"/>
-              </a:rPr>
-              <a:t>mybucket</a:t>
-            </a:r>
-            <a:r>
-              <a:rPr lang="en-US" dirty="0" smtClean="0">
-                <a:solidFill>
-                  <a:srgbClr val="000000"/>
-                </a:solidFill>
-                <a:latin typeface="Calibri"/>
-                <a:cs typeface="Calibri"/>
-              </a:rPr>
-              <a:t>/</a:t>
-            </a:r>
-            <a:r>
-              <a:rPr lang="en-US" dirty="0" err="1" smtClean="0">
-                <a:solidFill>
-                  <a:srgbClr val="000000"/>
-                </a:solidFill>
-                <a:latin typeface="Calibri"/>
-                <a:cs typeface="Calibri"/>
-              </a:rPr>
-              <a:t>myobjectpath</a:t>
-            </a:r>
-            <a:r>
-              <a:rPr lang="en-US" dirty="0" smtClean="0">
-                <a:solidFill>
-                  <a:srgbClr val="000000"/>
-                </a:solidFill>
-                <a:latin typeface="Calibri"/>
-                <a:cs typeface="Calibri"/>
-              </a:rPr>
-              <a:t>/*</a:t>
-            </a:r>
-          </a:p>
-          <a:p>
-            <a:endParaRPr lang="en-US" dirty="0">
-              <a:solidFill>
-                <a:srgbClr val="000000"/>
-              </a:solidFill>
               <a:latin typeface="Courier"/>
               <a:cs typeface="Courier"/>
             </a:endParaRPr>
+          </a:p>
+          <a:p>
+            <a:pPr marL="0" indent="0">
+              <a:buNone/>
+            </a:pPr>
+            <a:r>
+              <a:rPr lang="en-US" dirty="0" smtClean="0">
+                <a:latin typeface="Courier"/>
+                <a:cs typeface="Courier"/>
+              </a:rPr>
+              <a:t>{</a:t>
+            </a:r>
+            <a:endParaRPr lang="en-US" dirty="0">
+              <a:latin typeface="Courier"/>
+              <a:cs typeface="Courier"/>
+            </a:endParaRPr>
+          </a:p>
+          <a:p>
+            <a:pPr marL="0" indent="0">
+              <a:buNone/>
+            </a:pPr>
+            <a:r>
+              <a:rPr lang="en-US" dirty="0">
+                <a:latin typeface="Courier"/>
+                <a:cs typeface="Courier"/>
+              </a:rPr>
+              <a:t>  "Statement": [</a:t>
+            </a:r>
+          </a:p>
+          <a:p>
+            <a:pPr marL="0" indent="0">
+              <a:buNone/>
+            </a:pPr>
+            <a:r>
+              <a:rPr lang="en-US" dirty="0">
+                <a:latin typeface="Courier"/>
+                <a:cs typeface="Courier"/>
+              </a:rPr>
+              <a:t>    {</a:t>
+            </a:r>
+          </a:p>
+          <a:p>
+            <a:pPr marL="0" indent="0">
+              <a:buNone/>
+            </a:pPr>
+            <a:r>
+              <a:rPr lang="en-US" dirty="0">
+                <a:latin typeface="Courier"/>
+                <a:cs typeface="Courier"/>
+              </a:rPr>
+              <a:t>      "Action": [</a:t>
+            </a:r>
+          </a:p>
+          <a:p>
+            <a:pPr marL="0" indent="0">
+              <a:buNone/>
+            </a:pPr>
+            <a:r>
+              <a:rPr lang="en-US" dirty="0" smtClean="0">
+                <a:latin typeface="Courier"/>
+                <a:cs typeface="Courier"/>
+              </a:rPr>
+              <a:t>        </a:t>
+            </a:r>
+            <a:r>
+              <a:rPr lang="en-US" dirty="0">
+                <a:latin typeface="Courier"/>
+                <a:cs typeface="Courier"/>
+              </a:rPr>
+              <a:t>”ec2</a:t>
+            </a:r>
+            <a:r>
+              <a:rPr lang="en-US" dirty="0" smtClean="0">
+                <a:latin typeface="Courier"/>
+                <a:cs typeface="Courier"/>
+              </a:rPr>
+              <a:t>:Describe*”</a:t>
+            </a:r>
+            <a:r>
+              <a:rPr lang="en-US" dirty="0">
+                <a:latin typeface="Courier"/>
+                <a:cs typeface="Courier"/>
+              </a:rPr>
+              <a:t>,</a:t>
+            </a:r>
+            <a:endParaRPr lang="en-US" dirty="0" smtClean="0">
+              <a:latin typeface="Courier"/>
+              <a:cs typeface="Courier"/>
+            </a:endParaRPr>
+          </a:p>
+          <a:p>
+            <a:pPr marL="0" indent="0">
+              <a:buNone/>
+            </a:pPr>
+            <a:r>
+              <a:rPr lang="en-US" dirty="0" smtClean="0">
+                <a:latin typeface="Courier"/>
+                <a:cs typeface="Courier"/>
+              </a:rPr>
+              <a:t>        ”ec2:TerminateInstances”</a:t>
+            </a:r>
+            <a:endParaRPr lang="en-US" dirty="0">
+              <a:latin typeface="Courier"/>
+              <a:cs typeface="Courier"/>
+            </a:endParaRPr>
+          </a:p>
+          <a:p>
+            <a:pPr marL="0" indent="0">
+              <a:buNone/>
+            </a:pPr>
+            <a:r>
+              <a:rPr lang="en-US" dirty="0">
+                <a:latin typeface="Courier"/>
+                <a:cs typeface="Courier"/>
+              </a:rPr>
+              <a:t>      ],</a:t>
+            </a:r>
+          </a:p>
+          <a:p>
+            <a:pPr marL="0" indent="0">
+              <a:buNone/>
+            </a:pPr>
+            <a:r>
+              <a:rPr lang="en-US" dirty="0">
+                <a:latin typeface="Courier"/>
+                <a:cs typeface="Courier"/>
+              </a:rPr>
+              <a:t>      "Effect": "Allow",</a:t>
+            </a:r>
+          </a:p>
+          <a:p>
+            <a:pPr marL="0" indent="0">
+              <a:buNone/>
+            </a:pPr>
+            <a:r>
+              <a:rPr lang="en-US" dirty="0">
+                <a:latin typeface="Courier"/>
+                <a:cs typeface="Courier"/>
+              </a:rPr>
+              <a:t>      "Resource”:["</a:t>
+            </a:r>
+            <a:r>
+              <a:rPr lang="en-US" dirty="0" smtClean="0">
+                <a:latin typeface="Courier"/>
+                <a:cs typeface="Courier"/>
+              </a:rPr>
+              <a:t>arn:aws:ec2:</a:t>
+            </a:r>
+            <a:r>
+              <a:rPr lang="en-US" dirty="0">
+                <a:latin typeface="Courier"/>
+                <a:cs typeface="Courier"/>
+              </a:rPr>
+              <a:t>::instance/i-1a2b3c4d"]</a:t>
+            </a:r>
+          </a:p>
+          <a:p>
+            <a:pPr marL="0" indent="0">
+              <a:buNone/>
+            </a:pPr>
+            <a:r>
+              <a:rPr lang="en-US" dirty="0">
+                <a:latin typeface="Courier"/>
+                <a:cs typeface="Courier"/>
+              </a:rPr>
+              <a:t>    }</a:t>
+            </a:r>
+          </a:p>
+          <a:p>
+            <a:pPr marL="0" indent="0">
+              <a:buNone/>
+            </a:pPr>
+            <a:r>
+              <a:rPr lang="en-US" dirty="0">
+                <a:latin typeface="Courier"/>
+                <a:cs typeface="Courier"/>
+              </a:rPr>
+              <a:t>  ]</a:t>
+            </a:r>
+          </a:p>
+          <a:p>
+            <a:pPr marL="0" indent="0">
+              <a:buNone/>
+            </a:pPr>
+            <a:r>
+              <a:rPr lang="en-US" dirty="0">
+                <a:latin typeface="Courier"/>
+                <a:cs typeface="Courier"/>
+              </a:rPr>
+              <a:t>}</a:t>
+            </a:r>
           </a:p>
         </p:txBody>
       </p:sp>
       <p:sp>
         <p:nvSpPr>
-          <p:cNvPr id="3" name="Title 2"/>
+          <p:cNvPr id="2" name="Title 1"/>
           <p:cNvSpPr>
             <a:spLocks noGrp="1"/>
           </p:cNvSpPr>
@@ -18010,34 +20225,35 @@
         <p:spPr/>
         <p:txBody>
           <a:bodyPr>
-            <a:normAutofit fontScale="90000"/>
+            <a:normAutofit/>
           </a:bodyPr>
           <a:lstStyle/>
           <a:p>
             <a:r>
-              <a:rPr lang="en-US" dirty="0"/>
-              <a:t>IAM: </a:t>
-            </a:r>
-            <a:br>
-              <a:rPr lang="en-US" dirty="0"/>
-            </a:br>
-            <a:r>
-              <a:rPr lang="en-US" dirty="0"/>
-              <a:t>Resource Identification with ARN</a:t>
-            </a:r>
+              <a:rPr lang="en-US" dirty="0" smtClean="0"/>
+              <a:t>IAM: Will it Terminate?</a:t>
+            </a:r>
+            <a:endParaRPr lang="en-US" dirty="0"/>
           </a:p>
         </p:txBody>
       </p:sp>
     </p:spTree>
     <p:extLst>
       <p:ext uri="{BB962C8B-B14F-4D97-AF65-F5344CB8AC3E}">
-        <p14:creationId xmlns:p14="http://schemas.microsoft.com/office/powerpoint/2010/main" val="4141466889"/>
+        <p14:creationId xmlns:p14="http://schemas.microsoft.com/office/powerpoint/2010/main" val="1105983263"/>
       </p:ext>
     </p:extLst>
   </p:cSld>
   <p:clrMapOvr>
     <a:masterClrMapping/>
   </p:clrMapOvr>
+  <p:timing>
+    <p:tnLst>
+      <p:par>
+        <p:cTn xmlns:p14="http://schemas.microsoft.com/office/powerpoint/2010/main" id="1" dur="indefinite" restart="never" nodeType="tmRoot"/>
+      </p:par>
+    </p:tnLst>
+  </p:timing>
 </p:sld>
 </file>
 
@@ -18071,55 +20287,277 @@
         <p:spPr/>
         <p:txBody>
           <a:bodyPr>
-            <a:normAutofit/>
+            <a:normAutofit fontScale="55000" lnSpcReduction="20000"/>
           </a:bodyPr>
           <a:lstStyle/>
           <a:p>
-            <a:r>
-              <a:rPr lang="en-US" dirty="0" smtClean="0"/>
-              <a:t>Allows API calls to be made from an Application on EC2</a:t>
-            </a:r>
-          </a:p>
-          <a:p>
-            <a:r>
-              <a:rPr lang="en-US" dirty="0" smtClean="0"/>
-              <a:t>Access Key and Secret Key available </a:t>
-            </a:r>
-            <a:r>
-              <a:rPr lang="en-US" dirty="0"/>
-              <a:t>at URL curl http://169.254.169.254/latest/meta-data/</a:t>
-            </a:r>
-            <a:r>
-              <a:rPr lang="en-US" dirty="0" err="1"/>
-              <a:t>iam</a:t>
-            </a:r>
-            <a:r>
-              <a:rPr lang="en-US" dirty="0"/>
-              <a:t>/security-credentials/</a:t>
-            </a:r>
-            <a:r>
-              <a:rPr lang="en-US" dirty="0" err="1"/>
-              <a:t>role_name</a:t>
-            </a:r>
-            <a:endParaRPr lang="en-US" dirty="0" smtClean="0"/>
-          </a:p>
-          <a:p>
-            <a:r>
-              <a:rPr lang="en-US" dirty="0" smtClean="0"/>
-              <a:t>Official AWS SDKs can retrieve this Access Key and Secret Key for you – it “just works”</a:t>
-            </a:r>
-          </a:p>
-          <a:p>
-            <a:r>
-              <a:rPr lang="en-US" dirty="0" smtClean="0"/>
-              <a:t>Credentials rotated Automatically</a:t>
-            </a:r>
-          </a:p>
-          <a:p>
-            <a:endParaRPr lang="en-US" dirty="0" smtClean="0"/>
-          </a:p>
-          <a:p>
-            <a:endParaRPr lang="en-US" dirty="0" smtClean="0"/>
+            <a:pPr marL="0" indent="0">
+              <a:buNone/>
+            </a:pPr>
+            <a:r>
+              <a:rPr lang="en-US" dirty="0" smtClean="0">
+                <a:latin typeface="Courier"/>
+                <a:cs typeface="Courier"/>
+              </a:rPr>
+              <a:t>Command: </a:t>
+            </a:r>
+            <a:r>
+              <a:rPr lang="en-US" dirty="0" err="1" smtClean="0">
+                <a:latin typeface="Courier"/>
+                <a:cs typeface="Courier"/>
+              </a:rPr>
+              <a:t>aws</a:t>
+            </a:r>
+            <a:r>
+              <a:rPr lang="en-US" dirty="0" smtClean="0">
+                <a:latin typeface="Courier"/>
+                <a:cs typeface="Courier"/>
+              </a:rPr>
+              <a:t> </a:t>
+            </a:r>
+            <a:r>
+              <a:rPr lang="en-US" dirty="0">
+                <a:latin typeface="Courier"/>
+                <a:cs typeface="Courier"/>
+              </a:rPr>
+              <a:t>ec2 terminate-instances --instance-ids i-</a:t>
+            </a:r>
+            <a:r>
+              <a:rPr lang="en-US" dirty="0" smtClean="0">
+                <a:latin typeface="Courier"/>
+                <a:cs typeface="Courier"/>
+              </a:rPr>
+              <a:t>8f00e559</a:t>
+            </a:r>
+          </a:p>
+          <a:p>
+            <a:pPr marL="0" indent="0">
+              <a:buNone/>
+            </a:pPr>
+            <a:endParaRPr lang="en-US" dirty="0" smtClean="0">
+              <a:latin typeface="Courier"/>
+              <a:cs typeface="Courier"/>
+            </a:endParaRPr>
+          </a:p>
+          <a:p>
+            <a:pPr marL="0" indent="0">
+              <a:buNone/>
+            </a:pPr>
+            <a:r>
+              <a:rPr lang="en-US" dirty="0" smtClean="0">
+                <a:latin typeface="Courier"/>
+                <a:cs typeface="Courier"/>
+              </a:rPr>
+              <a:t>{</a:t>
+            </a:r>
+            <a:endParaRPr lang="en-US" dirty="0">
+              <a:latin typeface="Courier"/>
+              <a:cs typeface="Courier"/>
+            </a:endParaRPr>
+          </a:p>
+          <a:p>
+            <a:pPr marL="0" indent="0">
+              <a:buNone/>
+            </a:pPr>
+            <a:r>
+              <a:rPr lang="en-US" dirty="0">
+                <a:latin typeface="Courier"/>
+                <a:cs typeface="Courier"/>
+              </a:rPr>
+              <a:t>  "Statement": [</a:t>
+            </a:r>
+          </a:p>
+          <a:p>
+            <a:pPr marL="0" indent="0">
+              <a:buNone/>
+            </a:pPr>
+            <a:r>
+              <a:rPr lang="en-US" dirty="0">
+                <a:latin typeface="Courier"/>
+                <a:cs typeface="Courier"/>
+              </a:rPr>
+              <a:t>    {</a:t>
+            </a:r>
+          </a:p>
+          <a:p>
+            <a:pPr marL="0" indent="0">
+              <a:buNone/>
+            </a:pPr>
+            <a:r>
+              <a:rPr lang="en-US" dirty="0">
+                <a:latin typeface="Courier"/>
+                <a:cs typeface="Courier"/>
+              </a:rPr>
+              <a:t>      "Action": [</a:t>
+            </a:r>
+          </a:p>
+          <a:p>
+            <a:pPr marL="0" indent="0">
+              <a:buNone/>
+            </a:pPr>
+            <a:r>
+              <a:rPr lang="en-US" dirty="0">
+                <a:latin typeface="Courier"/>
+                <a:cs typeface="Courier"/>
+              </a:rPr>
+              <a:t>        </a:t>
+            </a:r>
+            <a:r>
+              <a:rPr lang="en-US" dirty="0" smtClean="0">
+                <a:latin typeface="Courier"/>
+                <a:cs typeface="Courier"/>
+              </a:rPr>
+              <a:t>”ec2:Describe*"</a:t>
+            </a:r>
+            <a:r>
+              <a:rPr lang="en-US" dirty="0">
+                <a:latin typeface="Courier"/>
+                <a:cs typeface="Courier"/>
+              </a:rPr>
+              <a:t>,</a:t>
+            </a:r>
+          </a:p>
+          <a:p>
+            <a:pPr marL="0" indent="0">
+              <a:buNone/>
+            </a:pPr>
+            <a:r>
+              <a:rPr lang="en-US" dirty="0" smtClean="0">
+                <a:latin typeface="Courier"/>
+                <a:cs typeface="Courier"/>
+              </a:rPr>
+              <a:t>        </a:t>
+            </a:r>
+            <a:r>
+              <a:rPr lang="en-US" dirty="0">
+                <a:latin typeface="Courier"/>
+                <a:cs typeface="Courier"/>
+              </a:rPr>
+              <a:t>”ec2:</a:t>
+            </a:r>
+            <a:r>
+              <a:rPr lang="en-US" dirty="0" smtClean="0">
+                <a:latin typeface="Courier"/>
+                <a:cs typeface="Courier"/>
+              </a:rPr>
+              <a:t>StartInstance”,</a:t>
+            </a:r>
+          </a:p>
+          <a:p>
+            <a:pPr marL="0" indent="0">
+              <a:buNone/>
+            </a:pPr>
+            <a:r>
+              <a:rPr lang="en-US" dirty="0" smtClean="0">
+                <a:latin typeface="Courier"/>
+                <a:cs typeface="Courier"/>
+              </a:rPr>
+              <a:t>        ”ec2:StopInstance"</a:t>
+            </a:r>
+            <a:endParaRPr lang="en-US" dirty="0">
+              <a:latin typeface="Courier"/>
+              <a:cs typeface="Courier"/>
+            </a:endParaRPr>
+          </a:p>
+          <a:p>
+            <a:pPr marL="0" indent="0">
+              <a:buNone/>
+            </a:pPr>
+            <a:r>
+              <a:rPr lang="en-US" dirty="0">
+                <a:latin typeface="Courier"/>
+                <a:cs typeface="Courier"/>
+              </a:rPr>
+              <a:t>      ],</a:t>
+            </a:r>
+          </a:p>
+          <a:p>
+            <a:pPr marL="0" indent="0">
+              <a:buNone/>
+            </a:pPr>
+            <a:r>
+              <a:rPr lang="en-US" dirty="0">
+                <a:latin typeface="Courier"/>
+                <a:cs typeface="Courier"/>
+              </a:rPr>
+              <a:t>      "Effect": "Allow",</a:t>
+            </a:r>
+          </a:p>
+          <a:p>
+            <a:pPr marL="0" indent="0">
+              <a:buNone/>
+            </a:pPr>
+            <a:r>
+              <a:rPr lang="en-US" dirty="0">
+                <a:latin typeface="Courier"/>
+                <a:cs typeface="Courier"/>
+              </a:rPr>
+              <a:t>      "Resource”:["</a:t>
+            </a:r>
+            <a:r>
+              <a:rPr lang="en-US" dirty="0" smtClean="0">
+                <a:latin typeface="Courier"/>
+                <a:cs typeface="Courier"/>
+              </a:rPr>
+              <a:t>arn:aws:ec2:</a:t>
+            </a:r>
+            <a:r>
+              <a:rPr lang="en-US" dirty="0">
+                <a:latin typeface="Courier"/>
+                <a:cs typeface="Courier"/>
+              </a:rPr>
+              <a:t>:</a:t>
+            </a:r>
+            <a:r>
+              <a:rPr lang="en-US" dirty="0" smtClean="0">
+                <a:latin typeface="Courier"/>
+                <a:cs typeface="Courier"/>
+              </a:rPr>
+              <a:t>:*"</a:t>
+            </a:r>
+            <a:r>
+              <a:rPr lang="en-US" dirty="0">
+                <a:latin typeface="Courier"/>
+                <a:cs typeface="Courier"/>
+              </a:rPr>
+              <a:t>]</a:t>
+            </a:r>
+          </a:p>
+          <a:p>
+            <a:pPr marL="0" indent="0">
+              <a:buNone/>
+            </a:pPr>
+            <a:r>
+              <a:rPr lang="en-US" dirty="0">
+                <a:latin typeface="Courier"/>
+                <a:cs typeface="Courier"/>
+              </a:rPr>
+              <a:t>    }</a:t>
+            </a:r>
+          </a:p>
+          <a:p>
+            <a:pPr marL="0" indent="0">
+              <a:buNone/>
+            </a:pPr>
+            <a:r>
+              <a:rPr lang="en-US" dirty="0">
+                <a:latin typeface="Courier"/>
+                <a:cs typeface="Courier"/>
+              </a:rPr>
+              <a:t>  ]</a:t>
+            </a:r>
+          </a:p>
+          <a:p>
+            <a:pPr marL="0" indent="0">
+              <a:buNone/>
+            </a:pPr>
+            <a:r>
+              <a:rPr lang="en-US" dirty="0">
+                <a:latin typeface="Courier"/>
+                <a:cs typeface="Courier"/>
+              </a:rPr>
+              <a:t>}</a:t>
+            </a:r>
           </a:p>
         </p:txBody>
       </p:sp>
@@ -18142,7 +20580,7 @@
           <a:p>
             <a:r>
               <a:rPr lang="en-US" dirty="0" smtClean="0"/>
-              <a:t>IAM: IAM Roles for EC2</a:t>
+              <a:t>IAM: Will it Terminate?</a:t>
             </a:r>
             <a:endParaRPr lang="en-US" dirty="0"/>
           </a:p>
@@ -18151,7 +20589,7 @@
     </p:spTree>
     <p:extLst>
       <p:ext uri="{BB962C8B-B14F-4D97-AF65-F5344CB8AC3E}">
-        <p14:creationId xmlns:p14="http://schemas.microsoft.com/office/powerpoint/2010/main" val="4122533754"/>
+        <p14:creationId xmlns:p14="http://schemas.microsoft.com/office/powerpoint/2010/main" val="3003587639"/>
       </p:ext>
     </p:extLst>
   </p:cSld>

--- a/aws-iam/aws-iam.pptx
+++ b/aws-iam/aws-iam.pptx
@@ -5,7 +5,7 @@
     <p:sldMasterId id="2147483677" r:id="rId1"/>
   </p:sldMasterIdLst>
   <p:notesMasterIdLst>
-    <p:notesMasterId r:id="rId19"/>
+    <p:notesMasterId r:id="rId20"/>
   </p:notesMasterIdLst>
   <p:sldIdLst>
     <p:sldId id="256" r:id="rId2"/>
@@ -17,14 +17,15 @@
     <p:sldId id="291" r:id="rId8"/>
     <p:sldId id="292" r:id="rId9"/>
     <p:sldId id="290" r:id="rId10"/>
-    <p:sldId id="280" r:id="rId11"/>
-    <p:sldId id="283" r:id="rId12"/>
-    <p:sldId id="278" r:id="rId13"/>
-    <p:sldId id="286" r:id="rId14"/>
-    <p:sldId id="279" r:id="rId15"/>
-    <p:sldId id="277" r:id="rId16"/>
-    <p:sldId id="287" r:id="rId17"/>
-    <p:sldId id="258" r:id="rId18"/>
+    <p:sldId id="293" r:id="rId11"/>
+    <p:sldId id="280" r:id="rId12"/>
+    <p:sldId id="283" r:id="rId13"/>
+    <p:sldId id="278" r:id="rId14"/>
+    <p:sldId id="286" r:id="rId15"/>
+    <p:sldId id="279" r:id="rId16"/>
+    <p:sldId id="277" r:id="rId17"/>
+    <p:sldId id="287" r:id="rId18"/>
+    <p:sldId id="258" r:id="rId19"/>
   </p:sldIdLst>
   <p:sldSz cx="9144000" cy="6858000" type="screen4x3"/>
   <p:notesSz cx="6858000" cy="9144000"/>
@@ -628,7 +629,7 @@
           <a:p>
             <a:r>
               <a:rPr lang="en-US" dirty="0" smtClean="0"/>
-              <a:t>References:</a:t>
+              <a:t>Reference:</a:t>
             </a:r>
           </a:p>
           <a:p>
@@ -638,7 +639,7 @@
             </a:pPr>
             <a:r>
               <a:rPr lang="en-US" dirty="0" smtClean="0"/>
-              <a:t>ARN Identification: http://</a:t>
+              <a:t>http://</a:t>
             </a:r>
             <a:r>
               <a:rPr lang="en-US" dirty="0" err="1" smtClean="0"/>
@@ -646,54 +647,19 @@
             </a:r>
             <a:r>
               <a:rPr lang="en-US" dirty="0" smtClean="0"/>
-              <a:t>/general/latest/gr/</a:t>
+              <a:t>/IAM/latest/</a:t>
             </a:r>
             <a:r>
               <a:rPr lang="en-US" dirty="0" err="1" smtClean="0"/>
-              <a:t>aws</a:t>
+              <a:t>UserGuide</a:t>
             </a:r>
             <a:r>
               <a:rPr lang="en-US" dirty="0" smtClean="0"/>
-              <a:t>-</a:t>
+              <a:t>/</a:t>
             </a:r>
             <a:r>
               <a:rPr lang="en-US" dirty="0" err="1" smtClean="0"/>
-              <a:t>arns</a:t>
-            </a:r>
-            <a:r>
-              <a:rPr lang="en-US" dirty="0" smtClean="0"/>
-              <a:t>-and-</a:t>
-            </a:r>
-            <a:r>
-              <a:rPr lang="en-US" dirty="0" err="1" smtClean="0"/>
-              <a:t>namespaces.html</a:t>
-            </a:r>
-            <a:endParaRPr lang="en-US" dirty="0" smtClean="0"/>
-          </a:p>
-          <a:p>
-            <a:pPr marL="171450" indent="-171450">
-              <a:buFont typeface="Arial"/>
-              <a:buChar char="•"/>
-            </a:pPr>
-            <a:r>
-              <a:rPr lang="en-US" dirty="0" smtClean="0"/>
-              <a:t>Service</a:t>
-            </a:r>
-            <a:r>
-              <a:rPr lang="en-US" baseline="0" dirty="0" smtClean="0"/>
-              <a:t> Namespaces: http://</a:t>
-            </a:r>
-            <a:r>
-              <a:rPr lang="en-US" baseline="0" dirty="0" err="1" smtClean="0"/>
-              <a:t>docs.aws.amazon.com</a:t>
-            </a:r>
-            <a:r>
-              <a:rPr lang="en-US" baseline="0" dirty="0" smtClean="0"/>
-              <a:t>/general/latest/gr/</a:t>
-            </a:r>
-            <a:r>
-              <a:rPr lang="en-US" baseline="0" dirty="0" err="1" smtClean="0"/>
-              <a:t>aws-arns-and-namespaces.html#genref-aws-service-namespaces</a:t>
+              <a:t>PolicyVariables.html</a:t>
             </a:r>
             <a:endParaRPr lang="en-US" dirty="0"/>
           </a:p>
@@ -725,7 +691,7 @@
     </p:spTree>
     <p:extLst>
       <p:ext uri="{BB962C8B-B14F-4D97-AF65-F5344CB8AC3E}">
-        <p14:creationId xmlns:p14="http://schemas.microsoft.com/office/powerpoint/2010/main" val="3147512962"/>
+        <p14:creationId xmlns:p14="http://schemas.microsoft.com/office/powerpoint/2010/main" val="305666501"/>
       </p:ext>
     </p:extLst>
   </p:cSld>
@@ -781,7 +747,7 @@
           <a:p>
             <a:r>
               <a:rPr lang="en-US" dirty="0" smtClean="0"/>
-              <a:t>Reference:</a:t>
+              <a:t>References:</a:t>
             </a:r>
           </a:p>
           <a:p>
@@ -791,7 +757,7 @@
             </a:pPr>
             <a:r>
               <a:rPr lang="en-US" dirty="0" smtClean="0"/>
-              <a:t>Role for EC2: http://</a:t>
+              <a:t>ARN Identification: http://</a:t>
             </a:r>
             <a:r>
               <a:rPr lang="en-US" dirty="0" err="1" smtClean="0"/>
@@ -799,15 +765,54 @@
             </a:r>
             <a:r>
               <a:rPr lang="en-US" dirty="0" smtClean="0"/>
-              <a:t>/AWSEC2/latest/</a:t>
+              <a:t>/general/latest/gr/</a:t>
             </a:r>
             <a:r>
               <a:rPr lang="en-US" dirty="0" err="1" smtClean="0"/>
-              <a:t>UserGuide</a:t>
+              <a:t>aws</a:t>
             </a:r>
             <a:r>
               <a:rPr lang="en-US" dirty="0" smtClean="0"/>
-              <a:t>/iam-roles-for-amazon-ec2.html</a:t>
+              <a:t>-</a:t>
+            </a:r>
+            <a:r>
+              <a:rPr lang="en-US" dirty="0" err="1" smtClean="0"/>
+              <a:t>arns</a:t>
+            </a:r>
+            <a:r>
+              <a:rPr lang="en-US" dirty="0" smtClean="0"/>
+              <a:t>-and-</a:t>
+            </a:r>
+            <a:r>
+              <a:rPr lang="en-US" dirty="0" err="1" smtClean="0"/>
+              <a:t>namespaces.html</a:t>
+            </a:r>
+            <a:endParaRPr lang="en-US" dirty="0" smtClean="0"/>
+          </a:p>
+          <a:p>
+            <a:pPr marL="171450" indent="-171450">
+              <a:buFont typeface="Arial"/>
+              <a:buChar char="•"/>
+            </a:pPr>
+            <a:r>
+              <a:rPr lang="en-US" dirty="0" smtClean="0"/>
+              <a:t>Service</a:t>
+            </a:r>
+            <a:r>
+              <a:rPr lang="en-US" baseline="0" dirty="0" smtClean="0"/>
+              <a:t> Namespaces: http://</a:t>
+            </a:r>
+            <a:r>
+              <a:rPr lang="en-US" baseline="0" dirty="0" err="1" smtClean="0"/>
+              <a:t>docs.aws.amazon.com</a:t>
+            </a:r>
+            <a:r>
+              <a:rPr lang="en-US" baseline="0" dirty="0" smtClean="0"/>
+              <a:t>/general/latest/gr/</a:t>
+            </a:r>
+            <a:r>
+              <a:rPr lang="en-US" baseline="0" dirty="0" err="1" smtClean="0"/>
+              <a:t>aws-arns-and-namespaces.html#genref-aws-service-namespaces</a:t>
             </a:r>
             <a:endParaRPr lang="en-US" dirty="0"/>
           </a:p>
@@ -839,7 +844,7 @@
     </p:spTree>
     <p:extLst>
       <p:ext uri="{BB962C8B-B14F-4D97-AF65-F5344CB8AC3E}">
-        <p14:creationId xmlns:p14="http://schemas.microsoft.com/office/powerpoint/2010/main" val="3986410793"/>
+        <p14:creationId xmlns:p14="http://schemas.microsoft.com/office/powerpoint/2010/main" val="3147512962"/>
       </p:ext>
     </p:extLst>
   </p:cSld>
@@ -895,7 +900,7 @@
           <a:p>
             <a:r>
               <a:rPr lang="en-US" dirty="0" smtClean="0"/>
-              <a:t>References:</a:t>
+              <a:t>Reference:</a:t>
             </a:r>
           </a:p>
           <a:p>
@@ -905,58 +910,23 @@
             </a:pPr>
             <a:r>
               <a:rPr lang="en-US" dirty="0" smtClean="0"/>
-              <a:t>IAM Best Practices:</a:t>
-            </a:r>
-            <a:r>
-              <a:rPr lang="en-US" baseline="0" dirty="0" smtClean="0"/>
-              <a:t> http://</a:t>
-            </a:r>
-            <a:r>
-              <a:rPr lang="en-US" baseline="0" dirty="0" err="1" smtClean="0"/>
+              <a:t>Role for EC2: http://</a:t>
+            </a:r>
+            <a:r>
+              <a:rPr lang="en-US" dirty="0" err="1" smtClean="0"/>
               <a:t>docs.aws.amazon.com</a:t>
             </a:r>
             <a:r>
-              <a:rPr lang="en-US" baseline="0" dirty="0" smtClean="0"/>
-              <a:t>/IAM/latest/</a:t>
-            </a:r>
-            <a:r>
-              <a:rPr lang="en-US" baseline="0" dirty="0" err="1" smtClean="0"/>
+              <a:rPr lang="en-US" dirty="0" smtClean="0"/>
+              <a:t>/AWSEC2/latest/</a:t>
+            </a:r>
+            <a:r>
+              <a:rPr lang="en-US" dirty="0" err="1" smtClean="0"/>
               <a:t>UserGuide</a:t>
             </a:r>
             <a:r>
-              <a:rPr lang="en-US" baseline="0" dirty="0" smtClean="0"/>
-              <a:t>/</a:t>
-            </a:r>
-            <a:r>
-              <a:rPr lang="en-US" baseline="0" dirty="0" err="1" smtClean="0"/>
-              <a:t>IAMBestPractices.html</a:t>
-            </a:r>
-            <a:endParaRPr lang="en-US" baseline="0" dirty="0" smtClean="0"/>
-          </a:p>
-          <a:p>
-            <a:pPr marL="171450" indent="-171450">
-              <a:buFont typeface="Arial"/>
-              <a:buChar char="•"/>
-            </a:pPr>
-            <a:r>
               <a:rPr lang="en-US" dirty="0" smtClean="0"/>
-              <a:t>http://</a:t>
-            </a:r>
-            <a:r>
-              <a:rPr lang="en-US" dirty="0" err="1" smtClean="0"/>
-              <a:t>aws.amazon.com</a:t>
-            </a:r>
-            <a:r>
-              <a:rPr lang="en-US" dirty="0" smtClean="0"/>
-              <a:t>/</a:t>
-            </a:r>
-            <a:r>
-              <a:rPr lang="en-US" dirty="0" err="1" smtClean="0"/>
-              <a:t>iam</a:t>
-            </a:r>
-            <a:r>
-              <a:rPr lang="en-US" dirty="0" smtClean="0"/>
-              <a:t>/details/manage-users/</a:t>
+              <a:t>/iam-roles-for-amazon-ec2.html</a:t>
             </a:r>
             <a:endParaRPr lang="en-US" dirty="0"/>
           </a:p>
@@ -988,7 +958,7 @@
     </p:spTree>
     <p:extLst>
       <p:ext uri="{BB962C8B-B14F-4D97-AF65-F5344CB8AC3E}">
-        <p14:creationId xmlns:p14="http://schemas.microsoft.com/office/powerpoint/2010/main" val="1619447160"/>
+        <p14:creationId xmlns:p14="http://schemas.microsoft.com/office/powerpoint/2010/main" val="3986410793"/>
       </p:ext>
     </p:extLst>
   </p:cSld>
@@ -1042,6 +1012,71 @@
           <a:bodyPr/>
           <a:lstStyle/>
           <a:p>
+            <a:r>
+              <a:rPr lang="en-US" dirty="0" smtClean="0"/>
+              <a:t>References:</a:t>
+            </a:r>
+          </a:p>
+          <a:p>
+            <a:pPr marL="171450" indent="-171450">
+              <a:buFont typeface="Arial"/>
+              <a:buChar char="•"/>
+            </a:pPr>
+            <a:r>
+              <a:rPr lang="en-US" dirty="0" smtClean="0"/>
+              <a:t>IAM Best Practices:</a:t>
+            </a:r>
+            <a:r>
+              <a:rPr lang="en-US" baseline="0" dirty="0" smtClean="0"/>
+              <a:t> http://</a:t>
+            </a:r>
+            <a:r>
+              <a:rPr lang="en-US" baseline="0" dirty="0" err="1" smtClean="0"/>
+              <a:t>docs.aws.amazon.com</a:t>
+            </a:r>
+            <a:r>
+              <a:rPr lang="en-US" baseline="0" dirty="0" smtClean="0"/>
+              <a:t>/IAM/latest/</a:t>
+            </a:r>
+            <a:r>
+              <a:rPr lang="en-US" baseline="0" dirty="0" err="1" smtClean="0"/>
+              <a:t>UserGuide</a:t>
+            </a:r>
+            <a:r>
+              <a:rPr lang="en-US" baseline="0" dirty="0" smtClean="0"/>
+              <a:t>/</a:t>
+            </a:r>
+            <a:r>
+              <a:rPr lang="en-US" baseline="0" dirty="0" err="1" smtClean="0"/>
+              <a:t>IAMBestPractices.html</a:t>
+            </a:r>
+            <a:endParaRPr lang="en-US" baseline="0" dirty="0" smtClean="0"/>
+          </a:p>
+          <a:p>
+            <a:pPr marL="171450" indent="-171450">
+              <a:buFont typeface="Arial"/>
+              <a:buChar char="•"/>
+            </a:pPr>
+            <a:r>
+              <a:rPr lang="en-US" dirty="0" smtClean="0"/>
+              <a:t>http://</a:t>
+            </a:r>
+            <a:r>
+              <a:rPr lang="en-US" dirty="0" err="1" smtClean="0"/>
+              <a:t>aws.amazon.com</a:t>
+            </a:r>
+            <a:r>
+              <a:rPr lang="en-US" dirty="0" smtClean="0"/>
+              <a:t>/</a:t>
+            </a:r>
+            <a:r>
+              <a:rPr lang="en-US" dirty="0" err="1" smtClean="0"/>
+              <a:t>iam</a:t>
+            </a:r>
+            <a:r>
+              <a:rPr lang="en-US" dirty="0" smtClean="0"/>
+              <a:t>/details/manage-users/</a:t>
+            </a:r>
             <a:endParaRPr lang="en-US" dirty="0"/>
           </a:p>
         </p:txBody>
@@ -1126,62 +1161,6 @@
           <a:bodyPr/>
           <a:lstStyle/>
           <a:p>
-            <a:r>
-              <a:rPr lang="en-US" dirty="0" smtClean="0"/>
-              <a:t>Hands</a:t>
-            </a:r>
-            <a:r>
-              <a:rPr lang="en-US" baseline="0" dirty="0" smtClean="0"/>
-              <a:t> On Files</a:t>
-            </a:r>
-            <a:r>
-              <a:rPr lang="en-US" dirty="0" smtClean="0"/>
-              <a:t>:</a:t>
-            </a:r>
-          </a:p>
-          <a:p>
-            <a:pPr marL="171450" indent="-171450">
-              <a:buFont typeface="Arial"/>
-              <a:buChar char="•"/>
-            </a:pPr>
-            <a:r>
-              <a:rPr lang="en-US" dirty="0" err="1" smtClean="0"/>
-              <a:t>iam</a:t>
-            </a:r>
-            <a:r>
-              <a:rPr lang="en-US" dirty="0" smtClean="0"/>
-              <a:t>-create-group-</a:t>
-            </a:r>
-            <a:r>
-              <a:rPr lang="en-US" dirty="0" err="1" smtClean="0"/>
-              <a:t>user.docx</a:t>
-            </a:r>
-            <a:endParaRPr lang="en-US" dirty="0" smtClean="0"/>
-          </a:p>
-          <a:p>
-            <a:pPr marL="171450" indent="-171450">
-              <a:buFont typeface="Arial"/>
-              <a:buChar char="•"/>
-            </a:pPr>
-            <a:r>
-              <a:rPr lang="en-US" dirty="0" err="1" smtClean="0"/>
-              <a:t>iam</a:t>
-            </a:r>
-            <a:r>
-              <a:rPr lang="en-US" dirty="0" smtClean="0"/>
-              <a:t>-restrict-access-</a:t>
-            </a:r>
-            <a:r>
-              <a:rPr lang="en-US" dirty="0" err="1" smtClean="0"/>
-              <a:t>tag.md</a:t>
-            </a:r>
-            <a:endParaRPr lang="en-US" smtClean="0"/>
-          </a:p>
-          <a:p>
-            <a:pPr marL="0" indent="0">
-              <a:buFont typeface="Arial"/>
-              <a:buNone/>
-            </a:pPr>
             <a:endParaRPr lang="en-US" dirty="0"/>
           </a:p>
         </p:txBody>
@@ -1204,6 +1183,146 @@
             <a:fld id="{BFB43062-714D-1146-A97F-0D45BD9E7BF0}" type="slidenum">
               <a:rPr lang="en-US" smtClean="0"/>
               <a:t>17</a:t>
+            </a:fld>
+            <a:endParaRPr lang="en-US"/>
+          </a:p>
+        </p:txBody>
+      </p:sp>
+    </p:spTree>
+    <p:extLst>
+      <p:ext uri="{BB962C8B-B14F-4D97-AF65-F5344CB8AC3E}">
+        <p14:creationId xmlns:p14="http://schemas.microsoft.com/office/powerpoint/2010/main" val="1619447160"/>
+      </p:ext>
+    </p:extLst>
+  </p:cSld>
+  <p:clrMapOvr>
+    <a:masterClrMapping/>
+  </p:clrMapOvr>
+</p:notes>
+</file>
+
+<file path=ppt/notesSlides/notesSlide15.xml><?xml version="1.0" encoding="utf-8"?>
+<p:notes xmlns:a="http://schemas.openxmlformats.org/drawingml/2006/main" xmlns:r="http://schemas.openxmlformats.org/officeDocument/2006/relationships" xmlns:p="http://schemas.openxmlformats.org/presentationml/2006/main">
+  <p:cSld>
+    <p:spTree>
+      <p:nvGrpSpPr>
+        <p:cNvPr id="1" name=""/>
+        <p:cNvGrpSpPr/>
+        <p:nvPr/>
+      </p:nvGrpSpPr>
+      <p:grpSpPr>
+        <a:xfrm>
+          <a:off x="0" y="0"/>
+          <a:ext cx="0" cy="0"/>
+          <a:chOff x="0" y="0"/>
+          <a:chExt cx="0" cy="0"/>
+        </a:xfrm>
+      </p:grpSpPr>
+      <p:sp>
+        <p:nvSpPr>
+          <p:cNvPr id="2" name="Slide Image Placeholder 1"/>
+          <p:cNvSpPr>
+            <a:spLocks noGrp="1" noRot="1" noChangeAspect="1"/>
+          </p:cNvSpPr>
+          <p:nvPr>
+            <p:ph type="sldImg"/>
+          </p:nvPr>
+        </p:nvSpPr>
+        <p:spPr/>
+      </p:sp>
+      <p:sp>
+        <p:nvSpPr>
+          <p:cNvPr id="3" name="Notes Placeholder 2"/>
+          <p:cNvSpPr>
+            <a:spLocks noGrp="1"/>
+          </p:cNvSpPr>
+          <p:nvPr>
+            <p:ph type="body" idx="1"/>
+          </p:nvPr>
+        </p:nvSpPr>
+        <p:spPr/>
+        <p:txBody>
+          <a:bodyPr/>
+          <a:lstStyle/>
+          <a:p>
+            <a:r>
+              <a:rPr lang="en-US" dirty="0" smtClean="0"/>
+              <a:t>Hands</a:t>
+            </a:r>
+            <a:r>
+              <a:rPr lang="en-US" baseline="0" dirty="0" smtClean="0"/>
+              <a:t> On Files</a:t>
+            </a:r>
+            <a:r>
+              <a:rPr lang="en-US" dirty="0" smtClean="0"/>
+              <a:t>:</a:t>
+            </a:r>
+          </a:p>
+          <a:p>
+            <a:pPr marL="171450" indent="-171450">
+              <a:buFont typeface="Arial"/>
+              <a:buChar char="•"/>
+            </a:pPr>
+            <a:r>
+              <a:rPr lang="en-US" dirty="0" err="1" smtClean="0"/>
+              <a:t>iam</a:t>
+            </a:r>
+            <a:r>
+              <a:rPr lang="en-US" dirty="0" smtClean="0"/>
+              <a:t>-create-group-</a:t>
+            </a:r>
+            <a:r>
+              <a:rPr lang="en-US" dirty="0" err="1" smtClean="0"/>
+              <a:t>user.docx</a:t>
+            </a:r>
+            <a:endParaRPr lang="en-US" dirty="0" smtClean="0"/>
+          </a:p>
+          <a:p>
+            <a:pPr marL="171450" indent="-171450">
+              <a:buFont typeface="Arial"/>
+              <a:buChar char="•"/>
+            </a:pPr>
+            <a:r>
+              <a:rPr lang="en-US" dirty="0" err="1" smtClean="0"/>
+              <a:t>iam</a:t>
+            </a:r>
+            <a:r>
+              <a:rPr lang="en-US" dirty="0" smtClean="0"/>
+              <a:t>-restrict-access-</a:t>
+            </a:r>
+            <a:r>
+              <a:rPr lang="en-US" dirty="0" err="1" smtClean="0"/>
+              <a:t>tag.md</a:t>
+            </a:r>
+            <a:endParaRPr lang="en-US" smtClean="0"/>
+          </a:p>
+          <a:p>
+            <a:pPr marL="0" indent="0">
+              <a:buFont typeface="Arial"/>
+              <a:buNone/>
+            </a:pPr>
+            <a:endParaRPr lang="en-US" dirty="0"/>
+          </a:p>
+        </p:txBody>
+      </p:sp>
+      <p:sp>
+        <p:nvSpPr>
+          <p:cNvPr id="4" name="Slide Number Placeholder 3"/>
+          <p:cNvSpPr>
+            <a:spLocks noGrp="1"/>
+          </p:cNvSpPr>
+          <p:nvPr>
+            <p:ph type="sldNum" sz="quarter" idx="10"/>
+          </p:nvPr>
+        </p:nvSpPr>
+        <p:spPr/>
+        <p:txBody>
+          <a:bodyPr/>
+          <a:lstStyle/>
+          <a:p>
+            <a:fld id="{BFB43062-714D-1146-A97F-0D45BD9E7BF0}" type="slidenum">
+              <a:rPr lang="en-US" smtClean="0"/>
+              <a:t>18</a:t>
             </a:fld>
             <a:endParaRPr lang="en-US"/>
           </a:p>
@@ -2132,45 +2251,192 @@
           <a:p>
             <a:r>
               <a:rPr lang="en-US" dirty="0" smtClean="0"/>
-              <a:t>Reference:</a:t>
-            </a:r>
-          </a:p>
-          <a:p>
-            <a:pPr marL="171450" indent="-171450">
-              <a:buFont typeface="Arial"/>
-              <a:buChar char="•"/>
+              <a:t>Answer: </a:t>
+            </a:r>
+            <a:r>
+              <a:rPr lang="en-US" dirty="0" smtClean="0"/>
+              <a:t>Depends. </a:t>
+            </a:r>
+            <a:r>
+              <a:rPr lang="en-US" dirty="0" smtClean="0"/>
+              <a:t>Result of policy</a:t>
+            </a:r>
+            <a:r>
+              <a:rPr lang="en-US" baseline="0" dirty="0" smtClean="0"/>
+              <a:t> evaluation</a:t>
+            </a:r>
+            <a:r>
+              <a:rPr lang="en-US" dirty="0" smtClean="0"/>
+              <a:t>:</a:t>
+            </a:r>
+          </a:p>
+          <a:p>
+            <a:pPr marL="228600" indent="-228600">
+              <a:buAutoNum type="arabicPeriod"/>
             </a:pPr>
             <a:r>
               <a:rPr lang="en-US" dirty="0" smtClean="0"/>
-              <a:t>http://</a:t>
-            </a:r>
-            <a:r>
-              <a:rPr lang="en-US" dirty="0" err="1" smtClean="0"/>
-              <a:t>docs.aws.amazon.com</a:t>
-            </a:r>
-            <a:r>
-              <a:rPr lang="en-US" dirty="0" smtClean="0"/>
-              <a:t>/IAM/latest/</a:t>
-            </a:r>
-            <a:r>
-              <a:rPr lang="en-US" dirty="0" err="1" smtClean="0"/>
-              <a:t>UserGuide</a:t>
-            </a:r>
-            <a:r>
-              <a:rPr lang="en-US" dirty="0" smtClean="0"/>
-              <a:t>/policies-managed-</a:t>
-            </a:r>
-            <a:r>
-              <a:rPr lang="en-US" dirty="0" err="1" smtClean="0"/>
-              <a:t>vs</a:t>
-            </a:r>
-            <a:r>
-              <a:rPr lang="en-US" dirty="0" smtClean="0"/>
-              <a:t>-</a:t>
-            </a:r>
-            <a:r>
-              <a:rPr lang="en-US" dirty="0" err="1" smtClean="0"/>
-              <a:t>inline.html</a:t>
+              <a:t>The terminate-instances</a:t>
+            </a:r>
+            <a:r>
+              <a:rPr lang="en-US" baseline="0" dirty="0" smtClean="0"/>
+              <a:t> command in the resource context does not match the commands allowed in the “Action” element in the given policy.</a:t>
+            </a:r>
+          </a:p>
+          <a:p>
+            <a:pPr marL="228600" indent="-228600">
+              <a:buAutoNum type="arabicPeriod"/>
+            </a:pPr>
+            <a:r>
+              <a:rPr lang="en-US" baseline="0" dirty="0" smtClean="0"/>
+              <a:t>The resource (</a:t>
+            </a:r>
+            <a:r>
+              <a:rPr lang="de-DE" baseline="0" dirty="0" smtClean="0"/>
+              <a:t>i-8f00e559)</a:t>
+            </a:r>
+            <a:r>
+              <a:rPr lang="en-US" baseline="0" dirty="0" smtClean="0"/>
+              <a:t> on which an action is requested matches the resource given in the resource context, but in this case the action is not allowed</a:t>
+            </a:r>
+            <a:r>
+              <a:rPr lang="en-US" baseline="0" dirty="0" smtClean="0"/>
+              <a:t>.</a:t>
+            </a:r>
+          </a:p>
+          <a:p>
+            <a:pPr marL="228600" marR="0" indent="-228600" algn="l" defTabSz="457200" rtl="0" eaLnBrk="1" fontAlgn="auto" latinLnBrk="0" hangingPunct="1">
+              <a:lnSpc>
+                <a:spcPct val="100000"/>
+              </a:lnSpc>
+              <a:spcBef>
+                <a:spcPts val="0"/>
+              </a:spcBef>
+              <a:spcAft>
+                <a:spcPts val="0"/>
+              </a:spcAft>
+              <a:buClrTx/>
+              <a:buSzTx/>
+              <a:buFontTx/>
+              <a:buAutoNum type="arabicPeriod"/>
+              <a:tabLst/>
+              <a:defRPr/>
+            </a:pPr>
+            <a:r>
+              <a:rPr lang="en-US" baseline="0" dirty="0" smtClean="0"/>
+              <a:t>The </a:t>
+            </a:r>
+            <a:r>
+              <a:rPr lang="en-US" baseline="0" dirty="0" err="1" smtClean="0"/>
+              <a:t>CurrentTime</a:t>
+            </a:r>
+            <a:r>
+              <a:rPr lang="en-US" baseline="0" dirty="0" smtClean="0"/>
+              <a:t> (</a:t>
+            </a:r>
+            <a:r>
+              <a:rPr lang="en-US" baseline="0" dirty="0" err="1" smtClean="0"/>
+              <a:t>yyyy-mm-ddThh:mm:ssZ</a:t>
+            </a:r>
+            <a:r>
+              <a:rPr lang="de-DE" baseline="0" dirty="0" smtClean="0"/>
+              <a:t>) </a:t>
+            </a:r>
+            <a:r>
+              <a:rPr lang="de-DE" baseline="0" dirty="0" err="1" smtClean="0"/>
+              <a:t>value</a:t>
+            </a:r>
+            <a:r>
+              <a:rPr lang="de-DE" baseline="0" dirty="0" smtClean="0"/>
+              <a:t> in </a:t>
+            </a:r>
+            <a:r>
+              <a:rPr lang="de-DE" baseline="0" dirty="0" err="1" smtClean="0"/>
+              <a:t>the</a:t>
+            </a:r>
+            <a:r>
+              <a:rPr lang="de-DE" baseline="0" dirty="0" smtClean="0"/>
+              <a:t> </a:t>
+            </a:r>
+            <a:r>
+              <a:rPr lang="de-DE" baseline="0" dirty="0" err="1" smtClean="0"/>
+              <a:t>resource</a:t>
+            </a:r>
+            <a:r>
+              <a:rPr lang="de-DE" baseline="0" dirty="0" smtClean="0"/>
+              <a:t> </a:t>
+            </a:r>
+            <a:r>
+              <a:rPr lang="de-DE" baseline="0" dirty="0" err="1" smtClean="0"/>
+              <a:t>context</a:t>
+            </a:r>
+            <a:r>
+              <a:rPr lang="de-DE" baseline="0" dirty="0" smtClean="0"/>
+              <a:t> </a:t>
+            </a:r>
+            <a:r>
+              <a:rPr lang="de-DE" baseline="0" dirty="0" err="1" smtClean="0"/>
+              <a:t>is</a:t>
+            </a:r>
+            <a:r>
+              <a:rPr lang="de-DE" baseline="0" dirty="0" smtClean="0"/>
+              <a:t> </a:t>
+            </a:r>
+            <a:r>
+              <a:rPr lang="de-DE" baseline="0" dirty="0" err="1" smtClean="0"/>
+              <a:t>evaluated</a:t>
+            </a:r>
+            <a:r>
+              <a:rPr lang="de-DE" baseline="0" dirty="0" smtClean="0"/>
+              <a:t> </a:t>
+            </a:r>
+            <a:r>
+              <a:rPr lang="de-DE" baseline="0" dirty="0" err="1" smtClean="0"/>
+              <a:t>against</a:t>
+            </a:r>
+            <a:r>
+              <a:rPr lang="de-DE" baseline="0" dirty="0" smtClean="0"/>
+              <a:t> </a:t>
+            </a:r>
+            <a:r>
+              <a:rPr lang="de-DE" baseline="0" dirty="0" err="1" smtClean="0"/>
+              <a:t>the</a:t>
+            </a:r>
+            <a:r>
+              <a:rPr lang="de-DE" baseline="0" dirty="0" smtClean="0"/>
+              <a:t> „</a:t>
+            </a:r>
+            <a:r>
+              <a:rPr lang="de-DE" baseline="0" dirty="0" err="1" smtClean="0"/>
+              <a:t>Condition</a:t>
+            </a:r>
+            <a:r>
+              <a:rPr lang="de-DE" baseline="0" dirty="0" smtClean="0"/>
+              <a:t>“ in </a:t>
+            </a:r>
+            <a:r>
+              <a:rPr lang="de-DE" baseline="0" dirty="0" err="1" smtClean="0"/>
+              <a:t>the</a:t>
+            </a:r>
+            <a:r>
+              <a:rPr lang="de-DE" baseline="0" dirty="0" smtClean="0"/>
+              <a:t> </a:t>
+            </a:r>
+            <a:r>
+              <a:rPr lang="de-DE" baseline="0" dirty="0" err="1" smtClean="0"/>
+              <a:t>given</a:t>
+            </a:r>
+            <a:r>
+              <a:rPr lang="de-DE" baseline="0" dirty="0" smtClean="0"/>
+              <a:t> </a:t>
+            </a:r>
+            <a:r>
+              <a:rPr lang="de-DE" baseline="0" dirty="0" err="1" smtClean="0"/>
+              <a:t>policy</a:t>
+            </a:r>
+            <a:r>
+              <a:rPr lang="de-DE" baseline="0" dirty="0" smtClean="0"/>
+              <a:t>.</a:t>
             </a:r>
             <a:endParaRPr lang="en-US" dirty="0"/>
           </a:p>
@@ -2193,7 +2459,7 @@
           <a:p>
             <a:fld id="{BFB43062-714D-1146-A97F-0D45BD9E7BF0}" type="slidenum">
               <a:rPr lang="en-US" smtClean="0"/>
-              <a:t>11</a:t>
+              <a:t>10</a:t>
             </a:fld>
             <a:endParaRPr lang="en-US"/>
           </a:p>
@@ -2202,7 +2468,7 @@
     </p:spTree>
     <p:extLst>
       <p:ext uri="{BB962C8B-B14F-4D97-AF65-F5344CB8AC3E}">
-        <p14:creationId xmlns:p14="http://schemas.microsoft.com/office/powerpoint/2010/main" val="2555364409"/>
+        <p14:creationId xmlns:p14="http://schemas.microsoft.com/office/powerpoint/2010/main" val="116716749"/>
       </p:ext>
     </p:extLst>
   </p:cSld>
@@ -2258,7 +2524,35 @@
           <a:p>
             <a:r>
               <a:rPr lang="en-US" dirty="0" smtClean="0"/>
-              <a:t>Reference:</a:t>
+              <a:t>Why would you use a</a:t>
+            </a:r>
+            <a:r>
+              <a:rPr lang="en-US" baseline="0" dirty="0" smtClean="0"/>
+              <a:t> Managed Policy versus an Inline Policy:</a:t>
+            </a:r>
+          </a:p>
+          <a:p>
+            <a:r>
+              <a:rPr lang="en-US" baseline="0" dirty="0" smtClean="0"/>
+              <a:t>1. If you require that a policy be utilized by multiple types of principles, use a Managed Policy. As an example, you would use an IAM Role with an application running on EC2 and you would use an IAM Policy with an application running on a </a:t>
+            </a:r>
+            <a:r>
+              <a:rPr lang="en-US" baseline="0" smtClean="0"/>
+              <a:t>Developer’s laptop.</a:t>
+            </a:r>
+            <a:endParaRPr lang="en-US" dirty="0" smtClean="0"/>
+          </a:p>
+          <a:p>
+            <a:endParaRPr lang="en-US" dirty="0" smtClean="0"/>
+          </a:p>
+          <a:p>
+            <a:r>
+              <a:rPr lang="en-US" dirty="0" smtClean="0"/>
+              <a:t>Reference</a:t>
+            </a:r>
+            <a:r>
+              <a:rPr lang="en-US" dirty="0" smtClean="0"/>
+              <a:t>:</a:t>
             </a:r>
           </a:p>
           <a:p>
@@ -2284,11 +2578,19 @@
             </a:r>
             <a:r>
               <a:rPr lang="en-US" dirty="0" smtClean="0"/>
-              <a:t>/</a:t>
+              <a:t>/policies-managed-</a:t>
             </a:r>
             <a:r>
               <a:rPr lang="en-US" dirty="0" err="1" smtClean="0"/>
-              <a:t>PolicyVariables.html</a:t>
+              <a:t>vs</a:t>
+            </a:r>
+            <a:r>
+              <a:rPr lang="en-US" dirty="0" smtClean="0"/>
+              <a:t>-</a:t>
+            </a:r>
+            <a:r>
+              <a:rPr lang="en-US" dirty="0" err="1" smtClean="0"/>
+              <a:t>inline.html</a:t>
             </a:r>
             <a:endParaRPr lang="en-US" dirty="0"/>
           </a:p>
@@ -2320,7 +2622,7 @@
     </p:spTree>
     <p:extLst>
       <p:ext uri="{BB962C8B-B14F-4D97-AF65-F5344CB8AC3E}">
-        <p14:creationId xmlns:p14="http://schemas.microsoft.com/office/powerpoint/2010/main" val="305666501"/>
+        <p14:creationId xmlns:p14="http://schemas.microsoft.com/office/powerpoint/2010/main" val="2555364409"/>
       </p:ext>
     </p:extLst>
   </p:cSld>
@@ -16884,6 +17186,398 @@
       </p:grpSpPr>
       <p:sp>
         <p:nvSpPr>
+          <p:cNvPr id="3" name="Content Placeholder 2"/>
+          <p:cNvSpPr>
+            <a:spLocks noGrp="1"/>
+          </p:cNvSpPr>
+          <p:nvPr>
+            <p:ph idx="1"/>
+          </p:nvPr>
+        </p:nvSpPr>
+        <p:spPr>
+          <a:xfrm>
+            <a:off x="872067" y="2675466"/>
+            <a:ext cx="7408333" cy="3915469"/>
+          </a:xfrm>
+        </p:spPr>
+        <p:txBody>
+          <a:bodyPr>
+            <a:normAutofit fontScale="55000" lnSpcReduction="20000"/>
+          </a:bodyPr>
+          <a:lstStyle/>
+          <a:p>
+            <a:pPr marL="0" indent="0">
+              <a:buNone/>
+            </a:pPr>
+            <a:r>
+              <a:rPr lang="en-US" dirty="0" smtClean="0">
+                <a:latin typeface="Courier"/>
+                <a:cs typeface="Courier"/>
+              </a:rPr>
+              <a:t>Command: </a:t>
+            </a:r>
+            <a:r>
+              <a:rPr lang="en-US" dirty="0" err="1" smtClean="0">
+                <a:latin typeface="Courier"/>
+                <a:cs typeface="Courier"/>
+              </a:rPr>
+              <a:t>aws</a:t>
+            </a:r>
+            <a:r>
+              <a:rPr lang="en-US" dirty="0" smtClean="0">
+                <a:latin typeface="Courier"/>
+                <a:cs typeface="Courier"/>
+              </a:rPr>
+              <a:t> </a:t>
+            </a:r>
+            <a:r>
+              <a:rPr lang="en-US" dirty="0">
+                <a:latin typeface="Courier"/>
+                <a:cs typeface="Courier"/>
+              </a:rPr>
+              <a:t>ec2 terminate-instances --instance-ids i-</a:t>
+            </a:r>
+            <a:r>
+              <a:rPr lang="en-US" dirty="0" smtClean="0">
+                <a:latin typeface="Courier"/>
+                <a:cs typeface="Courier"/>
+              </a:rPr>
+              <a:t>8f00e559</a:t>
+            </a:r>
+          </a:p>
+          <a:p>
+            <a:pPr marL="0" indent="0">
+              <a:buNone/>
+            </a:pPr>
+            <a:endParaRPr lang="en-US" dirty="0" smtClean="0">
+              <a:latin typeface="Courier"/>
+              <a:cs typeface="Courier"/>
+            </a:endParaRPr>
+          </a:p>
+          <a:p>
+            <a:pPr marL="0" indent="0">
+              <a:buNone/>
+            </a:pPr>
+            <a:r>
+              <a:rPr lang="en-US" dirty="0" smtClean="0">
+                <a:latin typeface="Courier"/>
+                <a:cs typeface="Courier"/>
+              </a:rPr>
+              <a:t>{</a:t>
+            </a:r>
+            <a:endParaRPr lang="en-US" dirty="0">
+              <a:latin typeface="Courier"/>
+              <a:cs typeface="Courier"/>
+            </a:endParaRPr>
+          </a:p>
+          <a:p>
+            <a:pPr marL="0" indent="0">
+              <a:buNone/>
+            </a:pPr>
+            <a:r>
+              <a:rPr lang="en-US" dirty="0">
+                <a:latin typeface="Courier"/>
+                <a:cs typeface="Courier"/>
+              </a:rPr>
+              <a:t>  "Statement": [</a:t>
+            </a:r>
+          </a:p>
+          <a:p>
+            <a:pPr marL="0" indent="0">
+              <a:buNone/>
+            </a:pPr>
+            <a:r>
+              <a:rPr lang="en-US" dirty="0">
+                <a:latin typeface="Courier"/>
+                <a:cs typeface="Courier"/>
+              </a:rPr>
+              <a:t>    {</a:t>
+            </a:r>
+          </a:p>
+          <a:p>
+            <a:pPr marL="0" indent="0">
+              <a:buNone/>
+            </a:pPr>
+            <a:r>
+              <a:rPr lang="en-US" dirty="0">
+                <a:latin typeface="Courier"/>
+                <a:cs typeface="Courier"/>
+              </a:rPr>
+              <a:t>      "Action": [</a:t>
+            </a:r>
+          </a:p>
+          <a:p>
+            <a:pPr marL="0" indent="0">
+              <a:buNone/>
+            </a:pPr>
+            <a:r>
+              <a:rPr lang="en-US" dirty="0" smtClean="0">
+                <a:latin typeface="Courier"/>
+                <a:cs typeface="Courier"/>
+              </a:rPr>
+              <a:t>        ”</a:t>
+            </a:r>
+            <a:r>
+              <a:rPr lang="en-US" dirty="0">
+                <a:latin typeface="Courier"/>
+                <a:cs typeface="Courier"/>
+              </a:rPr>
+              <a:t>ec2</a:t>
+            </a:r>
+            <a:r>
+              <a:rPr lang="en-US" dirty="0" smtClean="0">
+                <a:latin typeface="Courier"/>
+                <a:cs typeface="Courier"/>
+              </a:rPr>
+              <a:t>:TerminateInstance</a:t>
+            </a:r>
+            <a:r>
+              <a:rPr lang="en-US" dirty="0" smtClean="0">
+                <a:latin typeface="Courier"/>
+                <a:cs typeface="Courier"/>
+              </a:rPr>
+              <a:t>”,</a:t>
+            </a:r>
+          </a:p>
+          <a:p>
+            <a:pPr marL="0" indent="0">
+              <a:buNone/>
+            </a:pPr>
+            <a:r>
+              <a:rPr lang="en-US" dirty="0" smtClean="0">
+                <a:latin typeface="Courier"/>
+                <a:cs typeface="Courier"/>
+              </a:rPr>
+              <a:t>      ]</a:t>
+            </a:r>
+            <a:r>
+              <a:rPr lang="en-US" dirty="0">
+                <a:latin typeface="Courier"/>
+                <a:cs typeface="Courier"/>
+              </a:rPr>
+              <a:t>,</a:t>
+            </a:r>
+          </a:p>
+          <a:p>
+            <a:pPr marL="0" indent="0">
+              <a:buNone/>
+            </a:pPr>
+            <a:r>
+              <a:rPr lang="en-US" dirty="0">
+                <a:latin typeface="Courier"/>
+                <a:cs typeface="Courier"/>
+              </a:rPr>
+              <a:t>      "Effect": "Allow",</a:t>
+            </a:r>
+          </a:p>
+          <a:p>
+            <a:pPr marL="0" indent="0">
+              <a:buNone/>
+            </a:pPr>
+            <a:r>
+              <a:rPr lang="en-US" dirty="0">
+                <a:latin typeface="Courier"/>
+                <a:cs typeface="Courier"/>
+              </a:rPr>
+              <a:t>      "Resource”:["</a:t>
+            </a:r>
+            <a:r>
+              <a:rPr lang="en-US" dirty="0" smtClean="0">
+                <a:latin typeface="Courier"/>
+                <a:cs typeface="Courier"/>
+              </a:rPr>
+              <a:t>arn:aws:ec2:</a:t>
+            </a:r>
+            <a:r>
+              <a:rPr lang="en-US" dirty="0">
+                <a:latin typeface="Courier"/>
+                <a:cs typeface="Courier"/>
+              </a:rPr>
+              <a:t>:</a:t>
+            </a:r>
+            <a:r>
+              <a:rPr lang="en-US" dirty="0" smtClean="0">
+                <a:latin typeface="Courier"/>
+                <a:cs typeface="Courier"/>
+              </a:rPr>
+              <a:t>:*"</a:t>
+            </a:r>
+            <a:r>
+              <a:rPr lang="en-US" dirty="0" smtClean="0">
+                <a:latin typeface="Courier"/>
+                <a:cs typeface="Courier"/>
+              </a:rPr>
+              <a:t>]</a:t>
+            </a:r>
+          </a:p>
+          <a:p>
+            <a:pPr marL="0" indent="0">
+              <a:buNone/>
+            </a:pPr>
+            <a:r>
+              <a:rPr lang="en-US" dirty="0" smtClean="0">
+                <a:latin typeface="Courier"/>
+                <a:cs typeface="Courier"/>
+              </a:rPr>
+              <a:t>      "</a:t>
+            </a:r>
+            <a:r>
+              <a:rPr lang="en-US" dirty="0">
+                <a:latin typeface="Courier"/>
+                <a:cs typeface="Courier"/>
+              </a:rPr>
+              <a:t>Condition": {</a:t>
+            </a:r>
+          </a:p>
+          <a:p>
+            <a:pPr marL="0" indent="0">
+              <a:buNone/>
+            </a:pPr>
+            <a:r>
+              <a:rPr lang="en-US" dirty="0">
+                <a:latin typeface="Courier"/>
+                <a:cs typeface="Courier"/>
+              </a:rPr>
+              <a:t>  </a:t>
+            </a:r>
+            <a:r>
+              <a:rPr lang="en-US" dirty="0" smtClean="0">
+                <a:latin typeface="Courier"/>
+                <a:cs typeface="Courier"/>
+              </a:rPr>
+              <a:t>      "</a:t>
+            </a:r>
+            <a:r>
+              <a:rPr lang="en-US" dirty="0" err="1" smtClean="0">
+                <a:latin typeface="Courier"/>
+                <a:cs typeface="Courier"/>
+              </a:rPr>
+              <a:t>DateLessThan</a:t>
+            </a:r>
+            <a:r>
+              <a:rPr lang="en-US" dirty="0">
+                <a:latin typeface="Courier"/>
+                <a:cs typeface="Courier"/>
+              </a:rPr>
+              <a:t>" : {</a:t>
+            </a:r>
+          </a:p>
+          <a:p>
+            <a:pPr marL="0" indent="0">
+              <a:buNone/>
+            </a:pPr>
+            <a:r>
+              <a:rPr lang="en-US" dirty="0">
+                <a:latin typeface="Courier"/>
+                <a:cs typeface="Courier"/>
+              </a:rPr>
+              <a:t>     </a:t>
+            </a:r>
+            <a:r>
+              <a:rPr lang="en-US" dirty="0" smtClean="0">
+                <a:latin typeface="Courier"/>
+                <a:cs typeface="Courier"/>
+              </a:rPr>
+              <a:t>     "</a:t>
+            </a:r>
+            <a:r>
+              <a:rPr lang="en-US" dirty="0" err="1">
+                <a:latin typeface="Courier"/>
+                <a:cs typeface="Courier"/>
+              </a:rPr>
+              <a:t>aws:CurrentTime</a:t>
+            </a:r>
+            <a:r>
+              <a:rPr lang="en-US" dirty="0">
+                <a:latin typeface="Courier"/>
+                <a:cs typeface="Courier"/>
+              </a:rPr>
+              <a:t>" : "2015-05-24T20:00:</a:t>
+            </a:r>
+            <a:r>
+              <a:rPr lang="en-US" dirty="0" smtClean="0">
+                <a:latin typeface="Courier"/>
+                <a:cs typeface="Courier"/>
+              </a:rPr>
+              <a:t>00Z”</a:t>
+            </a:r>
+            <a:endParaRPr lang="en-US" dirty="0">
+              <a:latin typeface="Courier"/>
+              <a:cs typeface="Courier"/>
+            </a:endParaRPr>
+          </a:p>
+          <a:p>
+            <a:pPr marL="0" indent="0">
+              <a:buNone/>
+            </a:pPr>
+            <a:r>
+              <a:rPr lang="en-US" dirty="0" smtClean="0">
+                <a:latin typeface="Courier"/>
+                <a:cs typeface="Courier"/>
+              </a:rPr>
+              <a:t>        }</a:t>
+            </a:r>
+            <a:endParaRPr lang="en-US" dirty="0">
+              <a:latin typeface="Courier"/>
+              <a:cs typeface="Courier"/>
+            </a:endParaRPr>
+          </a:p>
+          <a:p>
+            <a:pPr marL="0" indent="0">
+              <a:buNone/>
+            </a:pPr>
+            <a:r>
+              <a:rPr lang="en-US" dirty="0" smtClean="0">
+                <a:latin typeface="Courier"/>
+                <a:cs typeface="Courier"/>
+              </a:rPr>
+              <a:t>      }</a:t>
+            </a:r>
+            <a:endParaRPr lang="en-US" dirty="0">
+              <a:latin typeface="Courier"/>
+              <a:cs typeface="Courier"/>
+            </a:endParaRPr>
+          </a:p>
+          <a:p>
+            <a:pPr marL="0" indent="0">
+              <a:buNone/>
+            </a:pPr>
+            <a:r>
+              <a:rPr lang="en-US" dirty="0">
+                <a:latin typeface="Courier"/>
+                <a:cs typeface="Courier"/>
+              </a:rPr>
+              <a:t>    }</a:t>
+            </a:r>
+          </a:p>
+          <a:p>
+            <a:pPr marL="0" indent="0">
+              <a:buNone/>
+            </a:pPr>
+            <a:r>
+              <a:rPr lang="en-US" dirty="0">
+                <a:latin typeface="Courier"/>
+                <a:cs typeface="Courier"/>
+              </a:rPr>
+              <a:t>  ]</a:t>
+            </a:r>
+          </a:p>
+          <a:p>
+            <a:pPr marL="0" indent="0">
+              <a:buNone/>
+            </a:pPr>
+            <a:r>
+              <a:rPr lang="en-US" dirty="0">
+                <a:latin typeface="Courier"/>
+                <a:cs typeface="Courier"/>
+              </a:rPr>
+              <a:t>}</a:t>
+            </a:r>
+          </a:p>
+        </p:txBody>
+      </p:sp>
+      <p:sp>
+        <p:nvSpPr>
           <p:cNvPr id="2" name="Title 1"/>
           <p:cNvSpPr>
             <a:spLocks noGrp="1"/>
@@ -16901,138 +17595,7 @@
           <a:p>
             <a:r>
               <a:rPr lang="en-US" dirty="0" smtClean="0"/>
-              <a:t>IAM: Roles and Users Compared</a:t>
-            </a:r>
-            <a:endParaRPr lang="en-US" dirty="0"/>
-          </a:p>
-        </p:txBody>
-      </p:sp>
-      <p:sp>
-        <p:nvSpPr>
-          <p:cNvPr id="5" name="Text Placeholder 4"/>
-          <p:cNvSpPr>
-            <a:spLocks noGrp="1"/>
-          </p:cNvSpPr>
-          <p:nvPr>
-            <p:ph type="body" idx="1"/>
-          </p:nvPr>
-        </p:nvSpPr>
-        <p:spPr/>
-        <p:txBody>
-          <a:bodyPr/>
-          <a:lstStyle/>
-          <a:p>
-            <a:r>
-              <a:rPr lang="en-US" dirty="0" smtClean="0"/>
-              <a:t>IAM Role</a:t>
-            </a:r>
-            <a:endParaRPr lang="en-US" dirty="0"/>
-          </a:p>
-        </p:txBody>
-      </p:sp>
-      <p:sp>
-        <p:nvSpPr>
-          <p:cNvPr id="3" name="Content Placeholder 2"/>
-          <p:cNvSpPr>
-            <a:spLocks noGrp="1"/>
-          </p:cNvSpPr>
-          <p:nvPr>
-            <p:ph sz="half" idx="2"/>
-          </p:nvPr>
-        </p:nvSpPr>
-        <p:spPr/>
-        <p:txBody>
-          <a:bodyPr>
-            <a:normAutofit lnSpcReduction="10000"/>
-          </a:bodyPr>
-          <a:lstStyle/>
-          <a:p>
-            <a:r>
-              <a:rPr lang="en-US" dirty="0" smtClean="0"/>
-              <a:t>If using AWS SDKs, it “just works”</a:t>
-            </a:r>
-          </a:p>
-          <a:p>
-            <a:r>
-              <a:rPr lang="en-US" dirty="0"/>
-              <a:t>Supported only on EC2 and AWS </a:t>
-            </a:r>
-            <a:r>
-              <a:rPr lang="en-US" dirty="0" smtClean="0"/>
-              <a:t>Resources</a:t>
-            </a:r>
-            <a:endParaRPr lang="en-US" dirty="0"/>
-          </a:p>
-          <a:p>
-            <a:r>
-              <a:rPr lang="en-US" dirty="0" smtClean="0"/>
-              <a:t>Credential rotation provided by Amazon</a:t>
-            </a:r>
-          </a:p>
-          <a:p>
-            <a:r>
-              <a:rPr lang="en-US" dirty="0" smtClean="0"/>
-              <a:t>Available via instance meta-data query</a:t>
-            </a:r>
-          </a:p>
-          <a:p>
-            <a:endParaRPr lang="en-US" dirty="0" smtClean="0"/>
-          </a:p>
-        </p:txBody>
-      </p:sp>
-      <p:sp>
-        <p:nvSpPr>
-          <p:cNvPr id="6" name="Text Placeholder 5"/>
-          <p:cNvSpPr>
-            <a:spLocks noGrp="1"/>
-          </p:cNvSpPr>
-          <p:nvPr>
-            <p:ph type="body" sz="quarter" idx="3"/>
-          </p:nvPr>
-        </p:nvSpPr>
-        <p:spPr/>
-        <p:txBody>
-          <a:bodyPr/>
-          <a:lstStyle/>
-          <a:p>
-            <a:r>
-              <a:rPr lang="en-US" dirty="0" smtClean="0"/>
-              <a:t>IAM Users</a:t>
-            </a:r>
-            <a:endParaRPr lang="en-US" dirty="0"/>
-          </a:p>
-        </p:txBody>
-      </p:sp>
-      <p:sp>
-        <p:nvSpPr>
-          <p:cNvPr id="7" name="Content Placeholder 6"/>
-          <p:cNvSpPr>
-            <a:spLocks noGrp="1"/>
-          </p:cNvSpPr>
-          <p:nvPr>
-            <p:ph sz="quarter" idx="4"/>
-          </p:nvPr>
-        </p:nvSpPr>
-        <p:spPr/>
-        <p:txBody>
-          <a:bodyPr/>
-          <a:lstStyle/>
-          <a:p>
-            <a:r>
-              <a:rPr lang="en-US" dirty="0" smtClean="0"/>
-              <a:t>Can be utilized on non-AWS Resources</a:t>
-            </a:r>
-          </a:p>
-          <a:p>
-            <a:r>
-              <a:rPr lang="en-US" dirty="0" smtClean="0"/>
-              <a:t>Permissions can be tested easily</a:t>
-            </a:r>
-          </a:p>
-          <a:p>
-            <a:r>
-              <a:rPr lang="en-US" dirty="0" smtClean="0"/>
-              <a:t>Difficult to Secure (has to be checked in / distributed securely)</a:t>
+              <a:t>IAM: Will it Terminate?</a:t>
             </a:r>
             <a:endParaRPr lang="en-US" dirty="0"/>
           </a:p>
@@ -17041,7 +17604,7 @@
     </p:spTree>
     <p:extLst>
       <p:ext uri="{BB962C8B-B14F-4D97-AF65-F5344CB8AC3E}">
-        <p14:creationId xmlns:p14="http://schemas.microsoft.com/office/powerpoint/2010/main" val="2555247866"/>
+        <p14:creationId xmlns:p14="http://schemas.microsoft.com/office/powerpoint/2010/main" val="1983193316"/>
       </p:ext>
     </p:extLst>
   </p:cSld>
@@ -17094,6 +17657,199 @@
           <a:p>
             <a:r>
               <a:rPr lang="en-US" dirty="0" smtClean="0"/>
+              <a:t>IAM: Roles and Users Compared</a:t>
+            </a:r>
+            <a:endParaRPr lang="en-US" dirty="0"/>
+          </a:p>
+        </p:txBody>
+      </p:sp>
+      <p:sp>
+        <p:nvSpPr>
+          <p:cNvPr id="5" name="Text Placeholder 4"/>
+          <p:cNvSpPr>
+            <a:spLocks noGrp="1"/>
+          </p:cNvSpPr>
+          <p:nvPr>
+            <p:ph type="body" idx="1"/>
+          </p:nvPr>
+        </p:nvSpPr>
+        <p:spPr/>
+        <p:txBody>
+          <a:bodyPr/>
+          <a:lstStyle/>
+          <a:p>
+            <a:r>
+              <a:rPr lang="en-US" dirty="0" smtClean="0"/>
+              <a:t>IAM Role</a:t>
+            </a:r>
+            <a:endParaRPr lang="en-US" dirty="0"/>
+          </a:p>
+        </p:txBody>
+      </p:sp>
+      <p:sp>
+        <p:nvSpPr>
+          <p:cNvPr id="3" name="Content Placeholder 2"/>
+          <p:cNvSpPr>
+            <a:spLocks noGrp="1"/>
+          </p:cNvSpPr>
+          <p:nvPr>
+            <p:ph sz="half" idx="2"/>
+          </p:nvPr>
+        </p:nvSpPr>
+        <p:spPr/>
+        <p:txBody>
+          <a:bodyPr>
+            <a:normAutofit lnSpcReduction="10000"/>
+          </a:bodyPr>
+          <a:lstStyle/>
+          <a:p>
+            <a:r>
+              <a:rPr lang="en-US" dirty="0" smtClean="0"/>
+              <a:t>If using AWS SDKs, it “just works”</a:t>
+            </a:r>
+          </a:p>
+          <a:p>
+            <a:r>
+              <a:rPr lang="en-US" dirty="0"/>
+              <a:t>Supported only on EC2 and AWS </a:t>
+            </a:r>
+            <a:r>
+              <a:rPr lang="en-US" dirty="0" smtClean="0"/>
+              <a:t>Resources</a:t>
+            </a:r>
+            <a:endParaRPr lang="en-US" dirty="0"/>
+          </a:p>
+          <a:p>
+            <a:r>
+              <a:rPr lang="en-US" dirty="0" smtClean="0"/>
+              <a:t>Credential rotation provided by Amazon</a:t>
+            </a:r>
+          </a:p>
+          <a:p>
+            <a:r>
+              <a:rPr lang="en-US" dirty="0" smtClean="0"/>
+              <a:t>Available via instance meta-data query</a:t>
+            </a:r>
+          </a:p>
+          <a:p>
+            <a:endParaRPr lang="en-US" dirty="0" smtClean="0"/>
+          </a:p>
+        </p:txBody>
+      </p:sp>
+      <p:sp>
+        <p:nvSpPr>
+          <p:cNvPr id="6" name="Text Placeholder 5"/>
+          <p:cNvSpPr>
+            <a:spLocks noGrp="1"/>
+          </p:cNvSpPr>
+          <p:nvPr>
+            <p:ph type="body" sz="quarter" idx="3"/>
+          </p:nvPr>
+        </p:nvSpPr>
+        <p:spPr/>
+        <p:txBody>
+          <a:bodyPr/>
+          <a:lstStyle/>
+          <a:p>
+            <a:r>
+              <a:rPr lang="en-US" dirty="0" smtClean="0"/>
+              <a:t>IAM Users</a:t>
+            </a:r>
+            <a:endParaRPr lang="en-US" dirty="0"/>
+          </a:p>
+        </p:txBody>
+      </p:sp>
+      <p:sp>
+        <p:nvSpPr>
+          <p:cNvPr id="7" name="Content Placeholder 6"/>
+          <p:cNvSpPr>
+            <a:spLocks noGrp="1"/>
+          </p:cNvSpPr>
+          <p:nvPr>
+            <p:ph sz="quarter" idx="4"/>
+          </p:nvPr>
+        </p:nvSpPr>
+        <p:spPr/>
+        <p:txBody>
+          <a:bodyPr/>
+          <a:lstStyle/>
+          <a:p>
+            <a:r>
+              <a:rPr lang="en-US" dirty="0" smtClean="0"/>
+              <a:t>Can be utilized on non-AWS Resources</a:t>
+            </a:r>
+          </a:p>
+          <a:p>
+            <a:r>
+              <a:rPr lang="en-US" dirty="0" smtClean="0"/>
+              <a:t>Permissions can be tested easily</a:t>
+            </a:r>
+          </a:p>
+          <a:p>
+            <a:r>
+              <a:rPr lang="en-US" dirty="0" smtClean="0"/>
+              <a:t>Difficult to Secure (has to be checked in / distributed securely)</a:t>
+            </a:r>
+            <a:endParaRPr lang="en-US" dirty="0"/>
+          </a:p>
+        </p:txBody>
+      </p:sp>
+    </p:spTree>
+    <p:extLst>
+      <p:ext uri="{BB962C8B-B14F-4D97-AF65-F5344CB8AC3E}">
+        <p14:creationId xmlns:p14="http://schemas.microsoft.com/office/powerpoint/2010/main" val="2555247866"/>
+      </p:ext>
+    </p:extLst>
+  </p:cSld>
+  <p:clrMapOvr>
+    <a:masterClrMapping/>
+  </p:clrMapOvr>
+  <p:timing>
+    <p:tnLst>
+      <p:par>
+        <p:cTn xmlns:p14="http://schemas.microsoft.com/office/powerpoint/2010/main" id="1" dur="indefinite" restart="never" nodeType="tmRoot"/>
+      </p:par>
+    </p:tnLst>
+  </p:timing>
+</p:sld>
+</file>
+
+<file path=ppt/slides/slide12.xml><?xml version="1.0" encoding="utf-8"?>
+<p:sld xmlns:a="http://schemas.openxmlformats.org/drawingml/2006/main" xmlns:r="http://schemas.openxmlformats.org/officeDocument/2006/relationships" xmlns:p="http://schemas.openxmlformats.org/presentationml/2006/main">
+  <p:cSld>
+    <p:spTree>
+      <p:nvGrpSpPr>
+        <p:cNvPr id="1" name=""/>
+        <p:cNvGrpSpPr/>
+        <p:nvPr/>
+      </p:nvGrpSpPr>
+      <p:grpSpPr>
+        <a:xfrm>
+          <a:off x="0" y="0"/>
+          <a:ext cx="0" cy="0"/>
+          <a:chOff x="0" y="0"/>
+          <a:chExt cx="0" cy="0"/>
+        </a:xfrm>
+      </p:grpSpPr>
+      <p:sp>
+        <p:nvSpPr>
+          <p:cNvPr id="2" name="Title 1"/>
+          <p:cNvSpPr>
+            <a:spLocks noGrp="1"/>
+          </p:cNvSpPr>
+          <p:nvPr>
+            <p:ph type="title"/>
+          </p:nvPr>
+        </p:nvSpPr>
+        <p:spPr/>
+        <p:txBody>
+          <a:bodyPr>
+            <a:normAutofit/>
+          </a:bodyPr>
+          <a:lstStyle/>
+          <a:p>
+            <a:r>
+              <a:rPr lang="en-US" dirty="0" smtClean="0"/>
               <a:t>IAM: Managed vs. Inline Policies</a:t>
             </a:r>
             <a:endParaRPr lang="en-US" dirty="0"/>
@@ -17220,7 +17976,7 @@
 </p:sld>
 </file>
 
-<file path=ppt/slides/slide12.xml><?xml version="1.0" encoding="utf-8"?>
+<file path=ppt/slides/slide13.xml><?xml version="1.0" encoding="utf-8"?>
 <p:sld xmlns:a="http://schemas.openxmlformats.org/drawingml/2006/main" xmlns:r="http://schemas.openxmlformats.org/officeDocument/2006/relationships" xmlns:p="http://schemas.openxmlformats.org/presentationml/2006/main">
   <p:cSld>
     <p:spTree>
@@ -17569,7 +18325,7 @@
 </p:sld>
 </file>
 
-<file path=ppt/slides/slide13.xml><?xml version="1.0" encoding="utf-8"?>
+<file path=ppt/slides/slide14.xml><?xml version="1.0" encoding="utf-8"?>
 <p:sld xmlns:a="http://schemas.openxmlformats.org/drawingml/2006/main" xmlns:r="http://schemas.openxmlformats.org/officeDocument/2006/relationships" xmlns:p="http://schemas.openxmlformats.org/presentationml/2006/main">
   <p:cSld>
     <p:spTree>
@@ -18023,133 +18779,6 @@
   <p:clrMapOvr>
     <a:masterClrMapping/>
   </p:clrMapOvr>
-</p:sld>
-</file>
-
-<file path=ppt/slides/slide14.xml><?xml version="1.0" encoding="utf-8"?>
-<p:sld xmlns:a="http://schemas.openxmlformats.org/drawingml/2006/main" xmlns:r="http://schemas.openxmlformats.org/officeDocument/2006/relationships" xmlns:p="http://schemas.openxmlformats.org/presentationml/2006/main">
-  <p:cSld>
-    <p:spTree>
-      <p:nvGrpSpPr>
-        <p:cNvPr id="1" name=""/>
-        <p:cNvGrpSpPr/>
-        <p:nvPr/>
-      </p:nvGrpSpPr>
-      <p:grpSpPr>
-        <a:xfrm>
-          <a:off x="0" y="0"/>
-          <a:ext cx="0" cy="0"/>
-          <a:chOff x="0" y="0"/>
-          <a:chExt cx="0" cy="0"/>
-        </a:xfrm>
-      </p:grpSpPr>
-      <p:sp>
-        <p:nvSpPr>
-          <p:cNvPr id="3" name="Content Placeholder 2"/>
-          <p:cNvSpPr>
-            <a:spLocks noGrp="1"/>
-          </p:cNvSpPr>
-          <p:nvPr>
-            <p:ph idx="1"/>
-          </p:nvPr>
-        </p:nvSpPr>
-        <p:spPr/>
-        <p:txBody>
-          <a:bodyPr>
-            <a:normAutofit/>
-          </a:bodyPr>
-          <a:lstStyle/>
-          <a:p>
-            <a:r>
-              <a:rPr lang="en-US" dirty="0" smtClean="0"/>
-              <a:t>Allows API calls to be made from an Application on EC2</a:t>
-            </a:r>
-          </a:p>
-          <a:p>
-            <a:r>
-              <a:rPr lang="en-US" dirty="0" smtClean="0"/>
-              <a:t>Access Key and Secret Key available </a:t>
-            </a:r>
-            <a:r>
-              <a:rPr lang="en-US" dirty="0"/>
-              <a:t>at URL curl http://169.254.169.254/latest/meta-data/</a:t>
-            </a:r>
-            <a:r>
-              <a:rPr lang="en-US" dirty="0" err="1"/>
-              <a:t>iam</a:t>
-            </a:r>
-            <a:r>
-              <a:rPr lang="en-US" dirty="0"/>
-              <a:t>/security-credentials/</a:t>
-            </a:r>
-            <a:r>
-              <a:rPr lang="en-US" dirty="0" err="1"/>
-              <a:t>role_name</a:t>
-            </a:r>
-            <a:endParaRPr lang="en-US" dirty="0" smtClean="0"/>
-          </a:p>
-          <a:p>
-            <a:r>
-              <a:rPr lang="en-US" dirty="0" smtClean="0"/>
-              <a:t>Official AWS SDKs can retrieve this Access Key and Secret Key for you – it “just works”</a:t>
-            </a:r>
-          </a:p>
-          <a:p>
-            <a:r>
-              <a:rPr lang="en-US" dirty="0" smtClean="0"/>
-              <a:t>Credentials rotated Automatically</a:t>
-            </a:r>
-          </a:p>
-          <a:p>
-            <a:endParaRPr lang="en-US" dirty="0" smtClean="0"/>
-          </a:p>
-          <a:p>
-            <a:endParaRPr lang="en-US" dirty="0" smtClean="0"/>
-          </a:p>
-        </p:txBody>
-      </p:sp>
-      <p:sp>
-        <p:nvSpPr>
-          <p:cNvPr id="2" name="Title 1"/>
-          <p:cNvSpPr>
-            <a:spLocks noGrp="1"/>
-          </p:cNvSpPr>
-          <p:nvPr>
-            <p:ph type="title"/>
-          </p:nvPr>
-        </p:nvSpPr>
-        <p:spPr/>
-        <p:txBody>
-          <a:bodyPr>
-            <a:normAutofit/>
-          </a:bodyPr>
-          <a:lstStyle/>
-          <a:p>
-            <a:r>
-              <a:rPr lang="en-US" dirty="0" smtClean="0"/>
-              <a:t>IAM: IAM Roles for EC2</a:t>
-            </a:r>
-            <a:endParaRPr lang="en-US" dirty="0"/>
-          </a:p>
-        </p:txBody>
-      </p:sp>
-    </p:spTree>
-    <p:extLst>
-      <p:ext uri="{BB962C8B-B14F-4D97-AF65-F5344CB8AC3E}">
-        <p14:creationId xmlns:p14="http://schemas.microsoft.com/office/powerpoint/2010/main" val="4122533754"/>
-      </p:ext>
-    </p:extLst>
-  </p:cSld>
-  <p:clrMapOvr>
-    <a:masterClrMapping/>
-  </p:clrMapOvr>
-  <p:timing>
-    <p:tnLst>
-      <p:par>
-        <p:cTn xmlns:p14="http://schemas.microsoft.com/office/powerpoint/2010/main" id="1" dur="indefinite" restart="never" nodeType="tmRoot"/>
-      </p:par>
-    </p:tnLst>
-  </p:timing>
 </p:sld>
 </file>
 
@@ -18189,36 +18818,49 @@
           <a:p>
             <a:r>
               <a:rPr lang="en-US" dirty="0" smtClean="0"/>
-              <a:t>Use IAM instead of Root Account</a:t>
+              <a:t>Allows API calls to be made from an Application on EC2</a:t>
             </a:r>
           </a:p>
           <a:p>
             <a:r>
               <a:rPr lang="en-US" dirty="0" smtClean="0"/>
-              <a:t>Use IAM groups</a:t>
-            </a:r>
-          </a:p>
-          <a:p>
+              <a:t>Access Key and Secret Key available </a:t>
+            </a:r>
             <a:r>
               <a:rPr lang="en-US" dirty="0"/>
-              <a:t>Use Multi-Factor </a:t>
-            </a:r>
+              <a:t>at URL curl http://169.254.169.254/latest/meta-data/</a:t>
+            </a:r>
+            <a:r>
+              <a:rPr lang="en-US" dirty="0" err="1"/>
+              <a:t>iam</a:t>
+            </a:r>
+            <a:r>
+              <a:rPr lang="en-US" dirty="0"/>
+              <a:t>/security-credentials/</a:t>
+            </a:r>
+            <a:r>
+              <a:rPr lang="en-US" dirty="0" err="1"/>
+              <a:t>role_name</a:t>
+            </a:r>
+            <a:endParaRPr lang="en-US" dirty="0" smtClean="0"/>
+          </a:p>
+          <a:p>
             <a:r>
               <a:rPr lang="en-US" dirty="0" smtClean="0"/>
-              <a:t>Authentication if Possible</a:t>
+              <a:t>Official AWS SDKs can retrieve this Access Key and Secret Key for you – it “just works”</a:t>
             </a:r>
           </a:p>
           <a:p>
             <a:r>
               <a:rPr lang="en-US" dirty="0" smtClean="0"/>
-              <a:t>Provide IAM password reset sparingly</a:t>
-            </a:r>
-          </a:p>
-          <a:p>
-            <a:r>
-              <a:rPr lang="en-US" dirty="0" smtClean="0"/>
-              <a:t>Use “Least Privilege Principle” if Organization Allows</a:t>
-            </a:r>
+              <a:t>Credentials rotated Automatically</a:t>
+            </a:r>
+          </a:p>
+          <a:p>
+            <a:endParaRPr lang="en-US" dirty="0" smtClean="0"/>
+          </a:p>
+          <a:p>
+            <a:endParaRPr lang="en-US" dirty="0" smtClean="0"/>
           </a:p>
         </p:txBody>
       </p:sp>
@@ -18241,7 +18883,7 @@
           <a:p>
             <a:r>
               <a:rPr lang="en-US" dirty="0" smtClean="0"/>
-              <a:t>IAM: Best Practices</a:t>
+              <a:t>IAM: IAM Roles for EC2</a:t>
             </a:r>
             <a:endParaRPr lang="en-US" dirty="0"/>
           </a:p>
@@ -18250,7 +18892,7 @@
     </p:spTree>
     <p:extLst>
       <p:ext uri="{BB962C8B-B14F-4D97-AF65-F5344CB8AC3E}">
-        <p14:creationId xmlns:p14="http://schemas.microsoft.com/office/powerpoint/2010/main" val="2424893038"/>
+        <p14:creationId xmlns:p14="http://schemas.microsoft.com/office/powerpoint/2010/main" val="4122533754"/>
       </p:ext>
     </p:extLst>
   </p:cSld>
@@ -18297,6 +18939,120 @@
         <p:spPr/>
         <p:txBody>
           <a:bodyPr>
+            <a:normAutofit/>
+          </a:bodyPr>
+          <a:lstStyle/>
+          <a:p>
+            <a:r>
+              <a:rPr lang="en-US" dirty="0" smtClean="0"/>
+              <a:t>Use IAM instead of Root Account</a:t>
+            </a:r>
+          </a:p>
+          <a:p>
+            <a:r>
+              <a:rPr lang="en-US" dirty="0" smtClean="0"/>
+              <a:t>Use IAM groups</a:t>
+            </a:r>
+          </a:p>
+          <a:p>
+            <a:r>
+              <a:rPr lang="en-US" dirty="0"/>
+              <a:t>Use Multi-Factor </a:t>
+            </a:r>
+            <a:r>
+              <a:rPr lang="en-US" dirty="0" smtClean="0"/>
+              <a:t>Authentication if Possible</a:t>
+            </a:r>
+          </a:p>
+          <a:p>
+            <a:r>
+              <a:rPr lang="en-US" dirty="0" smtClean="0"/>
+              <a:t>Provide IAM password reset sparingly</a:t>
+            </a:r>
+          </a:p>
+          <a:p>
+            <a:r>
+              <a:rPr lang="en-US" dirty="0" smtClean="0"/>
+              <a:t>Use “Least Privilege Principle” if Organization Allows</a:t>
+            </a:r>
+          </a:p>
+        </p:txBody>
+      </p:sp>
+      <p:sp>
+        <p:nvSpPr>
+          <p:cNvPr id="2" name="Title 1"/>
+          <p:cNvSpPr>
+            <a:spLocks noGrp="1"/>
+          </p:cNvSpPr>
+          <p:nvPr>
+            <p:ph type="title"/>
+          </p:nvPr>
+        </p:nvSpPr>
+        <p:spPr/>
+        <p:txBody>
+          <a:bodyPr>
+            <a:normAutofit/>
+          </a:bodyPr>
+          <a:lstStyle/>
+          <a:p>
+            <a:r>
+              <a:rPr lang="en-US" dirty="0" smtClean="0"/>
+              <a:t>IAM: Best Practices</a:t>
+            </a:r>
+            <a:endParaRPr lang="en-US" dirty="0"/>
+          </a:p>
+        </p:txBody>
+      </p:sp>
+    </p:spTree>
+    <p:extLst>
+      <p:ext uri="{BB962C8B-B14F-4D97-AF65-F5344CB8AC3E}">
+        <p14:creationId xmlns:p14="http://schemas.microsoft.com/office/powerpoint/2010/main" val="2424893038"/>
+      </p:ext>
+    </p:extLst>
+  </p:cSld>
+  <p:clrMapOvr>
+    <a:masterClrMapping/>
+  </p:clrMapOvr>
+  <p:timing>
+    <p:tnLst>
+      <p:par>
+        <p:cTn xmlns:p14="http://schemas.microsoft.com/office/powerpoint/2010/main" id="1" dur="indefinite" restart="never" nodeType="tmRoot"/>
+      </p:par>
+    </p:tnLst>
+  </p:timing>
+</p:sld>
+</file>
+
+<file path=ppt/slides/slide17.xml><?xml version="1.0" encoding="utf-8"?>
+<p:sld xmlns:a="http://schemas.openxmlformats.org/drawingml/2006/main" xmlns:r="http://schemas.openxmlformats.org/officeDocument/2006/relationships" xmlns:p="http://schemas.openxmlformats.org/presentationml/2006/main">
+  <p:cSld>
+    <p:spTree>
+      <p:nvGrpSpPr>
+        <p:cNvPr id="1" name=""/>
+        <p:cNvGrpSpPr/>
+        <p:nvPr/>
+      </p:nvGrpSpPr>
+      <p:grpSpPr>
+        <a:xfrm>
+          <a:off x="0" y="0"/>
+          <a:ext cx="0" cy="0"/>
+          <a:chOff x="0" y="0"/>
+          <a:chExt cx="0" cy="0"/>
+        </a:xfrm>
+      </p:grpSpPr>
+      <p:sp>
+        <p:nvSpPr>
+          <p:cNvPr id="3" name="Content Placeholder 2"/>
+          <p:cNvSpPr>
+            <a:spLocks noGrp="1"/>
+          </p:cNvSpPr>
+          <p:nvPr>
+            <p:ph idx="1"/>
+          </p:nvPr>
+        </p:nvSpPr>
+        <p:spPr/>
+        <p:txBody>
+          <a:bodyPr>
             <a:normAutofit lnSpcReduction="10000"/>
           </a:bodyPr>
           <a:lstStyle/>
@@ -18397,7 +19153,7 @@
 </p:sld>
 </file>
 
-<file path=ppt/slides/slide17.xml><?xml version="1.0" encoding="utf-8"?>
+<file path=ppt/slides/slide18.xml><?xml version="1.0" encoding="utf-8"?>
 <p:sld xmlns:a="http://schemas.openxmlformats.org/drawingml/2006/main" xmlns:r="http://schemas.openxmlformats.org/officeDocument/2006/relationships" xmlns:p="http://schemas.openxmlformats.org/presentationml/2006/main">
   <p:cSld>
     <p:spTree>
@@ -18606,13 +19362,21 @@
           <a:p>
             <a:r>
               <a:rPr lang="en-US" dirty="0" smtClean="0"/>
-              <a:t>IAM identities are global in scope – one resource for an AWS account</a:t>
-            </a:r>
-          </a:p>
-          <a:p>
+              <a:t>IAM identities are </a:t>
+            </a:r>
             <a:r>
               <a:rPr lang="en-US" dirty="0" smtClean="0"/>
-              <a:t>Granularity: provides ability to control action on a particular resource type or even a particular resource</a:t>
+              <a:t>account-wide</a:t>
+            </a:r>
+          </a:p>
+          <a:p>
+            <a:r>
+              <a:rPr lang="en-US" dirty="0" smtClean="0"/>
+              <a:t>Granularity</a:t>
+            </a:r>
+            <a:r>
+              <a:rPr lang="en-US" dirty="0" smtClean="0"/>
+              <a:t>: provides ability to control action on a particular resource type or even a particular resource</a:t>
             </a:r>
             <a:endParaRPr lang="en-US" dirty="0"/>
           </a:p>
@@ -18760,7 +19524,7 @@
         <p:spPr/>
         <p:txBody>
           <a:bodyPr>
-            <a:normAutofit fontScale="92500"/>
+            <a:normAutofit lnSpcReduction="10000"/>
           </a:bodyPr>
           <a:lstStyle/>
           <a:p>
@@ -18782,12 +19546,9 @@
             </a:r>
           </a:p>
           <a:p>
-            <a:r>
-              <a:rPr lang="en-US" dirty="0"/>
-              <a:t>Federated access challenging</a:t>
-            </a:r>
-          </a:p>
-          <a:p>
+            <a:pPr marL="0" indent="0">
+              <a:buNone/>
+            </a:pPr>
             <a:endParaRPr lang="en-US" dirty="0"/>
           </a:p>
         </p:txBody>

--- a/aws-iam/aws-iam.pptx
+++ b/aws-iam/aws-iam.pptx
@@ -5,7 +5,7 @@
     <p:sldMasterId id="2147483677" r:id="rId1"/>
   </p:sldMasterIdLst>
   <p:notesMasterIdLst>
-    <p:notesMasterId r:id="rId20"/>
+    <p:notesMasterId r:id="rId19"/>
   </p:notesMasterIdLst>
   <p:sldIdLst>
     <p:sldId id="256" r:id="rId2"/>
@@ -16,16 +16,15 @@
     <p:sldId id="289" r:id="rId7"/>
     <p:sldId id="291" r:id="rId8"/>
     <p:sldId id="292" r:id="rId9"/>
-    <p:sldId id="290" r:id="rId10"/>
-    <p:sldId id="293" r:id="rId11"/>
-    <p:sldId id="280" r:id="rId12"/>
-    <p:sldId id="283" r:id="rId13"/>
-    <p:sldId id="278" r:id="rId14"/>
-    <p:sldId id="286" r:id="rId15"/>
-    <p:sldId id="279" r:id="rId16"/>
-    <p:sldId id="277" r:id="rId17"/>
-    <p:sldId id="287" r:id="rId18"/>
-    <p:sldId id="258" r:id="rId19"/>
+    <p:sldId id="293" r:id="rId10"/>
+    <p:sldId id="280" r:id="rId11"/>
+    <p:sldId id="283" r:id="rId12"/>
+    <p:sldId id="278" r:id="rId13"/>
+    <p:sldId id="286" r:id="rId14"/>
+    <p:sldId id="279" r:id="rId15"/>
+    <p:sldId id="277" r:id="rId16"/>
+    <p:sldId id="287" r:id="rId17"/>
+    <p:sldId id="258" r:id="rId18"/>
   </p:sldIdLst>
   <p:sldSz cx="9144000" cy="6858000" type="screen4x3"/>
   <p:notesSz cx="6858000" cy="9144000"/>
@@ -124,6 +123,22 @@
       </a:defRPr>
     </a:lvl9pPr>
   </p:defaultTextStyle>
+  <p:extLst>
+    <p:ext uri="{EFAFB233-063F-42B5-8137-9DF3F51BA10A}">
+      <p15:sldGuideLst xmlns:p15="http://schemas.microsoft.com/office/powerpoint/2012/main">
+        <p15:guide id="1" orient="horz" pos="2160">
+          <p15:clr>
+            <a:srgbClr val="A4A3A4"/>
+          </p15:clr>
+        </p15:guide>
+        <p15:guide id="2" pos="2880">
+          <p15:clr>
+            <a:srgbClr val="A4A3A4"/>
+          </p15:clr>
+        </p15:guide>
+      </p15:sldGuideLst>
+    </p:ext>
+  </p:extLst>
 </p:presentation>
 </file>
 
@@ -209,7 +224,7 @@
           <a:p>
             <a:fld id="{1B6676A5-1300-B945-98B1-DD92DDC3A3CB}" type="datetimeFigureOut">
               <a:rPr lang="en-US" smtClean="0"/>
-              <a:t>4/23/15</a:t>
+              <a:t>11/22/15</a:t>
             </a:fld>
             <a:endParaRPr lang="en-US"/>
           </a:p>
@@ -629,7 +644,7 @@
           <a:p>
             <a:r>
               <a:rPr lang="en-US" dirty="0" smtClean="0"/>
-              <a:t>Reference:</a:t>
+              <a:t>References:</a:t>
             </a:r>
           </a:p>
           <a:p>
@@ -639,7 +654,7 @@
             </a:pPr>
             <a:r>
               <a:rPr lang="en-US" dirty="0" smtClean="0"/>
-              <a:t>http://</a:t>
+              <a:t>ARN Identification: http://</a:t>
             </a:r>
             <a:r>
               <a:rPr lang="en-US" dirty="0" err="1" smtClean="0"/>
@@ -647,19 +662,54 @@
             </a:r>
             <a:r>
               <a:rPr lang="en-US" dirty="0" smtClean="0"/>
-              <a:t>/IAM/latest/</a:t>
+              <a:t>/general/latest/gr/</a:t>
             </a:r>
             <a:r>
               <a:rPr lang="en-US" dirty="0" err="1" smtClean="0"/>
-              <a:t>UserGuide</a:t>
+              <a:t>aws</a:t>
             </a:r>
             <a:r>
               <a:rPr lang="en-US" dirty="0" smtClean="0"/>
-              <a:t>/</a:t>
+              <a:t>-</a:t>
             </a:r>
             <a:r>
               <a:rPr lang="en-US" dirty="0" err="1" smtClean="0"/>
-              <a:t>PolicyVariables.html</a:t>
+              <a:t>arns</a:t>
+            </a:r>
+            <a:r>
+              <a:rPr lang="en-US" dirty="0" smtClean="0"/>
+              <a:t>-and-</a:t>
+            </a:r>
+            <a:r>
+              <a:rPr lang="en-US" dirty="0" err="1" smtClean="0"/>
+              <a:t>namespaces.html</a:t>
+            </a:r>
+            <a:endParaRPr lang="en-US" dirty="0" smtClean="0"/>
+          </a:p>
+          <a:p>
+            <a:pPr marL="171450" indent="-171450">
+              <a:buFont typeface="Arial"/>
+              <a:buChar char="•"/>
+            </a:pPr>
+            <a:r>
+              <a:rPr lang="en-US" dirty="0" smtClean="0"/>
+              <a:t>Service</a:t>
+            </a:r>
+            <a:r>
+              <a:rPr lang="en-US" baseline="0" dirty="0" smtClean="0"/>
+              <a:t> Namespaces: http://</a:t>
+            </a:r>
+            <a:r>
+              <a:rPr lang="en-US" baseline="0" dirty="0" err="1" smtClean="0"/>
+              <a:t>docs.aws.amazon.com</a:t>
+            </a:r>
+            <a:r>
+              <a:rPr lang="en-US" baseline="0" dirty="0" smtClean="0"/>
+              <a:t>/general/latest/gr/</a:t>
+            </a:r>
+            <a:r>
+              <a:rPr lang="en-US" baseline="0" dirty="0" err="1" smtClean="0"/>
+              <a:t>aws-arns-and-namespaces.html#genref-aws-service-namespaces</a:t>
             </a:r>
             <a:endParaRPr lang="en-US" dirty="0"/>
           </a:p>
@@ -691,7 +741,7 @@
     </p:spTree>
     <p:extLst>
       <p:ext uri="{BB962C8B-B14F-4D97-AF65-F5344CB8AC3E}">
-        <p14:creationId xmlns:p14="http://schemas.microsoft.com/office/powerpoint/2010/main" val="305666501"/>
+        <p14:creationId xmlns:p14="http://schemas.microsoft.com/office/powerpoint/2010/main" val="3147512962"/>
       </p:ext>
     </p:extLst>
   </p:cSld>
@@ -747,7 +797,7 @@
           <a:p>
             <a:r>
               <a:rPr lang="en-US" dirty="0" smtClean="0"/>
-              <a:t>References:</a:t>
+              <a:t>Reference:</a:t>
             </a:r>
           </a:p>
           <a:p>
@@ -757,7 +807,7 @@
             </a:pPr>
             <a:r>
               <a:rPr lang="en-US" dirty="0" smtClean="0"/>
-              <a:t>ARN Identification: http://</a:t>
+              <a:t>Role for EC2: http://</a:t>
             </a:r>
             <a:r>
               <a:rPr lang="en-US" dirty="0" err="1" smtClean="0"/>
@@ -765,54 +815,15 @@
             </a:r>
             <a:r>
               <a:rPr lang="en-US" dirty="0" smtClean="0"/>
-              <a:t>/general/latest/gr/</a:t>
+              <a:t>/AWSEC2/latest/</a:t>
             </a:r>
             <a:r>
               <a:rPr lang="en-US" dirty="0" err="1" smtClean="0"/>
-              <a:t>aws</a:t>
+              <a:t>UserGuide</a:t>
             </a:r>
             <a:r>
               <a:rPr lang="en-US" dirty="0" smtClean="0"/>
-              <a:t>-</a:t>
-            </a:r>
-            <a:r>
-              <a:rPr lang="en-US" dirty="0" err="1" smtClean="0"/>
-              <a:t>arns</a:t>
-            </a:r>
-            <a:r>
-              <a:rPr lang="en-US" dirty="0" smtClean="0"/>
-              <a:t>-and-</a:t>
-            </a:r>
-            <a:r>
-              <a:rPr lang="en-US" dirty="0" err="1" smtClean="0"/>
-              <a:t>namespaces.html</a:t>
-            </a:r>
-            <a:endParaRPr lang="en-US" dirty="0" smtClean="0"/>
-          </a:p>
-          <a:p>
-            <a:pPr marL="171450" indent="-171450">
-              <a:buFont typeface="Arial"/>
-              <a:buChar char="•"/>
-            </a:pPr>
-            <a:r>
-              <a:rPr lang="en-US" dirty="0" smtClean="0"/>
-              <a:t>Service</a:t>
-            </a:r>
-            <a:r>
-              <a:rPr lang="en-US" baseline="0" dirty="0" smtClean="0"/>
-              <a:t> Namespaces: http://</a:t>
-            </a:r>
-            <a:r>
-              <a:rPr lang="en-US" baseline="0" dirty="0" err="1" smtClean="0"/>
-              <a:t>docs.aws.amazon.com</a:t>
-            </a:r>
-            <a:r>
-              <a:rPr lang="en-US" baseline="0" dirty="0" smtClean="0"/>
-              <a:t>/general/latest/gr/</a:t>
-            </a:r>
-            <a:r>
-              <a:rPr lang="en-US" baseline="0" dirty="0" err="1" smtClean="0"/>
-              <a:t>aws-arns-and-namespaces.html#genref-aws-service-namespaces</a:t>
+              <a:t>/iam-roles-for-amazon-ec2.html</a:t>
             </a:r>
             <a:endParaRPr lang="en-US" dirty="0"/>
           </a:p>
@@ -844,7 +855,7 @@
     </p:spTree>
     <p:extLst>
       <p:ext uri="{BB962C8B-B14F-4D97-AF65-F5344CB8AC3E}">
-        <p14:creationId xmlns:p14="http://schemas.microsoft.com/office/powerpoint/2010/main" val="3147512962"/>
+        <p14:creationId xmlns:p14="http://schemas.microsoft.com/office/powerpoint/2010/main" val="3986410793"/>
       </p:ext>
     </p:extLst>
   </p:cSld>
@@ -900,7 +911,7 @@
           <a:p>
             <a:r>
               <a:rPr lang="en-US" dirty="0" smtClean="0"/>
-              <a:t>Reference:</a:t>
+              <a:t>References:</a:t>
             </a:r>
           </a:p>
           <a:p>
@@ -910,23 +921,58 @@
             </a:pPr>
             <a:r>
               <a:rPr lang="en-US" dirty="0" smtClean="0"/>
-              <a:t>Role for EC2: http://</a:t>
+              <a:t>IAM Best Practices:</a:t>
+            </a:r>
+            <a:r>
+              <a:rPr lang="en-US" baseline="0" dirty="0" smtClean="0"/>
+              <a:t> http://</a:t>
+            </a:r>
+            <a:r>
+              <a:rPr lang="en-US" baseline="0" dirty="0" err="1" smtClean="0"/>
+              <a:t>docs.aws.amazon.com</a:t>
+            </a:r>
+            <a:r>
+              <a:rPr lang="en-US" baseline="0" dirty="0" smtClean="0"/>
+              <a:t>/IAM/latest/</a:t>
+            </a:r>
+            <a:r>
+              <a:rPr lang="en-US" baseline="0" dirty="0" err="1" smtClean="0"/>
+              <a:t>UserGuide</a:t>
+            </a:r>
+            <a:r>
+              <a:rPr lang="en-US" baseline="0" dirty="0" smtClean="0"/>
+              <a:t>/</a:t>
+            </a:r>
+            <a:r>
+              <a:rPr lang="en-US" baseline="0" dirty="0" err="1" smtClean="0"/>
+              <a:t>IAMBestPractices.html</a:t>
+            </a:r>
+            <a:endParaRPr lang="en-US" baseline="0" dirty="0" smtClean="0"/>
+          </a:p>
+          <a:p>
+            <a:pPr marL="171450" indent="-171450">
+              <a:buFont typeface="Arial"/>
+              <a:buChar char="•"/>
+            </a:pPr>
+            <a:r>
+              <a:rPr lang="en-US" dirty="0" smtClean="0"/>
+              <a:t>http://</a:t>
             </a:r>
             <a:r>
               <a:rPr lang="en-US" dirty="0" err="1" smtClean="0"/>
-              <a:t>docs.aws.amazon.com</a:t>
+              <a:t>aws.amazon.com</a:t>
             </a:r>
             <a:r>
               <a:rPr lang="en-US" dirty="0" smtClean="0"/>
-              <a:t>/AWSEC2/latest/</a:t>
+              <a:t>/</a:t>
             </a:r>
             <a:r>
               <a:rPr lang="en-US" dirty="0" err="1" smtClean="0"/>
-              <a:t>UserGuide</a:t>
+              <a:t>iam</a:t>
             </a:r>
             <a:r>
               <a:rPr lang="en-US" dirty="0" smtClean="0"/>
-              <a:t>/iam-roles-for-amazon-ec2.html</a:t>
+              <a:t>/details/manage-users/</a:t>
             </a:r>
             <a:endParaRPr lang="en-US" dirty="0"/>
           </a:p>
@@ -958,7 +1004,7 @@
     </p:spTree>
     <p:extLst>
       <p:ext uri="{BB962C8B-B14F-4D97-AF65-F5344CB8AC3E}">
-        <p14:creationId xmlns:p14="http://schemas.microsoft.com/office/powerpoint/2010/main" val="3986410793"/>
+        <p14:creationId xmlns:p14="http://schemas.microsoft.com/office/powerpoint/2010/main" val="1619447160"/>
       </p:ext>
     </p:extLst>
   </p:cSld>
@@ -1012,71 +1058,6 @@
           <a:bodyPr/>
           <a:lstStyle/>
           <a:p>
-            <a:r>
-              <a:rPr lang="en-US" dirty="0" smtClean="0"/>
-              <a:t>References:</a:t>
-            </a:r>
-          </a:p>
-          <a:p>
-            <a:pPr marL="171450" indent="-171450">
-              <a:buFont typeface="Arial"/>
-              <a:buChar char="•"/>
-            </a:pPr>
-            <a:r>
-              <a:rPr lang="en-US" dirty="0" smtClean="0"/>
-              <a:t>IAM Best Practices:</a:t>
-            </a:r>
-            <a:r>
-              <a:rPr lang="en-US" baseline="0" dirty="0" smtClean="0"/>
-              <a:t> http://</a:t>
-            </a:r>
-            <a:r>
-              <a:rPr lang="en-US" baseline="0" dirty="0" err="1" smtClean="0"/>
-              <a:t>docs.aws.amazon.com</a:t>
-            </a:r>
-            <a:r>
-              <a:rPr lang="en-US" baseline="0" dirty="0" smtClean="0"/>
-              <a:t>/IAM/latest/</a:t>
-            </a:r>
-            <a:r>
-              <a:rPr lang="en-US" baseline="0" dirty="0" err="1" smtClean="0"/>
-              <a:t>UserGuide</a:t>
-            </a:r>
-            <a:r>
-              <a:rPr lang="en-US" baseline="0" dirty="0" smtClean="0"/>
-              <a:t>/</a:t>
-            </a:r>
-            <a:r>
-              <a:rPr lang="en-US" baseline="0" dirty="0" err="1" smtClean="0"/>
-              <a:t>IAMBestPractices.html</a:t>
-            </a:r>
-            <a:endParaRPr lang="en-US" baseline="0" dirty="0" smtClean="0"/>
-          </a:p>
-          <a:p>
-            <a:pPr marL="171450" indent="-171450">
-              <a:buFont typeface="Arial"/>
-              <a:buChar char="•"/>
-            </a:pPr>
-            <a:r>
-              <a:rPr lang="en-US" dirty="0" smtClean="0"/>
-              <a:t>http://</a:t>
-            </a:r>
-            <a:r>
-              <a:rPr lang="en-US" dirty="0" err="1" smtClean="0"/>
-              <a:t>aws.amazon.com</a:t>
-            </a:r>
-            <a:r>
-              <a:rPr lang="en-US" dirty="0" smtClean="0"/>
-              <a:t>/</a:t>
-            </a:r>
-            <a:r>
-              <a:rPr lang="en-US" dirty="0" err="1" smtClean="0"/>
-              <a:t>iam</a:t>
-            </a:r>
-            <a:r>
-              <a:rPr lang="en-US" dirty="0" smtClean="0"/>
-              <a:t>/details/manage-users/</a:t>
-            </a:r>
             <a:endParaRPr lang="en-US" dirty="0"/>
           </a:p>
         </p:txBody>
@@ -1161,6 +1142,62 @@
           <a:bodyPr/>
           <a:lstStyle/>
           <a:p>
+            <a:r>
+              <a:rPr lang="en-US" dirty="0" smtClean="0"/>
+              <a:t>Hands</a:t>
+            </a:r>
+            <a:r>
+              <a:rPr lang="en-US" baseline="0" dirty="0" smtClean="0"/>
+              <a:t> On Files</a:t>
+            </a:r>
+            <a:r>
+              <a:rPr lang="en-US" dirty="0" smtClean="0"/>
+              <a:t>:</a:t>
+            </a:r>
+          </a:p>
+          <a:p>
+            <a:pPr marL="171450" indent="-171450">
+              <a:buFont typeface="Arial"/>
+              <a:buChar char="•"/>
+            </a:pPr>
+            <a:r>
+              <a:rPr lang="en-US" dirty="0" err="1" smtClean="0"/>
+              <a:t>iam</a:t>
+            </a:r>
+            <a:r>
+              <a:rPr lang="en-US" dirty="0" smtClean="0"/>
+              <a:t>-create-group-</a:t>
+            </a:r>
+            <a:r>
+              <a:rPr lang="en-US" dirty="0" err="1" smtClean="0"/>
+              <a:t>user.docx</a:t>
+            </a:r>
+            <a:endParaRPr lang="en-US" dirty="0" smtClean="0"/>
+          </a:p>
+          <a:p>
+            <a:pPr marL="171450" indent="-171450">
+              <a:buFont typeface="Arial"/>
+              <a:buChar char="•"/>
+            </a:pPr>
+            <a:r>
+              <a:rPr lang="en-US" dirty="0" err="1" smtClean="0"/>
+              <a:t>iam</a:t>
+            </a:r>
+            <a:r>
+              <a:rPr lang="en-US" dirty="0" smtClean="0"/>
+              <a:t>-restrict-access-</a:t>
+            </a:r>
+            <a:r>
+              <a:rPr lang="en-US" dirty="0" err="1" smtClean="0"/>
+              <a:t>tag.md</a:t>
+            </a:r>
+            <a:endParaRPr lang="en-US" smtClean="0"/>
+          </a:p>
+          <a:p>
+            <a:pPr marL="0" indent="0">
+              <a:buFont typeface="Arial"/>
+              <a:buNone/>
+            </a:pPr>
             <a:endParaRPr lang="en-US" dirty="0"/>
           </a:p>
         </p:txBody>
@@ -1183,146 +1220,6 @@
             <a:fld id="{BFB43062-714D-1146-A97F-0D45BD9E7BF0}" type="slidenum">
               <a:rPr lang="en-US" smtClean="0"/>
               <a:t>17</a:t>
-            </a:fld>
-            <a:endParaRPr lang="en-US"/>
-          </a:p>
-        </p:txBody>
-      </p:sp>
-    </p:spTree>
-    <p:extLst>
-      <p:ext uri="{BB962C8B-B14F-4D97-AF65-F5344CB8AC3E}">
-        <p14:creationId xmlns:p14="http://schemas.microsoft.com/office/powerpoint/2010/main" val="1619447160"/>
-      </p:ext>
-    </p:extLst>
-  </p:cSld>
-  <p:clrMapOvr>
-    <a:masterClrMapping/>
-  </p:clrMapOvr>
-</p:notes>
-</file>
-
-<file path=ppt/notesSlides/notesSlide15.xml><?xml version="1.0" encoding="utf-8"?>
-<p:notes xmlns:a="http://schemas.openxmlformats.org/drawingml/2006/main" xmlns:r="http://schemas.openxmlformats.org/officeDocument/2006/relationships" xmlns:p="http://schemas.openxmlformats.org/presentationml/2006/main">
-  <p:cSld>
-    <p:spTree>
-      <p:nvGrpSpPr>
-        <p:cNvPr id="1" name=""/>
-        <p:cNvGrpSpPr/>
-        <p:nvPr/>
-      </p:nvGrpSpPr>
-      <p:grpSpPr>
-        <a:xfrm>
-          <a:off x="0" y="0"/>
-          <a:ext cx="0" cy="0"/>
-          <a:chOff x="0" y="0"/>
-          <a:chExt cx="0" cy="0"/>
-        </a:xfrm>
-      </p:grpSpPr>
-      <p:sp>
-        <p:nvSpPr>
-          <p:cNvPr id="2" name="Slide Image Placeholder 1"/>
-          <p:cNvSpPr>
-            <a:spLocks noGrp="1" noRot="1" noChangeAspect="1"/>
-          </p:cNvSpPr>
-          <p:nvPr>
-            <p:ph type="sldImg"/>
-          </p:nvPr>
-        </p:nvSpPr>
-        <p:spPr/>
-      </p:sp>
-      <p:sp>
-        <p:nvSpPr>
-          <p:cNvPr id="3" name="Notes Placeholder 2"/>
-          <p:cNvSpPr>
-            <a:spLocks noGrp="1"/>
-          </p:cNvSpPr>
-          <p:nvPr>
-            <p:ph type="body" idx="1"/>
-          </p:nvPr>
-        </p:nvSpPr>
-        <p:spPr/>
-        <p:txBody>
-          <a:bodyPr/>
-          <a:lstStyle/>
-          <a:p>
-            <a:r>
-              <a:rPr lang="en-US" dirty="0" smtClean="0"/>
-              <a:t>Hands</a:t>
-            </a:r>
-            <a:r>
-              <a:rPr lang="en-US" baseline="0" dirty="0" smtClean="0"/>
-              <a:t> On Files</a:t>
-            </a:r>
-            <a:r>
-              <a:rPr lang="en-US" dirty="0" smtClean="0"/>
-              <a:t>:</a:t>
-            </a:r>
-          </a:p>
-          <a:p>
-            <a:pPr marL="171450" indent="-171450">
-              <a:buFont typeface="Arial"/>
-              <a:buChar char="•"/>
-            </a:pPr>
-            <a:r>
-              <a:rPr lang="en-US" dirty="0" err="1" smtClean="0"/>
-              <a:t>iam</a:t>
-            </a:r>
-            <a:r>
-              <a:rPr lang="en-US" dirty="0" smtClean="0"/>
-              <a:t>-create-group-</a:t>
-            </a:r>
-            <a:r>
-              <a:rPr lang="en-US" dirty="0" err="1" smtClean="0"/>
-              <a:t>user.docx</a:t>
-            </a:r>
-            <a:endParaRPr lang="en-US" dirty="0" smtClean="0"/>
-          </a:p>
-          <a:p>
-            <a:pPr marL="171450" indent="-171450">
-              <a:buFont typeface="Arial"/>
-              <a:buChar char="•"/>
-            </a:pPr>
-            <a:r>
-              <a:rPr lang="en-US" dirty="0" err="1" smtClean="0"/>
-              <a:t>iam</a:t>
-            </a:r>
-            <a:r>
-              <a:rPr lang="en-US" dirty="0" smtClean="0"/>
-              <a:t>-restrict-access-</a:t>
-            </a:r>
-            <a:r>
-              <a:rPr lang="en-US" dirty="0" err="1" smtClean="0"/>
-              <a:t>tag.md</a:t>
-            </a:r>
-            <a:endParaRPr lang="en-US" smtClean="0"/>
-          </a:p>
-          <a:p>
-            <a:pPr marL="0" indent="0">
-              <a:buFont typeface="Arial"/>
-              <a:buNone/>
-            </a:pPr>
-            <a:endParaRPr lang="en-US" dirty="0"/>
-          </a:p>
-        </p:txBody>
-      </p:sp>
-      <p:sp>
-        <p:nvSpPr>
-          <p:cNvPr id="4" name="Slide Number Placeholder 3"/>
-          <p:cNvSpPr>
-            <a:spLocks noGrp="1"/>
-          </p:cNvSpPr>
-          <p:nvPr>
-            <p:ph type="sldNum" sz="quarter" idx="10"/>
-          </p:nvPr>
-        </p:nvSpPr>
-        <p:spPr/>
-        <p:txBody>
-          <a:bodyPr/>
-          <a:lstStyle/>
-          <a:p>
-            <a:fld id="{BFB43062-714D-1146-A97F-0D45BD9E7BF0}" type="slidenum">
-              <a:rPr lang="en-US" smtClean="0"/>
-              <a:t>18</a:t>
             </a:fld>
             <a:endParaRPr lang="en-US"/>
           </a:p>
@@ -2125,7 +2022,7 @@
           <a:p>
             <a:r>
               <a:rPr lang="en-US" dirty="0" smtClean="0"/>
-              <a:t>Answer: no. Result of policy</a:t>
+              <a:t>Answer: Depends. Result of policy</a:t>
             </a:r>
             <a:r>
               <a:rPr lang="en-US" baseline="0" dirty="0" smtClean="0"/>
@@ -2164,6 +2061,141 @@
             <a:r>
               <a:rPr lang="en-US" baseline="0" dirty="0" smtClean="0"/>
               <a:t> on which an action is requested matches the resource given in the resource context, but in this case the action is not allowed.</a:t>
+            </a:r>
+          </a:p>
+          <a:p>
+            <a:pPr marL="228600" marR="0" indent="-228600" algn="l" defTabSz="457200" rtl="0" eaLnBrk="1" fontAlgn="auto" latinLnBrk="0" hangingPunct="1">
+              <a:lnSpc>
+                <a:spcPct val="100000"/>
+              </a:lnSpc>
+              <a:spcBef>
+                <a:spcPts val="0"/>
+              </a:spcBef>
+              <a:spcAft>
+                <a:spcPts val="0"/>
+              </a:spcAft>
+              <a:buClrTx/>
+              <a:buSzTx/>
+              <a:buFontTx/>
+              <a:buAutoNum type="arabicPeriod"/>
+              <a:tabLst/>
+              <a:defRPr/>
+            </a:pPr>
+            <a:r>
+              <a:rPr lang="en-US" baseline="0" dirty="0" smtClean="0"/>
+              <a:t>The </a:t>
+            </a:r>
+            <a:r>
+              <a:rPr lang="en-US" baseline="0" dirty="0" err="1" smtClean="0"/>
+              <a:t>CurrentTime</a:t>
+            </a:r>
+            <a:r>
+              <a:rPr lang="en-US" baseline="0" dirty="0" smtClean="0"/>
+              <a:t> (</a:t>
+            </a:r>
+            <a:r>
+              <a:rPr lang="en-US" baseline="0" dirty="0" err="1" smtClean="0"/>
+              <a:t>yyyy-mm-ddThh:mm:ssZ</a:t>
+            </a:r>
+            <a:r>
+              <a:rPr lang="de-DE" baseline="0" dirty="0" smtClean="0"/>
+              <a:t>) </a:t>
+            </a:r>
+            <a:r>
+              <a:rPr lang="de-DE" baseline="0" dirty="0" err="1" smtClean="0"/>
+              <a:t>value</a:t>
+            </a:r>
+            <a:r>
+              <a:rPr lang="de-DE" baseline="0" dirty="0" smtClean="0"/>
+              <a:t> in </a:t>
+            </a:r>
+            <a:r>
+              <a:rPr lang="de-DE" baseline="0" dirty="0" err="1" smtClean="0"/>
+              <a:t>the</a:t>
+            </a:r>
+            <a:r>
+              <a:rPr lang="de-DE" baseline="0" dirty="0" smtClean="0"/>
+              <a:t> </a:t>
+            </a:r>
+            <a:r>
+              <a:rPr lang="de-DE" baseline="0" dirty="0" err="1" smtClean="0"/>
+              <a:t>resource</a:t>
+            </a:r>
+            <a:r>
+              <a:rPr lang="de-DE" baseline="0" dirty="0" smtClean="0"/>
+              <a:t> </a:t>
+            </a:r>
+            <a:r>
+              <a:rPr lang="de-DE" baseline="0" dirty="0" err="1" smtClean="0"/>
+              <a:t>context</a:t>
+            </a:r>
+            <a:r>
+              <a:rPr lang="de-DE" baseline="0" dirty="0" smtClean="0"/>
+              <a:t> </a:t>
+            </a:r>
+            <a:r>
+              <a:rPr lang="de-DE" baseline="0" dirty="0" err="1" smtClean="0"/>
+              <a:t>is</a:t>
+            </a:r>
+            <a:r>
+              <a:rPr lang="de-DE" baseline="0" dirty="0" smtClean="0"/>
+              <a:t> </a:t>
+            </a:r>
+            <a:r>
+              <a:rPr lang="de-DE" baseline="0" dirty="0" err="1" smtClean="0"/>
+              <a:t>evaluated</a:t>
+            </a:r>
+            <a:r>
+              <a:rPr lang="de-DE" baseline="0" dirty="0" smtClean="0"/>
+              <a:t> </a:t>
+            </a:r>
+            <a:r>
+              <a:rPr lang="de-DE" baseline="0" dirty="0" err="1" smtClean="0"/>
+              <a:t>against</a:t>
+            </a:r>
+            <a:r>
+              <a:rPr lang="de-DE" baseline="0" dirty="0" smtClean="0"/>
+              <a:t> </a:t>
+            </a:r>
+            <a:r>
+              <a:rPr lang="de-DE" baseline="0" dirty="0" err="1" smtClean="0"/>
+              <a:t>the</a:t>
+            </a:r>
+            <a:r>
+              <a:rPr lang="de-DE" baseline="0" dirty="0" smtClean="0"/>
+              <a:t> „</a:t>
+            </a:r>
+            <a:r>
+              <a:rPr lang="de-DE" baseline="0" dirty="0" err="1" smtClean="0"/>
+              <a:t>Condition</a:t>
+            </a:r>
+            <a:r>
+              <a:rPr lang="de-DE" baseline="0" dirty="0" smtClean="0"/>
+              <a:t>“ in </a:t>
+            </a:r>
+            <a:r>
+              <a:rPr lang="de-DE" baseline="0" dirty="0" err="1" smtClean="0"/>
+              <a:t>the</a:t>
+            </a:r>
+            <a:r>
+              <a:rPr lang="de-DE" baseline="0" dirty="0" smtClean="0"/>
+              <a:t> </a:t>
+            </a:r>
+            <a:r>
+              <a:rPr lang="de-DE" baseline="0" dirty="0" err="1" smtClean="0"/>
+              <a:t>given</a:t>
+            </a:r>
+            <a:r>
+              <a:rPr lang="de-DE" baseline="0" dirty="0" smtClean="0"/>
+              <a:t> </a:t>
+            </a:r>
+            <a:r>
+              <a:rPr lang="de-DE" baseline="0" dirty="0" err="1" smtClean="0"/>
+              <a:t>policy</a:t>
+            </a:r>
+            <a:r>
+              <a:rPr lang="de-DE" baseline="0" dirty="0" smtClean="0"/>
+              <a:t>.</a:t>
             </a:r>
             <a:endParaRPr lang="en-US" dirty="0"/>
           </a:p>
@@ -2251,192 +2283,69 @@
           <a:p>
             <a:r>
               <a:rPr lang="en-US" dirty="0" smtClean="0"/>
-              <a:t>Answer: </a:t>
-            </a:r>
+              <a:t>Why would you use a</a:t>
+            </a:r>
+            <a:r>
+              <a:rPr lang="en-US" baseline="0" dirty="0" smtClean="0"/>
+              <a:t> Managed Policy versus an Inline Policy:</a:t>
+            </a:r>
+          </a:p>
+          <a:p>
+            <a:r>
+              <a:rPr lang="en-US" baseline="0" dirty="0" smtClean="0"/>
+              <a:t>1. If you require that a policy be utilized by multiple types of principles, use a Managed Policy. As an example, you would use an IAM Role with an application running on EC2 and you would use an IAM Policy with an application running on a </a:t>
+            </a:r>
+            <a:r>
+              <a:rPr lang="en-US" baseline="0" smtClean="0"/>
+              <a:t>Developer’s laptop.</a:t>
+            </a:r>
+            <a:endParaRPr lang="en-US" dirty="0" smtClean="0"/>
+          </a:p>
+          <a:p>
+            <a:endParaRPr lang="en-US" dirty="0" smtClean="0"/>
+          </a:p>
+          <a:p>
             <a:r>
               <a:rPr lang="en-US" dirty="0" smtClean="0"/>
-              <a:t>Depends. </a:t>
-            </a:r>
+              <a:t>Reference:</a:t>
+            </a:r>
+          </a:p>
+          <a:p>
+            <a:pPr marL="171450" indent="-171450">
+              <a:buFont typeface="Arial"/>
+              <a:buChar char="•"/>
+            </a:pPr>
             <a:r>
               <a:rPr lang="en-US" dirty="0" smtClean="0"/>
-              <a:t>Result of policy</a:t>
-            </a:r>
-            <a:r>
-              <a:rPr lang="en-US" baseline="0" dirty="0" smtClean="0"/>
-              <a:t> evaluation</a:t>
+              <a:t>http://</a:t>
+            </a:r>
+            <a:r>
+              <a:rPr lang="en-US" dirty="0" err="1" smtClean="0"/>
+              <a:t>docs.aws.amazon.com</a:t>
             </a:r>
             <a:r>
               <a:rPr lang="en-US" dirty="0" smtClean="0"/>
-              <a:t>:</a:t>
-            </a:r>
-          </a:p>
-          <a:p>
-            <a:pPr marL="228600" indent="-228600">
-              <a:buAutoNum type="arabicPeriod"/>
-            </a:pPr>
+              <a:t>/IAM/latest/</a:t>
+            </a:r>
+            <a:r>
+              <a:rPr lang="en-US" dirty="0" err="1" smtClean="0"/>
+              <a:t>UserGuide</a:t>
+            </a:r>
             <a:r>
               <a:rPr lang="en-US" dirty="0" smtClean="0"/>
-              <a:t>The terminate-instances</a:t>
-            </a:r>
-            <a:r>
-              <a:rPr lang="en-US" baseline="0" dirty="0" smtClean="0"/>
-              <a:t> command in the resource context does not match the commands allowed in the “Action” element in the given policy.</a:t>
-            </a:r>
-          </a:p>
-          <a:p>
-            <a:pPr marL="228600" indent="-228600">
-              <a:buAutoNum type="arabicPeriod"/>
-            </a:pPr>
-            <a:r>
-              <a:rPr lang="en-US" baseline="0" dirty="0" smtClean="0"/>
-              <a:t>The resource (</a:t>
-            </a:r>
-            <a:r>
-              <a:rPr lang="de-DE" baseline="0" dirty="0" smtClean="0"/>
-              <a:t>i-8f00e559)</a:t>
-            </a:r>
-            <a:r>
-              <a:rPr lang="en-US" baseline="0" dirty="0" smtClean="0"/>
-              <a:t> on which an action is requested matches the resource given in the resource context, but in this case the action is not allowed</a:t>
-            </a:r>
-            <a:r>
-              <a:rPr lang="en-US" baseline="0" dirty="0" smtClean="0"/>
-              <a:t>.</a:t>
-            </a:r>
-          </a:p>
-          <a:p>
-            <a:pPr marL="228600" marR="0" indent="-228600" algn="l" defTabSz="457200" rtl="0" eaLnBrk="1" fontAlgn="auto" latinLnBrk="0" hangingPunct="1">
-              <a:lnSpc>
-                <a:spcPct val="100000"/>
-              </a:lnSpc>
-              <a:spcBef>
-                <a:spcPts val="0"/>
-              </a:spcBef>
-              <a:spcAft>
-                <a:spcPts val="0"/>
-              </a:spcAft>
-              <a:buClrTx/>
-              <a:buSzTx/>
-              <a:buFontTx/>
-              <a:buAutoNum type="arabicPeriod"/>
-              <a:tabLst/>
-              <a:defRPr/>
-            </a:pPr>
-            <a:r>
-              <a:rPr lang="en-US" baseline="0" dirty="0" smtClean="0"/>
-              <a:t>The </a:t>
-            </a:r>
-            <a:r>
-              <a:rPr lang="en-US" baseline="0" dirty="0" err="1" smtClean="0"/>
-              <a:t>CurrentTime</a:t>
-            </a:r>
-            <a:r>
-              <a:rPr lang="en-US" baseline="0" dirty="0" smtClean="0"/>
-              <a:t> (</a:t>
-            </a:r>
-            <a:r>
-              <a:rPr lang="en-US" baseline="0" dirty="0" err="1" smtClean="0"/>
-              <a:t>yyyy-mm-ddThh:mm:ssZ</a:t>
-            </a:r>
-            <a:r>
-              <a:rPr lang="de-DE" baseline="0" dirty="0" smtClean="0"/>
-              <a:t>) </a:t>
-            </a:r>
-            <a:r>
-              <a:rPr lang="de-DE" baseline="0" dirty="0" err="1" smtClean="0"/>
-              <a:t>value</a:t>
-            </a:r>
-            <a:r>
-              <a:rPr lang="de-DE" baseline="0" dirty="0" smtClean="0"/>
-              <a:t> in </a:t>
-            </a:r>
-            <a:r>
-              <a:rPr lang="de-DE" baseline="0" dirty="0" err="1" smtClean="0"/>
-              <a:t>the</a:t>
-            </a:r>
-            <a:r>
-              <a:rPr lang="de-DE" baseline="0" dirty="0" smtClean="0"/>
-              <a:t> </a:t>
-            </a:r>
-            <a:r>
-              <a:rPr lang="de-DE" baseline="0" dirty="0" err="1" smtClean="0"/>
-              <a:t>resource</a:t>
-            </a:r>
-            <a:r>
-              <a:rPr lang="de-DE" baseline="0" dirty="0" smtClean="0"/>
-              <a:t> </a:t>
-            </a:r>
-            <a:r>
-              <a:rPr lang="de-DE" baseline="0" dirty="0" err="1" smtClean="0"/>
-              <a:t>context</a:t>
-            </a:r>
-            <a:r>
-              <a:rPr lang="de-DE" baseline="0" dirty="0" smtClean="0"/>
-              <a:t> </a:t>
-            </a:r>
-            <a:r>
-              <a:rPr lang="de-DE" baseline="0" dirty="0" err="1" smtClean="0"/>
-              <a:t>is</a:t>
-            </a:r>
-            <a:r>
-              <a:rPr lang="de-DE" baseline="0" dirty="0" smtClean="0"/>
-              <a:t> </a:t>
-            </a:r>
-            <a:r>
-              <a:rPr lang="de-DE" baseline="0" dirty="0" err="1" smtClean="0"/>
-              <a:t>evaluated</a:t>
-            </a:r>
-            <a:r>
-              <a:rPr lang="de-DE" baseline="0" dirty="0" smtClean="0"/>
-              <a:t> </a:t>
-            </a:r>
-            <a:r>
-              <a:rPr lang="de-DE" baseline="0" dirty="0" err="1" smtClean="0"/>
-              <a:t>against</a:t>
-            </a:r>
-            <a:r>
-              <a:rPr lang="de-DE" baseline="0" dirty="0" smtClean="0"/>
-              <a:t> </a:t>
-            </a:r>
-            <a:r>
-              <a:rPr lang="de-DE" baseline="0" dirty="0" err="1" smtClean="0"/>
-              <a:t>the</a:t>
-            </a:r>
-            <a:r>
-              <a:rPr lang="de-DE" baseline="0" dirty="0" smtClean="0"/>
-              <a:t> „</a:t>
-            </a:r>
-            <a:r>
-              <a:rPr lang="de-DE" baseline="0" dirty="0" err="1" smtClean="0"/>
-              <a:t>Condition</a:t>
-            </a:r>
-            <a:r>
-              <a:rPr lang="de-DE" baseline="0" dirty="0" smtClean="0"/>
-              <a:t>“ in </a:t>
-            </a:r>
-            <a:r>
-              <a:rPr lang="de-DE" baseline="0" dirty="0" err="1" smtClean="0"/>
-              <a:t>the</a:t>
-            </a:r>
-            <a:r>
-              <a:rPr lang="de-DE" baseline="0" dirty="0" smtClean="0"/>
-              <a:t> </a:t>
-            </a:r>
-            <a:r>
-              <a:rPr lang="de-DE" baseline="0" dirty="0" err="1" smtClean="0"/>
-              <a:t>given</a:t>
-            </a:r>
-            <a:r>
-              <a:rPr lang="de-DE" baseline="0" dirty="0" smtClean="0"/>
-              <a:t> </a:t>
-            </a:r>
-            <a:r>
-              <a:rPr lang="de-DE" baseline="0" dirty="0" err="1" smtClean="0"/>
-              <a:t>policy</a:t>
-            </a:r>
-            <a:r>
-              <a:rPr lang="de-DE" baseline="0" dirty="0" smtClean="0"/>
-              <a:t>.</a:t>
+              <a:t>/policies-managed-</a:t>
+            </a:r>
+            <a:r>
+              <a:rPr lang="en-US" dirty="0" err="1" smtClean="0"/>
+              <a:t>vs</a:t>
+            </a:r>
+            <a:r>
+              <a:rPr lang="en-US" dirty="0" smtClean="0"/>
+              <a:t>-</a:t>
+            </a:r>
+            <a:r>
+              <a:rPr lang="en-US" dirty="0" err="1" smtClean="0"/>
+              <a:t>inline.html</a:t>
             </a:r>
             <a:endParaRPr lang="en-US" dirty="0"/>
           </a:p>
@@ -2459,7 +2368,7 @@
           <a:p>
             <a:fld id="{BFB43062-714D-1146-A97F-0D45BD9E7BF0}" type="slidenum">
               <a:rPr lang="en-US" smtClean="0"/>
-              <a:t>10</a:t>
+              <a:t>11</a:t>
             </a:fld>
             <a:endParaRPr lang="en-US"/>
           </a:p>
@@ -2468,7 +2377,7 @@
     </p:spTree>
     <p:extLst>
       <p:ext uri="{BB962C8B-B14F-4D97-AF65-F5344CB8AC3E}">
-        <p14:creationId xmlns:p14="http://schemas.microsoft.com/office/powerpoint/2010/main" val="116716749"/>
+        <p14:creationId xmlns:p14="http://schemas.microsoft.com/office/powerpoint/2010/main" val="2555364409"/>
       </p:ext>
     </p:extLst>
   </p:cSld>
@@ -2524,35 +2433,7 @@
           <a:p>
             <a:r>
               <a:rPr lang="en-US" dirty="0" smtClean="0"/>
-              <a:t>Why would you use a</a:t>
-            </a:r>
-            <a:r>
-              <a:rPr lang="en-US" baseline="0" dirty="0" smtClean="0"/>
-              <a:t> Managed Policy versus an Inline Policy:</a:t>
-            </a:r>
-          </a:p>
-          <a:p>
-            <a:r>
-              <a:rPr lang="en-US" baseline="0" dirty="0" smtClean="0"/>
-              <a:t>1. If you require that a policy be utilized by multiple types of principles, use a Managed Policy. As an example, you would use an IAM Role with an application running on EC2 and you would use an IAM Policy with an application running on a </a:t>
-            </a:r>
-            <a:r>
-              <a:rPr lang="en-US" baseline="0" smtClean="0"/>
-              <a:t>Developer’s laptop.</a:t>
-            </a:r>
-            <a:endParaRPr lang="en-US" dirty="0" smtClean="0"/>
-          </a:p>
-          <a:p>
-            <a:endParaRPr lang="en-US" dirty="0" smtClean="0"/>
-          </a:p>
-          <a:p>
-            <a:r>
-              <a:rPr lang="en-US" dirty="0" smtClean="0"/>
-              <a:t>Reference</a:t>
-            </a:r>
-            <a:r>
-              <a:rPr lang="en-US" dirty="0" smtClean="0"/>
-              <a:t>:</a:t>
+              <a:t>Reference:</a:t>
             </a:r>
           </a:p>
           <a:p>
@@ -2578,19 +2459,11 @@
             </a:r>
             <a:r>
               <a:rPr lang="en-US" dirty="0" smtClean="0"/>
-              <a:t>/policies-managed-</a:t>
+              <a:t>/</a:t>
             </a:r>
             <a:r>
               <a:rPr lang="en-US" dirty="0" err="1" smtClean="0"/>
-              <a:t>vs</a:t>
-            </a:r>
-            <a:r>
-              <a:rPr lang="en-US" dirty="0" smtClean="0"/>
-              <a:t>-</a:t>
-            </a:r>
-            <a:r>
-              <a:rPr lang="en-US" dirty="0" err="1" smtClean="0"/>
-              <a:t>inline.html</a:t>
+              <a:t>PolicyVariables.html</a:t>
             </a:r>
             <a:endParaRPr lang="en-US" dirty="0"/>
           </a:p>
@@ -2622,7 +2495,7 @@
     </p:spTree>
     <p:extLst>
       <p:ext uri="{BB962C8B-B14F-4D97-AF65-F5344CB8AC3E}">
-        <p14:creationId xmlns:p14="http://schemas.microsoft.com/office/powerpoint/2010/main" val="2555364409"/>
+        <p14:creationId xmlns:p14="http://schemas.microsoft.com/office/powerpoint/2010/main" val="305666501"/>
       </p:ext>
     </p:extLst>
   </p:cSld>
@@ -4444,7 +4317,7 @@
           <a:p>
             <a:fld id="{7CE38E4D-051A-41E1-86A4-E56916468FD0}" type="datetimeFigureOut">
               <a:rPr lang="en-US" smtClean="0"/>
-              <a:t>4/23/15</a:t>
+              <a:t>11/22/15</a:t>
             </a:fld>
             <a:endParaRPr lang="en-US"/>
           </a:p>
@@ -4625,7 +4498,7 @@
           <a:p>
             <a:fld id="{7CE38E4D-051A-41E1-86A4-E56916468FD0}" type="datetimeFigureOut">
               <a:rPr lang="en-US" smtClean="0"/>
-              <a:t>4/23/15</a:t>
+              <a:t>11/22/15</a:t>
             </a:fld>
             <a:endParaRPr lang="en-US"/>
           </a:p>
@@ -4776,7 +4649,7 @@
           <a:p>
             <a:fld id="{7CE38E4D-051A-41E1-86A4-E56916468FD0}" type="datetimeFigureOut">
               <a:rPr lang="en-US" smtClean="0"/>
-              <a:t>4/23/15</a:t>
+              <a:t>11/22/15</a:t>
             </a:fld>
             <a:endParaRPr lang="en-US"/>
           </a:p>
@@ -6602,7 +6475,7 @@
           <a:p>
             <a:fld id="{7CE38E4D-051A-41E1-86A4-E56916468FD0}" type="datetimeFigureOut">
               <a:rPr lang="en-US" smtClean="0"/>
-              <a:t>4/23/15</a:t>
+              <a:t>11/22/15</a:t>
             </a:fld>
             <a:endParaRPr lang="en-US"/>
           </a:p>
@@ -8472,7 +8345,7 @@
           <a:p>
             <a:fld id="{7CE38E4D-051A-41E1-86A4-E56916468FD0}" type="datetimeFigureOut">
               <a:rPr lang="en-US" smtClean="0"/>
-              <a:t>4/23/15</a:t>
+              <a:t>11/22/15</a:t>
             </a:fld>
             <a:endParaRPr lang="en-US"/>
           </a:p>
@@ -8585,7 +8458,7 @@
           <a:p>
             <a:fld id="{7CE38E4D-051A-41E1-86A4-E56916468FD0}" type="datetimeFigureOut">
               <a:rPr lang="en-US" smtClean="0"/>
-              <a:t>4/23/15</a:t>
+              <a:t>11/22/15</a:t>
             </a:fld>
             <a:endParaRPr lang="en-US"/>
           </a:p>
@@ -9126,7 +8999,7 @@
           <a:p>
             <a:fld id="{7CE38E4D-051A-41E1-86A4-E56916468FD0}" type="datetimeFigureOut">
               <a:rPr lang="en-US" smtClean="0"/>
-              <a:t>4/23/15</a:t>
+              <a:t>11/22/15</a:t>
             </a:fld>
             <a:endParaRPr lang="en-US"/>
           </a:p>
@@ -9239,7 +9112,7 @@
           <a:p>
             <a:fld id="{7CE38E4D-051A-41E1-86A4-E56916468FD0}" type="datetimeFigureOut">
               <a:rPr lang="en-US" smtClean="0"/>
-              <a:t>4/23/15</a:t>
+              <a:t>11/22/15</a:t>
             </a:fld>
             <a:endParaRPr lang="en-US"/>
           </a:p>
@@ -10950,7 +10823,7 @@
           <a:p>
             <a:fld id="{7CE38E4D-051A-41E1-86A4-E56916468FD0}" type="datetimeFigureOut">
               <a:rPr lang="en-US" smtClean="0"/>
-              <a:t>4/23/15</a:t>
+              <a:t>11/22/15</a:t>
             </a:fld>
             <a:endParaRPr lang="en-US"/>
           </a:p>
@@ -11101,7 +10974,7 @@
           <a:p>
             <a:fld id="{7CE38E4D-051A-41E1-86A4-E56916468FD0}" type="datetimeFigureOut">
               <a:rPr lang="en-US" smtClean="0"/>
-              <a:t>4/23/15</a:t>
+              <a:t>11/22/15</a:t>
             </a:fld>
             <a:endParaRPr lang="en-US"/>
           </a:p>
@@ -14716,7 +14589,7 @@
           <a:p>
             <a:fld id="{7CE38E4D-051A-41E1-86A4-E56916468FD0}" type="datetimeFigureOut">
               <a:rPr lang="en-US" smtClean="0"/>
-              <a:t>4/23/15</a:t>
+              <a:t>11/22/15</a:t>
             </a:fld>
             <a:endParaRPr lang="en-US"/>
           </a:p>
@@ -16575,7 +16448,7 @@
           <a:p>
             <a:fld id="{7CE38E4D-051A-41E1-86A4-E56916468FD0}" type="datetimeFigureOut">
               <a:rPr lang="en-US" smtClean="0"/>
-              <a:t>4/23/15</a:t>
+              <a:t>11/22/15</a:t>
             </a:fld>
             <a:endParaRPr lang="en-US"/>
           </a:p>
@@ -17160,7 +17033,7 @@
   <p:timing>
     <p:tnLst>
       <p:par>
-        <p:cTn xmlns:p14="http://schemas.microsoft.com/office/powerpoint/2010/main" id="1" dur="indefinite" restart="never" nodeType="tmRoot"/>
+        <p:cTn id="1" dur="indefinite" restart="never" nodeType="tmRoot"/>
       </p:par>
     </p:tnLst>
   </p:timing>
@@ -17168,460 +17041,6 @@
 </file>
 
 <file path=ppt/slides/slide10.xml><?xml version="1.0" encoding="utf-8"?>
-<p:sld xmlns:a="http://schemas.openxmlformats.org/drawingml/2006/main" xmlns:r="http://schemas.openxmlformats.org/officeDocument/2006/relationships" xmlns:p="http://schemas.openxmlformats.org/presentationml/2006/main">
-  <p:cSld>
-    <p:spTree>
-      <p:nvGrpSpPr>
-        <p:cNvPr id="1" name=""/>
-        <p:cNvGrpSpPr/>
-        <p:nvPr/>
-      </p:nvGrpSpPr>
-      <p:grpSpPr>
-        <a:xfrm>
-          <a:off x="0" y="0"/>
-          <a:ext cx="0" cy="0"/>
-          <a:chOff x="0" y="0"/>
-          <a:chExt cx="0" cy="0"/>
-        </a:xfrm>
-      </p:grpSpPr>
-      <p:sp>
-        <p:nvSpPr>
-          <p:cNvPr id="3" name="Content Placeholder 2"/>
-          <p:cNvSpPr>
-            <a:spLocks noGrp="1"/>
-          </p:cNvSpPr>
-          <p:nvPr>
-            <p:ph idx="1"/>
-          </p:nvPr>
-        </p:nvSpPr>
-        <p:spPr>
-          <a:xfrm>
-            <a:off x="872067" y="2675466"/>
-            <a:ext cx="7408333" cy="3915469"/>
-          </a:xfrm>
-        </p:spPr>
-        <p:txBody>
-          <a:bodyPr>
-            <a:normAutofit fontScale="55000" lnSpcReduction="20000"/>
-          </a:bodyPr>
-          <a:lstStyle/>
-          <a:p>
-            <a:pPr marL="0" indent="0">
-              <a:buNone/>
-            </a:pPr>
-            <a:r>
-              <a:rPr lang="en-US" dirty="0" smtClean="0">
-                <a:latin typeface="Courier"/>
-                <a:cs typeface="Courier"/>
-              </a:rPr>
-              <a:t>Command: </a:t>
-            </a:r>
-            <a:r>
-              <a:rPr lang="en-US" dirty="0" err="1" smtClean="0">
-                <a:latin typeface="Courier"/>
-                <a:cs typeface="Courier"/>
-              </a:rPr>
-              <a:t>aws</a:t>
-            </a:r>
-            <a:r>
-              <a:rPr lang="en-US" dirty="0" smtClean="0">
-                <a:latin typeface="Courier"/>
-                <a:cs typeface="Courier"/>
-              </a:rPr>
-              <a:t> </a:t>
-            </a:r>
-            <a:r>
-              <a:rPr lang="en-US" dirty="0">
-                <a:latin typeface="Courier"/>
-                <a:cs typeface="Courier"/>
-              </a:rPr>
-              <a:t>ec2 terminate-instances --instance-ids i-</a:t>
-            </a:r>
-            <a:r>
-              <a:rPr lang="en-US" dirty="0" smtClean="0">
-                <a:latin typeface="Courier"/>
-                <a:cs typeface="Courier"/>
-              </a:rPr>
-              <a:t>8f00e559</a:t>
-            </a:r>
-          </a:p>
-          <a:p>
-            <a:pPr marL="0" indent="0">
-              <a:buNone/>
-            </a:pPr>
-            <a:endParaRPr lang="en-US" dirty="0" smtClean="0">
-              <a:latin typeface="Courier"/>
-              <a:cs typeface="Courier"/>
-            </a:endParaRPr>
-          </a:p>
-          <a:p>
-            <a:pPr marL="0" indent="0">
-              <a:buNone/>
-            </a:pPr>
-            <a:r>
-              <a:rPr lang="en-US" dirty="0" smtClean="0">
-                <a:latin typeface="Courier"/>
-                <a:cs typeface="Courier"/>
-              </a:rPr>
-              <a:t>{</a:t>
-            </a:r>
-            <a:endParaRPr lang="en-US" dirty="0">
-              <a:latin typeface="Courier"/>
-              <a:cs typeface="Courier"/>
-            </a:endParaRPr>
-          </a:p>
-          <a:p>
-            <a:pPr marL="0" indent="0">
-              <a:buNone/>
-            </a:pPr>
-            <a:r>
-              <a:rPr lang="en-US" dirty="0">
-                <a:latin typeface="Courier"/>
-                <a:cs typeface="Courier"/>
-              </a:rPr>
-              <a:t>  "Statement": [</a:t>
-            </a:r>
-          </a:p>
-          <a:p>
-            <a:pPr marL="0" indent="0">
-              <a:buNone/>
-            </a:pPr>
-            <a:r>
-              <a:rPr lang="en-US" dirty="0">
-                <a:latin typeface="Courier"/>
-                <a:cs typeface="Courier"/>
-              </a:rPr>
-              <a:t>    {</a:t>
-            </a:r>
-          </a:p>
-          <a:p>
-            <a:pPr marL="0" indent="0">
-              <a:buNone/>
-            </a:pPr>
-            <a:r>
-              <a:rPr lang="en-US" dirty="0">
-                <a:latin typeface="Courier"/>
-                <a:cs typeface="Courier"/>
-              </a:rPr>
-              <a:t>      "Action": [</a:t>
-            </a:r>
-          </a:p>
-          <a:p>
-            <a:pPr marL="0" indent="0">
-              <a:buNone/>
-            </a:pPr>
-            <a:r>
-              <a:rPr lang="en-US" dirty="0" smtClean="0">
-                <a:latin typeface="Courier"/>
-                <a:cs typeface="Courier"/>
-              </a:rPr>
-              <a:t>        ”</a:t>
-            </a:r>
-            <a:r>
-              <a:rPr lang="en-US" dirty="0">
-                <a:latin typeface="Courier"/>
-                <a:cs typeface="Courier"/>
-              </a:rPr>
-              <a:t>ec2</a:t>
-            </a:r>
-            <a:r>
-              <a:rPr lang="en-US" dirty="0" smtClean="0">
-                <a:latin typeface="Courier"/>
-                <a:cs typeface="Courier"/>
-              </a:rPr>
-              <a:t>:TerminateInstance</a:t>
-            </a:r>
-            <a:r>
-              <a:rPr lang="en-US" dirty="0" smtClean="0">
-                <a:latin typeface="Courier"/>
-                <a:cs typeface="Courier"/>
-              </a:rPr>
-              <a:t>”,</a:t>
-            </a:r>
-          </a:p>
-          <a:p>
-            <a:pPr marL="0" indent="0">
-              <a:buNone/>
-            </a:pPr>
-            <a:r>
-              <a:rPr lang="en-US" dirty="0" smtClean="0">
-                <a:latin typeface="Courier"/>
-                <a:cs typeface="Courier"/>
-              </a:rPr>
-              <a:t>      ]</a:t>
-            </a:r>
-            <a:r>
-              <a:rPr lang="en-US" dirty="0">
-                <a:latin typeface="Courier"/>
-                <a:cs typeface="Courier"/>
-              </a:rPr>
-              <a:t>,</a:t>
-            </a:r>
-          </a:p>
-          <a:p>
-            <a:pPr marL="0" indent="0">
-              <a:buNone/>
-            </a:pPr>
-            <a:r>
-              <a:rPr lang="en-US" dirty="0">
-                <a:latin typeface="Courier"/>
-                <a:cs typeface="Courier"/>
-              </a:rPr>
-              <a:t>      "Effect": "Allow",</a:t>
-            </a:r>
-          </a:p>
-          <a:p>
-            <a:pPr marL="0" indent="0">
-              <a:buNone/>
-            </a:pPr>
-            <a:r>
-              <a:rPr lang="en-US" dirty="0">
-                <a:latin typeface="Courier"/>
-                <a:cs typeface="Courier"/>
-              </a:rPr>
-              <a:t>      "Resource”:["</a:t>
-            </a:r>
-            <a:r>
-              <a:rPr lang="en-US" dirty="0" smtClean="0">
-                <a:latin typeface="Courier"/>
-                <a:cs typeface="Courier"/>
-              </a:rPr>
-              <a:t>arn:aws:ec2:</a:t>
-            </a:r>
-            <a:r>
-              <a:rPr lang="en-US" dirty="0">
-                <a:latin typeface="Courier"/>
-                <a:cs typeface="Courier"/>
-              </a:rPr>
-              <a:t>:</a:t>
-            </a:r>
-            <a:r>
-              <a:rPr lang="en-US" dirty="0" smtClean="0">
-                <a:latin typeface="Courier"/>
-                <a:cs typeface="Courier"/>
-              </a:rPr>
-              <a:t>:*"</a:t>
-            </a:r>
-            <a:r>
-              <a:rPr lang="en-US" dirty="0" smtClean="0">
-                <a:latin typeface="Courier"/>
-                <a:cs typeface="Courier"/>
-              </a:rPr>
-              <a:t>]</a:t>
-            </a:r>
-          </a:p>
-          <a:p>
-            <a:pPr marL="0" indent="0">
-              <a:buNone/>
-            </a:pPr>
-            <a:r>
-              <a:rPr lang="en-US" dirty="0" smtClean="0">
-                <a:latin typeface="Courier"/>
-                <a:cs typeface="Courier"/>
-              </a:rPr>
-              <a:t>      "</a:t>
-            </a:r>
-            <a:r>
-              <a:rPr lang="en-US" dirty="0">
-                <a:latin typeface="Courier"/>
-                <a:cs typeface="Courier"/>
-              </a:rPr>
-              <a:t>Condition": {</a:t>
-            </a:r>
-          </a:p>
-          <a:p>
-            <a:pPr marL="0" indent="0">
-              <a:buNone/>
-            </a:pPr>
-            <a:r>
-              <a:rPr lang="en-US" dirty="0">
-                <a:latin typeface="Courier"/>
-                <a:cs typeface="Courier"/>
-              </a:rPr>
-              <a:t>  </a:t>
-            </a:r>
-            <a:r>
-              <a:rPr lang="en-US" dirty="0" smtClean="0">
-                <a:latin typeface="Courier"/>
-                <a:cs typeface="Courier"/>
-              </a:rPr>
-              <a:t>      "</a:t>
-            </a:r>
-            <a:r>
-              <a:rPr lang="en-US" dirty="0" err="1" smtClean="0">
-                <a:latin typeface="Courier"/>
-                <a:cs typeface="Courier"/>
-              </a:rPr>
-              <a:t>DateLessThan</a:t>
-            </a:r>
-            <a:r>
-              <a:rPr lang="en-US" dirty="0">
-                <a:latin typeface="Courier"/>
-                <a:cs typeface="Courier"/>
-              </a:rPr>
-              <a:t>" : {</a:t>
-            </a:r>
-          </a:p>
-          <a:p>
-            <a:pPr marL="0" indent="0">
-              <a:buNone/>
-            </a:pPr>
-            <a:r>
-              <a:rPr lang="en-US" dirty="0">
-                <a:latin typeface="Courier"/>
-                <a:cs typeface="Courier"/>
-              </a:rPr>
-              <a:t>     </a:t>
-            </a:r>
-            <a:r>
-              <a:rPr lang="en-US" dirty="0" smtClean="0">
-                <a:latin typeface="Courier"/>
-                <a:cs typeface="Courier"/>
-              </a:rPr>
-              <a:t>     "</a:t>
-            </a:r>
-            <a:r>
-              <a:rPr lang="en-US" dirty="0" err="1">
-                <a:latin typeface="Courier"/>
-                <a:cs typeface="Courier"/>
-              </a:rPr>
-              <a:t>aws:CurrentTime</a:t>
-            </a:r>
-            <a:r>
-              <a:rPr lang="en-US" dirty="0">
-                <a:latin typeface="Courier"/>
-                <a:cs typeface="Courier"/>
-              </a:rPr>
-              <a:t>" : "2015-05-24T20:00:</a:t>
-            </a:r>
-            <a:r>
-              <a:rPr lang="en-US" dirty="0" smtClean="0">
-                <a:latin typeface="Courier"/>
-                <a:cs typeface="Courier"/>
-              </a:rPr>
-              <a:t>00Z”</a:t>
-            </a:r>
-            <a:endParaRPr lang="en-US" dirty="0">
-              <a:latin typeface="Courier"/>
-              <a:cs typeface="Courier"/>
-            </a:endParaRPr>
-          </a:p>
-          <a:p>
-            <a:pPr marL="0" indent="0">
-              <a:buNone/>
-            </a:pPr>
-            <a:r>
-              <a:rPr lang="en-US" dirty="0" smtClean="0">
-                <a:latin typeface="Courier"/>
-                <a:cs typeface="Courier"/>
-              </a:rPr>
-              <a:t>        }</a:t>
-            </a:r>
-            <a:endParaRPr lang="en-US" dirty="0">
-              <a:latin typeface="Courier"/>
-              <a:cs typeface="Courier"/>
-            </a:endParaRPr>
-          </a:p>
-          <a:p>
-            <a:pPr marL="0" indent="0">
-              <a:buNone/>
-            </a:pPr>
-            <a:r>
-              <a:rPr lang="en-US" dirty="0" smtClean="0">
-                <a:latin typeface="Courier"/>
-                <a:cs typeface="Courier"/>
-              </a:rPr>
-              <a:t>      }</a:t>
-            </a:r>
-            <a:endParaRPr lang="en-US" dirty="0">
-              <a:latin typeface="Courier"/>
-              <a:cs typeface="Courier"/>
-            </a:endParaRPr>
-          </a:p>
-          <a:p>
-            <a:pPr marL="0" indent="0">
-              <a:buNone/>
-            </a:pPr>
-            <a:r>
-              <a:rPr lang="en-US" dirty="0">
-                <a:latin typeface="Courier"/>
-                <a:cs typeface="Courier"/>
-              </a:rPr>
-              <a:t>    }</a:t>
-            </a:r>
-          </a:p>
-          <a:p>
-            <a:pPr marL="0" indent="0">
-              <a:buNone/>
-            </a:pPr>
-            <a:r>
-              <a:rPr lang="en-US" dirty="0">
-                <a:latin typeface="Courier"/>
-                <a:cs typeface="Courier"/>
-              </a:rPr>
-              <a:t>  ]</a:t>
-            </a:r>
-          </a:p>
-          <a:p>
-            <a:pPr marL="0" indent="0">
-              <a:buNone/>
-            </a:pPr>
-            <a:r>
-              <a:rPr lang="en-US" dirty="0">
-                <a:latin typeface="Courier"/>
-                <a:cs typeface="Courier"/>
-              </a:rPr>
-              <a:t>}</a:t>
-            </a:r>
-          </a:p>
-        </p:txBody>
-      </p:sp>
-      <p:sp>
-        <p:nvSpPr>
-          <p:cNvPr id="2" name="Title 1"/>
-          <p:cNvSpPr>
-            <a:spLocks noGrp="1"/>
-          </p:cNvSpPr>
-          <p:nvPr>
-            <p:ph type="title"/>
-          </p:nvPr>
-        </p:nvSpPr>
-        <p:spPr/>
-        <p:txBody>
-          <a:bodyPr>
-            <a:normAutofit/>
-          </a:bodyPr>
-          <a:lstStyle/>
-          <a:p>
-            <a:r>
-              <a:rPr lang="en-US" dirty="0" smtClean="0"/>
-              <a:t>IAM: Will it Terminate?</a:t>
-            </a:r>
-            <a:endParaRPr lang="en-US" dirty="0"/>
-          </a:p>
-        </p:txBody>
-      </p:sp>
-    </p:spTree>
-    <p:extLst>
-      <p:ext uri="{BB962C8B-B14F-4D97-AF65-F5344CB8AC3E}">
-        <p14:creationId xmlns:p14="http://schemas.microsoft.com/office/powerpoint/2010/main" val="1983193316"/>
-      </p:ext>
-    </p:extLst>
-  </p:cSld>
-  <p:clrMapOvr>
-    <a:masterClrMapping/>
-  </p:clrMapOvr>
-  <p:timing>
-    <p:tnLst>
-      <p:par>
-        <p:cTn xmlns:p14="http://schemas.microsoft.com/office/powerpoint/2010/main" id="1" dur="indefinite" restart="never" nodeType="tmRoot"/>
-      </p:par>
-    </p:tnLst>
-  </p:timing>
-</p:sld>
-</file>
-
-<file path=ppt/slides/slide11.xml><?xml version="1.0" encoding="utf-8"?>
 <p:sld xmlns:a="http://schemas.openxmlformats.org/drawingml/2006/main" xmlns:r="http://schemas.openxmlformats.org/officeDocument/2006/relationships" xmlns:p="http://schemas.openxmlformats.org/presentationml/2006/main">
   <p:cSld>
     <p:spTree>
@@ -17807,14 +17226,14 @@
   <p:timing>
     <p:tnLst>
       <p:par>
-        <p:cTn xmlns:p14="http://schemas.microsoft.com/office/powerpoint/2010/main" id="1" dur="indefinite" restart="never" nodeType="tmRoot"/>
+        <p:cTn id="1" dur="indefinite" restart="never" nodeType="tmRoot"/>
       </p:par>
     </p:tnLst>
   </p:timing>
 </p:sld>
 </file>
 
-<file path=ppt/slides/slide12.xml><?xml version="1.0" encoding="utf-8"?>
+<file path=ppt/slides/slide11.xml><?xml version="1.0" encoding="utf-8"?>
 <p:sld xmlns:a="http://schemas.openxmlformats.org/drawingml/2006/main" xmlns:r="http://schemas.openxmlformats.org/officeDocument/2006/relationships" xmlns:p="http://schemas.openxmlformats.org/presentationml/2006/main">
   <p:cSld>
     <p:spTree>
@@ -17969,14 +17388,14 @@
   <p:timing>
     <p:tnLst>
       <p:par>
-        <p:cTn xmlns:p14="http://schemas.microsoft.com/office/powerpoint/2010/main" id="1" dur="indefinite" restart="never" nodeType="tmRoot"/>
+        <p:cTn id="1" dur="indefinite" restart="never" nodeType="tmRoot"/>
       </p:par>
     </p:tnLst>
   </p:timing>
 </p:sld>
 </file>
 
-<file path=ppt/slides/slide13.xml><?xml version="1.0" encoding="utf-8"?>
+<file path=ppt/slides/slide12.xml><?xml version="1.0" encoding="utf-8"?>
 <p:sld xmlns:a="http://schemas.openxmlformats.org/drawingml/2006/main" xmlns:r="http://schemas.openxmlformats.org/officeDocument/2006/relationships" xmlns:p="http://schemas.openxmlformats.org/presentationml/2006/main">
   <p:cSld>
     <p:spTree>
@@ -18318,14 +17737,14 @@
   <p:timing>
     <p:tnLst>
       <p:par>
-        <p:cTn xmlns:p14="http://schemas.microsoft.com/office/powerpoint/2010/main" id="1" dur="indefinite" restart="never" nodeType="tmRoot"/>
+        <p:cTn id="1" dur="indefinite" restart="never" nodeType="tmRoot"/>
       </p:par>
     </p:tnLst>
   </p:timing>
 </p:sld>
 </file>
 
-<file path=ppt/slides/slide14.xml><?xml version="1.0" encoding="utf-8"?>
+<file path=ppt/slides/slide13.xml><?xml version="1.0" encoding="utf-8"?>
 <p:sld xmlns:a="http://schemas.openxmlformats.org/drawingml/2006/main" xmlns:r="http://schemas.openxmlformats.org/officeDocument/2006/relationships" xmlns:p="http://schemas.openxmlformats.org/presentationml/2006/main">
   <p:cSld>
     <p:spTree>
@@ -18779,6 +18198,133 @@
   <p:clrMapOvr>
     <a:masterClrMapping/>
   </p:clrMapOvr>
+</p:sld>
+</file>
+
+<file path=ppt/slides/slide14.xml><?xml version="1.0" encoding="utf-8"?>
+<p:sld xmlns:a="http://schemas.openxmlformats.org/drawingml/2006/main" xmlns:r="http://schemas.openxmlformats.org/officeDocument/2006/relationships" xmlns:p="http://schemas.openxmlformats.org/presentationml/2006/main">
+  <p:cSld>
+    <p:spTree>
+      <p:nvGrpSpPr>
+        <p:cNvPr id="1" name=""/>
+        <p:cNvGrpSpPr/>
+        <p:nvPr/>
+      </p:nvGrpSpPr>
+      <p:grpSpPr>
+        <a:xfrm>
+          <a:off x="0" y="0"/>
+          <a:ext cx="0" cy="0"/>
+          <a:chOff x="0" y="0"/>
+          <a:chExt cx="0" cy="0"/>
+        </a:xfrm>
+      </p:grpSpPr>
+      <p:sp>
+        <p:nvSpPr>
+          <p:cNvPr id="3" name="Content Placeholder 2"/>
+          <p:cNvSpPr>
+            <a:spLocks noGrp="1"/>
+          </p:cNvSpPr>
+          <p:nvPr>
+            <p:ph idx="1"/>
+          </p:nvPr>
+        </p:nvSpPr>
+        <p:spPr/>
+        <p:txBody>
+          <a:bodyPr>
+            <a:normAutofit/>
+          </a:bodyPr>
+          <a:lstStyle/>
+          <a:p>
+            <a:r>
+              <a:rPr lang="en-US" dirty="0" smtClean="0"/>
+              <a:t>Allows API calls to be made from an Application on EC2</a:t>
+            </a:r>
+          </a:p>
+          <a:p>
+            <a:r>
+              <a:rPr lang="en-US" dirty="0" smtClean="0"/>
+              <a:t>Access Key and Secret Key available </a:t>
+            </a:r>
+            <a:r>
+              <a:rPr lang="en-US" dirty="0"/>
+              <a:t>at URL curl http://169.254.169.254/latest/meta-data/</a:t>
+            </a:r>
+            <a:r>
+              <a:rPr lang="en-US" dirty="0" err="1"/>
+              <a:t>iam</a:t>
+            </a:r>
+            <a:r>
+              <a:rPr lang="en-US" dirty="0"/>
+              <a:t>/security-credentials/</a:t>
+            </a:r>
+            <a:r>
+              <a:rPr lang="en-US" dirty="0" err="1"/>
+              <a:t>role_name</a:t>
+            </a:r>
+            <a:endParaRPr lang="en-US" dirty="0" smtClean="0"/>
+          </a:p>
+          <a:p>
+            <a:r>
+              <a:rPr lang="en-US" dirty="0" smtClean="0"/>
+              <a:t>Official AWS SDKs can retrieve this Access Key and Secret Key for you – it “just works”</a:t>
+            </a:r>
+          </a:p>
+          <a:p>
+            <a:r>
+              <a:rPr lang="en-US" dirty="0" smtClean="0"/>
+              <a:t>Credentials rotated Automatically</a:t>
+            </a:r>
+          </a:p>
+          <a:p>
+            <a:endParaRPr lang="en-US" dirty="0" smtClean="0"/>
+          </a:p>
+          <a:p>
+            <a:endParaRPr lang="en-US" dirty="0" smtClean="0"/>
+          </a:p>
+        </p:txBody>
+      </p:sp>
+      <p:sp>
+        <p:nvSpPr>
+          <p:cNvPr id="2" name="Title 1"/>
+          <p:cNvSpPr>
+            <a:spLocks noGrp="1"/>
+          </p:cNvSpPr>
+          <p:nvPr>
+            <p:ph type="title"/>
+          </p:nvPr>
+        </p:nvSpPr>
+        <p:spPr/>
+        <p:txBody>
+          <a:bodyPr>
+            <a:normAutofit/>
+          </a:bodyPr>
+          <a:lstStyle/>
+          <a:p>
+            <a:r>
+              <a:rPr lang="en-US" dirty="0" smtClean="0"/>
+              <a:t>IAM: IAM Roles for EC2</a:t>
+            </a:r>
+            <a:endParaRPr lang="en-US" dirty="0"/>
+          </a:p>
+        </p:txBody>
+      </p:sp>
+    </p:spTree>
+    <p:extLst>
+      <p:ext uri="{BB962C8B-B14F-4D97-AF65-F5344CB8AC3E}">
+        <p14:creationId xmlns:p14="http://schemas.microsoft.com/office/powerpoint/2010/main" val="4122533754"/>
+      </p:ext>
+    </p:extLst>
+  </p:cSld>
+  <p:clrMapOvr>
+    <a:masterClrMapping/>
+  </p:clrMapOvr>
+  <p:timing>
+    <p:tnLst>
+      <p:par>
+        <p:cTn id="1" dur="indefinite" restart="never" nodeType="tmRoot"/>
+      </p:par>
+    </p:tnLst>
+  </p:timing>
 </p:sld>
 </file>
 
@@ -18818,49 +18364,36 @@
           <a:p>
             <a:r>
               <a:rPr lang="en-US" dirty="0" smtClean="0"/>
-              <a:t>Allows API calls to be made from an Application on EC2</a:t>
+              <a:t>Use IAM instead of Root Account</a:t>
             </a:r>
           </a:p>
           <a:p>
             <a:r>
               <a:rPr lang="en-US" dirty="0" smtClean="0"/>
-              <a:t>Access Key and Secret Key available </a:t>
-            </a:r>
+              <a:t>Use IAM groups</a:t>
+            </a:r>
+          </a:p>
+          <a:p>
             <a:r>
               <a:rPr lang="en-US" dirty="0"/>
-              <a:t>at URL curl http://169.254.169.254/latest/meta-data/</a:t>
-            </a:r>
-            <a:r>
-              <a:rPr lang="en-US" dirty="0" err="1"/>
-              <a:t>iam</a:t>
-            </a:r>
-            <a:r>
-              <a:rPr lang="en-US" dirty="0"/>
-              <a:t>/security-credentials/</a:t>
-            </a:r>
-            <a:r>
-              <a:rPr lang="en-US" dirty="0" err="1"/>
-              <a:t>role_name</a:t>
-            </a:r>
-            <a:endParaRPr lang="en-US" dirty="0" smtClean="0"/>
-          </a:p>
-          <a:p>
+              <a:t>Use Multi-Factor </a:t>
+            </a:r>
             <a:r>
               <a:rPr lang="en-US" dirty="0" smtClean="0"/>
-              <a:t>Official AWS SDKs can retrieve this Access Key and Secret Key for you – it “just works”</a:t>
+              <a:t>Authentication if Possible</a:t>
             </a:r>
           </a:p>
           <a:p>
             <a:r>
               <a:rPr lang="en-US" dirty="0" smtClean="0"/>
-              <a:t>Credentials rotated Automatically</a:t>
-            </a:r>
-          </a:p>
-          <a:p>
-            <a:endParaRPr lang="en-US" dirty="0" smtClean="0"/>
-          </a:p>
-          <a:p>
-            <a:endParaRPr lang="en-US" dirty="0" smtClean="0"/>
+              <a:t>Provide IAM password reset sparingly</a:t>
+            </a:r>
+          </a:p>
+          <a:p>
+            <a:r>
+              <a:rPr lang="en-US" dirty="0" smtClean="0"/>
+              <a:t>Use “Least Privilege Principle” if Organization Allows</a:t>
+            </a:r>
           </a:p>
         </p:txBody>
       </p:sp>
@@ -18883,7 +18416,7 @@
           <a:p>
             <a:r>
               <a:rPr lang="en-US" dirty="0" smtClean="0"/>
-              <a:t>IAM: IAM Roles for EC2</a:t>
+              <a:t>IAM: Best Practices</a:t>
             </a:r>
             <a:endParaRPr lang="en-US" dirty="0"/>
           </a:p>
@@ -18892,7 +18425,7 @@
     </p:spTree>
     <p:extLst>
       <p:ext uri="{BB962C8B-B14F-4D97-AF65-F5344CB8AC3E}">
-        <p14:creationId xmlns:p14="http://schemas.microsoft.com/office/powerpoint/2010/main" val="4122533754"/>
+        <p14:creationId xmlns:p14="http://schemas.microsoft.com/office/powerpoint/2010/main" val="2424893038"/>
       </p:ext>
     </p:extLst>
   </p:cSld>
@@ -18902,7 +18435,7 @@
   <p:timing>
     <p:tnLst>
       <p:par>
-        <p:cTn xmlns:p14="http://schemas.microsoft.com/office/powerpoint/2010/main" id="1" dur="indefinite" restart="never" nodeType="tmRoot"/>
+        <p:cTn id="1" dur="indefinite" restart="never" nodeType="tmRoot"/>
       </p:par>
     </p:tnLst>
   </p:timing>
@@ -18939,42 +18472,58 @@
         <p:spPr/>
         <p:txBody>
           <a:bodyPr>
-            <a:normAutofit/>
+            <a:normAutofit lnSpcReduction="10000"/>
           </a:bodyPr>
           <a:lstStyle/>
           <a:p>
             <a:r>
               <a:rPr lang="en-US" dirty="0" smtClean="0"/>
-              <a:t>Use IAM instead of Root Account</a:t>
+              <a:t>Use IAM roles to allow EC2 servers access to S3 buckets in order to retrieve configuration information</a:t>
             </a:r>
           </a:p>
           <a:p>
             <a:r>
               <a:rPr lang="en-US" dirty="0" smtClean="0"/>
-              <a:t>Use IAM groups</a:t>
-            </a:r>
-          </a:p>
-          <a:p>
+              <a:t>Use IAM users to provide only required access to S3 and SQS for applications</a:t>
+            </a:r>
+          </a:p>
+          <a:p>
+            <a:pPr lvl="1"/>
+            <a:r>
+              <a:rPr lang="en-US" dirty="0" smtClean="0"/>
+              <a:t>scraper-prod01 = access scraper-prod01-* Queues and s3://scraper/prod01/* resources</a:t>
+            </a:r>
+            <a:endParaRPr lang="en-US" dirty="0"/>
+          </a:p>
+          <a:p>
+            <a:r>
+              <a:rPr lang="en-US" dirty="0" smtClean="0"/>
+              <a:t>Use IAM Policy Variables to create “Home Folders” on S3:</a:t>
+            </a:r>
+          </a:p>
+          <a:p>
+            <a:pPr lvl="1"/>
             <a:r>
               <a:rPr lang="en-US" dirty="0"/>
-              <a:t>Use Multi-Factor </a:t>
-            </a:r>
-            <a:r>
-              <a:rPr lang="en-US" dirty="0" smtClean="0"/>
-              <a:t>Authentication if Possible</a:t>
-            </a:r>
-          </a:p>
-          <a:p>
-            <a:r>
-              <a:rPr lang="en-US" dirty="0" smtClean="0"/>
-              <a:t>Provide IAM password reset sparingly</a:t>
-            </a:r>
-          </a:p>
-          <a:p>
-            <a:r>
-              <a:rPr lang="en-US" dirty="0" smtClean="0"/>
-              <a:t>Use “Least Privilege Principle” if Organization Allows</a:t>
-            </a:r>
+              <a:t>"arn:aws:s3:::</a:t>
+            </a:r>
+            <a:r>
+              <a:rPr lang="en-US" dirty="0" err="1"/>
+              <a:t>company_backups</a:t>
+            </a:r>
+            <a:r>
+              <a:rPr lang="en-US" dirty="0"/>
+              <a:t>/${</a:t>
+            </a:r>
+            <a:r>
+              <a:rPr lang="en-US" dirty="0" err="1"/>
+              <a:t>aws:username</a:t>
+            </a:r>
+            <a:r>
+              <a:rPr lang="en-US" dirty="0"/>
+              <a:t>}/*"</a:t>
+            </a:r>
+            <a:endParaRPr lang="en-US" dirty="0" smtClean="0"/>
           </a:p>
         </p:txBody>
       </p:sp>
@@ -18997,7 +18546,7 @@
           <a:p>
             <a:r>
               <a:rPr lang="en-US" dirty="0" smtClean="0"/>
-              <a:t>IAM: Best Practices</a:t>
+              <a:t>IAM: Practical Examples</a:t>
             </a:r>
             <a:endParaRPr lang="en-US" dirty="0"/>
           </a:p>
@@ -19006,7 +18555,7 @@
     </p:spTree>
     <p:extLst>
       <p:ext uri="{BB962C8B-B14F-4D97-AF65-F5344CB8AC3E}">
-        <p14:creationId xmlns:p14="http://schemas.microsoft.com/office/powerpoint/2010/main" val="2424893038"/>
+        <p14:creationId xmlns:p14="http://schemas.microsoft.com/office/powerpoint/2010/main" val="3708169065"/>
       </p:ext>
     </p:extLst>
   </p:cSld>
@@ -19016,7 +18565,7 @@
   <p:timing>
     <p:tnLst>
       <p:par>
-        <p:cTn xmlns:p14="http://schemas.microsoft.com/office/powerpoint/2010/main" id="1" dur="indefinite" restart="never" nodeType="tmRoot"/>
+        <p:cTn id="1" dur="indefinite" restart="never" nodeType="tmRoot"/>
       </p:par>
     </p:tnLst>
   </p:timing>
@@ -19057,53 +18606,63 @@
           </a:bodyPr>
           <a:lstStyle/>
           <a:p>
+            <a:pPr marL="0" indent="0">
+              <a:buNone/>
+            </a:pPr>
             <a:r>
               <a:rPr lang="en-US" dirty="0" smtClean="0"/>
-              <a:t>Use IAM roles to allow EC2 servers access to S3 buckets in order to retrieve configuration information</a:t>
+              <a:t>Create IAM User and Group:</a:t>
             </a:r>
           </a:p>
           <a:p>
             <a:r>
               <a:rPr lang="en-US" dirty="0" smtClean="0"/>
-              <a:t>Use IAM users to provide only required access to S3 and SQS for applications</a:t>
-            </a:r>
-          </a:p>
-          <a:p>
-            <a:pPr lvl="1"/>
+              <a:t>Create an IAM Group</a:t>
+            </a:r>
+          </a:p>
+          <a:p>
             <a:r>
               <a:rPr lang="en-US" dirty="0" smtClean="0"/>
-              <a:t>scraper-prod01 = access scraper-prod01-* Queues and s3://scraper/prod01/* resources</a:t>
-            </a:r>
-            <a:endParaRPr lang="en-US" dirty="0"/>
-          </a:p>
-          <a:p>
+              <a:t>Create an IAM User</a:t>
+            </a:r>
+          </a:p>
+          <a:p>
+            <a:pPr marL="0" indent="0">
+              <a:buNone/>
+            </a:pPr>
             <a:r>
               <a:rPr lang="en-US" dirty="0" smtClean="0"/>
-              <a:t>Use IAM Policy Variables to create “Home Folders” on S3:</a:t>
-            </a:r>
-          </a:p>
-          <a:p>
-            <a:pPr lvl="1"/>
-            <a:r>
-              <a:rPr lang="en-US" dirty="0"/>
-              <a:t>"arn:aws:s3:::</a:t>
-            </a:r>
-            <a:r>
-              <a:rPr lang="en-US" dirty="0" err="1"/>
-              <a:t>company_backups</a:t>
-            </a:r>
-            <a:r>
-              <a:rPr lang="en-US" dirty="0"/>
-              <a:t>/${</a:t>
-            </a:r>
-            <a:r>
-              <a:rPr lang="en-US" dirty="0" err="1"/>
-              <a:t>aws:username</a:t>
-            </a:r>
-            <a:r>
-              <a:rPr lang="en-US" dirty="0"/>
-              <a:t>}/*"</a:t>
-            </a:r>
+              <a:t>Create a Limited Access IAM User and Test:</a:t>
+            </a:r>
+          </a:p>
+          <a:p>
+            <a:r>
+              <a:rPr lang="en-US" dirty="0" smtClean="0"/>
+              <a:t>Create an IAM Policy</a:t>
+            </a:r>
+          </a:p>
+          <a:p>
+            <a:r>
+              <a:rPr lang="en-US" dirty="0" smtClean="0"/>
+              <a:t>Create a user</a:t>
+            </a:r>
+          </a:p>
+          <a:p>
+            <a:r>
+              <a:rPr lang="en-US" dirty="0" smtClean="0"/>
+              <a:t>Apply Policy to user – allow access to resource by Tag</a:t>
+            </a:r>
+          </a:p>
+          <a:p>
+            <a:r>
+              <a:rPr lang="en-US" dirty="0" smtClean="0"/>
+              <a:t>Test Access Policy</a:t>
+            </a:r>
+          </a:p>
+          <a:p>
+            <a:pPr marL="0" indent="0">
+              <a:buNone/>
+            </a:pPr>
             <a:endParaRPr lang="en-US" dirty="0" smtClean="0"/>
           </a:p>
         </p:txBody>
@@ -19127,153 +18686,6 @@
           <a:p>
             <a:r>
               <a:rPr lang="en-US" dirty="0" smtClean="0"/>
-              <a:t>IAM: Practical Examples</a:t>
-            </a:r>
-            <a:endParaRPr lang="en-US" dirty="0"/>
-          </a:p>
-        </p:txBody>
-      </p:sp>
-    </p:spTree>
-    <p:extLst>
-      <p:ext uri="{BB962C8B-B14F-4D97-AF65-F5344CB8AC3E}">
-        <p14:creationId xmlns:p14="http://schemas.microsoft.com/office/powerpoint/2010/main" val="3708169065"/>
-      </p:ext>
-    </p:extLst>
-  </p:cSld>
-  <p:clrMapOvr>
-    <a:masterClrMapping/>
-  </p:clrMapOvr>
-  <p:timing>
-    <p:tnLst>
-      <p:par>
-        <p:cTn xmlns:p14="http://schemas.microsoft.com/office/powerpoint/2010/main" id="1" dur="indefinite" restart="never" nodeType="tmRoot"/>
-      </p:par>
-    </p:tnLst>
-  </p:timing>
-</p:sld>
-</file>
-
-<file path=ppt/slides/slide18.xml><?xml version="1.0" encoding="utf-8"?>
-<p:sld xmlns:a="http://schemas.openxmlformats.org/drawingml/2006/main" xmlns:r="http://schemas.openxmlformats.org/officeDocument/2006/relationships" xmlns:p="http://schemas.openxmlformats.org/presentationml/2006/main">
-  <p:cSld>
-    <p:spTree>
-      <p:nvGrpSpPr>
-        <p:cNvPr id="1" name=""/>
-        <p:cNvGrpSpPr/>
-        <p:nvPr/>
-      </p:nvGrpSpPr>
-      <p:grpSpPr>
-        <a:xfrm>
-          <a:off x="0" y="0"/>
-          <a:ext cx="0" cy="0"/>
-          <a:chOff x="0" y="0"/>
-          <a:chExt cx="0" cy="0"/>
-        </a:xfrm>
-      </p:grpSpPr>
-      <p:sp>
-        <p:nvSpPr>
-          <p:cNvPr id="3" name="Content Placeholder 2"/>
-          <p:cNvSpPr>
-            <a:spLocks noGrp="1"/>
-          </p:cNvSpPr>
-          <p:nvPr>
-            <p:ph idx="1"/>
-          </p:nvPr>
-        </p:nvSpPr>
-        <p:spPr/>
-        <p:txBody>
-          <a:bodyPr>
-            <a:normAutofit fontScale="92500" lnSpcReduction="10000"/>
-          </a:bodyPr>
-          <a:lstStyle/>
-          <a:p>
-            <a:pPr marL="0" indent="0">
-              <a:buNone/>
-            </a:pPr>
-            <a:r>
-              <a:rPr lang="en-US" dirty="0" smtClean="0"/>
-              <a:t>Create IAM User and Group:</a:t>
-            </a:r>
-          </a:p>
-          <a:p>
-            <a:r>
-              <a:rPr lang="en-US" dirty="0" smtClean="0"/>
-              <a:t>Create an IAM Group</a:t>
-            </a:r>
-          </a:p>
-          <a:p>
-            <a:r>
-              <a:rPr lang="en-US" dirty="0" smtClean="0"/>
-              <a:t>Create an IAM User</a:t>
-            </a:r>
-          </a:p>
-          <a:p>
-            <a:pPr marL="0" indent="0">
-              <a:buNone/>
-            </a:pPr>
-            <a:r>
-              <a:rPr lang="en-US" dirty="0" smtClean="0"/>
-              <a:t>Create a Limited Access IAM User and Test:</a:t>
-            </a:r>
-          </a:p>
-          <a:p>
-            <a:r>
-              <a:rPr lang="en-US" dirty="0" smtClean="0"/>
-              <a:t>Create an IAM Policy</a:t>
-            </a:r>
-          </a:p>
-          <a:p>
-            <a:r>
-              <a:rPr lang="en-US" dirty="0" smtClean="0"/>
-              <a:t>Create a user</a:t>
-            </a:r>
-          </a:p>
-          <a:p>
-            <a:r>
-              <a:rPr lang="en-US" dirty="0" smtClean="0"/>
-              <a:t>Apply Policy to user – allow access to resource by Tag</a:t>
-            </a:r>
-          </a:p>
-          <a:p>
-            <a:r>
-              <a:rPr lang="en-US" dirty="0" smtClean="0"/>
-              <a:t>Test Access Policy</a:t>
-            </a:r>
-          </a:p>
-          <a:p>
-            <a:pPr marL="0" indent="0">
-              <a:buNone/>
-            </a:pPr>
-            <a:r>
-              <a:rPr lang="en-US" smtClean="0"/>
-              <a:t>Create </a:t>
-            </a:r>
-            <a:endParaRPr lang="en-US" dirty="0"/>
-          </a:p>
-          <a:p>
-            <a:endParaRPr lang="en-US" dirty="0" smtClean="0"/>
-          </a:p>
-        </p:txBody>
-      </p:sp>
-      <p:sp>
-        <p:nvSpPr>
-          <p:cNvPr id="2" name="Title 1"/>
-          <p:cNvSpPr>
-            <a:spLocks noGrp="1"/>
-          </p:cNvSpPr>
-          <p:nvPr>
-            <p:ph type="title"/>
-          </p:nvPr>
-        </p:nvSpPr>
-        <p:spPr/>
-        <p:txBody>
-          <a:bodyPr>
-            <a:normAutofit/>
-          </a:bodyPr>
-          <a:lstStyle/>
-          <a:p>
-            <a:r>
-              <a:rPr lang="en-US" dirty="0" smtClean="0"/>
               <a:t>Hands On: IAM</a:t>
             </a:r>
             <a:endParaRPr lang="en-US" dirty="0"/>
@@ -19293,7 +18705,7 @@
   <p:timing>
     <p:tnLst>
       <p:par>
-        <p:cTn xmlns:p14="http://schemas.microsoft.com/office/powerpoint/2010/main" id="1" dur="indefinite" restart="never" nodeType="tmRoot"/>
+        <p:cTn id="1" dur="indefinite" restart="never" nodeType="tmRoot"/>
       </p:par>
     </p:tnLst>
   </p:timing>
@@ -19362,21 +18774,13 @@
           <a:p>
             <a:r>
               <a:rPr lang="en-US" dirty="0" smtClean="0"/>
-              <a:t>IAM identities are </a:t>
-            </a:r>
+              <a:t>IAM identities are account-wide</a:t>
+            </a:r>
+          </a:p>
+          <a:p>
             <a:r>
               <a:rPr lang="en-US" dirty="0" smtClean="0"/>
-              <a:t>account-wide</a:t>
-            </a:r>
-          </a:p>
-          <a:p>
-            <a:r>
-              <a:rPr lang="en-US" dirty="0" smtClean="0"/>
-              <a:t>Granularity</a:t>
-            </a:r>
-            <a:r>
-              <a:rPr lang="en-US" dirty="0" smtClean="0"/>
-              <a:t>: provides ability to control action on a particular resource type or even a particular resource</a:t>
+              <a:t>Granularity: provides ability to control action on a particular resource type or even a particular resource</a:t>
             </a:r>
             <a:endParaRPr lang="en-US" dirty="0"/>
           </a:p>
@@ -19420,7 +18824,7 @@
   <p:timing>
     <p:tnLst>
       <p:par>
-        <p:cTn xmlns:p14="http://schemas.microsoft.com/office/powerpoint/2010/main" id="1" dur="indefinite" restart="never" nodeType="tmRoot"/>
+        <p:cTn id="1" dur="indefinite" restart="never" nodeType="tmRoot"/>
       </p:par>
     </p:tnLst>
   </p:timing>
@@ -19566,7 +18970,7 @@
   <p:timing>
     <p:tnLst>
       <p:par>
-        <p:cTn xmlns:p14="http://schemas.microsoft.com/office/powerpoint/2010/main" id="1" dur="indefinite" restart="never" nodeType="tmRoot"/>
+        <p:cTn id="1" dur="indefinite" restart="never" nodeType="tmRoot"/>
       </p:par>
     </p:tnLst>
   </p:timing>
@@ -19703,7 +19107,7 @@
   <p:timing>
     <p:tnLst>
       <p:par>
-        <p:cTn xmlns:p14="http://schemas.microsoft.com/office/powerpoint/2010/main" id="1" dur="indefinite" restart="never" nodeType="tmRoot"/>
+        <p:cTn id="1" dur="indefinite" restart="never" nodeType="tmRoot"/>
       </p:par>
     </p:tnLst>
   </p:timing>
@@ -20008,7 +19412,7 @@
   <p:timing>
     <p:tnLst>
       <p:par>
-        <p:cTn xmlns:p14="http://schemas.microsoft.com/office/powerpoint/2010/main" id="1" dur="indefinite" restart="never" nodeType="tmRoot"/>
+        <p:cTn id="1" dur="indefinite" restart="never" nodeType="tmRoot"/>
       </p:par>
     </p:tnLst>
   </p:timing>
@@ -20357,7 +19761,7 @@
   <p:timing>
     <p:tnLst>
       <p:par>
-        <p:cTn xmlns:p14="http://schemas.microsoft.com/office/powerpoint/2010/main" id="1" dur="indefinite" restart="never" nodeType="tmRoot"/>
+        <p:cTn id="1" dur="indefinite" restart="never" nodeType="tmRoot"/>
       </p:par>
     </p:tnLst>
   </p:timing>
@@ -20691,7 +20095,7 @@
   <p:timing>
     <p:tnLst>
       <p:par>
-        <p:cTn xmlns:p14="http://schemas.microsoft.com/office/powerpoint/2010/main" id="1" dur="indefinite" restart="never" nodeType="tmRoot"/>
+        <p:cTn id="1" dur="indefinite" restart="never" nodeType="tmRoot"/>
       </p:par>
     </p:tnLst>
   </p:timing>
@@ -21011,7 +20415,7 @@
   <p:timing>
     <p:tnLst>
       <p:par>
-        <p:cTn xmlns:p14="http://schemas.microsoft.com/office/powerpoint/2010/main" id="1" dur="indefinite" restart="never" nodeType="tmRoot"/>
+        <p:cTn id="1" dur="indefinite" restart="never" nodeType="tmRoot"/>
       </p:par>
     </p:tnLst>
   </p:timing>
@@ -21045,7 +20449,12 @@
             <p:ph idx="1"/>
           </p:nvPr>
         </p:nvSpPr>
-        <p:spPr/>
+        <p:spPr>
+          <a:xfrm>
+            <a:off x="872067" y="2675466"/>
+            <a:ext cx="7408333" cy="3915469"/>
+          </a:xfrm>
+        </p:spPr>
         <p:txBody>
           <a:bodyPr>
             <a:normAutofit fontScale="55000" lnSpcReduction="20000"/>
@@ -21157,18 +20566,37 @@
               <a:buNone/>
             </a:pPr>
             <a:r>
+              <a:rPr lang="en-US" dirty="0" smtClean="0">
+                <a:latin typeface="Courier"/>
+                <a:cs typeface="Courier"/>
+              </a:rPr>
+              <a:t>        ”</a:t>
+            </a:r>
+            <a:r>
               <a:rPr lang="en-US" dirty="0">
                 <a:latin typeface="Courier"/>
                 <a:cs typeface="Courier"/>
               </a:rPr>
-              <a:t>        </a:t>
+              <a:t>ec2</a:t>
             </a:r>
             <a:r>
               <a:rPr lang="en-US" dirty="0" smtClean="0">
                 <a:latin typeface="Courier"/>
                 <a:cs typeface="Courier"/>
               </a:rPr>
-              <a:t>”ec2:Describe*"</a:t>
+              <a:t>:TerminateInstance”,</a:t>
+            </a:r>
+          </a:p>
+          <a:p>
+            <a:pPr marL="0" indent="0">
+              <a:buNone/>
+            </a:pPr>
+            <a:r>
+              <a:rPr lang="en-US" dirty="0" smtClean="0">
+                <a:latin typeface="Courier"/>
+                <a:cs typeface="Courier"/>
+              </a:rPr>
+              <a:t>      ]</a:t>
             </a:r>
             <a:r>
               <a:rPr lang="en-US" dirty="0">
@@ -21183,60 +20611,6 @@
               <a:buNone/>
             </a:pPr>
             <a:r>
-              <a:rPr lang="en-US" dirty="0" smtClean="0">
-                <a:latin typeface="Courier"/>
-                <a:cs typeface="Courier"/>
-              </a:rPr>
-              <a:t>        </a:t>
-            </a:r>
-            <a:r>
-              <a:rPr lang="en-US" dirty="0">
-                <a:latin typeface="Courier"/>
-                <a:cs typeface="Courier"/>
-              </a:rPr>
-              <a:t>”ec2:</a:t>
-            </a:r>
-            <a:r>
-              <a:rPr lang="en-US" dirty="0" smtClean="0">
-                <a:latin typeface="Courier"/>
-                <a:cs typeface="Courier"/>
-              </a:rPr>
-              <a:t>StartInstance”,</a:t>
-            </a:r>
-          </a:p>
-          <a:p>
-            <a:pPr marL="0" indent="0">
-              <a:buNone/>
-            </a:pPr>
-            <a:r>
-              <a:rPr lang="en-US" dirty="0" smtClean="0">
-                <a:latin typeface="Courier"/>
-                <a:cs typeface="Courier"/>
-              </a:rPr>
-              <a:t>        ”ec2:StopInstance"</a:t>
-            </a:r>
-            <a:endParaRPr lang="en-US" dirty="0">
-              <a:latin typeface="Courier"/>
-              <a:cs typeface="Courier"/>
-            </a:endParaRPr>
-          </a:p>
-          <a:p>
-            <a:pPr marL="0" indent="0">
-              <a:buNone/>
-            </a:pPr>
-            <a:r>
-              <a:rPr lang="en-US" dirty="0">
-                <a:latin typeface="Courier"/>
-                <a:cs typeface="Courier"/>
-              </a:rPr>
-              <a:t>      ],</a:t>
-            </a:r>
-          </a:p>
-          <a:p>
-            <a:pPr marL="0" indent="0">
-              <a:buNone/>
-            </a:pPr>
-            <a:r>
               <a:rPr lang="en-US" dirty="0">
                 <a:latin typeface="Courier"/>
                 <a:cs typeface="Courier"/>
@@ -21274,15 +20648,136 @@
                 <a:latin typeface="Courier"/>
                 <a:cs typeface="Courier"/>
               </a:rPr>
-              <a:t>:*"</a:t>
+              <a:t>:*"]</a:t>
+            </a:r>
+          </a:p>
+          <a:p>
+            <a:pPr marL="0" indent="0">
+              <a:buNone/>
+            </a:pPr>
+            <a:r>
+              <a:rPr lang="en-US" dirty="0" smtClean="0">
+                <a:latin typeface="Courier"/>
+                <a:cs typeface="Courier"/>
+              </a:rPr>
+              <a:t>      "</a:t>
             </a:r>
             <a:r>
               <a:rPr lang="en-US" dirty="0">
                 <a:latin typeface="Courier"/>
                 <a:cs typeface="Courier"/>
               </a:rPr>
-              <a:t>]</a:t>
-            </a:r>
+              <a:t>Condition": {</a:t>
+            </a:r>
+          </a:p>
+          <a:p>
+            <a:pPr marL="0" indent="0">
+              <a:buNone/>
+            </a:pPr>
+            <a:r>
+              <a:rPr lang="en-US" dirty="0">
+                <a:latin typeface="Courier"/>
+                <a:cs typeface="Courier"/>
+              </a:rPr>
+              <a:t>  </a:t>
+            </a:r>
+            <a:r>
+              <a:rPr lang="en-US" dirty="0" smtClean="0">
+                <a:latin typeface="Courier"/>
+                <a:cs typeface="Courier"/>
+              </a:rPr>
+              <a:t>      "</a:t>
+            </a:r>
+            <a:r>
+              <a:rPr lang="en-US" dirty="0" err="1" smtClean="0">
+                <a:latin typeface="Courier"/>
+                <a:cs typeface="Courier"/>
+              </a:rPr>
+              <a:t>DateLessThan</a:t>
+            </a:r>
+            <a:r>
+              <a:rPr lang="en-US" dirty="0">
+                <a:latin typeface="Courier"/>
+                <a:cs typeface="Courier"/>
+              </a:rPr>
+              <a:t>" : {</a:t>
+            </a:r>
+          </a:p>
+          <a:p>
+            <a:pPr marL="0" indent="0">
+              <a:buNone/>
+            </a:pPr>
+            <a:r>
+              <a:rPr lang="en-US" dirty="0">
+                <a:latin typeface="Courier"/>
+                <a:cs typeface="Courier"/>
+              </a:rPr>
+              <a:t>     </a:t>
+            </a:r>
+            <a:r>
+              <a:rPr lang="en-US" dirty="0" smtClean="0">
+                <a:latin typeface="Courier"/>
+                <a:cs typeface="Courier"/>
+              </a:rPr>
+              <a:t>     "</a:t>
+            </a:r>
+            <a:r>
+              <a:rPr lang="en-US" dirty="0" err="1">
+                <a:latin typeface="Courier"/>
+                <a:cs typeface="Courier"/>
+              </a:rPr>
+              <a:t>aws:CurrentTime</a:t>
+            </a:r>
+            <a:r>
+              <a:rPr lang="en-US" dirty="0">
+                <a:latin typeface="Courier"/>
+                <a:cs typeface="Courier"/>
+              </a:rPr>
+              <a:t>" : "2015-05-24T20:00:</a:t>
+            </a:r>
+            <a:r>
+              <a:rPr lang="en-US" dirty="0" smtClean="0">
+                <a:latin typeface="Courier"/>
+                <a:cs typeface="Courier"/>
+              </a:rPr>
+              <a:t>00Z”</a:t>
+            </a:r>
+            <a:endParaRPr lang="en-US" dirty="0">
+              <a:latin typeface="Courier"/>
+              <a:cs typeface="Courier"/>
+            </a:endParaRPr>
+          </a:p>
+          <a:p>
+            <a:pPr marL="0" indent="0">
+              <a:buNone/>
+            </a:pPr>
+            <a:r>
+              <a:rPr lang="en-US" dirty="0" smtClean="0">
+                <a:latin typeface="Courier"/>
+                <a:cs typeface="Courier"/>
+              </a:rPr>
+              <a:t>        }</a:t>
+            </a:r>
+            <a:endParaRPr lang="en-US" dirty="0">
+              <a:latin typeface="Courier"/>
+              <a:cs typeface="Courier"/>
+            </a:endParaRPr>
+          </a:p>
+          <a:p>
+            <a:pPr marL="0" indent="0">
+              <a:buNone/>
+            </a:pPr>
+            <a:r>
+              <a:rPr lang="en-US" dirty="0" smtClean="0">
+                <a:latin typeface="Courier"/>
+                <a:cs typeface="Courier"/>
+              </a:rPr>
+              <a:t>      }</a:t>
+            </a:r>
+            <a:endParaRPr lang="en-US" dirty="0">
+              <a:latin typeface="Courier"/>
+              <a:cs typeface="Courier"/>
+            </a:endParaRPr>
           </a:p>
           <a:p>
             <a:pPr marL="0" indent="0">
@@ -21350,7 +20845,7 @@
     </p:spTree>
     <p:extLst>
       <p:ext uri="{BB962C8B-B14F-4D97-AF65-F5344CB8AC3E}">
-        <p14:creationId xmlns:p14="http://schemas.microsoft.com/office/powerpoint/2010/main" val="3003587639"/>
+        <p14:creationId xmlns:p14="http://schemas.microsoft.com/office/powerpoint/2010/main" val="1983193316"/>
       </p:ext>
     </p:extLst>
   </p:cSld>
@@ -21360,7 +20855,7 @@
   <p:timing>
     <p:tnLst>
       <p:par>
-        <p:cTn xmlns:p14="http://schemas.microsoft.com/office/powerpoint/2010/main" id="1" dur="indefinite" restart="never" nodeType="tmRoot"/>
+        <p:cTn id="1" dur="indefinite" restart="never" nodeType="tmRoot"/>
       </p:par>
     </p:tnLst>
   </p:timing>

--- a/aws-iam/aws-iam.pptx
+++ b/aws-iam/aws-iam.pptx
@@ -5,7 +5,7 @@
     <p:sldMasterId id="2147483677" r:id="rId1"/>
   </p:sldMasterIdLst>
   <p:notesMasterIdLst>
-    <p:notesMasterId r:id="rId19"/>
+    <p:notesMasterId r:id="rId18"/>
   </p:notesMasterIdLst>
   <p:sldIdLst>
     <p:sldId id="256" r:id="rId2"/>
@@ -24,7 +24,6 @@
     <p:sldId id="279" r:id="rId15"/>
     <p:sldId id="277" r:id="rId16"/>
     <p:sldId id="287" r:id="rId17"/>
-    <p:sldId id="258" r:id="rId18"/>
   </p:sldIdLst>
   <p:sldSz cx="9144000" cy="6858000" type="screen4x3"/>
   <p:notesSz cx="6858000" cy="9144000"/>
@@ -224,7 +223,7 @@
           <a:p>
             <a:fld id="{1B6676A5-1300-B945-98B1-DD92DDC3A3CB}" type="datetimeFigureOut">
               <a:rPr lang="en-US" smtClean="0"/>
-              <a:t>11/22/15</a:t>
+              <a:t>12/1/15</a:t>
             </a:fld>
             <a:endParaRPr lang="en-US"/>
           </a:p>
@@ -1098,146 +1097,6 @@
 </p:notes>
 </file>
 
-<file path=ppt/notesSlides/notesSlide14.xml><?xml version="1.0" encoding="utf-8"?>
-<p:notes xmlns:a="http://schemas.openxmlformats.org/drawingml/2006/main" xmlns:r="http://schemas.openxmlformats.org/officeDocument/2006/relationships" xmlns:p="http://schemas.openxmlformats.org/presentationml/2006/main">
-  <p:cSld>
-    <p:spTree>
-      <p:nvGrpSpPr>
-        <p:cNvPr id="1" name=""/>
-        <p:cNvGrpSpPr/>
-        <p:nvPr/>
-      </p:nvGrpSpPr>
-      <p:grpSpPr>
-        <a:xfrm>
-          <a:off x="0" y="0"/>
-          <a:ext cx="0" cy="0"/>
-          <a:chOff x="0" y="0"/>
-          <a:chExt cx="0" cy="0"/>
-        </a:xfrm>
-      </p:grpSpPr>
-      <p:sp>
-        <p:nvSpPr>
-          <p:cNvPr id="2" name="Slide Image Placeholder 1"/>
-          <p:cNvSpPr>
-            <a:spLocks noGrp="1" noRot="1" noChangeAspect="1"/>
-          </p:cNvSpPr>
-          <p:nvPr>
-            <p:ph type="sldImg"/>
-          </p:nvPr>
-        </p:nvSpPr>
-        <p:spPr/>
-      </p:sp>
-      <p:sp>
-        <p:nvSpPr>
-          <p:cNvPr id="3" name="Notes Placeholder 2"/>
-          <p:cNvSpPr>
-            <a:spLocks noGrp="1"/>
-          </p:cNvSpPr>
-          <p:nvPr>
-            <p:ph type="body" idx="1"/>
-          </p:nvPr>
-        </p:nvSpPr>
-        <p:spPr/>
-        <p:txBody>
-          <a:bodyPr/>
-          <a:lstStyle/>
-          <a:p>
-            <a:r>
-              <a:rPr lang="en-US" dirty="0" smtClean="0"/>
-              <a:t>Hands</a:t>
-            </a:r>
-            <a:r>
-              <a:rPr lang="en-US" baseline="0" dirty="0" smtClean="0"/>
-              <a:t> On Files</a:t>
-            </a:r>
-            <a:r>
-              <a:rPr lang="en-US" dirty="0" smtClean="0"/>
-              <a:t>:</a:t>
-            </a:r>
-          </a:p>
-          <a:p>
-            <a:pPr marL="171450" indent="-171450">
-              <a:buFont typeface="Arial"/>
-              <a:buChar char="•"/>
-            </a:pPr>
-            <a:r>
-              <a:rPr lang="en-US" dirty="0" err="1" smtClean="0"/>
-              <a:t>iam</a:t>
-            </a:r>
-            <a:r>
-              <a:rPr lang="en-US" dirty="0" smtClean="0"/>
-              <a:t>-create-group-</a:t>
-            </a:r>
-            <a:r>
-              <a:rPr lang="en-US" dirty="0" err="1" smtClean="0"/>
-              <a:t>user.docx</a:t>
-            </a:r>
-            <a:endParaRPr lang="en-US" dirty="0" smtClean="0"/>
-          </a:p>
-          <a:p>
-            <a:pPr marL="171450" indent="-171450">
-              <a:buFont typeface="Arial"/>
-              <a:buChar char="•"/>
-            </a:pPr>
-            <a:r>
-              <a:rPr lang="en-US" dirty="0" err="1" smtClean="0"/>
-              <a:t>iam</a:t>
-            </a:r>
-            <a:r>
-              <a:rPr lang="en-US" dirty="0" smtClean="0"/>
-              <a:t>-restrict-access-</a:t>
-            </a:r>
-            <a:r>
-              <a:rPr lang="en-US" dirty="0" err="1" smtClean="0"/>
-              <a:t>tag.md</a:t>
-            </a:r>
-            <a:endParaRPr lang="en-US" smtClean="0"/>
-          </a:p>
-          <a:p>
-            <a:pPr marL="0" indent="0">
-              <a:buFont typeface="Arial"/>
-              <a:buNone/>
-            </a:pPr>
-            <a:endParaRPr lang="en-US" dirty="0"/>
-          </a:p>
-        </p:txBody>
-      </p:sp>
-      <p:sp>
-        <p:nvSpPr>
-          <p:cNvPr id="4" name="Slide Number Placeholder 3"/>
-          <p:cNvSpPr>
-            <a:spLocks noGrp="1"/>
-          </p:cNvSpPr>
-          <p:nvPr>
-            <p:ph type="sldNum" sz="quarter" idx="10"/>
-          </p:nvPr>
-        </p:nvSpPr>
-        <p:spPr/>
-        <p:txBody>
-          <a:bodyPr/>
-          <a:lstStyle/>
-          <a:p>
-            <a:fld id="{BFB43062-714D-1146-A97F-0D45BD9E7BF0}" type="slidenum">
-              <a:rPr lang="en-US" smtClean="0"/>
-              <a:t>17</a:t>
-            </a:fld>
-            <a:endParaRPr lang="en-US"/>
-          </a:p>
-        </p:txBody>
-      </p:sp>
-    </p:spTree>
-    <p:extLst>
-      <p:ext uri="{BB962C8B-B14F-4D97-AF65-F5344CB8AC3E}">
-        <p14:creationId xmlns:p14="http://schemas.microsoft.com/office/powerpoint/2010/main" val="1326461569"/>
-      </p:ext>
-    </p:extLst>
-  </p:cSld>
-  <p:clrMapOvr>
-    <a:masterClrMapping/>
-  </p:clrMapOvr>
-</p:notes>
-</file>
-
 <file path=ppt/notesSlides/notesSlide2.xml><?xml version="1.0" encoding="utf-8"?>
 <p:notes xmlns:a="http://schemas.openxmlformats.org/drawingml/2006/main" xmlns:r="http://schemas.openxmlformats.org/officeDocument/2006/relationships" xmlns:p="http://schemas.openxmlformats.org/presentationml/2006/main">
   <p:cSld>
@@ -4317,7 +4176,7 @@
           <a:p>
             <a:fld id="{7CE38E4D-051A-41E1-86A4-E56916468FD0}" type="datetimeFigureOut">
               <a:rPr lang="en-US" smtClean="0"/>
-              <a:t>11/22/15</a:t>
+              <a:t>12/1/15</a:t>
             </a:fld>
             <a:endParaRPr lang="en-US"/>
           </a:p>
@@ -4498,7 +4357,7 @@
           <a:p>
             <a:fld id="{7CE38E4D-051A-41E1-86A4-E56916468FD0}" type="datetimeFigureOut">
               <a:rPr lang="en-US" smtClean="0"/>
-              <a:t>11/22/15</a:t>
+              <a:t>12/1/15</a:t>
             </a:fld>
             <a:endParaRPr lang="en-US"/>
           </a:p>
@@ -4649,7 +4508,7 @@
           <a:p>
             <a:fld id="{7CE38E4D-051A-41E1-86A4-E56916468FD0}" type="datetimeFigureOut">
               <a:rPr lang="en-US" smtClean="0"/>
-              <a:t>11/22/15</a:t>
+              <a:t>12/1/15</a:t>
             </a:fld>
             <a:endParaRPr lang="en-US"/>
           </a:p>
@@ -6475,7 +6334,7 @@
           <a:p>
             <a:fld id="{7CE38E4D-051A-41E1-86A4-E56916468FD0}" type="datetimeFigureOut">
               <a:rPr lang="en-US" smtClean="0"/>
-              <a:t>11/22/15</a:t>
+              <a:t>12/1/15</a:t>
             </a:fld>
             <a:endParaRPr lang="en-US"/>
           </a:p>
@@ -8345,7 +8204,7 @@
           <a:p>
             <a:fld id="{7CE38E4D-051A-41E1-86A4-E56916468FD0}" type="datetimeFigureOut">
               <a:rPr lang="en-US" smtClean="0"/>
-              <a:t>11/22/15</a:t>
+              <a:t>12/1/15</a:t>
             </a:fld>
             <a:endParaRPr lang="en-US"/>
           </a:p>
@@ -8458,7 +8317,7 @@
           <a:p>
             <a:fld id="{7CE38E4D-051A-41E1-86A4-E56916468FD0}" type="datetimeFigureOut">
               <a:rPr lang="en-US" smtClean="0"/>
-              <a:t>11/22/15</a:t>
+              <a:t>12/1/15</a:t>
             </a:fld>
             <a:endParaRPr lang="en-US"/>
           </a:p>
@@ -8999,7 +8858,7 @@
           <a:p>
             <a:fld id="{7CE38E4D-051A-41E1-86A4-E56916468FD0}" type="datetimeFigureOut">
               <a:rPr lang="en-US" smtClean="0"/>
-              <a:t>11/22/15</a:t>
+              <a:t>12/1/15</a:t>
             </a:fld>
             <a:endParaRPr lang="en-US"/>
           </a:p>
@@ -9112,7 +8971,7 @@
           <a:p>
             <a:fld id="{7CE38E4D-051A-41E1-86A4-E56916468FD0}" type="datetimeFigureOut">
               <a:rPr lang="en-US" smtClean="0"/>
-              <a:t>11/22/15</a:t>
+              <a:t>12/1/15</a:t>
             </a:fld>
             <a:endParaRPr lang="en-US"/>
           </a:p>
@@ -10823,7 +10682,7 @@
           <a:p>
             <a:fld id="{7CE38E4D-051A-41E1-86A4-E56916468FD0}" type="datetimeFigureOut">
               <a:rPr lang="en-US" smtClean="0"/>
-              <a:t>11/22/15</a:t>
+              <a:t>12/1/15</a:t>
             </a:fld>
             <a:endParaRPr lang="en-US"/>
           </a:p>
@@ -10974,7 +10833,7 @@
           <a:p>
             <a:fld id="{7CE38E4D-051A-41E1-86A4-E56916468FD0}" type="datetimeFigureOut">
               <a:rPr lang="en-US" smtClean="0"/>
-              <a:t>11/22/15</a:t>
+              <a:t>12/1/15</a:t>
             </a:fld>
             <a:endParaRPr lang="en-US"/>
           </a:p>
@@ -14589,7 +14448,7 @@
           <a:p>
             <a:fld id="{7CE38E4D-051A-41E1-86A4-E56916468FD0}" type="datetimeFigureOut">
               <a:rPr lang="en-US" smtClean="0"/>
-              <a:t>11/22/15</a:t>
+              <a:t>12/1/15</a:t>
             </a:fld>
             <a:endParaRPr lang="en-US"/>
           </a:p>
@@ -16448,7 +16307,7 @@
           <a:p>
             <a:fld id="{7CE38E4D-051A-41E1-86A4-E56916468FD0}" type="datetimeFigureOut">
               <a:rPr lang="en-US" smtClean="0"/>
-              <a:t>11/22/15</a:t>
+              <a:t>12/1/15</a:t>
             </a:fld>
             <a:endParaRPr lang="en-US"/>
           </a:p>
@@ -18556,146 +18415,6 @@
     <p:extLst>
       <p:ext uri="{BB962C8B-B14F-4D97-AF65-F5344CB8AC3E}">
         <p14:creationId xmlns:p14="http://schemas.microsoft.com/office/powerpoint/2010/main" val="3708169065"/>
-      </p:ext>
-    </p:extLst>
-  </p:cSld>
-  <p:clrMapOvr>
-    <a:masterClrMapping/>
-  </p:clrMapOvr>
-  <p:timing>
-    <p:tnLst>
-      <p:par>
-        <p:cTn id="1" dur="indefinite" restart="never" nodeType="tmRoot"/>
-      </p:par>
-    </p:tnLst>
-  </p:timing>
-</p:sld>
-</file>
-
-<file path=ppt/slides/slide17.xml><?xml version="1.0" encoding="utf-8"?>
-<p:sld xmlns:a="http://schemas.openxmlformats.org/drawingml/2006/main" xmlns:r="http://schemas.openxmlformats.org/officeDocument/2006/relationships" xmlns:p="http://schemas.openxmlformats.org/presentationml/2006/main">
-  <p:cSld>
-    <p:spTree>
-      <p:nvGrpSpPr>
-        <p:cNvPr id="1" name=""/>
-        <p:cNvGrpSpPr/>
-        <p:nvPr/>
-      </p:nvGrpSpPr>
-      <p:grpSpPr>
-        <a:xfrm>
-          <a:off x="0" y="0"/>
-          <a:ext cx="0" cy="0"/>
-          <a:chOff x="0" y="0"/>
-          <a:chExt cx="0" cy="0"/>
-        </a:xfrm>
-      </p:grpSpPr>
-      <p:sp>
-        <p:nvSpPr>
-          <p:cNvPr id="3" name="Content Placeholder 2"/>
-          <p:cNvSpPr>
-            <a:spLocks noGrp="1"/>
-          </p:cNvSpPr>
-          <p:nvPr>
-            <p:ph idx="1"/>
-          </p:nvPr>
-        </p:nvSpPr>
-        <p:spPr/>
-        <p:txBody>
-          <a:bodyPr>
-            <a:normAutofit lnSpcReduction="10000"/>
-          </a:bodyPr>
-          <a:lstStyle/>
-          <a:p>
-            <a:pPr marL="0" indent="0">
-              <a:buNone/>
-            </a:pPr>
-            <a:r>
-              <a:rPr lang="en-US" dirty="0" smtClean="0"/>
-              <a:t>Create IAM User and Group:</a:t>
-            </a:r>
-          </a:p>
-          <a:p>
-            <a:r>
-              <a:rPr lang="en-US" dirty="0" smtClean="0"/>
-              <a:t>Create an IAM Group</a:t>
-            </a:r>
-          </a:p>
-          <a:p>
-            <a:r>
-              <a:rPr lang="en-US" dirty="0" smtClean="0"/>
-              <a:t>Create an IAM User</a:t>
-            </a:r>
-          </a:p>
-          <a:p>
-            <a:pPr marL="0" indent="0">
-              <a:buNone/>
-            </a:pPr>
-            <a:r>
-              <a:rPr lang="en-US" dirty="0" smtClean="0"/>
-              <a:t>Create a Limited Access IAM User and Test:</a:t>
-            </a:r>
-          </a:p>
-          <a:p>
-            <a:r>
-              <a:rPr lang="en-US" dirty="0" smtClean="0"/>
-              <a:t>Create an IAM Policy</a:t>
-            </a:r>
-          </a:p>
-          <a:p>
-            <a:r>
-              <a:rPr lang="en-US" dirty="0" smtClean="0"/>
-              <a:t>Create a user</a:t>
-            </a:r>
-          </a:p>
-          <a:p>
-            <a:r>
-              <a:rPr lang="en-US" dirty="0" smtClean="0"/>
-              <a:t>Apply Policy to user – allow access to resource by Tag</a:t>
-            </a:r>
-          </a:p>
-          <a:p>
-            <a:r>
-              <a:rPr lang="en-US" dirty="0" smtClean="0"/>
-              <a:t>Test Access Policy</a:t>
-            </a:r>
-          </a:p>
-          <a:p>
-            <a:pPr marL="0" indent="0">
-              <a:buNone/>
-            </a:pPr>
-            <a:endParaRPr lang="en-US" dirty="0" smtClean="0"/>
-          </a:p>
-        </p:txBody>
-      </p:sp>
-      <p:sp>
-        <p:nvSpPr>
-          <p:cNvPr id="2" name="Title 1"/>
-          <p:cNvSpPr>
-            <a:spLocks noGrp="1"/>
-          </p:cNvSpPr>
-          <p:nvPr>
-            <p:ph type="title"/>
-          </p:nvPr>
-        </p:nvSpPr>
-        <p:spPr/>
-        <p:txBody>
-          <a:bodyPr>
-            <a:normAutofit/>
-          </a:bodyPr>
-          <a:lstStyle/>
-          <a:p>
-            <a:r>
-              <a:rPr lang="en-US" dirty="0" smtClean="0"/>
-              <a:t>Hands On: IAM</a:t>
-            </a:r>
-            <a:endParaRPr lang="en-US" dirty="0"/>
-          </a:p>
-        </p:txBody>
-      </p:sp>
-    </p:spTree>
-    <p:extLst>
-      <p:ext uri="{BB962C8B-B14F-4D97-AF65-F5344CB8AC3E}">
-        <p14:creationId xmlns:p14="http://schemas.microsoft.com/office/powerpoint/2010/main" val="852108151"/>
       </p:ext>
     </p:extLst>
   </p:cSld>

--- a/aws-iam/aws-iam.pptx
+++ b/aws-iam/aws-iam.pptx
@@ -5,25 +5,26 @@
     <p:sldMasterId id="2147483677" r:id="rId1"/>
   </p:sldMasterIdLst>
   <p:notesMasterIdLst>
-    <p:notesMasterId r:id="rId18"/>
+    <p:notesMasterId r:id="rId19"/>
   </p:notesMasterIdLst>
   <p:sldIdLst>
     <p:sldId id="256" r:id="rId2"/>
     <p:sldId id="276" r:id="rId3"/>
     <p:sldId id="282" r:id="rId4"/>
     <p:sldId id="284" r:id="rId5"/>
-    <p:sldId id="288" r:id="rId6"/>
-    <p:sldId id="289" r:id="rId7"/>
-    <p:sldId id="291" r:id="rId8"/>
-    <p:sldId id="292" r:id="rId9"/>
-    <p:sldId id="293" r:id="rId10"/>
-    <p:sldId id="280" r:id="rId11"/>
-    <p:sldId id="283" r:id="rId12"/>
-    <p:sldId id="278" r:id="rId13"/>
-    <p:sldId id="286" r:id="rId14"/>
-    <p:sldId id="279" r:id="rId15"/>
-    <p:sldId id="277" r:id="rId16"/>
-    <p:sldId id="287" r:id="rId17"/>
+    <p:sldId id="294" r:id="rId6"/>
+    <p:sldId id="278" r:id="rId7"/>
+    <p:sldId id="288" r:id="rId8"/>
+    <p:sldId id="289" r:id="rId9"/>
+    <p:sldId id="291" r:id="rId10"/>
+    <p:sldId id="292" r:id="rId11"/>
+    <p:sldId id="293" r:id="rId12"/>
+    <p:sldId id="286" r:id="rId13"/>
+    <p:sldId id="279" r:id="rId14"/>
+    <p:sldId id="280" r:id="rId15"/>
+    <p:sldId id="283" r:id="rId16"/>
+    <p:sldId id="277" r:id="rId17"/>
+    <p:sldId id="287" r:id="rId18"/>
   </p:sldIdLst>
   <p:sldSz cx="9144000" cy="6858000" type="screen4x3"/>
   <p:notesSz cx="6858000" cy="9144000"/>
@@ -223,7 +224,7 @@
           <a:p>
             <a:fld id="{1B6676A5-1300-B945-98B1-DD92DDC3A3CB}" type="datetimeFigureOut">
               <a:rPr lang="en-US" smtClean="0"/>
-              <a:t>12/1/15</a:t>
+              <a:t>12/2/15</a:t>
             </a:fld>
             <a:endParaRPr lang="en-US"/>
           </a:p>
@@ -643,72 +644,180 @@
           <a:p>
             <a:r>
               <a:rPr lang="en-US" dirty="0" smtClean="0"/>
-              <a:t>References:</a:t>
-            </a:r>
-          </a:p>
-          <a:p>
-            <a:pPr marL="171450" indent="-171450">
-              <a:buFont typeface="Arial"/>
-              <a:buChar char="•"/>
+              <a:t>Answer: Depends. Result of policy</a:t>
+            </a:r>
+            <a:r>
+              <a:rPr lang="en-US" baseline="0" dirty="0" smtClean="0"/>
+              <a:t> evaluation</a:t>
+            </a:r>
+            <a:r>
+              <a:rPr lang="en-US" dirty="0" smtClean="0"/>
+              <a:t>:</a:t>
+            </a:r>
+          </a:p>
+          <a:p>
+            <a:pPr marL="228600" indent="-228600">
+              <a:buAutoNum type="arabicPeriod"/>
             </a:pPr>
             <a:r>
               <a:rPr lang="en-US" dirty="0" smtClean="0"/>
-              <a:t>ARN Identification: http://</a:t>
-            </a:r>
-            <a:r>
-              <a:rPr lang="en-US" dirty="0" err="1" smtClean="0"/>
-              <a:t>docs.aws.amazon.com</a:t>
-            </a:r>
-            <a:r>
-              <a:rPr lang="en-US" dirty="0" smtClean="0"/>
-              <a:t>/general/latest/gr/</a:t>
-            </a:r>
-            <a:r>
-              <a:rPr lang="en-US" dirty="0" err="1" smtClean="0"/>
-              <a:t>aws</a:t>
-            </a:r>
-            <a:r>
-              <a:rPr lang="en-US" dirty="0" smtClean="0"/>
-              <a:t>-</a:t>
-            </a:r>
-            <a:r>
-              <a:rPr lang="en-US" dirty="0" err="1" smtClean="0"/>
-              <a:t>arns</a:t>
-            </a:r>
-            <a:r>
-              <a:rPr lang="en-US" dirty="0" smtClean="0"/>
-              <a:t>-and-</a:t>
-            </a:r>
-            <a:r>
-              <a:rPr lang="en-US" dirty="0" err="1" smtClean="0"/>
-              <a:t>namespaces.html</a:t>
-            </a:r>
-            <a:endParaRPr lang="en-US" dirty="0" smtClean="0"/>
-          </a:p>
-          <a:p>
-            <a:pPr marL="171450" indent="-171450">
-              <a:buFont typeface="Arial"/>
-              <a:buChar char="•"/>
+              <a:t>The terminate-instances</a:t>
+            </a:r>
+            <a:r>
+              <a:rPr lang="en-US" baseline="0" dirty="0" smtClean="0"/>
+              <a:t> command in the resource context does not match the commands allowed in the “Action” element in the given policy.</a:t>
+            </a:r>
+          </a:p>
+          <a:p>
+            <a:pPr marL="228600" indent="-228600">
+              <a:buAutoNum type="arabicPeriod"/>
             </a:pPr>
             <a:r>
-              <a:rPr lang="en-US" dirty="0" smtClean="0"/>
-              <a:t>Service</a:t>
-            </a:r>
-            <a:r>
               <a:rPr lang="en-US" baseline="0" dirty="0" smtClean="0"/>
-              <a:t> Namespaces: http://</a:t>
+              <a:t>The resource (</a:t>
+            </a:r>
+            <a:r>
+              <a:rPr lang="de-DE" baseline="0" dirty="0" smtClean="0"/>
+              <a:t>i-8f00e559)</a:t>
+            </a:r>
+            <a:r>
+              <a:rPr lang="en-US" baseline="0" dirty="0" smtClean="0"/>
+              <a:t> on which an action is requested matches the resource given in the resource context, but in this case the action is not allowed.</a:t>
+            </a:r>
+          </a:p>
+          <a:p>
+            <a:pPr marL="228600" marR="0" indent="-228600" algn="l" defTabSz="457200" rtl="0" eaLnBrk="1" fontAlgn="auto" latinLnBrk="0" hangingPunct="1">
+              <a:lnSpc>
+                <a:spcPct val="100000"/>
+              </a:lnSpc>
+              <a:spcBef>
+                <a:spcPts val="0"/>
+              </a:spcBef>
+              <a:spcAft>
+                <a:spcPts val="0"/>
+              </a:spcAft>
+              <a:buClrTx/>
+              <a:buSzTx/>
+              <a:buFontTx/>
+              <a:buAutoNum type="arabicPeriod"/>
+              <a:tabLst/>
+              <a:defRPr/>
+            </a:pPr>
+            <a:r>
+              <a:rPr lang="en-US" baseline="0" dirty="0" smtClean="0"/>
+              <a:t>The </a:t>
             </a:r>
             <a:r>
               <a:rPr lang="en-US" baseline="0" dirty="0" err="1" smtClean="0"/>
-              <a:t>docs.aws.amazon.com</a:t>
+              <a:t>CurrentTime</a:t>
             </a:r>
             <a:r>
               <a:rPr lang="en-US" baseline="0" dirty="0" smtClean="0"/>
-              <a:t>/general/latest/gr/</a:t>
+              <a:t> (</a:t>
             </a:r>
             <a:r>
               <a:rPr lang="en-US" baseline="0" dirty="0" err="1" smtClean="0"/>
-              <a:t>aws-arns-and-namespaces.html#genref-aws-service-namespaces</a:t>
+              <a:t>yyyy-mm-ddThh:mm:ssZ</a:t>
+            </a:r>
+            <a:r>
+              <a:rPr lang="de-DE" baseline="0" dirty="0" smtClean="0"/>
+              <a:t>) </a:t>
+            </a:r>
+            <a:r>
+              <a:rPr lang="de-DE" baseline="0" dirty="0" err="1" smtClean="0"/>
+              <a:t>value</a:t>
+            </a:r>
+            <a:r>
+              <a:rPr lang="de-DE" baseline="0" dirty="0" smtClean="0"/>
+              <a:t> in </a:t>
+            </a:r>
+            <a:r>
+              <a:rPr lang="de-DE" baseline="0" dirty="0" err="1" smtClean="0"/>
+              <a:t>the</a:t>
+            </a:r>
+            <a:r>
+              <a:rPr lang="de-DE" baseline="0" dirty="0" smtClean="0"/>
+              <a:t> </a:t>
+            </a:r>
+            <a:r>
+              <a:rPr lang="de-DE" baseline="0" dirty="0" err="1" smtClean="0"/>
+              <a:t>resource</a:t>
+            </a:r>
+            <a:r>
+              <a:rPr lang="de-DE" baseline="0" dirty="0" smtClean="0"/>
+              <a:t> </a:t>
+            </a:r>
+            <a:r>
+              <a:rPr lang="de-DE" baseline="0" dirty="0" err="1" smtClean="0"/>
+              <a:t>context</a:t>
+            </a:r>
+            <a:r>
+              <a:rPr lang="de-DE" baseline="0" dirty="0" smtClean="0"/>
+              <a:t> </a:t>
+            </a:r>
+            <a:r>
+              <a:rPr lang="de-DE" baseline="0" dirty="0" err="1" smtClean="0"/>
+              <a:t>is</a:t>
+            </a:r>
+            <a:r>
+              <a:rPr lang="de-DE" baseline="0" dirty="0" smtClean="0"/>
+              <a:t> </a:t>
+            </a:r>
+            <a:r>
+              <a:rPr lang="de-DE" baseline="0" dirty="0" err="1" smtClean="0"/>
+              <a:t>evaluated</a:t>
+            </a:r>
+            <a:r>
+              <a:rPr lang="de-DE" baseline="0" dirty="0" smtClean="0"/>
+              <a:t> </a:t>
+            </a:r>
+            <a:r>
+              <a:rPr lang="de-DE" baseline="0" dirty="0" err="1" smtClean="0"/>
+              <a:t>against</a:t>
+            </a:r>
+            <a:r>
+              <a:rPr lang="de-DE" baseline="0" dirty="0" smtClean="0"/>
+              <a:t> </a:t>
+            </a:r>
+            <a:r>
+              <a:rPr lang="de-DE" baseline="0" dirty="0" err="1" smtClean="0"/>
+              <a:t>the</a:t>
+            </a:r>
+            <a:r>
+              <a:rPr lang="de-DE" baseline="0" dirty="0" smtClean="0"/>
+              <a:t> „</a:t>
+            </a:r>
+            <a:r>
+              <a:rPr lang="de-DE" baseline="0" dirty="0" err="1" smtClean="0"/>
+              <a:t>Condition</a:t>
+            </a:r>
+            <a:r>
+              <a:rPr lang="de-DE" baseline="0" dirty="0" smtClean="0"/>
+              <a:t>“ in </a:t>
+            </a:r>
+            <a:r>
+              <a:rPr lang="de-DE" baseline="0" dirty="0" err="1" smtClean="0"/>
+              <a:t>the</a:t>
+            </a:r>
+            <a:r>
+              <a:rPr lang="de-DE" baseline="0" dirty="0" smtClean="0"/>
+              <a:t> </a:t>
+            </a:r>
+            <a:r>
+              <a:rPr lang="de-DE" baseline="0" dirty="0" err="1" smtClean="0"/>
+              <a:t>given</a:t>
+            </a:r>
+            <a:r>
+              <a:rPr lang="de-DE" baseline="0" dirty="0" smtClean="0"/>
+              <a:t> </a:t>
+            </a:r>
+            <a:r>
+              <a:rPr lang="de-DE" baseline="0" dirty="0" err="1" smtClean="0"/>
+              <a:t>policy</a:t>
+            </a:r>
+            <a:r>
+              <a:rPr lang="de-DE" baseline="0" dirty="0" smtClean="0"/>
+              <a:t>.</a:t>
             </a:r>
             <a:endParaRPr lang="en-US" dirty="0"/>
           </a:p>
@@ -731,7 +840,7 @@
           <a:p>
             <a:fld id="{BFB43062-714D-1146-A97F-0D45BD9E7BF0}" type="slidenum">
               <a:rPr lang="en-US" smtClean="0"/>
-              <a:t>13</a:t>
+              <a:t>11</a:t>
             </a:fld>
             <a:endParaRPr lang="en-US"/>
           </a:p>
@@ -740,7 +849,7 @@
     </p:spTree>
     <p:extLst>
       <p:ext uri="{BB962C8B-B14F-4D97-AF65-F5344CB8AC3E}">
-        <p14:creationId xmlns:p14="http://schemas.microsoft.com/office/powerpoint/2010/main" val="3147512962"/>
+        <p14:creationId xmlns:p14="http://schemas.microsoft.com/office/powerpoint/2010/main" val="116716749"/>
       </p:ext>
     </p:extLst>
   </p:cSld>
@@ -796,7 +905,7 @@
           <a:p>
             <a:r>
               <a:rPr lang="en-US" dirty="0" smtClean="0"/>
-              <a:t>Reference:</a:t>
+              <a:t>References:</a:t>
             </a:r>
           </a:p>
           <a:p>
@@ -806,7 +915,7 @@
             </a:pPr>
             <a:r>
               <a:rPr lang="en-US" dirty="0" smtClean="0"/>
-              <a:t>Role for EC2: http://</a:t>
+              <a:t>ARN Identification: http://</a:t>
             </a:r>
             <a:r>
               <a:rPr lang="en-US" dirty="0" err="1" smtClean="0"/>
@@ -814,15 +923,54 @@
             </a:r>
             <a:r>
               <a:rPr lang="en-US" dirty="0" smtClean="0"/>
-              <a:t>/AWSEC2/latest/</a:t>
+              <a:t>/general/latest/gr/</a:t>
             </a:r>
             <a:r>
               <a:rPr lang="en-US" dirty="0" err="1" smtClean="0"/>
-              <a:t>UserGuide</a:t>
+              <a:t>aws</a:t>
             </a:r>
             <a:r>
               <a:rPr lang="en-US" dirty="0" smtClean="0"/>
-              <a:t>/iam-roles-for-amazon-ec2.html</a:t>
+              <a:t>-</a:t>
+            </a:r>
+            <a:r>
+              <a:rPr lang="en-US" dirty="0" err="1" smtClean="0"/>
+              <a:t>arns</a:t>
+            </a:r>
+            <a:r>
+              <a:rPr lang="en-US" dirty="0" smtClean="0"/>
+              <a:t>-and-</a:t>
+            </a:r>
+            <a:r>
+              <a:rPr lang="en-US" dirty="0" err="1" smtClean="0"/>
+              <a:t>namespaces.html</a:t>
+            </a:r>
+            <a:endParaRPr lang="en-US" dirty="0" smtClean="0"/>
+          </a:p>
+          <a:p>
+            <a:pPr marL="171450" indent="-171450">
+              <a:buFont typeface="Arial"/>
+              <a:buChar char="•"/>
+            </a:pPr>
+            <a:r>
+              <a:rPr lang="en-US" dirty="0" smtClean="0"/>
+              <a:t>Service</a:t>
+            </a:r>
+            <a:r>
+              <a:rPr lang="en-US" baseline="0" dirty="0" smtClean="0"/>
+              <a:t> Namespaces: http://</a:t>
+            </a:r>
+            <a:r>
+              <a:rPr lang="en-US" baseline="0" dirty="0" err="1" smtClean="0"/>
+              <a:t>docs.aws.amazon.com</a:t>
+            </a:r>
+            <a:r>
+              <a:rPr lang="en-US" baseline="0" dirty="0" smtClean="0"/>
+              <a:t>/general/latest/gr/</a:t>
+            </a:r>
+            <a:r>
+              <a:rPr lang="en-US" baseline="0" dirty="0" err="1" smtClean="0"/>
+              <a:t>aws-arns-and-namespaces.html#genref-aws-service-namespaces</a:t>
             </a:r>
             <a:endParaRPr lang="en-US" dirty="0"/>
           </a:p>
@@ -845,7 +993,7 @@
           <a:p>
             <a:fld id="{BFB43062-714D-1146-A97F-0D45BD9E7BF0}" type="slidenum">
               <a:rPr lang="en-US" smtClean="0"/>
-              <a:t>14</a:t>
+              <a:t>12</a:t>
             </a:fld>
             <a:endParaRPr lang="en-US"/>
           </a:p>
@@ -854,7 +1002,7 @@
     </p:spTree>
     <p:extLst>
       <p:ext uri="{BB962C8B-B14F-4D97-AF65-F5344CB8AC3E}">
-        <p14:creationId xmlns:p14="http://schemas.microsoft.com/office/powerpoint/2010/main" val="3986410793"/>
+        <p14:creationId xmlns:p14="http://schemas.microsoft.com/office/powerpoint/2010/main" val="3147512962"/>
       </p:ext>
     </p:extLst>
   </p:cSld>
@@ -910,7 +1058,7 @@
           <a:p>
             <a:r>
               <a:rPr lang="en-US" dirty="0" smtClean="0"/>
-              <a:t>References:</a:t>
+              <a:t>Reference:</a:t>
             </a:r>
           </a:p>
           <a:p>
@@ -920,58 +1068,23 @@
             </a:pPr>
             <a:r>
               <a:rPr lang="en-US" dirty="0" smtClean="0"/>
-              <a:t>IAM Best Practices:</a:t>
-            </a:r>
-            <a:r>
-              <a:rPr lang="en-US" baseline="0" dirty="0" smtClean="0"/>
-              <a:t> http://</a:t>
-            </a:r>
-            <a:r>
-              <a:rPr lang="en-US" baseline="0" dirty="0" err="1" smtClean="0"/>
+              <a:t>Role for EC2: http://</a:t>
+            </a:r>
+            <a:r>
+              <a:rPr lang="en-US" dirty="0" err="1" smtClean="0"/>
               <a:t>docs.aws.amazon.com</a:t>
             </a:r>
             <a:r>
-              <a:rPr lang="en-US" baseline="0" dirty="0" smtClean="0"/>
-              <a:t>/IAM/latest/</a:t>
-            </a:r>
-            <a:r>
-              <a:rPr lang="en-US" baseline="0" dirty="0" err="1" smtClean="0"/>
+              <a:rPr lang="en-US" dirty="0" smtClean="0"/>
+              <a:t>/AWSEC2/latest/</a:t>
+            </a:r>
+            <a:r>
+              <a:rPr lang="en-US" dirty="0" err="1" smtClean="0"/>
               <a:t>UserGuide</a:t>
             </a:r>
             <a:r>
-              <a:rPr lang="en-US" baseline="0" dirty="0" smtClean="0"/>
-              <a:t>/</a:t>
-            </a:r>
-            <a:r>
-              <a:rPr lang="en-US" baseline="0" dirty="0" err="1" smtClean="0"/>
-              <a:t>IAMBestPractices.html</a:t>
-            </a:r>
-            <a:endParaRPr lang="en-US" baseline="0" dirty="0" smtClean="0"/>
-          </a:p>
-          <a:p>
-            <a:pPr marL="171450" indent="-171450">
-              <a:buFont typeface="Arial"/>
-              <a:buChar char="•"/>
-            </a:pPr>
-            <a:r>
               <a:rPr lang="en-US" dirty="0" smtClean="0"/>
-              <a:t>http://</a:t>
-            </a:r>
-            <a:r>
-              <a:rPr lang="en-US" dirty="0" err="1" smtClean="0"/>
-              <a:t>aws.amazon.com</a:t>
-            </a:r>
-            <a:r>
-              <a:rPr lang="en-US" dirty="0" smtClean="0"/>
-              <a:t>/</a:t>
-            </a:r>
-            <a:r>
-              <a:rPr lang="en-US" dirty="0" err="1" smtClean="0"/>
-              <a:t>iam</a:t>
-            </a:r>
-            <a:r>
-              <a:rPr lang="en-US" dirty="0" smtClean="0"/>
-              <a:t>/details/manage-users/</a:t>
+              <a:t>/iam-roles-for-amazon-ec2.html</a:t>
             </a:r>
             <a:endParaRPr lang="en-US" dirty="0"/>
           </a:p>
@@ -994,7 +1107,7 @@
           <a:p>
             <a:fld id="{BFB43062-714D-1146-A97F-0D45BD9E7BF0}" type="slidenum">
               <a:rPr lang="en-US" smtClean="0"/>
-              <a:t>15</a:t>
+              <a:t>13</a:t>
             </a:fld>
             <a:endParaRPr lang="en-US"/>
           </a:p>
@@ -1003,7 +1116,7 @@
     </p:spTree>
     <p:extLst>
       <p:ext uri="{BB962C8B-B14F-4D97-AF65-F5344CB8AC3E}">
-        <p14:creationId xmlns:p14="http://schemas.microsoft.com/office/powerpoint/2010/main" val="1619447160"/>
+        <p14:creationId xmlns:p14="http://schemas.microsoft.com/office/powerpoint/2010/main" val="3986410793"/>
       </p:ext>
     </p:extLst>
   </p:cSld>
@@ -1057,6 +1170,72 @@
           <a:bodyPr/>
           <a:lstStyle/>
           <a:p>
+            <a:r>
+              <a:rPr lang="en-US" dirty="0" smtClean="0"/>
+              <a:t>Why would you use a</a:t>
+            </a:r>
+            <a:r>
+              <a:rPr lang="en-US" baseline="0" dirty="0" smtClean="0"/>
+              <a:t> Managed Policy versus an Inline Policy:</a:t>
+            </a:r>
+          </a:p>
+          <a:p>
+            <a:r>
+              <a:rPr lang="en-US" baseline="0" dirty="0" smtClean="0"/>
+              <a:t>1. If you require that a policy be utilized by multiple types of principles, use a Managed Policy. As an example, you would use an IAM Role with an application running on EC2 and you would use an IAM Policy with an application running on a </a:t>
+            </a:r>
+            <a:r>
+              <a:rPr lang="en-US" baseline="0" smtClean="0"/>
+              <a:t>Developer’s laptop.</a:t>
+            </a:r>
+            <a:endParaRPr lang="en-US" dirty="0" smtClean="0"/>
+          </a:p>
+          <a:p>
+            <a:endParaRPr lang="en-US" dirty="0" smtClean="0"/>
+          </a:p>
+          <a:p>
+            <a:r>
+              <a:rPr lang="en-US" dirty="0" smtClean="0"/>
+              <a:t>Reference:</a:t>
+            </a:r>
+          </a:p>
+          <a:p>
+            <a:pPr marL="171450" indent="-171450">
+              <a:buFont typeface="Arial"/>
+              <a:buChar char="•"/>
+            </a:pPr>
+            <a:r>
+              <a:rPr lang="en-US" dirty="0" smtClean="0"/>
+              <a:t>http://</a:t>
+            </a:r>
+            <a:r>
+              <a:rPr lang="en-US" dirty="0" err="1" smtClean="0"/>
+              <a:t>docs.aws.amazon.com</a:t>
+            </a:r>
+            <a:r>
+              <a:rPr lang="en-US" dirty="0" smtClean="0"/>
+              <a:t>/IAM/latest/</a:t>
+            </a:r>
+            <a:r>
+              <a:rPr lang="en-US" dirty="0" err="1" smtClean="0"/>
+              <a:t>UserGuide</a:t>
+            </a:r>
+            <a:r>
+              <a:rPr lang="en-US" dirty="0" smtClean="0"/>
+              <a:t>/policies-managed-</a:t>
+            </a:r>
+            <a:r>
+              <a:rPr lang="en-US" dirty="0" err="1" smtClean="0"/>
+              <a:t>vs</a:t>
+            </a:r>
+            <a:r>
+              <a:rPr lang="en-US" dirty="0" smtClean="0"/>
+              <a:t>-</a:t>
+            </a:r>
+            <a:r>
+              <a:rPr lang="en-US" dirty="0" err="1" smtClean="0"/>
+              <a:t>inline.html</a:t>
+            </a:r>
             <a:endParaRPr lang="en-US" dirty="0"/>
           </a:p>
         </p:txBody>
@@ -1078,7 +1257,240 @@
           <a:p>
             <a:fld id="{BFB43062-714D-1146-A97F-0D45BD9E7BF0}" type="slidenum">
               <a:rPr lang="en-US" smtClean="0"/>
+              <a:t>15</a:t>
+            </a:fld>
+            <a:endParaRPr lang="en-US"/>
+          </a:p>
+        </p:txBody>
+      </p:sp>
+    </p:spTree>
+    <p:extLst>
+      <p:ext uri="{BB962C8B-B14F-4D97-AF65-F5344CB8AC3E}">
+        <p14:creationId xmlns:p14="http://schemas.microsoft.com/office/powerpoint/2010/main" val="2555364409"/>
+      </p:ext>
+    </p:extLst>
+  </p:cSld>
+  <p:clrMapOvr>
+    <a:masterClrMapping/>
+  </p:clrMapOvr>
+</p:notes>
+</file>
+
+<file path=ppt/notesSlides/notesSlide14.xml><?xml version="1.0" encoding="utf-8"?>
+<p:notes xmlns:a="http://schemas.openxmlformats.org/drawingml/2006/main" xmlns:r="http://schemas.openxmlformats.org/officeDocument/2006/relationships" xmlns:p="http://schemas.openxmlformats.org/presentationml/2006/main">
+  <p:cSld>
+    <p:spTree>
+      <p:nvGrpSpPr>
+        <p:cNvPr id="1" name=""/>
+        <p:cNvGrpSpPr/>
+        <p:nvPr/>
+      </p:nvGrpSpPr>
+      <p:grpSpPr>
+        <a:xfrm>
+          <a:off x="0" y="0"/>
+          <a:ext cx="0" cy="0"/>
+          <a:chOff x="0" y="0"/>
+          <a:chExt cx="0" cy="0"/>
+        </a:xfrm>
+      </p:grpSpPr>
+      <p:sp>
+        <p:nvSpPr>
+          <p:cNvPr id="2" name="Slide Image Placeholder 1"/>
+          <p:cNvSpPr>
+            <a:spLocks noGrp="1" noRot="1" noChangeAspect="1"/>
+          </p:cNvSpPr>
+          <p:nvPr>
+            <p:ph type="sldImg"/>
+          </p:nvPr>
+        </p:nvSpPr>
+        <p:spPr/>
+      </p:sp>
+      <p:sp>
+        <p:nvSpPr>
+          <p:cNvPr id="3" name="Notes Placeholder 2"/>
+          <p:cNvSpPr>
+            <a:spLocks noGrp="1"/>
+          </p:cNvSpPr>
+          <p:nvPr>
+            <p:ph type="body" idx="1"/>
+          </p:nvPr>
+        </p:nvSpPr>
+        <p:spPr/>
+        <p:txBody>
+          <a:bodyPr/>
+          <a:lstStyle/>
+          <a:p>
+            <a:r>
+              <a:rPr lang="en-US" dirty="0" smtClean="0"/>
+              <a:t>References:</a:t>
+            </a:r>
+          </a:p>
+          <a:p>
+            <a:pPr marL="171450" indent="-171450">
+              <a:buFont typeface="Arial"/>
+              <a:buChar char="•"/>
+            </a:pPr>
+            <a:r>
+              <a:rPr lang="en-US" dirty="0" smtClean="0"/>
+              <a:t>IAM Best Practices:</a:t>
+            </a:r>
+            <a:r>
+              <a:rPr lang="en-US" baseline="0" dirty="0" smtClean="0"/>
+              <a:t> http://</a:t>
+            </a:r>
+            <a:r>
+              <a:rPr lang="en-US" baseline="0" dirty="0" err="1" smtClean="0"/>
+              <a:t>docs.aws.amazon.com</a:t>
+            </a:r>
+            <a:r>
+              <a:rPr lang="en-US" baseline="0" dirty="0" smtClean="0"/>
+              <a:t>/IAM/latest/</a:t>
+            </a:r>
+            <a:r>
+              <a:rPr lang="en-US" baseline="0" dirty="0" err="1" smtClean="0"/>
+              <a:t>UserGuide</a:t>
+            </a:r>
+            <a:r>
+              <a:rPr lang="en-US" baseline="0" dirty="0" smtClean="0"/>
+              <a:t>/</a:t>
+            </a:r>
+            <a:r>
+              <a:rPr lang="en-US" baseline="0" dirty="0" err="1" smtClean="0"/>
+              <a:t>IAMBestPractices.html</a:t>
+            </a:r>
+            <a:endParaRPr lang="en-US" baseline="0" dirty="0" smtClean="0"/>
+          </a:p>
+          <a:p>
+            <a:pPr marL="171450" indent="-171450">
+              <a:buFont typeface="Arial"/>
+              <a:buChar char="•"/>
+            </a:pPr>
+            <a:r>
+              <a:rPr lang="en-US" dirty="0" smtClean="0"/>
+              <a:t>http://</a:t>
+            </a:r>
+            <a:r>
+              <a:rPr lang="en-US" dirty="0" err="1" smtClean="0"/>
+              <a:t>aws.amazon.com</a:t>
+            </a:r>
+            <a:r>
+              <a:rPr lang="en-US" dirty="0" smtClean="0"/>
+              <a:t>/</a:t>
+            </a:r>
+            <a:r>
+              <a:rPr lang="en-US" dirty="0" err="1" smtClean="0"/>
+              <a:t>iam</a:t>
+            </a:r>
+            <a:r>
+              <a:rPr lang="en-US" dirty="0" smtClean="0"/>
+              <a:t>/details/manage-users/</a:t>
+            </a:r>
+            <a:endParaRPr lang="en-US" dirty="0"/>
+          </a:p>
+        </p:txBody>
+      </p:sp>
+      <p:sp>
+        <p:nvSpPr>
+          <p:cNvPr id="4" name="Slide Number Placeholder 3"/>
+          <p:cNvSpPr>
+            <a:spLocks noGrp="1"/>
+          </p:cNvSpPr>
+          <p:nvPr>
+            <p:ph type="sldNum" sz="quarter" idx="10"/>
+          </p:nvPr>
+        </p:nvSpPr>
+        <p:spPr/>
+        <p:txBody>
+          <a:bodyPr/>
+          <a:lstStyle/>
+          <a:p>
+            <a:fld id="{BFB43062-714D-1146-A97F-0D45BD9E7BF0}" type="slidenum">
+              <a:rPr lang="en-US" smtClean="0"/>
               <a:t>16</a:t>
+            </a:fld>
+            <a:endParaRPr lang="en-US"/>
+          </a:p>
+        </p:txBody>
+      </p:sp>
+    </p:spTree>
+    <p:extLst>
+      <p:ext uri="{BB962C8B-B14F-4D97-AF65-F5344CB8AC3E}">
+        <p14:creationId xmlns:p14="http://schemas.microsoft.com/office/powerpoint/2010/main" val="1619447160"/>
+      </p:ext>
+    </p:extLst>
+  </p:cSld>
+  <p:clrMapOvr>
+    <a:masterClrMapping/>
+  </p:clrMapOvr>
+</p:notes>
+</file>
+
+<file path=ppt/notesSlides/notesSlide15.xml><?xml version="1.0" encoding="utf-8"?>
+<p:notes xmlns:a="http://schemas.openxmlformats.org/drawingml/2006/main" xmlns:r="http://schemas.openxmlformats.org/officeDocument/2006/relationships" xmlns:p="http://schemas.openxmlformats.org/presentationml/2006/main">
+  <p:cSld>
+    <p:spTree>
+      <p:nvGrpSpPr>
+        <p:cNvPr id="1" name=""/>
+        <p:cNvGrpSpPr/>
+        <p:nvPr/>
+      </p:nvGrpSpPr>
+      <p:grpSpPr>
+        <a:xfrm>
+          <a:off x="0" y="0"/>
+          <a:ext cx="0" cy="0"/>
+          <a:chOff x="0" y="0"/>
+          <a:chExt cx="0" cy="0"/>
+        </a:xfrm>
+      </p:grpSpPr>
+      <p:sp>
+        <p:nvSpPr>
+          <p:cNvPr id="2" name="Slide Image Placeholder 1"/>
+          <p:cNvSpPr>
+            <a:spLocks noGrp="1" noRot="1" noChangeAspect="1"/>
+          </p:cNvSpPr>
+          <p:nvPr>
+            <p:ph type="sldImg"/>
+          </p:nvPr>
+        </p:nvSpPr>
+        <p:spPr/>
+      </p:sp>
+      <p:sp>
+        <p:nvSpPr>
+          <p:cNvPr id="3" name="Notes Placeholder 2"/>
+          <p:cNvSpPr>
+            <a:spLocks noGrp="1"/>
+          </p:cNvSpPr>
+          <p:nvPr>
+            <p:ph type="body" idx="1"/>
+          </p:nvPr>
+        </p:nvSpPr>
+        <p:spPr/>
+        <p:txBody>
+          <a:bodyPr/>
+          <a:lstStyle/>
+          <a:p>
+            <a:endParaRPr lang="en-US" dirty="0"/>
+          </a:p>
+        </p:txBody>
+      </p:sp>
+      <p:sp>
+        <p:nvSpPr>
+          <p:cNvPr id="4" name="Slide Number Placeholder 3"/>
+          <p:cNvSpPr>
+            <a:spLocks noGrp="1"/>
+          </p:cNvSpPr>
+          <p:nvPr>
+            <p:ph type="sldNum" sz="quarter" idx="10"/>
+          </p:nvPr>
+        </p:nvSpPr>
+        <p:spPr/>
+        <p:txBody>
+          <a:bodyPr/>
+          <a:lstStyle/>
+          <a:p>
+            <a:fld id="{BFB43062-714D-1146-A97F-0D45BD9E7BF0}" type="slidenum">
+              <a:rPr lang="en-US" smtClean="0"/>
+              <a:t>17</a:t>
             </a:fld>
             <a:endParaRPr lang="en-US"/>
           </a:p>
@@ -1141,7 +1553,128 @@
           <a:bodyPr/>
           <a:lstStyle/>
           <a:p>
-            <a:endParaRPr lang="en-US" dirty="0"/>
+            <a:pPr marL="171450" marR="0" indent="-171450" algn="l" defTabSz="457200" rtl="0" eaLnBrk="1" fontAlgn="auto" latinLnBrk="0" hangingPunct="1">
+              <a:lnSpc>
+                <a:spcPct val="100000"/>
+              </a:lnSpc>
+              <a:spcBef>
+                <a:spcPts val="0"/>
+              </a:spcBef>
+              <a:spcAft>
+                <a:spcPts val="0"/>
+              </a:spcAft>
+              <a:buClrTx/>
+              <a:buSzTx/>
+              <a:buFont typeface="Arial" charset="0"/>
+              <a:buChar char="•"/>
+              <a:tabLst/>
+              <a:defRPr/>
+            </a:pPr>
+            <a:r>
+              <a:rPr lang="en-US" dirty="0" smtClean="0"/>
+              <a:t>IAM Roles expose credentials more broadly than desired:</a:t>
+            </a:r>
+          </a:p>
+          <a:p>
+            <a:pPr marL="628650" marR="0" lvl="1" indent="-171450" algn="l" defTabSz="457200" rtl="0" eaLnBrk="1" fontAlgn="auto" latinLnBrk="0" hangingPunct="1">
+              <a:lnSpc>
+                <a:spcPct val="100000"/>
+              </a:lnSpc>
+              <a:spcBef>
+                <a:spcPts val="0"/>
+              </a:spcBef>
+              <a:spcAft>
+                <a:spcPts val="0"/>
+              </a:spcAft>
+              <a:buClrTx/>
+              <a:buSzTx/>
+              <a:buFont typeface="Arial" charset="0"/>
+              <a:buChar char="•"/>
+              <a:tabLst/>
+              <a:defRPr/>
+            </a:pPr>
+            <a:r>
+              <a:rPr lang="en-US" dirty="0" smtClean="0"/>
+              <a:t>Example: if you have two applications running on a single EC2</a:t>
+            </a:r>
+            <a:r>
+              <a:rPr lang="en-US" baseline="0" dirty="0" smtClean="0"/>
+              <a:t> instance, both of these applications will have access to the credentials provided by AWS’s IAM Role</a:t>
+            </a:r>
+          </a:p>
+          <a:p>
+            <a:pPr marL="171450" marR="0" lvl="0" indent="-171450" algn="l" defTabSz="457200" rtl="0" eaLnBrk="1" fontAlgn="auto" latinLnBrk="0" hangingPunct="1">
+              <a:lnSpc>
+                <a:spcPct val="100000"/>
+              </a:lnSpc>
+              <a:spcBef>
+                <a:spcPts val="0"/>
+              </a:spcBef>
+              <a:spcAft>
+                <a:spcPts val="0"/>
+              </a:spcAft>
+              <a:buClrTx/>
+              <a:buSzTx/>
+              <a:buFont typeface="Arial" charset="0"/>
+              <a:buChar char="•"/>
+              <a:tabLst/>
+              <a:defRPr/>
+            </a:pPr>
+            <a:r>
+              <a:rPr lang="en-US" dirty="0" smtClean="0"/>
+              <a:t>IAM Roles are specific to AWS resources:</a:t>
+            </a:r>
+          </a:p>
+          <a:p>
+            <a:pPr marL="628650" marR="0" lvl="1" indent="-171450" algn="l" defTabSz="457200" rtl="0" eaLnBrk="1" fontAlgn="auto" latinLnBrk="0" hangingPunct="1">
+              <a:lnSpc>
+                <a:spcPct val="100000"/>
+              </a:lnSpc>
+              <a:spcBef>
+                <a:spcPts val="0"/>
+              </a:spcBef>
+              <a:spcAft>
+                <a:spcPts val="0"/>
+              </a:spcAft>
+              <a:buClrTx/>
+              <a:buSzTx/>
+              <a:buFont typeface="Arial" charset="0"/>
+              <a:buChar char="•"/>
+              <a:tabLst/>
+              <a:defRPr/>
+            </a:pPr>
+            <a:r>
+              <a:rPr lang="en-US" dirty="0" smtClean="0"/>
+              <a:t>IAM Roles are only able to be used by resources</a:t>
+            </a:r>
+            <a:r>
+              <a:rPr lang="en-US" baseline="0" dirty="0" smtClean="0"/>
+              <a:t> that can </a:t>
+            </a:r>
+            <a:r>
+              <a:rPr lang="en-US" i="1" baseline="0" dirty="0" smtClean="0"/>
+              <a:t>assume a role</a:t>
+            </a:r>
+          </a:p>
+          <a:p>
+            <a:pPr marL="0" marR="0" lvl="0" indent="0" algn="l" defTabSz="457200" rtl="0" eaLnBrk="1" fontAlgn="auto" latinLnBrk="0" hangingPunct="1">
+              <a:lnSpc>
+                <a:spcPct val="100000"/>
+              </a:lnSpc>
+              <a:spcBef>
+                <a:spcPts val="0"/>
+              </a:spcBef>
+              <a:spcAft>
+                <a:spcPts val="0"/>
+              </a:spcAft>
+              <a:buClrTx/>
+              <a:buSzTx/>
+              <a:buFont typeface="Arial" charset="0"/>
+              <a:buNone/>
+              <a:tabLst/>
+              <a:defRPr/>
+            </a:pPr>
+            <a:endParaRPr lang="en-US" dirty="0" smtClean="0"/>
           </a:p>
         </p:txBody>
       </p:sp>
@@ -1162,7 +1695,7 @@
           <a:p>
             <a:fld id="{BFB43062-714D-1146-A97F-0D45BD9E7BF0}" type="slidenum">
               <a:rPr lang="en-US" smtClean="0"/>
-              <a:t>4</a:t>
+              <a:t>3</a:t>
             </a:fld>
             <a:endParaRPr lang="en-US"/>
           </a:p>
@@ -1171,7 +1704,7 @@
     </p:spTree>
     <p:extLst>
       <p:ext uri="{BB962C8B-B14F-4D97-AF65-F5344CB8AC3E}">
-        <p14:creationId xmlns:p14="http://schemas.microsoft.com/office/powerpoint/2010/main" val="116716749"/>
+        <p14:creationId xmlns:p14="http://schemas.microsoft.com/office/powerpoint/2010/main" val="458282874"/>
       </p:ext>
     </p:extLst>
   </p:cSld>
@@ -1225,77 +1758,6 @@
           <a:bodyPr/>
           <a:lstStyle/>
           <a:p>
-            <a:r>
-              <a:rPr lang="en-US" dirty="0" smtClean="0"/>
-              <a:t>Answer: No. Result of policy evaluation:</a:t>
-            </a:r>
-          </a:p>
-          <a:p>
-            <a:pPr marL="228600" marR="0" indent="-228600" algn="l" defTabSz="457200" rtl="0" eaLnBrk="1" fontAlgn="auto" latinLnBrk="0" hangingPunct="1">
-              <a:lnSpc>
-                <a:spcPct val="100000"/>
-              </a:lnSpc>
-              <a:spcBef>
-                <a:spcPts val="0"/>
-              </a:spcBef>
-              <a:spcAft>
-                <a:spcPts val="0"/>
-              </a:spcAft>
-              <a:buClrTx/>
-              <a:buSzTx/>
-              <a:buFontTx/>
-              <a:buAutoNum type="arabicPeriod"/>
-              <a:tabLst/>
-              <a:defRPr/>
-            </a:pPr>
-            <a:r>
-              <a:rPr lang="en-US" baseline="0" dirty="0" smtClean="0"/>
-              <a:t>No. The resource (</a:t>
-            </a:r>
-            <a:r>
-              <a:rPr lang="de-DE" baseline="0" dirty="0" smtClean="0"/>
-              <a:t>i-8f00e559)</a:t>
-            </a:r>
-            <a:r>
-              <a:rPr lang="en-US" baseline="0" dirty="0" smtClean="0"/>
-              <a:t> specified in the resource context does not match the resources for which Actions are specified in the given policy.</a:t>
-            </a:r>
-            <a:endParaRPr lang="en-US" dirty="0" smtClean="0"/>
-          </a:p>
-          <a:p>
-            <a:pPr marL="0" indent="0">
-              <a:buNone/>
-            </a:pPr>
-            <a:endParaRPr lang="en-US" baseline="0" dirty="0" smtClean="0"/>
-          </a:p>
-          <a:p>
-            <a:pPr marL="0" indent="0">
-              <a:buNone/>
-            </a:pPr>
-            <a:r>
-              <a:rPr lang="en-US" dirty="0" smtClean="0"/>
-              <a:t>http://</a:t>
-            </a:r>
-            <a:r>
-              <a:rPr lang="en-US" dirty="0" err="1" smtClean="0"/>
-              <a:t>docs.aws.amazon.com</a:t>
-            </a:r>
-            <a:r>
-              <a:rPr lang="en-US" dirty="0" smtClean="0"/>
-              <a:t>/IAM/latest/</a:t>
-            </a:r>
-            <a:r>
-              <a:rPr lang="en-US" dirty="0" err="1" smtClean="0"/>
-              <a:t>UserGuide</a:t>
-            </a:r>
-            <a:r>
-              <a:rPr lang="en-US" dirty="0" smtClean="0"/>
-              <a:t>/</a:t>
-            </a:r>
-            <a:r>
-              <a:rPr lang="en-US" dirty="0" err="1" smtClean="0"/>
-              <a:t>AccessPolicyLanguage_EvaluationLogic.html</a:t>
-            </a:r>
             <a:endParaRPr lang="en-US" dirty="0"/>
           </a:p>
         </p:txBody>
@@ -1317,7 +1779,7 @@
           <a:p>
             <a:fld id="{BFB43062-714D-1146-A97F-0D45BD9E7BF0}" type="slidenum">
               <a:rPr lang="en-US" smtClean="0"/>
-              <a:t>5</a:t>
+              <a:t>4</a:t>
             </a:fld>
             <a:endParaRPr lang="en-US"/>
           </a:p>
@@ -1382,87 +1844,21 @@
           <a:p>
             <a:r>
               <a:rPr lang="en-US" dirty="0" smtClean="0"/>
-              <a:t>Answer: No. Result of policy evaluation:</a:t>
-            </a:r>
-          </a:p>
-          <a:p>
-            <a:pPr marL="228600" marR="0" indent="-228600" algn="l" defTabSz="457200" rtl="0" eaLnBrk="1" fontAlgn="auto" latinLnBrk="0" hangingPunct="1">
-              <a:lnSpc>
-                <a:spcPct val="100000"/>
-              </a:lnSpc>
-              <a:spcBef>
-                <a:spcPts val="0"/>
-              </a:spcBef>
-              <a:spcAft>
-                <a:spcPts val="0"/>
-              </a:spcAft>
-              <a:buClrTx/>
-              <a:buSzTx/>
-              <a:buFontTx/>
-              <a:buAutoNum type="arabicPeriod"/>
-              <a:tabLst/>
-              <a:defRPr/>
+              <a:t>Presenter’s Note:</a:t>
+            </a:r>
+          </a:p>
+          <a:p>
+            <a:pPr marL="171450" indent="-171450">
+              <a:buFont typeface="Arial" charset="0"/>
+              <a:buChar char="•"/>
             </a:pPr>
             <a:r>
+              <a:rPr lang="en-US" dirty="0" smtClean="0"/>
+              <a:t>May</a:t>
+            </a:r>
+            <a:r>
               <a:rPr lang="en-US" baseline="0" dirty="0" smtClean="0"/>
-              <a:t>Yes. The resource (</a:t>
-            </a:r>
-            <a:r>
-              <a:rPr lang="de-DE" baseline="0" dirty="0" smtClean="0"/>
-              <a:t>i-8f00e559)</a:t>
-            </a:r>
-            <a:r>
-              <a:rPr lang="en-US" baseline="0" dirty="0" smtClean="0"/>
-              <a:t> specified in the resource context matches the resources for which Actions are specified in the given policy.</a:t>
-            </a:r>
-            <a:endParaRPr lang="en-US" dirty="0" smtClean="0"/>
-          </a:p>
-          <a:p>
-            <a:pPr marL="228600" indent="-228600">
-              <a:buAutoNum type="arabicPeriod"/>
-            </a:pPr>
-            <a:r>
-              <a:rPr lang="en-US" dirty="0" smtClean="0"/>
-              <a:t>No. The command (terminate-instances)</a:t>
-            </a:r>
-            <a:r>
-              <a:rPr lang="en-US" baseline="0" dirty="0" smtClean="0"/>
-              <a:t> in the resource context does not match the commands allowed in the “Action” element in the given policy.</a:t>
-            </a:r>
-          </a:p>
-          <a:p>
-            <a:pPr marL="228600" indent="-228600">
-              <a:buAutoNum type="arabicPeriod"/>
-            </a:pPr>
-            <a:endParaRPr lang="en-US" baseline="0" dirty="0" smtClean="0"/>
-          </a:p>
-          <a:p>
-            <a:pPr marL="0" indent="0">
-              <a:buNone/>
-            </a:pPr>
-            <a:r>
-              <a:rPr lang="en-US" dirty="0" smtClean="0"/>
-              <a:t>http://</a:t>
-            </a:r>
-            <a:r>
-              <a:rPr lang="en-US" dirty="0" err="1" smtClean="0"/>
-              <a:t>docs.aws.amazon.com</a:t>
-            </a:r>
-            <a:r>
-              <a:rPr lang="en-US" dirty="0" smtClean="0"/>
-              <a:t>/IAM/latest/</a:t>
-            </a:r>
-            <a:r>
-              <a:rPr lang="en-US" dirty="0" err="1" smtClean="0"/>
-              <a:t>UserGuide</a:t>
-            </a:r>
-            <a:r>
-              <a:rPr lang="en-US" dirty="0" smtClean="0"/>
-              <a:t>/</a:t>
-            </a:r>
-            <a:r>
-              <a:rPr lang="en-US" dirty="0" err="1" smtClean="0"/>
-              <a:t>AccessPolicyLanguage_EvaluationLogic.html</a:t>
+              <a:t> be trying a bit too hard with “proper noun” and “adverb” – but I think this adds some clarity</a:t>
             </a:r>
             <a:endParaRPr lang="en-US" dirty="0"/>
           </a:p>
@@ -1485,7 +1881,7 @@
           <a:p>
             <a:fld id="{BFB43062-714D-1146-A97F-0D45BD9E7BF0}" type="slidenum">
               <a:rPr lang="en-US" smtClean="0"/>
-              <a:t>6</a:t>
+              <a:t>5</a:t>
             </a:fld>
             <a:endParaRPr lang="en-US"/>
           </a:p>
@@ -1494,7 +1890,7 @@
     </p:spTree>
     <p:extLst>
       <p:ext uri="{BB962C8B-B14F-4D97-AF65-F5344CB8AC3E}">
-        <p14:creationId xmlns:p14="http://schemas.microsoft.com/office/powerpoint/2010/main" val="116716749"/>
+        <p14:creationId xmlns:p14="http://schemas.microsoft.com/office/powerpoint/2010/main" val="1317721822"/>
       </p:ext>
     </p:extLst>
   </p:cSld>
@@ -1550,63 +1946,13 @@
           <a:p>
             <a:r>
               <a:rPr lang="en-US" dirty="0" smtClean="0"/>
-              <a:t>Answer: Yes. Result of policy evaluation:</a:t>
-            </a:r>
-          </a:p>
-          <a:p>
-            <a:pPr marL="228600" marR="0" indent="-228600" algn="l" defTabSz="457200" rtl="0" eaLnBrk="1" fontAlgn="auto" latinLnBrk="0" hangingPunct="1">
-              <a:lnSpc>
-                <a:spcPct val="100000"/>
-              </a:lnSpc>
-              <a:spcBef>
-                <a:spcPts val="0"/>
-              </a:spcBef>
-              <a:spcAft>
-                <a:spcPts val="0"/>
-              </a:spcAft>
-              <a:buClrTx/>
-              <a:buSzTx/>
-              <a:buFontTx/>
-              <a:buAutoNum type="arabicPeriod"/>
-              <a:tabLst/>
-              <a:defRPr/>
-            </a:pPr>
-            <a:r>
-              <a:rPr lang="en-US" baseline="0" dirty="0" smtClean="0"/>
-              <a:t>Yes. The resource (</a:t>
-            </a:r>
-            <a:r>
-              <a:rPr lang="de-DE" baseline="0" dirty="0" smtClean="0"/>
-              <a:t>i-8f00e559)</a:t>
-            </a:r>
-            <a:r>
-              <a:rPr lang="en-US" baseline="0" dirty="0" smtClean="0"/>
-              <a:t> specified in the resource context does matches the resources for which Actions are specified in the given policy.</a:t>
-            </a:r>
-            <a:endParaRPr lang="en-US" dirty="0" smtClean="0"/>
-          </a:p>
-          <a:p>
-            <a:pPr marL="228600" indent="-228600">
-              <a:buAutoNum type="arabicPeriod"/>
-            </a:pPr>
-            <a:r>
-              <a:rPr lang="en-US" dirty="0" smtClean="0"/>
-              <a:t>Yes. The command (terminate-instances)</a:t>
-            </a:r>
-            <a:r>
-              <a:rPr lang="en-US" baseline="0" dirty="0" smtClean="0"/>
-              <a:t> in the resource context does not match the commands allowed in the “Action” element in the given policy.</a:t>
-            </a:r>
-          </a:p>
-          <a:p>
-            <a:pPr marL="228600" indent="-228600">
-              <a:buAutoNum type="arabicPeriod"/>
-            </a:pPr>
-            <a:endParaRPr lang="en-US" baseline="0" dirty="0" smtClean="0"/>
-          </a:p>
-          <a:p>
-            <a:pPr marL="0" indent="0">
-              <a:buNone/>
+              <a:t>Reference:</a:t>
+            </a:r>
+          </a:p>
+          <a:p>
+            <a:pPr marL="171450" indent="-171450">
+              <a:buFont typeface="Arial"/>
+              <a:buChar char="•"/>
             </a:pPr>
             <a:r>
               <a:rPr lang="en-US" dirty="0" smtClean="0"/>
@@ -1630,7 +1976,7 @@
             </a:r>
             <a:r>
               <a:rPr lang="en-US" dirty="0" err="1" smtClean="0"/>
-              <a:t>AccessPolicyLanguage_EvaluationLogic.html</a:t>
+              <a:t>PolicyVariables.html</a:t>
             </a:r>
             <a:endParaRPr lang="en-US" dirty="0"/>
           </a:p>
@@ -1653,7 +1999,7 @@
           <a:p>
             <a:fld id="{BFB43062-714D-1146-A97F-0D45BD9E7BF0}" type="slidenum">
               <a:rPr lang="en-US" smtClean="0"/>
-              <a:t>7</a:t>
+              <a:t>6</a:t>
             </a:fld>
             <a:endParaRPr lang="en-US"/>
           </a:p>
@@ -1662,7 +2008,7 @@
     </p:spTree>
     <p:extLst>
       <p:ext uri="{BB962C8B-B14F-4D97-AF65-F5344CB8AC3E}">
-        <p14:creationId xmlns:p14="http://schemas.microsoft.com/office/powerpoint/2010/main" val="116716749"/>
+        <p14:creationId xmlns:p14="http://schemas.microsoft.com/office/powerpoint/2010/main" val="305666501"/>
       </p:ext>
     </p:extLst>
   </p:cSld>
@@ -1718,15 +2064,7 @@
           <a:p>
             <a:r>
               <a:rPr lang="en-US" dirty="0" smtClean="0"/>
-              <a:t>Answer</a:t>
-            </a:r>
-            <a:r>
-              <a:rPr lang="en-US" smtClean="0"/>
-              <a:t>: No. </a:t>
-            </a:r>
-            <a:r>
-              <a:rPr lang="en-US" dirty="0" smtClean="0"/>
-              <a:t>Result of policy evaluation:</a:t>
+              <a:t>Answer: No. Result of policy evaluation:</a:t>
             </a:r>
           </a:p>
           <a:p>
@@ -1816,7 +2154,7 @@
           <a:p>
             <a:fld id="{BFB43062-714D-1146-A97F-0D45BD9E7BF0}" type="slidenum">
               <a:rPr lang="en-US" smtClean="0"/>
-              <a:t>8</a:t>
+              <a:t>7</a:t>
             </a:fld>
             <a:endParaRPr lang="en-US"/>
           </a:p>
@@ -1881,45 +2219,7 @@
           <a:p>
             <a:r>
               <a:rPr lang="en-US" dirty="0" smtClean="0"/>
-              <a:t>Answer: Depends. Result of policy</a:t>
-            </a:r>
-            <a:r>
-              <a:rPr lang="en-US" baseline="0" dirty="0" smtClean="0"/>
-              <a:t> evaluation</a:t>
-            </a:r>
-            <a:r>
-              <a:rPr lang="en-US" dirty="0" smtClean="0"/>
-              <a:t>:</a:t>
-            </a:r>
-          </a:p>
-          <a:p>
-            <a:pPr marL="228600" indent="-228600">
-              <a:buAutoNum type="arabicPeriod"/>
-            </a:pPr>
-            <a:r>
-              <a:rPr lang="en-US" dirty="0" smtClean="0"/>
-              <a:t>The terminate-instances</a:t>
-            </a:r>
-            <a:r>
-              <a:rPr lang="en-US" baseline="0" dirty="0" smtClean="0"/>
-              <a:t> command in the resource context does not match the commands allowed in the “Action” element in the given policy.</a:t>
-            </a:r>
-          </a:p>
-          <a:p>
-            <a:pPr marL="228600" indent="-228600">
-              <a:buAutoNum type="arabicPeriod"/>
-            </a:pPr>
-            <a:r>
-              <a:rPr lang="en-US" baseline="0" dirty="0" smtClean="0"/>
-              <a:t>The resource (</a:t>
-            </a:r>
-            <a:r>
-              <a:rPr lang="de-DE" baseline="0" dirty="0" smtClean="0"/>
-              <a:t>i-8f00e559)</a:t>
-            </a:r>
-            <a:r>
-              <a:rPr lang="en-US" baseline="0" dirty="0" smtClean="0"/>
-              <a:t> on which an action is requested matches the resource given in the resource context, but in this case the action is not allowed.</a:t>
+              <a:t>Answer: No. Result of policy evaluation:</a:t>
             </a:r>
           </a:p>
           <a:p>
@@ -1942,119 +2242,64 @@
             </a:pPr>
             <a:r>
               <a:rPr lang="en-US" baseline="0" dirty="0" smtClean="0"/>
-              <a:t>The </a:t>
-            </a:r>
-            <a:r>
-              <a:rPr lang="en-US" baseline="0" dirty="0" err="1" smtClean="0"/>
-              <a:t>CurrentTime</a:t>
+              <a:t>Yes. The resource (</a:t>
+            </a:r>
+            <a:r>
+              <a:rPr lang="de-DE" baseline="0" dirty="0" smtClean="0"/>
+              <a:t>i-8f00e559)</a:t>
             </a:r>
             <a:r>
               <a:rPr lang="en-US" baseline="0" dirty="0" smtClean="0"/>
-              <a:t> (</a:t>
-            </a:r>
-            <a:r>
-              <a:rPr lang="en-US" baseline="0" dirty="0" err="1" smtClean="0"/>
-              <a:t>yyyy-mm-ddThh:mm:ssZ</a:t>
-            </a:r>
-            <a:r>
-              <a:rPr lang="de-DE" baseline="0" dirty="0" smtClean="0"/>
-              <a:t>) </a:t>
-            </a:r>
-            <a:r>
-              <a:rPr lang="de-DE" baseline="0" dirty="0" err="1" smtClean="0"/>
-              <a:t>value</a:t>
-            </a:r>
-            <a:r>
-              <a:rPr lang="de-DE" baseline="0" dirty="0" smtClean="0"/>
-              <a:t> in </a:t>
-            </a:r>
-            <a:r>
-              <a:rPr lang="de-DE" baseline="0" dirty="0" err="1" smtClean="0"/>
-              <a:t>the</a:t>
-            </a:r>
-            <a:r>
-              <a:rPr lang="de-DE" baseline="0" dirty="0" smtClean="0"/>
-              <a:t> </a:t>
-            </a:r>
-            <a:r>
-              <a:rPr lang="de-DE" baseline="0" dirty="0" err="1" smtClean="0"/>
-              <a:t>resource</a:t>
-            </a:r>
-            <a:r>
-              <a:rPr lang="de-DE" baseline="0" dirty="0" smtClean="0"/>
-              <a:t> </a:t>
-            </a:r>
-            <a:r>
-              <a:rPr lang="de-DE" baseline="0" dirty="0" err="1" smtClean="0"/>
-              <a:t>context</a:t>
-            </a:r>
-            <a:r>
-              <a:rPr lang="de-DE" baseline="0" dirty="0" smtClean="0"/>
-              <a:t> </a:t>
-            </a:r>
-            <a:r>
-              <a:rPr lang="de-DE" baseline="0" dirty="0" err="1" smtClean="0"/>
-              <a:t>is</a:t>
-            </a:r>
-            <a:r>
-              <a:rPr lang="de-DE" baseline="0" dirty="0" smtClean="0"/>
-              <a:t> </a:t>
-            </a:r>
-            <a:r>
-              <a:rPr lang="de-DE" baseline="0" dirty="0" err="1" smtClean="0"/>
-              <a:t>evaluated</a:t>
-            </a:r>
-            <a:r>
-              <a:rPr lang="de-DE" baseline="0" dirty="0" smtClean="0"/>
-              <a:t> </a:t>
-            </a:r>
-            <a:r>
-              <a:rPr lang="de-DE" baseline="0" dirty="0" err="1" smtClean="0"/>
-              <a:t>against</a:t>
-            </a:r>
-            <a:r>
-              <a:rPr lang="de-DE" baseline="0" dirty="0" smtClean="0"/>
-              <a:t> </a:t>
-            </a:r>
-            <a:r>
-              <a:rPr lang="de-DE" baseline="0" dirty="0" err="1" smtClean="0"/>
-              <a:t>the</a:t>
-            </a:r>
-            <a:r>
-              <a:rPr lang="de-DE" baseline="0" dirty="0" smtClean="0"/>
-              <a:t> „</a:t>
-            </a:r>
-            <a:r>
-              <a:rPr lang="de-DE" baseline="0" dirty="0" err="1" smtClean="0"/>
-              <a:t>Condition</a:t>
-            </a:r>
-            <a:r>
-              <a:rPr lang="de-DE" baseline="0" dirty="0" smtClean="0"/>
-              <a:t>“ in </a:t>
-            </a:r>
-            <a:r>
-              <a:rPr lang="de-DE" baseline="0" dirty="0" err="1" smtClean="0"/>
-              <a:t>the</a:t>
-            </a:r>
-            <a:r>
-              <a:rPr lang="de-DE" baseline="0" dirty="0" smtClean="0"/>
-              <a:t> </a:t>
-            </a:r>
-            <a:r>
-              <a:rPr lang="de-DE" baseline="0" dirty="0" err="1" smtClean="0"/>
-              <a:t>given</a:t>
-            </a:r>
-            <a:r>
-              <a:rPr lang="de-DE" baseline="0" dirty="0" smtClean="0"/>
-              <a:t> </a:t>
-            </a:r>
-            <a:r>
-              <a:rPr lang="de-DE" baseline="0" dirty="0" err="1" smtClean="0"/>
-              <a:t>policy</a:t>
-            </a:r>
-            <a:r>
-              <a:rPr lang="de-DE" baseline="0" dirty="0" smtClean="0"/>
-              <a:t>.</a:t>
+              <a:t> specified in the resource context matches the resources for which Actions are specified in the given policy.</a:t>
+            </a:r>
+            <a:endParaRPr lang="en-US" dirty="0" smtClean="0"/>
+          </a:p>
+          <a:p>
+            <a:pPr marL="228600" indent="-228600">
+              <a:buAutoNum type="arabicPeriod"/>
+            </a:pPr>
+            <a:r>
+              <a:rPr lang="en-US" dirty="0" smtClean="0"/>
+              <a:t>No. The command (terminate-instances)</a:t>
+            </a:r>
+            <a:r>
+              <a:rPr lang="en-US" baseline="0" dirty="0" smtClean="0"/>
+              <a:t> in the resource context does not match the commands allowed in the “Action” element in the given policy.</a:t>
+            </a:r>
+          </a:p>
+          <a:p>
+            <a:pPr marL="228600" indent="-228600">
+              <a:buAutoNum type="arabicPeriod"/>
+            </a:pPr>
+            <a:endParaRPr lang="en-US" baseline="0" dirty="0" smtClean="0"/>
+          </a:p>
+          <a:p>
+            <a:pPr marL="0" indent="0">
+              <a:buNone/>
+            </a:pPr>
+            <a:r>
+              <a:rPr lang="en-US" dirty="0" smtClean="0"/>
+              <a:t>http://</a:t>
+            </a:r>
+            <a:r>
+              <a:rPr lang="en-US" dirty="0" err="1" smtClean="0"/>
+              <a:t>docs.aws.amazon.com</a:t>
+            </a:r>
+            <a:r>
+              <a:rPr lang="en-US" dirty="0" smtClean="0"/>
+              <a:t>/IAM/latest/</a:t>
+            </a:r>
+            <a:r>
+              <a:rPr lang="en-US" dirty="0" err="1" smtClean="0"/>
+              <a:t>UserGuide</a:t>
+            </a:r>
+            <a:r>
+              <a:rPr lang="en-US" dirty="0" smtClean="0"/>
+              <a:t>/</a:t>
+            </a:r>
+            <a:r>
+              <a:rPr lang="en-US" dirty="0" err="1" smtClean="0"/>
+              <a:t>AccessPolicyLanguage_EvaluationLogic.html</a:t>
             </a:r>
             <a:endParaRPr lang="en-US" dirty="0"/>
           </a:p>
@@ -2077,7 +2322,7 @@
           <a:p>
             <a:fld id="{BFB43062-714D-1146-A97F-0D45BD9E7BF0}" type="slidenum">
               <a:rPr lang="en-US" smtClean="0"/>
-              <a:t>9</a:t>
+              <a:t>8</a:t>
             </a:fld>
             <a:endParaRPr lang="en-US"/>
           </a:p>
@@ -2142,37 +2387,63 @@
           <a:p>
             <a:r>
               <a:rPr lang="en-US" dirty="0" smtClean="0"/>
-              <a:t>Why would you use a</a:t>
-            </a:r>
+              <a:t>Answer: Yes. Result of policy evaluation:</a:t>
+            </a:r>
+          </a:p>
+          <a:p>
+            <a:pPr marL="228600" marR="0" indent="-228600" algn="l" defTabSz="457200" rtl="0" eaLnBrk="1" fontAlgn="auto" latinLnBrk="0" hangingPunct="1">
+              <a:lnSpc>
+                <a:spcPct val="100000"/>
+              </a:lnSpc>
+              <a:spcBef>
+                <a:spcPts val="0"/>
+              </a:spcBef>
+              <a:spcAft>
+                <a:spcPts val="0"/>
+              </a:spcAft>
+              <a:buClrTx/>
+              <a:buSzTx/>
+              <a:buFontTx/>
+              <a:buAutoNum type="arabicPeriod"/>
+              <a:tabLst/>
+              <a:defRPr/>
+            </a:pPr>
             <a:r>
               <a:rPr lang="en-US" baseline="0" dirty="0" smtClean="0"/>
-              <a:t> Managed Policy versus an Inline Policy:</a:t>
-            </a:r>
-          </a:p>
-          <a:p>
+              <a:t>Yes. The resource (</a:t>
+            </a:r>
+            <a:r>
+              <a:rPr lang="de-DE" baseline="0" dirty="0" smtClean="0"/>
+              <a:t>i-8f00e559)</a:t>
+            </a:r>
             <a:r>
               <a:rPr lang="en-US" baseline="0" dirty="0" smtClean="0"/>
-              <a:t>1. If you require that a policy be utilized by multiple types of principles, use a Managed Policy. As an example, you would use an IAM Role with an application running on EC2 and you would use an IAM Policy with an application running on a </a:t>
-            </a:r>
-            <a:r>
-              <a:rPr lang="en-US" baseline="0" smtClean="0"/>
-              <a:t>Developer’s laptop.</a:t>
+              <a:t> specified in the resource context does matches the resources for which Actions are specified in the given policy.</a:t>
             </a:r>
             <a:endParaRPr lang="en-US" dirty="0" smtClean="0"/>
           </a:p>
           <a:p>
-            <a:endParaRPr lang="en-US" dirty="0" smtClean="0"/>
-          </a:p>
-          <a:p>
+            <a:pPr marL="228600" indent="-228600">
+              <a:buAutoNum type="arabicPeriod"/>
+            </a:pPr>
             <a:r>
               <a:rPr lang="en-US" dirty="0" smtClean="0"/>
-              <a:t>Reference:</a:t>
-            </a:r>
-          </a:p>
-          <a:p>
-            <a:pPr marL="171450" indent="-171450">
-              <a:buFont typeface="Arial"/>
-              <a:buChar char="•"/>
+              <a:t>Yes. The command (terminate-instances)</a:t>
+            </a:r>
+            <a:r>
+              <a:rPr lang="en-US" baseline="0" dirty="0" smtClean="0"/>
+              <a:t> in the resource context does not match the commands allowed in the “Action” element in the given policy.</a:t>
+            </a:r>
+          </a:p>
+          <a:p>
+            <a:pPr marL="228600" indent="-228600">
+              <a:buAutoNum type="arabicPeriod"/>
+            </a:pPr>
+            <a:endParaRPr lang="en-US" baseline="0" dirty="0" smtClean="0"/>
+          </a:p>
+          <a:p>
+            <a:pPr marL="0" indent="0">
+              <a:buNone/>
             </a:pPr>
             <a:r>
               <a:rPr lang="en-US" dirty="0" smtClean="0"/>
@@ -2192,19 +2463,11 @@
             </a:r>
             <a:r>
               <a:rPr lang="en-US" dirty="0" smtClean="0"/>
-              <a:t>/policies-managed-</a:t>
+              <a:t>/</a:t>
             </a:r>
             <a:r>
               <a:rPr lang="en-US" dirty="0" err="1" smtClean="0"/>
-              <a:t>vs</a:t>
-            </a:r>
-            <a:r>
-              <a:rPr lang="en-US" dirty="0" smtClean="0"/>
-              <a:t>-</a:t>
-            </a:r>
-            <a:r>
-              <a:rPr lang="en-US" dirty="0" err="1" smtClean="0"/>
-              <a:t>inline.html</a:t>
+              <a:t>AccessPolicyLanguage_EvaluationLogic.html</a:t>
             </a:r>
             <a:endParaRPr lang="en-US" dirty="0"/>
           </a:p>
@@ -2227,7 +2490,7 @@
           <a:p>
             <a:fld id="{BFB43062-714D-1146-A97F-0D45BD9E7BF0}" type="slidenum">
               <a:rPr lang="en-US" smtClean="0"/>
-              <a:t>11</a:t>
+              <a:t>9</a:t>
             </a:fld>
             <a:endParaRPr lang="en-US"/>
           </a:p>
@@ -2236,7 +2499,7 @@
     </p:spTree>
     <p:extLst>
       <p:ext uri="{BB962C8B-B14F-4D97-AF65-F5344CB8AC3E}">
-        <p14:creationId xmlns:p14="http://schemas.microsoft.com/office/powerpoint/2010/main" val="2555364409"/>
+        <p14:creationId xmlns:p14="http://schemas.microsoft.com/office/powerpoint/2010/main" val="116716749"/>
       </p:ext>
     </p:extLst>
   </p:cSld>
@@ -2292,13 +2555,58 @@
           <a:p>
             <a:r>
               <a:rPr lang="en-US" dirty="0" smtClean="0"/>
-              <a:t>Reference:</a:t>
-            </a:r>
-          </a:p>
-          <a:p>
-            <a:pPr marL="171450" indent="-171450">
-              <a:buFont typeface="Arial"/>
-              <a:buChar char="•"/>
+              <a:t>Answer</a:t>
+            </a:r>
+            <a:r>
+              <a:rPr lang="en-US" smtClean="0"/>
+              <a:t>: No. </a:t>
+            </a:r>
+            <a:r>
+              <a:rPr lang="en-US" dirty="0" smtClean="0"/>
+              <a:t>Result of policy evaluation:</a:t>
+            </a:r>
+          </a:p>
+          <a:p>
+            <a:pPr marL="228600" marR="0" indent="-228600" algn="l" defTabSz="457200" rtl="0" eaLnBrk="1" fontAlgn="auto" latinLnBrk="0" hangingPunct="1">
+              <a:lnSpc>
+                <a:spcPct val="100000"/>
+              </a:lnSpc>
+              <a:spcBef>
+                <a:spcPts val="0"/>
+              </a:spcBef>
+              <a:spcAft>
+                <a:spcPts val="0"/>
+              </a:spcAft>
+              <a:buClrTx/>
+              <a:buSzTx/>
+              <a:buFontTx/>
+              <a:buAutoNum type="arabicPeriod"/>
+              <a:tabLst/>
+              <a:defRPr/>
+            </a:pPr>
+            <a:r>
+              <a:rPr lang="en-US" baseline="0" dirty="0" smtClean="0"/>
+              <a:t>No. The resource (</a:t>
+            </a:r>
+            <a:r>
+              <a:rPr lang="de-DE" baseline="0" dirty="0" smtClean="0"/>
+              <a:t>i-8f00e559)</a:t>
+            </a:r>
+            <a:r>
+              <a:rPr lang="en-US" baseline="0" dirty="0" smtClean="0"/>
+              <a:t> specified in the resource context does not match the resources for which Actions are specified in the given policy.</a:t>
+            </a:r>
+            <a:endParaRPr lang="en-US" dirty="0" smtClean="0"/>
+          </a:p>
+          <a:p>
+            <a:pPr marL="0" indent="0">
+              <a:buNone/>
+            </a:pPr>
+            <a:endParaRPr lang="en-US" baseline="0" dirty="0" smtClean="0"/>
+          </a:p>
+          <a:p>
+            <a:pPr marL="0" indent="0">
+              <a:buNone/>
             </a:pPr>
             <a:r>
               <a:rPr lang="en-US" dirty="0" smtClean="0"/>
@@ -2322,7 +2630,7 @@
             </a:r>
             <a:r>
               <a:rPr lang="en-US" dirty="0" err="1" smtClean="0"/>
-              <a:t>PolicyVariables.html</a:t>
+              <a:t>AccessPolicyLanguage_EvaluationLogic.html</a:t>
             </a:r>
             <a:endParaRPr lang="en-US" dirty="0"/>
           </a:p>
@@ -2345,7 +2653,7 @@
           <a:p>
             <a:fld id="{BFB43062-714D-1146-A97F-0D45BD9E7BF0}" type="slidenum">
               <a:rPr lang="en-US" smtClean="0"/>
-              <a:t>12</a:t>
+              <a:t>10</a:t>
             </a:fld>
             <a:endParaRPr lang="en-US"/>
           </a:p>
@@ -2354,7 +2662,7 @@
     </p:spTree>
     <p:extLst>
       <p:ext uri="{BB962C8B-B14F-4D97-AF65-F5344CB8AC3E}">
-        <p14:creationId xmlns:p14="http://schemas.microsoft.com/office/powerpoint/2010/main" val="305666501"/>
+        <p14:creationId xmlns:p14="http://schemas.microsoft.com/office/powerpoint/2010/main" val="116716749"/>
       </p:ext>
     </p:extLst>
   </p:cSld>
@@ -4176,7 +4484,7 @@
           <a:p>
             <a:fld id="{7CE38E4D-051A-41E1-86A4-E56916468FD0}" type="datetimeFigureOut">
               <a:rPr lang="en-US" smtClean="0"/>
-              <a:t>12/1/15</a:t>
+              <a:t>12/2/15</a:t>
             </a:fld>
             <a:endParaRPr lang="en-US"/>
           </a:p>
@@ -4357,7 +4665,7 @@
           <a:p>
             <a:fld id="{7CE38E4D-051A-41E1-86A4-E56916468FD0}" type="datetimeFigureOut">
               <a:rPr lang="en-US" smtClean="0"/>
-              <a:t>12/1/15</a:t>
+              <a:t>12/2/15</a:t>
             </a:fld>
             <a:endParaRPr lang="en-US"/>
           </a:p>
@@ -4508,7 +4816,7 @@
           <a:p>
             <a:fld id="{7CE38E4D-051A-41E1-86A4-E56916468FD0}" type="datetimeFigureOut">
               <a:rPr lang="en-US" smtClean="0"/>
-              <a:t>12/1/15</a:t>
+              <a:t>12/2/15</a:t>
             </a:fld>
             <a:endParaRPr lang="en-US"/>
           </a:p>
@@ -6334,7 +6642,7 @@
           <a:p>
             <a:fld id="{7CE38E4D-051A-41E1-86A4-E56916468FD0}" type="datetimeFigureOut">
               <a:rPr lang="en-US" smtClean="0"/>
-              <a:t>12/1/15</a:t>
+              <a:t>12/2/15</a:t>
             </a:fld>
             <a:endParaRPr lang="en-US"/>
           </a:p>
@@ -8204,7 +8512,7 @@
           <a:p>
             <a:fld id="{7CE38E4D-051A-41E1-86A4-E56916468FD0}" type="datetimeFigureOut">
               <a:rPr lang="en-US" smtClean="0"/>
-              <a:t>12/1/15</a:t>
+              <a:t>12/2/15</a:t>
             </a:fld>
             <a:endParaRPr lang="en-US"/>
           </a:p>
@@ -8317,7 +8625,7 @@
           <a:p>
             <a:fld id="{7CE38E4D-051A-41E1-86A4-E56916468FD0}" type="datetimeFigureOut">
               <a:rPr lang="en-US" smtClean="0"/>
-              <a:t>12/1/15</a:t>
+              <a:t>12/2/15</a:t>
             </a:fld>
             <a:endParaRPr lang="en-US"/>
           </a:p>
@@ -8858,7 +9166,7 @@
           <a:p>
             <a:fld id="{7CE38E4D-051A-41E1-86A4-E56916468FD0}" type="datetimeFigureOut">
               <a:rPr lang="en-US" smtClean="0"/>
-              <a:t>12/1/15</a:t>
+              <a:t>12/2/15</a:t>
             </a:fld>
             <a:endParaRPr lang="en-US"/>
           </a:p>
@@ -8971,7 +9279,7 @@
           <a:p>
             <a:fld id="{7CE38E4D-051A-41E1-86A4-E56916468FD0}" type="datetimeFigureOut">
               <a:rPr lang="en-US" smtClean="0"/>
-              <a:t>12/1/15</a:t>
+              <a:t>12/2/15</a:t>
             </a:fld>
             <a:endParaRPr lang="en-US"/>
           </a:p>
@@ -10682,7 +10990,7 @@
           <a:p>
             <a:fld id="{7CE38E4D-051A-41E1-86A4-E56916468FD0}" type="datetimeFigureOut">
               <a:rPr lang="en-US" smtClean="0"/>
-              <a:t>12/1/15</a:t>
+              <a:t>12/2/15</a:t>
             </a:fld>
             <a:endParaRPr lang="en-US"/>
           </a:p>
@@ -10833,7 +11141,7 @@
           <a:p>
             <a:fld id="{7CE38E4D-051A-41E1-86A4-E56916468FD0}" type="datetimeFigureOut">
               <a:rPr lang="en-US" smtClean="0"/>
-              <a:t>12/1/15</a:t>
+              <a:t>12/2/15</a:t>
             </a:fld>
             <a:endParaRPr lang="en-US"/>
           </a:p>
@@ -14448,7 +14756,7 @@
           <a:p>
             <a:fld id="{7CE38E4D-051A-41E1-86A4-E56916468FD0}" type="datetimeFigureOut">
               <a:rPr lang="en-US" smtClean="0"/>
-              <a:t>12/1/15</a:t>
+              <a:t>12/2/15</a:t>
             </a:fld>
             <a:endParaRPr lang="en-US"/>
           </a:p>
@@ -16307,7 +16615,7 @@
           <a:p>
             <a:fld id="{7CE38E4D-051A-41E1-86A4-E56916468FD0}" type="datetimeFigureOut">
               <a:rPr lang="en-US" smtClean="0"/>
-              <a:t>12/1/15</a:t>
+              <a:t>12/2/15</a:t>
             </a:fld>
             <a:endParaRPr lang="en-US"/>
           </a:p>
@@ -16918,6 +17226,1357 @@
       </p:grpSpPr>
       <p:sp>
         <p:nvSpPr>
+          <p:cNvPr id="3" name="Content Placeholder 2"/>
+          <p:cNvSpPr>
+            <a:spLocks noGrp="1"/>
+          </p:cNvSpPr>
+          <p:nvPr>
+            <p:ph idx="1"/>
+          </p:nvPr>
+        </p:nvSpPr>
+        <p:spPr/>
+        <p:txBody>
+          <a:bodyPr>
+            <a:normAutofit fontScale="62500" lnSpcReduction="20000"/>
+          </a:bodyPr>
+          <a:lstStyle/>
+          <a:p>
+            <a:pPr marL="0" indent="0">
+              <a:buNone/>
+            </a:pPr>
+            <a:r>
+              <a:rPr lang="en-US" dirty="0" smtClean="0">
+                <a:latin typeface="Courier"/>
+                <a:cs typeface="Courier"/>
+              </a:rPr>
+              <a:t>Command: </a:t>
+            </a:r>
+            <a:r>
+              <a:rPr lang="en-US" dirty="0" err="1" smtClean="0">
+                <a:latin typeface="Courier"/>
+                <a:cs typeface="Courier"/>
+              </a:rPr>
+              <a:t>aws</a:t>
+            </a:r>
+            <a:r>
+              <a:rPr lang="en-US" dirty="0" smtClean="0">
+                <a:latin typeface="Courier"/>
+                <a:cs typeface="Courier"/>
+              </a:rPr>
+              <a:t> </a:t>
+            </a:r>
+            <a:r>
+              <a:rPr lang="en-US" dirty="0">
+                <a:latin typeface="Courier"/>
+                <a:cs typeface="Courier"/>
+              </a:rPr>
+              <a:t>ec2 terminate-instances --instance-ids i-</a:t>
+            </a:r>
+            <a:r>
+              <a:rPr lang="en-US" dirty="0" smtClean="0">
+                <a:latin typeface="Courier"/>
+                <a:cs typeface="Courier"/>
+              </a:rPr>
+              <a:t>8f00e559</a:t>
+            </a:r>
+          </a:p>
+          <a:p>
+            <a:pPr marL="0" indent="0">
+              <a:buNone/>
+            </a:pPr>
+            <a:endParaRPr lang="en-US" dirty="0" smtClean="0">
+              <a:latin typeface="Courier"/>
+              <a:cs typeface="Courier"/>
+            </a:endParaRPr>
+          </a:p>
+          <a:p>
+            <a:pPr marL="0" indent="0">
+              <a:buNone/>
+            </a:pPr>
+            <a:r>
+              <a:rPr lang="en-US" dirty="0" smtClean="0">
+                <a:latin typeface="Courier"/>
+                <a:cs typeface="Courier"/>
+              </a:rPr>
+              <a:t>{</a:t>
+            </a:r>
+            <a:endParaRPr lang="en-US" dirty="0">
+              <a:latin typeface="Courier"/>
+              <a:cs typeface="Courier"/>
+            </a:endParaRPr>
+          </a:p>
+          <a:p>
+            <a:pPr marL="0" indent="0">
+              <a:buNone/>
+            </a:pPr>
+            <a:r>
+              <a:rPr lang="en-US" dirty="0">
+                <a:latin typeface="Courier"/>
+                <a:cs typeface="Courier"/>
+              </a:rPr>
+              <a:t>  "Statement": [</a:t>
+            </a:r>
+          </a:p>
+          <a:p>
+            <a:pPr marL="0" indent="0">
+              <a:buNone/>
+            </a:pPr>
+            <a:r>
+              <a:rPr lang="en-US" dirty="0">
+                <a:latin typeface="Courier"/>
+                <a:cs typeface="Courier"/>
+              </a:rPr>
+              <a:t>    {</a:t>
+            </a:r>
+          </a:p>
+          <a:p>
+            <a:pPr marL="0" indent="0">
+              <a:buNone/>
+            </a:pPr>
+            <a:r>
+              <a:rPr lang="en-US" dirty="0">
+                <a:latin typeface="Courier"/>
+                <a:cs typeface="Courier"/>
+              </a:rPr>
+              <a:t>      "Action": [</a:t>
+            </a:r>
+          </a:p>
+          <a:p>
+            <a:pPr marL="0" indent="0">
+              <a:buNone/>
+            </a:pPr>
+            <a:r>
+              <a:rPr lang="en-US" dirty="0" smtClean="0">
+                <a:latin typeface="Courier"/>
+                <a:cs typeface="Courier"/>
+              </a:rPr>
+              <a:t>        </a:t>
+            </a:r>
+            <a:r>
+              <a:rPr lang="en-US" dirty="0">
+                <a:latin typeface="Courier"/>
+                <a:cs typeface="Courier"/>
+              </a:rPr>
+              <a:t>”ec2</a:t>
+            </a:r>
+            <a:r>
+              <a:rPr lang="en-US" dirty="0" smtClean="0">
+                <a:latin typeface="Courier"/>
+                <a:cs typeface="Courier"/>
+              </a:rPr>
+              <a:t>:Describe*”</a:t>
+            </a:r>
+            <a:r>
+              <a:rPr lang="en-US" dirty="0">
+                <a:latin typeface="Courier"/>
+                <a:cs typeface="Courier"/>
+              </a:rPr>
+              <a:t>,</a:t>
+            </a:r>
+            <a:endParaRPr lang="en-US" dirty="0" smtClean="0">
+              <a:latin typeface="Courier"/>
+              <a:cs typeface="Courier"/>
+            </a:endParaRPr>
+          </a:p>
+          <a:p>
+            <a:pPr marL="0" indent="0">
+              <a:buNone/>
+            </a:pPr>
+            <a:r>
+              <a:rPr lang="en-US" dirty="0" smtClean="0">
+                <a:latin typeface="Courier"/>
+                <a:cs typeface="Courier"/>
+              </a:rPr>
+              <a:t>        ”ec2:TerminateInstances”</a:t>
+            </a:r>
+            <a:endParaRPr lang="en-US" dirty="0">
+              <a:latin typeface="Courier"/>
+              <a:cs typeface="Courier"/>
+            </a:endParaRPr>
+          </a:p>
+          <a:p>
+            <a:pPr marL="0" indent="0">
+              <a:buNone/>
+            </a:pPr>
+            <a:r>
+              <a:rPr lang="en-US" dirty="0">
+                <a:latin typeface="Courier"/>
+                <a:cs typeface="Courier"/>
+              </a:rPr>
+              <a:t>      ],</a:t>
+            </a:r>
+          </a:p>
+          <a:p>
+            <a:pPr marL="0" indent="0">
+              <a:buNone/>
+            </a:pPr>
+            <a:r>
+              <a:rPr lang="en-US" dirty="0">
+                <a:latin typeface="Courier"/>
+                <a:cs typeface="Courier"/>
+              </a:rPr>
+              <a:t>      "Effect": "Allow",</a:t>
+            </a:r>
+          </a:p>
+          <a:p>
+            <a:pPr marL="0" indent="0">
+              <a:buNone/>
+            </a:pPr>
+            <a:r>
+              <a:rPr lang="en-US" dirty="0">
+                <a:latin typeface="Courier"/>
+                <a:cs typeface="Courier"/>
+              </a:rPr>
+              <a:t>      "Resource”:["</a:t>
+            </a:r>
+            <a:r>
+              <a:rPr lang="en-US" dirty="0" smtClean="0">
+                <a:latin typeface="Courier"/>
+                <a:cs typeface="Courier"/>
+              </a:rPr>
+              <a:t>arn:aws:ec2:</a:t>
+            </a:r>
+            <a:r>
+              <a:rPr lang="en-US" dirty="0">
+                <a:latin typeface="Courier"/>
+                <a:cs typeface="Courier"/>
+              </a:rPr>
+              <a:t>::instance/i-1a2b3c4d"]</a:t>
+            </a:r>
+          </a:p>
+          <a:p>
+            <a:pPr marL="0" indent="0">
+              <a:buNone/>
+            </a:pPr>
+            <a:r>
+              <a:rPr lang="en-US" dirty="0">
+                <a:latin typeface="Courier"/>
+                <a:cs typeface="Courier"/>
+              </a:rPr>
+              <a:t>    }</a:t>
+            </a:r>
+          </a:p>
+          <a:p>
+            <a:pPr marL="0" indent="0">
+              <a:buNone/>
+            </a:pPr>
+            <a:r>
+              <a:rPr lang="en-US" dirty="0">
+                <a:latin typeface="Courier"/>
+                <a:cs typeface="Courier"/>
+              </a:rPr>
+              <a:t>  ]</a:t>
+            </a:r>
+          </a:p>
+          <a:p>
+            <a:pPr marL="0" indent="0">
+              <a:buNone/>
+            </a:pPr>
+            <a:r>
+              <a:rPr lang="en-US" dirty="0">
+                <a:latin typeface="Courier"/>
+                <a:cs typeface="Courier"/>
+              </a:rPr>
+              <a:t>}</a:t>
+            </a:r>
+          </a:p>
+        </p:txBody>
+      </p:sp>
+      <p:sp>
+        <p:nvSpPr>
+          <p:cNvPr id="2" name="Title 1"/>
+          <p:cNvSpPr>
+            <a:spLocks noGrp="1"/>
+          </p:cNvSpPr>
+          <p:nvPr>
+            <p:ph type="title"/>
+          </p:nvPr>
+        </p:nvSpPr>
+        <p:spPr/>
+        <p:txBody>
+          <a:bodyPr>
+            <a:normAutofit/>
+          </a:bodyPr>
+          <a:lstStyle/>
+          <a:p>
+            <a:r>
+              <a:rPr lang="en-US" dirty="0" smtClean="0"/>
+              <a:t>IAM: Will it Terminate?</a:t>
+            </a:r>
+            <a:endParaRPr lang="en-US" dirty="0"/>
+          </a:p>
+        </p:txBody>
+      </p:sp>
+    </p:spTree>
+    <p:extLst>
+      <p:ext uri="{BB962C8B-B14F-4D97-AF65-F5344CB8AC3E}">
+        <p14:creationId xmlns:p14="http://schemas.microsoft.com/office/powerpoint/2010/main" val="1105983263"/>
+      </p:ext>
+    </p:extLst>
+  </p:cSld>
+  <p:clrMapOvr>
+    <a:masterClrMapping/>
+  </p:clrMapOvr>
+  <p:timing>
+    <p:tnLst>
+      <p:par>
+        <p:cTn id="1" dur="indefinite" restart="never" nodeType="tmRoot"/>
+      </p:par>
+    </p:tnLst>
+  </p:timing>
+</p:sld>
+</file>
+
+<file path=ppt/slides/slide11.xml><?xml version="1.0" encoding="utf-8"?>
+<p:sld xmlns:a="http://schemas.openxmlformats.org/drawingml/2006/main" xmlns:r="http://schemas.openxmlformats.org/officeDocument/2006/relationships" xmlns:p="http://schemas.openxmlformats.org/presentationml/2006/main">
+  <p:cSld>
+    <p:spTree>
+      <p:nvGrpSpPr>
+        <p:cNvPr id="1" name=""/>
+        <p:cNvGrpSpPr/>
+        <p:nvPr/>
+      </p:nvGrpSpPr>
+      <p:grpSpPr>
+        <a:xfrm>
+          <a:off x="0" y="0"/>
+          <a:ext cx="0" cy="0"/>
+          <a:chOff x="0" y="0"/>
+          <a:chExt cx="0" cy="0"/>
+        </a:xfrm>
+      </p:grpSpPr>
+      <p:sp>
+        <p:nvSpPr>
+          <p:cNvPr id="3" name="Content Placeholder 2"/>
+          <p:cNvSpPr>
+            <a:spLocks noGrp="1"/>
+          </p:cNvSpPr>
+          <p:nvPr>
+            <p:ph idx="1"/>
+          </p:nvPr>
+        </p:nvSpPr>
+        <p:spPr>
+          <a:xfrm>
+            <a:off x="872067" y="2675466"/>
+            <a:ext cx="7408333" cy="3915469"/>
+          </a:xfrm>
+        </p:spPr>
+        <p:txBody>
+          <a:bodyPr>
+            <a:normAutofit fontScale="55000" lnSpcReduction="20000"/>
+          </a:bodyPr>
+          <a:lstStyle/>
+          <a:p>
+            <a:pPr marL="0" indent="0">
+              <a:buNone/>
+            </a:pPr>
+            <a:r>
+              <a:rPr lang="en-US" dirty="0" smtClean="0">
+                <a:latin typeface="Courier"/>
+                <a:cs typeface="Courier"/>
+              </a:rPr>
+              <a:t>Command: </a:t>
+            </a:r>
+            <a:r>
+              <a:rPr lang="en-US" dirty="0" err="1" smtClean="0">
+                <a:latin typeface="Courier"/>
+                <a:cs typeface="Courier"/>
+              </a:rPr>
+              <a:t>aws</a:t>
+            </a:r>
+            <a:r>
+              <a:rPr lang="en-US" dirty="0" smtClean="0">
+                <a:latin typeface="Courier"/>
+                <a:cs typeface="Courier"/>
+              </a:rPr>
+              <a:t> </a:t>
+            </a:r>
+            <a:r>
+              <a:rPr lang="en-US" dirty="0">
+                <a:latin typeface="Courier"/>
+                <a:cs typeface="Courier"/>
+              </a:rPr>
+              <a:t>ec2 terminate-instances --instance-ids i-</a:t>
+            </a:r>
+            <a:r>
+              <a:rPr lang="en-US" dirty="0" smtClean="0">
+                <a:latin typeface="Courier"/>
+                <a:cs typeface="Courier"/>
+              </a:rPr>
+              <a:t>8f00e559</a:t>
+            </a:r>
+          </a:p>
+          <a:p>
+            <a:pPr marL="0" indent="0">
+              <a:buNone/>
+            </a:pPr>
+            <a:endParaRPr lang="en-US" dirty="0" smtClean="0">
+              <a:latin typeface="Courier"/>
+              <a:cs typeface="Courier"/>
+            </a:endParaRPr>
+          </a:p>
+          <a:p>
+            <a:pPr marL="0" indent="0">
+              <a:buNone/>
+            </a:pPr>
+            <a:r>
+              <a:rPr lang="en-US" dirty="0" smtClean="0">
+                <a:latin typeface="Courier"/>
+                <a:cs typeface="Courier"/>
+              </a:rPr>
+              <a:t>{</a:t>
+            </a:r>
+            <a:endParaRPr lang="en-US" dirty="0">
+              <a:latin typeface="Courier"/>
+              <a:cs typeface="Courier"/>
+            </a:endParaRPr>
+          </a:p>
+          <a:p>
+            <a:pPr marL="0" indent="0">
+              <a:buNone/>
+            </a:pPr>
+            <a:r>
+              <a:rPr lang="en-US" dirty="0">
+                <a:latin typeface="Courier"/>
+                <a:cs typeface="Courier"/>
+              </a:rPr>
+              <a:t>  "Statement": [</a:t>
+            </a:r>
+          </a:p>
+          <a:p>
+            <a:pPr marL="0" indent="0">
+              <a:buNone/>
+            </a:pPr>
+            <a:r>
+              <a:rPr lang="en-US" dirty="0">
+                <a:latin typeface="Courier"/>
+                <a:cs typeface="Courier"/>
+              </a:rPr>
+              <a:t>    {</a:t>
+            </a:r>
+          </a:p>
+          <a:p>
+            <a:pPr marL="0" indent="0">
+              <a:buNone/>
+            </a:pPr>
+            <a:r>
+              <a:rPr lang="en-US" dirty="0">
+                <a:latin typeface="Courier"/>
+                <a:cs typeface="Courier"/>
+              </a:rPr>
+              <a:t>      "Action": [</a:t>
+            </a:r>
+          </a:p>
+          <a:p>
+            <a:pPr marL="0" indent="0">
+              <a:buNone/>
+            </a:pPr>
+            <a:r>
+              <a:rPr lang="en-US" dirty="0" smtClean="0">
+                <a:latin typeface="Courier"/>
+                <a:cs typeface="Courier"/>
+              </a:rPr>
+              <a:t>        ”</a:t>
+            </a:r>
+            <a:r>
+              <a:rPr lang="en-US" dirty="0">
+                <a:latin typeface="Courier"/>
+                <a:cs typeface="Courier"/>
+              </a:rPr>
+              <a:t>ec2</a:t>
+            </a:r>
+            <a:r>
+              <a:rPr lang="en-US" dirty="0" smtClean="0">
+                <a:latin typeface="Courier"/>
+                <a:cs typeface="Courier"/>
+              </a:rPr>
+              <a:t>:TerminateInstance”,</a:t>
+            </a:r>
+          </a:p>
+          <a:p>
+            <a:pPr marL="0" indent="0">
+              <a:buNone/>
+            </a:pPr>
+            <a:r>
+              <a:rPr lang="en-US" dirty="0" smtClean="0">
+                <a:latin typeface="Courier"/>
+                <a:cs typeface="Courier"/>
+              </a:rPr>
+              <a:t>      ]</a:t>
+            </a:r>
+            <a:r>
+              <a:rPr lang="en-US" dirty="0">
+                <a:latin typeface="Courier"/>
+                <a:cs typeface="Courier"/>
+              </a:rPr>
+              <a:t>,</a:t>
+            </a:r>
+          </a:p>
+          <a:p>
+            <a:pPr marL="0" indent="0">
+              <a:buNone/>
+            </a:pPr>
+            <a:r>
+              <a:rPr lang="en-US" dirty="0">
+                <a:latin typeface="Courier"/>
+                <a:cs typeface="Courier"/>
+              </a:rPr>
+              <a:t>      "Effect": "Allow",</a:t>
+            </a:r>
+          </a:p>
+          <a:p>
+            <a:pPr marL="0" indent="0">
+              <a:buNone/>
+            </a:pPr>
+            <a:r>
+              <a:rPr lang="en-US" dirty="0">
+                <a:latin typeface="Courier"/>
+                <a:cs typeface="Courier"/>
+              </a:rPr>
+              <a:t>      "Resource”:["</a:t>
+            </a:r>
+            <a:r>
+              <a:rPr lang="en-US" dirty="0" smtClean="0">
+                <a:latin typeface="Courier"/>
+                <a:cs typeface="Courier"/>
+              </a:rPr>
+              <a:t>arn:aws:ec2:</a:t>
+            </a:r>
+            <a:r>
+              <a:rPr lang="en-US" dirty="0">
+                <a:latin typeface="Courier"/>
+                <a:cs typeface="Courier"/>
+              </a:rPr>
+              <a:t>:</a:t>
+            </a:r>
+            <a:r>
+              <a:rPr lang="en-US" dirty="0" smtClean="0">
+                <a:latin typeface="Courier"/>
+                <a:cs typeface="Courier"/>
+              </a:rPr>
+              <a:t>:*"]</a:t>
+            </a:r>
+          </a:p>
+          <a:p>
+            <a:pPr marL="0" indent="0">
+              <a:buNone/>
+            </a:pPr>
+            <a:r>
+              <a:rPr lang="en-US" dirty="0" smtClean="0">
+                <a:latin typeface="Courier"/>
+                <a:cs typeface="Courier"/>
+              </a:rPr>
+              <a:t>      "</a:t>
+            </a:r>
+            <a:r>
+              <a:rPr lang="en-US" dirty="0">
+                <a:latin typeface="Courier"/>
+                <a:cs typeface="Courier"/>
+              </a:rPr>
+              <a:t>Condition": {</a:t>
+            </a:r>
+          </a:p>
+          <a:p>
+            <a:pPr marL="0" indent="0">
+              <a:buNone/>
+            </a:pPr>
+            <a:r>
+              <a:rPr lang="en-US" dirty="0">
+                <a:latin typeface="Courier"/>
+                <a:cs typeface="Courier"/>
+              </a:rPr>
+              <a:t>  </a:t>
+            </a:r>
+            <a:r>
+              <a:rPr lang="en-US" dirty="0" smtClean="0">
+                <a:latin typeface="Courier"/>
+                <a:cs typeface="Courier"/>
+              </a:rPr>
+              <a:t>      "</a:t>
+            </a:r>
+            <a:r>
+              <a:rPr lang="en-US" dirty="0" err="1" smtClean="0">
+                <a:latin typeface="Courier"/>
+                <a:cs typeface="Courier"/>
+              </a:rPr>
+              <a:t>DateLessThan</a:t>
+            </a:r>
+            <a:r>
+              <a:rPr lang="en-US" dirty="0">
+                <a:latin typeface="Courier"/>
+                <a:cs typeface="Courier"/>
+              </a:rPr>
+              <a:t>" : {</a:t>
+            </a:r>
+          </a:p>
+          <a:p>
+            <a:pPr marL="0" indent="0">
+              <a:buNone/>
+            </a:pPr>
+            <a:r>
+              <a:rPr lang="en-US" dirty="0">
+                <a:latin typeface="Courier"/>
+                <a:cs typeface="Courier"/>
+              </a:rPr>
+              <a:t>     </a:t>
+            </a:r>
+            <a:r>
+              <a:rPr lang="en-US" dirty="0" smtClean="0">
+                <a:latin typeface="Courier"/>
+                <a:cs typeface="Courier"/>
+              </a:rPr>
+              <a:t>     "</a:t>
+            </a:r>
+            <a:r>
+              <a:rPr lang="en-US" dirty="0" err="1">
+                <a:latin typeface="Courier"/>
+                <a:cs typeface="Courier"/>
+              </a:rPr>
+              <a:t>aws:CurrentTime</a:t>
+            </a:r>
+            <a:r>
+              <a:rPr lang="en-US" dirty="0">
+                <a:latin typeface="Courier"/>
+                <a:cs typeface="Courier"/>
+              </a:rPr>
+              <a:t>" : "</a:t>
+            </a:r>
+            <a:r>
+              <a:rPr lang="en-US" dirty="0" smtClean="0">
+                <a:latin typeface="Courier"/>
+                <a:cs typeface="Courier"/>
+              </a:rPr>
+              <a:t>2015-12-01T20:00:00Z</a:t>
+            </a:r>
+            <a:r>
+              <a:rPr lang="en-US" dirty="0" smtClean="0">
+                <a:latin typeface="Courier"/>
+                <a:cs typeface="Courier"/>
+              </a:rPr>
+              <a:t>”</a:t>
+            </a:r>
+            <a:endParaRPr lang="en-US" dirty="0">
+              <a:latin typeface="Courier"/>
+              <a:cs typeface="Courier"/>
+            </a:endParaRPr>
+          </a:p>
+          <a:p>
+            <a:pPr marL="0" indent="0">
+              <a:buNone/>
+            </a:pPr>
+            <a:r>
+              <a:rPr lang="en-US" dirty="0" smtClean="0">
+                <a:latin typeface="Courier"/>
+                <a:cs typeface="Courier"/>
+              </a:rPr>
+              <a:t>        }</a:t>
+            </a:r>
+            <a:endParaRPr lang="en-US" dirty="0">
+              <a:latin typeface="Courier"/>
+              <a:cs typeface="Courier"/>
+            </a:endParaRPr>
+          </a:p>
+          <a:p>
+            <a:pPr marL="0" indent="0">
+              <a:buNone/>
+            </a:pPr>
+            <a:r>
+              <a:rPr lang="en-US" dirty="0" smtClean="0">
+                <a:latin typeface="Courier"/>
+                <a:cs typeface="Courier"/>
+              </a:rPr>
+              <a:t>      }</a:t>
+            </a:r>
+            <a:endParaRPr lang="en-US" dirty="0">
+              <a:latin typeface="Courier"/>
+              <a:cs typeface="Courier"/>
+            </a:endParaRPr>
+          </a:p>
+          <a:p>
+            <a:pPr marL="0" indent="0">
+              <a:buNone/>
+            </a:pPr>
+            <a:r>
+              <a:rPr lang="en-US" dirty="0">
+                <a:latin typeface="Courier"/>
+                <a:cs typeface="Courier"/>
+              </a:rPr>
+              <a:t>    }</a:t>
+            </a:r>
+          </a:p>
+          <a:p>
+            <a:pPr marL="0" indent="0">
+              <a:buNone/>
+            </a:pPr>
+            <a:r>
+              <a:rPr lang="en-US" dirty="0">
+                <a:latin typeface="Courier"/>
+                <a:cs typeface="Courier"/>
+              </a:rPr>
+              <a:t>  ]</a:t>
+            </a:r>
+          </a:p>
+          <a:p>
+            <a:pPr marL="0" indent="0">
+              <a:buNone/>
+            </a:pPr>
+            <a:r>
+              <a:rPr lang="en-US" dirty="0">
+                <a:latin typeface="Courier"/>
+                <a:cs typeface="Courier"/>
+              </a:rPr>
+              <a:t>}</a:t>
+            </a:r>
+          </a:p>
+        </p:txBody>
+      </p:sp>
+      <p:sp>
+        <p:nvSpPr>
+          <p:cNvPr id="2" name="Title 1"/>
+          <p:cNvSpPr>
+            <a:spLocks noGrp="1"/>
+          </p:cNvSpPr>
+          <p:nvPr>
+            <p:ph type="title"/>
+          </p:nvPr>
+        </p:nvSpPr>
+        <p:spPr/>
+        <p:txBody>
+          <a:bodyPr>
+            <a:normAutofit/>
+          </a:bodyPr>
+          <a:lstStyle/>
+          <a:p>
+            <a:r>
+              <a:rPr lang="en-US" dirty="0" smtClean="0"/>
+              <a:t>IAM: Will it Terminate?</a:t>
+            </a:r>
+            <a:endParaRPr lang="en-US" dirty="0"/>
+          </a:p>
+        </p:txBody>
+      </p:sp>
+    </p:spTree>
+    <p:extLst>
+      <p:ext uri="{BB962C8B-B14F-4D97-AF65-F5344CB8AC3E}">
+        <p14:creationId xmlns:p14="http://schemas.microsoft.com/office/powerpoint/2010/main" val="1983193316"/>
+      </p:ext>
+    </p:extLst>
+  </p:cSld>
+  <p:clrMapOvr>
+    <a:masterClrMapping/>
+  </p:clrMapOvr>
+  <p:timing>
+    <p:tnLst>
+      <p:par>
+        <p:cTn id="1" dur="indefinite" restart="never" nodeType="tmRoot"/>
+      </p:par>
+    </p:tnLst>
+  </p:timing>
+</p:sld>
+</file>
+
+<file path=ppt/slides/slide12.xml><?xml version="1.0" encoding="utf-8"?>
+<p:sld xmlns:a="http://schemas.openxmlformats.org/drawingml/2006/main" xmlns:r="http://schemas.openxmlformats.org/officeDocument/2006/relationships" xmlns:p="http://schemas.openxmlformats.org/presentationml/2006/main">
+  <p:cSld>
+    <p:spTree>
+      <p:nvGrpSpPr>
+        <p:cNvPr id="1" name=""/>
+        <p:cNvGrpSpPr/>
+        <p:nvPr/>
+      </p:nvGrpSpPr>
+      <p:grpSpPr>
+        <a:xfrm>
+          <a:off x="0" y="0"/>
+          <a:ext cx="0" cy="0"/>
+          <a:chOff x="0" y="0"/>
+          <a:chExt cx="0" cy="0"/>
+        </a:xfrm>
+      </p:grpSpPr>
+      <p:sp>
+        <p:nvSpPr>
+          <p:cNvPr id="2" name="Content Placeholder 1"/>
+          <p:cNvSpPr>
+            <a:spLocks noGrp="1"/>
+          </p:cNvSpPr>
+          <p:nvPr>
+            <p:ph idx="1"/>
+          </p:nvPr>
+        </p:nvSpPr>
+        <p:spPr/>
+        <p:txBody>
+          <a:bodyPr>
+            <a:normAutofit fontScale="77500" lnSpcReduction="20000"/>
+          </a:bodyPr>
+          <a:lstStyle/>
+          <a:p>
+            <a:pPr marL="0" indent="0">
+              <a:buNone/>
+            </a:pPr>
+            <a:r>
+              <a:rPr lang="en-US" sz="1800" dirty="0" smtClean="0">
+                <a:solidFill>
+                  <a:srgbClr val="FF0000"/>
+                </a:solidFill>
+                <a:latin typeface="Courier"/>
+                <a:cs typeface="Courier"/>
+              </a:rPr>
+              <a:t>"Resource”:[</a:t>
+            </a:r>
+            <a:r>
+              <a:rPr lang="en-US" sz="1800" dirty="0">
+                <a:solidFill>
+                  <a:srgbClr val="FF0000"/>
+                </a:solidFill>
+                <a:latin typeface="Courier"/>
+                <a:cs typeface="Courier"/>
+              </a:rPr>
+              <a:t>"</a:t>
+            </a:r>
+            <a:r>
+              <a:rPr lang="en-US" sz="1800" dirty="0" smtClean="0">
+                <a:solidFill>
+                  <a:srgbClr val="FF0000"/>
+                </a:solidFill>
+                <a:latin typeface="Courier"/>
+                <a:cs typeface="Courier"/>
+              </a:rPr>
+              <a:t>arn:aws:ec2:us-west-</a:t>
+            </a:r>
+            <a:r>
+              <a:rPr lang="en-US" sz="1800" dirty="0">
+                <a:solidFill>
+                  <a:srgbClr val="FF0000"/>
+                </a:solidFill>
+                <a:latin typeface="Courier"/>
+                <a:cs typeface="Courier"/>
+              </a:rPr>
+              <a:t>2:</a:t>
+            </a:r>
+            <a:r>
+              <a:rPr lang="en-US" sz="1800" dirty="0" smtClean="0">
+                <a:solidFill>
+                  <a:srgbClr val="FF0000"/>
+                </a:solidFill>
+                <a:latin typeface="Courier"/>
+                <a:cs typeface="Courier"/>
+              </a:rPr>
+              <a:t>12345:user/tom”]</a:t>
+            </a:r>
+          </a:p>
+          <a:p>
+            <a:r>
+              <a:rPr lang="en-US" dirty="0" err="1">
+                <a:solidFill>
+                  <a:srgbClr val="000000"/>
+                </a:solidFill>
+                <a:latin typeface="Calibri"/>
+                <a:cs typeface="Calibri"/>
+              </a:rPr>
+              <a:t>a</a:t>
+            </a:r>
+            <a:r>
+              <a:rPr lang="en-US" dirty="0" err="1" smtClean="0">
+                <a:solidFill>
+                  <a:srgbClr val="000000"/>
+                </a:solidFill>
+                <a:latin typeface="Calibri"/>
+                <a:cs typeface="Calibri"/>
+              </a:rPr>
+              <a:t>rn</a:t>
+            </a:r>
+            <a:r>
+              <a:rPr lang="en-US" dirty="0" smtClean="0">
+                <a:solidFill>
+                  <a:srgbClr val="000000"/>
+                </a:solidFill>
+                <a:latin typeface="Calibri"/>
+                <a:cs typeface="Calibri"/>
+              </a:rPr>
+              <a:t>: always included</a:t>
+            </a:r>
+          </a:p>
+          <a:p>
+            <a:r>
+              <a:rPr lang="en-US" dirty="0">
+                <a:solidFill>
+                  <a:srgbClr val="000000"/>
+                </a:solidFill>
+                <a:latin typeface="Calibri"/>
+                <a:cs typeface="Calibri"/>
+              </a:rPr>
+              <a:t>p</a:t>
+            </a:r>
+            <a:r>
+              <a:rPr lang="en-US" dirty="0" smtClean="0">
+                <a:solidFill>
+                  <a:srgbClr val="000000"/>
+                </a:solidFill>
+                <a:latin typeface="Calibri"/>
+                <a:cs typeface="Calibri"/>
+              </a:rPr>
+              <a:t>artition: </a:t>
+            </a:r>
+            <a:r>
+              <a:rPr lang="en-US" dirty="0" err="1" smtClean="0">
+                <a:solidFill>
+                  <a:srgbClr val="000000"/>
+                </a:solidFill>
+                <a:latin typeface="Calibri"/>
+                <a:cs typeface="Calibri"/>
+              </a:rPr>
+              <a:t>aws</a:t>
+            </a:r>
+            <a:r>
+              <a:rPr lang="en-US" dirty="0" smtClean="0">
+                <a:solidFill>
+                  <a:srgbClr val="000000"/>
+                </a:solidFill>
+                <a:latin typeface="Calibri"/>
+                <a:cs typeface="Calibri"/>
+              </a:rPr>
+              <a:t>, although </a:t>
+            </a:r>
+            <a:r>
+              <a:rPr lang="en-US" dirty="0" err="1" smtClean="0">
+                <a:solidFill>
+                  <a:srgbClr val="000000"/>
+                </a:solidFill>
+                <a:latin typeface="Calibri"/>
+                <a:cs typeface="Calibri"/>
+              </a:rPr>
+              <a:t>aws-cn</a:t>
+            </a:r>
+            <a:r>
+              <a:rPr lang="en-US" dirty="0" smtClean="0">
+                <a:solidFill>
+                  <a:srgbClr val="000000"/>
+                </a:solidFill>
+                <a:latin typeface="Calibri"/>
+                <a:cs typeface="Calibri"/>
+              </a:rPr>
+              <a:t> exists for China</a:t>
+            </a:r>
+          </a:p>
+          <a:p>
+            <a:r>
+              <a:rPr lang="en-US" dirty="0" smtClean="0">
+                <a:solidFill>
+                  <a:srgbClr val="000000"/>
+                </a:solidFill>
+                <a:latin typeface="Calibri"/>
+                <a:cs typeface="Calibri"/>
+              </a:rPr>
+              <a:t>service: ec2, </a:t>
+            </a:r>
+            <a:r>
+              <a:rPr lang="en-US" dirty="0" err="1" smtClean="0">
+                <a:solidFill>
+                  <a:srgbClr val="000000"/>
+                </a:solidFill>
+                <a:latin typeface="Calibri"/>
+                <a:cs typeface="Calibri"/>
+              </a:rPr>
+              <a:t>rds</a:t>
+            </a:r>
+            <a:r>
+              <a:rPr lang="en-US" dirty="0" smtClean="0">
+                <a:solidFill>
+                  <a:srgbClr val="000000"/>
+                </a:solidFill>
+                <a:latin typeface="Calibri"/>
+                <a:cs typeface="Calibri"/>
+              </a:rPr>
+              <a:t>, </a:t>
+            </a:r>
+            <a:r>
+              <a:rPr lang="en-US" dirty="0" err="1" smtClean="0">
+                <a:solidFill>
+                  <a:srgbClr val="000000"/>
+                </a:solidFill>
+                <a:latin typeface="Calibri"/>
+                <a:cs typeface="Calibri"/>
+              </a:rPr>
+              <a:t>iam</a:t>
+            </a:r>
+            <a:r>
+              <a:rPr lang="en-US" dirty="0" smtClean="0">
+                <a:solidFill>
+                  <a:srgbClr val="000000"/>
+                </a:solidFill>
+                <a:latin typeface="Calibri"/>
+                <a:cs typeface="Calibri"/>
+              </a:rPr>
+              <a:t>, etc.</a:t>
+            </a:r>
+          </a:p>
+          <a:p>
+            <a:r>
+              <a:rPr lang="en-US" dirty="0" smtClean="0">
+                <a:solidFill>
+                  <a:srgbClr val="000000"/>
+                </a:solidFill>
+                <a:latin typeface="Calibri"/>
+                <a:cs typeface="Calibri"/>
+              </a:rPr>
+              <a:t>region: us-west-2, us-east-1, etc.</a:t>
+            </a:r>
+          </a:p>
+          <a:p>
+            <a:pPr lvl="1"/>
+            <a:r>
+              <a:rPr lang="en-US" dirty="0" smtClean="0">
+                <a:solidFill>
+                  <a:srgbClr val="000000"/>
+                </a:solidFill>
+                <a:latin typeface="Calibri"/>
+                <a:cs typeface="Calibri"/>
+              </a:rPr>
+              <a:t>use wildcards here if possible</a:t>
+            </a:r>
+          </a:p>
+          <a:p>
+            <a:r>
+              <a:rPr lang="en-US" dirty="0">
+                <a:solidFill>
+                  <a:srgbClr val="000000"/>
+                </a:solidFill>
+                <a:latin typeface="Calibri"/>
+                <a:cs typeface="Calibri"/>
+              </a:rPr>
+              <a:t>a</a:t>
+            </a:r>
+            <a:r>
+              <a:rPr lang="en-US" dirty="0" smtClean="0">
+                <a:solidFill>
+                  <a:srgbClr val="000000"/>
+                </a:solidFill>
+                <a:latin typeface="Calibri"/>
+                <a:cs typeface="Calibri"/>
+              </a:rPr>
+              <a:t>ccount id: an AWS account ID</a:t>
+            </a:r>
+          </a:p>
+          <a:p>
+            <a:pPr lvl="1"/>
+            <a:r>
+              <a:rPr lang="en-US" dirty="0" smtClean="0">
+                <a:solidFill>
+                  <a:srgbClr val="000000"/>
+                </a:solidFill>
+                <a:latin typeface="Calibri"/>
+                <a:cs typeface="Calibri"/>
+              </a:rPr>
+              <a:t>use wildcards here if possible</a:t>
+            </a:r>
+          </a:p>
+          <a:p>
+            <a:r>
+              <a:rPr lang="en-US" dirty="0">
+                <a:solidFill>
+                  <a:srgbClr val="000000"/>
+                </a:solidFill>
+                <a:latin typeface="Calibri"/>
+                <a:cs typeface="Calibri"/>
+              </a:rPr>
+              <a:t>r</a:t>
+            </a:r>
+            <a:r>
+              <a:rPr lang="en-US" dirty="0" smtClean="0">
+                <a:solidFill>
+                  <a:srgbClr val="000000"/>
+                </a:solidFill>
+                <a:latin typeface="Calibri"/>
+                <a:cs typeface="Calibri"/>
+              </a:rPr>
+              <a:t>esource: varies by service, examples:</a:t>
+            </a:r>
+          </a:p>
+          <a:p>
+            <a:pPr lvl="1"/>
+            <a:r>
+              <a:rPr lang="en-US" dirty="0" smtClean="0">
+                <a:solidFill>
+                  <a:srgbClr val="000000"/>
+                </a:solidFill>
+                <a:latin typeface="Calibri"/>
+                <a:cs typeface="Calibri"/>
+              </a:rPr>
+              <a:t>security-group/sg-1a2b3c4d</a:t>
+            </a:r>
+          </a:p>
+          <a:p>
+            <a:pPr lvl="1"/>
+            <a:r>
+              <a:rPr lang="en-US" dirty="0" smtClean="0">
+                <a:solidFill>
+                  <a:srgbClr val="000000"/>
+                </a:solidFill>
+                <a:latin typeface="Calibri"/>
+                <a:cs typeface="Calibri"/>
+              </a:rPr>
+              <a:t>reports-batch-</a:t>
+            </a:r>
+            <a:r>
+              <a:rPr lang="en-US" dirty="0" err="1" smtClean="0">
+                <a:solidFill>
+                  <a:srgbClr val="000000"/>
+                </a:solidFill>
+                <a:latin typeface="Calibri"/>
+                <a:cs typeface="Calibri"/>
+              </a:rPr>
+              <a:t>sqs</a:t>
+            </a:r>
+            <a:endParaRPr lang="en-US" dirty="0" smtClean="0">
+              <a:solidFill>
+                <a:srgbClr val="000000"/>
+              </a:solidFill>
+              <a:latin typeface="Calibri"/>
+              <a:cs typeface="Calibri"/>
+            </a:endParaRPr>
+          </a:p>
+          <a:p>
+            <a:pPr lvl="1"/>
+            <a:r>
+              <a:rPr lang="en-US" dirty="0" err="1" smtClean="0">
+                <a:solidFill>
+                  <a:srgbClr val="000000"/>
+                </a:solidFill>
+                <a:latin typeface="Calibri"/>
+                <a:cs typeface="Calibri"/>
+              </a:rPr>
+              <a:t>mybucket</a:t>
+            </a:r>
+            <a:r>
+              <a:rPr lang="en-US" dirty="0" smtClean="0">
+                <a:solidFill>
+                  <a:srgbClr val="000000"/>
+                </a:solidFill>
+                <a:latin typeface="Calibri"/>
+                <a:cs typeface="Calibri"/>
+              </a:rPr>
+              <a:t>/</a:t>
+            </a:r>
+            <a:r>
+              <a:rPr lang="en-US" dirty="0" err="1" smtClean="0">
+                <a:solidFill>
+                  <a:srgbClr val="000000"/>
+                </a:solidFill>
+                <a:latin typeface="Calibri"/>
+                <a:cs typeface="Calibri"/>
+              </a:rPr>
+              <a:t>myobjectpath</a:t>
+            </a:r>
+            <a:r>
+              <a:rPr lang="en-US" dirty="0" smtClean="0">
+                <a:solidFill>
+                  <a:srgbClr val="000000"/>
+                </a:solidFill>
+                <a:latin typeface="Calibri"/>
+                <a:cs typeface="Calibri"/>
+              </a:rPr>
+              <a:t>/*</a:t>
+            </a:r>
+          </a:p>
+          <a:p>
+            <a:endParaRPr lang="en-US" dirty="0">
+              <a:solidFill>
+                <a:srgbClr val="000000"/>
+              </a:solidFill>
+              <a:latin typeface="Courier"/>
+              <a:cs typeface="Courier"/>
+            </a:endParaRPr>
+          </a:p>
+        </p:txBody>
+      </p:sp>
+      <p:sp>
+        <p:nvSpPr>
+          <p:cNvPr id="3" name="Title 2"/>
+          <p:cNvSpPr>
+            <a:spLocks noGrp="1"/>
+          </p:cNvSpPr>
+          <p:nvPr>
+            <p:ph type="title"/>
+          </p:nvPr>
+        </p:nvSpPr>
+        <p:spPr/>
+        <p:txBody>
+          <a:bodyPr>
+            <a:normAutofit fontScale="90000"/>
+          </a:bodyPr>
+          <a:lstStyle/>
+          <a:p>
+            <a:r>
+              <a:rPr lang="en-US" dirty="0"/>
+              <a:t>IAM: </a:t>
+            </a:r>
+            <a:br>
+              <a:rPr lang="en-US" dirty="0"/>
+            </a:br>
+            <a:r>
+              <a:rPr lang="en-US" dirty="0"/>
+              <a:t>Resource Identification with ARN</a:t>
+            </a:r>
+          </a:p>
+        </p:txBody>
+      </p:sp>
+    </p:spTree>
+    <p:extLst>
+      <p:ext uri="{BB962C8B-B14F-4D97-AF65-F5344CB8AC3E}">
+        <p14:creationId xmlns:p14="http://schemas.microsoft.com/office/powerpoint/2010/main" val="4141466889"/>
+      </p:ext>
+    </p:extLst>
+  </p:cSld>
+  <p:clrMapOvr>
+    <a:masterClrMapping/>
+  </p:clrMapOvr>
+</p:sld>
+</file>
+
+<file path=ppt/slides/slide13.xml><?xml version="1.0" encoding="utf-8"?>
+<p:sld xmlns:a="http://schemas.openxmlformats.org/drawingml/2006/main" xmlns:r="http://schemas.openxmlformats.org/officeDocument/2006/relationships" xmlns:p="http://schemas.openxmlformats.org/presentationml/2006/main">
+  <p:cSld>
+    <p:spTree>
+      <p:nvGrpSpPr>
+        <p:cNvPr id="1" name=""/>
+        <p:cNvGrpSpPr/>
+        <p:nvPr/>
+      </p:nvGrpSpPr>
+      <p:grpSpPr>
+        <a:xfrm>
+          <a:off x="0" y="0"/>
+          <a:ext cx="0" cy="0"/>
+          <a:chOff x="0" y="0"/>
+          <a:chExt cx="0" cy="0"/>
+        </a:xfrm>
+      </p:grpSpPr>
+      <p:sp>
+        <p:nvSpPr>
+          <p:cNvPr id="3" name="Content Placeholder 2"/>
+          <p:cNvSpPr>
+            <a:spLocks noGrp="1"/>
+          </p:cNvSpPr>
+          <p:nvPr>
+            <p:ph idx="1"/>
+          </p:nvPr>
+        </p:nvSpPr>
+        <p:spPr/>
+        <p:txBody>
+          <a:bodyPr>
+            <a:normAutofit/>
+          </a:bodyPr>
+          <a:lstStyle/>
+          <a:p>
+            <a:r>
+              <a:rPr lang="en-US" dirty="0" smtClean="0"/>
+              <a:t>Allows API calls to be made from an Application on EC2</a:t>
+            </a:r>
+          </a:p>
+          <a:p>
+            <a:r>
+              <a:rPr lang="en-US" dirty="0" smtClean="0"/>
+              <a:t>Access Key and Secret Key available </a:t>
+            </a:r>
+            <a:r>
+              <a:rPr lang="en-US" dirty="0"/>
+              <a:t>at URL curl http://169.254.169.254/latest/meta-data/</a:t>
+            </a:r>
+            <a:r>
+              <a:rPr lang="en-US" dirty="0" err="1"/>
+              <a:t>iam</a:t>
+            </a:r>
+            <a:r>
+              <a:rPr lang="en-US" dirty="0"/>
+              <a:t>/security-credentials/</a:t>
+            </a:r>
+            <a:r>
+              <a:rPr lang="en-US" dirty="0" err="1"/>
+              <a:t>role_name</a:t>
+            </a:r>
+            <a:endParaRPr lang="en-US" dirty="0" smtClean="0"/>
+          </a:p>
+          <a:p>
+            <a:r>
+              <a:rPr lang="en-US" dirty="0" smtClean="0"/>
+              <a:t>Official AWS SDKs can retrieve this Access Key and Secret Key for you – it “just works”</a:t>
+            </a:r>
+          </a:p>
+          <a:p>
+            <a:r>
+              <a:rPr lang="en-US" dirty="0" smtClean="0"/>
+              <a:t>Credentials rotated Automatically</a:t>
+            </a:r>
+          </a:p>
+          <a:p>
+            <a:endParaRPr lang="en-US" dirty="0" smtClean="0"/>
+          </a:p>
+          <a:p>
+            <a:endParaRPr lang="en-US" dirty="0" smtClean="0"/>
+          </a:p>
+        </p:txBody>
+      </p:sp>
+      <p:sp>
+        <p:nvSpPr>
+          <p:cNvPr id="2" name="Title 1"/>
+          <p:cNvSpPr>
+            <a:spLocks noGrp="1"/>
+          </p:cNvSpPr>
+          <p:nvPr>
+            <p:ph type="title"/>
+          </p:nvPr>
+        </p:nvSpPr>
+        <p:spPr/>
+        <p:txBody>
+          <a:bodyPr>
+            <a:normAutofit/>
+          </a:bodyPr>
+          <a:lstStyle/>
+          <a:p>
+            <a:r>
+              <a:rPr lang="en-US" dirty="0" smtClean="0"/>
+              <a:t>IAM: IAM Roles for EC2</a:t>
+            </a:r>
+            <a:endParaRPr lang="en-US" dirty="0"/>
+          </a:p>
+        </p:txBody>
+      </p:sp>
+    </p:spTree>
+    <p:extLst>
+      <p:ext uri="{BB962C8B-B14F-4D97-AF65-F5344CB8AC3E}">
+        <p14:creationId xmlns:p14="http://schemas.microsoft.com/office/powerpoint/2010/main" val="4122533754"/>
+      </p:ext>
+    </p:extLst>
+  </p:cSld>
+  <p:clrMapOvr>
+    <a:masterClrMapping/>
+  </p:clrMapOvr>
+  <p:timing>
+    <p:tnLst>
+      <p:par>
+        <p:cTn id="1" dur="indefinite" restart="never" nodeType="tmRoot"/>
+      </p:par>
+    </p:tnLst>
+  </p:timing>
+</p:sld>
+</file>
+
+<file path=ppt/slides/slide14.xml><?xml version="1.0" encoding="utf-8"?>
+<p:sld xmlns:a="http://schemas.openxmlformats.org/drawingml/2006/main" xmlns:r="http://schemas.openxmlformats.org/officeDocument/2006/relationships" xmlns:p="http://schemas.openxmlformats.org/presentationml/2006/main">
+  <p:cSld>
+    <p:spTree>
+      <p:nvGrpSpPr>
+        <p:cNvPr id="1" name=""/>
+        <p:cNvGrpSpPr/>
+        <p:nvPr/>
+      </p:nvGrpSpPr>
+      <p:grpSpPr>
+        <a:xfrm>
+          <a:off x="0" y="0"/>
+          <a:ext cx="0" cy="0"/>
+          <a:chOff x="0" y="0"/>
+          <a:chExt cx="0" cy="0"/>
+        </a:xfrm>
+      </p:grpSpPr>
+      <p:sp>
+        <p:nvSpPr>
           <p:cNvPr id="2" name="Title 1"/>
           <p:cNvSpPr>
             <a:spLocks noGrp="1"/>
@@ -16958,7 +18617,11 @@
           <a:p>
             <a:r>
               <a:rPr lang="en-US" dirty="0" smtClean="0"/>
-              <a:t>IAM Role</a:t>
+              <a:t>IAM </a:t>
+            </a:r>
+            <a:r>
+              <a:rPr lang="en-US" dirty="0" smtClean="0"/>
+              <a:t>Role</a:t>
             </a:r>
             <a:endParaRPr lang="en-US" dirty="0"/>
           </a:p>
@@ -16977,30 +18640,47 @@
         <p:spPr/>
         <p:txBody>
           <a:bodyPr>
-            <a:normAutofit lnSpcReduction="10000"/>
+            <a:normAutofit fontScale="92500" lnSpcReduction="10000"/>
           </a:bodyPr>
           <a:lstStyle/>
           <a:p>
             <a:r>
+              <a:rPr lang="en-US"/>
+              <a:t>Supported only when using EC2 and </a:t>
+            </a:r>
+            <a:r>
+              <a:rPr lang="en-US"/>
+              <a:t>AWS </a:t>
+            </a:r>
+            <a:r>
+              <a:rPr lang="en-US" smtClean="0"/>
+              <a:t>Resources</a:t>
+            </a:r>
+            <a:endParaRPr lang="en-US" smtClean="0"/>
+          </a:p>
+          <a:p>
+            <a:r>
               <a:rPr lang="en-US" dirty="0" smtClean="0"/>
-              <a:t>If using AWS SDKs, it “just works”</a:t>
-            </a:r>
-          </a:p>
-          <a:p>
-            <a:r>
-              <a:rPr lang="en-US" dirty="0"/>
-              <a:t>Supported only on EC2 and AWS </a:t>
+              <a:t>If IAM Role with EC2 and </a:t>
             </a:r>
             <a:r>
               <a:rPr lang="en-US" dirty="0" smtClean="0"/>
-              <a:t>Resources</a:t>
-            </a:r>
-            <a:endParaRPr lang="en-US" dirty="0"/>
-          </a:p>
-          <a:p>
+              <a:t>AWS SDKs, it “just works</a:t>
+            </a:r>
             <a:r>
               <a:rPr lang="en-US" dirty="0" smtClean="0"/>
-              <a:t>Credential rotation provided by Amazon</a:t>
+              <a:t>” to read credentials</a:t>
+            </a:r>
+            <a:endParaRPr lang="en-US" dirty="0" smtClean="0"/>
+          </a:p>
+          <a:p>
+            <a:r>
+              <a:rPr lang="en-US" dirty="0" smtClean="0"/>
+              <a:t>Credential </a:t>
+            </a:r>
+            <a:r>
+              <a:rPr lang="en-US" dirty="0" smtClean="0"/>
+              <a:t>rotation provided by Amazon</a:t>
             </a:r>
           </a:p>
           <a:p>
@@ -17049,12 +18729,49 @@
         </p:nvSpPr>
         <p:spPr/>
         <p:txBody>
-          <a:bodyPr/>
+          <a:bodyPr>
+            <a:normAutofit/>
+          </a:bodyPr>
           <a:lstStyle/>
           <a:p>
             <a:r>
               <a:rPr lang="en-US" dirty="0" smtClean="0"/>
-              <a:t>Can be utilized on non-AWS Resources</a:t>
+              <a:t>IAM credentials are </a:t>
+            </a:r>
+            <a:r>
+              <a:rPr lang="en-US" dirty="0"/>
+              <a:t>difficult to secure (have to be stored and distributed </a:t>
+            </a:r>
+            <a:r>
+              <a:rPr lang="en-US" dirty="0" err="1"/>
+              <a:t>securily</a:t>
+            </a:r>
+            <a:r>
+              <a:rPr lang="en-US" dirty="0" smtClean="0"/>
+              <a:t>)</a:t>
+            </a:r>
+            <a:endParaRPr lang="en-US" dirty="0" smtClean="0"/>
+          </a:p>
+          <a:p>
+            <a:r>
+              <a:rPr lang="en-US" dirty="0" smtClean="0"/>
+              <a:t>Can </a:t>
+            </a:r>
+            <a:r>
+              <a:rPr lang="en-US" dirty="0" smtClean="0"/>
+              <a:t>be utilized </a:t>
+            </a:r>
+            <a:r>
+              <a:rPr lang="en-US" dirty="0" smtClean="0"/>
+              <a:t>by </a:t>
+            </a:r>
+            <a:r>
+              <a:rPr lang="en-US" dirty="0" smtClean="0"/>
+              <a:t>non-AWS </a:t>
+            </a:r>
+            <a:r>
+              <a:rPr lang="en-US" dirty="0" smtClean="0"/>
+              <a:t>Resources</a:t>
             </a:r>
           </a:p>
           <a:p>
@@ -17062,13 +18779,7 @@
               <a:rPr lang="en-US" dirty="0" smtClean="0"/>
               <a:t>Permissions can be tested easily</a:t>
             </a:r>
-          </a:p>
-          <a:p>
-            <a:r>
-              <a:rPr lang="en-US" dirty="0" smtClean="0"/>
-              <a:t>Difficult to Secure (has to be checked in / distributed securely)</a:t>
-            </a:r>
-            <a:endParaRPr lang="en-US" dirty="0"/>
+            <a:endParaRPr lang="en-US" dirty="0" smtClean="0"/>
           </a:p>
         </p:txBody>
       </p:sp>
@@ -17092,7 +18803,7 @@
 </p:sld>
 </file>
 
-<file path=ppt/slides/slide11.xml><?xml version="1.0" encoding="utf-8"?>
+<file path=ppt/slides/slide15.xml><?xml version="1.0" encoding="utf-8"?>
 <p:sld xmlns:a="http://schemas.openxmlformats.org/drawingml/2006/main" xmlns:r="http://schemas.openxmlformats.org/officeDocument/2006/relationships" xmlns:p="http://schemas.openxmlformats.org/presentationml/2006/main">
   <p:cSld>
     <p:spTree>
@@ -17238,1053 +18949,6 @@
     <p:extLst>
       <p:ext uri="{BB962C8B-B14F-4D97-AF65-F5344CB8AC3E}">
         <p14:creationId xmlns:p14="http://schemas.microsoft.com/office/powerpoint/2010/main" val="422451648"/>
-      </p:ext>
-    </p:extLst>
-  </p:cSld>
-  <p:clrMapOvr>
-    <a:masterClrMapping/>
-  </p:clrMapOvr>
-  <p:timing>
-    <p:tnLst>
-      <p:par>
-        <p:cTn id="1" dur="indefinite" restart="never" nodeType="tmRoot"/>
-      </p:par>
-    </p:tnLst>
-  </p:timing>
-</p:sld>
-</file>
-
-<file path=ppt/slides/slide12.xml><?xml version="1.0" encoding="utf-8"?>
-<p:sld xmlns:a="http://schemas.openxmlformats.org/drawingml/2006/main" xmlns:r="http://schemas.openxmlformats.org/officeDocument/2006/relationships" xmlns:p="http://schemas.openxmlformats.org/presentationml/2006/main">
-  <p:cSld>
-    <p:spTree>
-      <p:nvGrpSpPr>
-        <p:cNvPr id="1" name=""/>
-        <p:cNvGrpSpPr/>
-        <p:nvPr/>
-      </p:nvGrpSpPr>
-      <p:grpSpPr>
-        <a:xfrm>
-          <a:off x="0" y="0"/>
-          <a:ext cx="0" cy="0"/>
-          <a:chOff x="0" y="0"/>
-          <a:chExt cx="0" cy="0"/>
-        </a:xfrm>
-      </p:grpSpPr>
-      <p:sp>
-        <p:nvSpPr>
-          <p:cNvPr id="3" name="Content Placeholder 2"/>
-          <p:cNvSpPr>
-            <a:spLocks noGrp="1"/>
-          </p:cNvSpPr>
-          <p:nvPr>
-            <p:ph idx="1"/>
-          </p:nvPr>
-        </p:nvSpPr>
-        <p:spPr/>
-        <p:txBody>
-          <a:bodyPr>
-            <a:normAutofit fontScale="62500" lnSpcReduction="20000"/>
-          </a:bodyPr>
-          <a:lstStyle/>
-          <a:p>
-            <a:pPr marL="0" indent="0">
-              <a:buNone/>
-            </a:pPr>
-            <a:r>
-              <a:rPr lang="en-US" dirty="0" smtClean="0">
-                <a:latin typeface="Calibri"/>
-                <a:cs typeface="Calibri"/>
-              </a:rPr>
-              <a:t>Use IAM Policy Variables within IAM Policy Documents</a:t>
-            </a:r>
-          </a:p>
-          <a:p>
-            <a:pPr marL="0" indent="0">
-              <a:buNone/>
-            </a:pPr>
-            <a:r>
-              <a:rPr lang="en-US" dirty="0" smtClean="0">
-                <a:latin typeface="Courier"/>
-                <a:cs typeface="Courier"/>
-              </a:rPr>
-              <a:t>{</a:t>
-            </a:r>
-            <a:endParaRPr lang="en-US" dirty="0">
-              <a:latin typeface="Courier"/>
-              <a:cs typeface="Courier"/>
-            </a:endParaRPr>
-          </a:p>
-          <a:p>
-            <a:pPr marL="0" indent="0">
-              <a:buNone/>
-            </a:pPr>
-            <a:r>
-              <a:rPr lang="en-US" dirty="0">
-                <a:latin typeface="Courier"/>
-                <a:cs typeface="Courier"/>
-              </a:rPr>
-              <a:t>  "Version": "2012-10-17",</a:t>
-            </a:r>
-          </a:p>
-          <a:p>
-            <a:pPr marL="0" indent="0">
-              <a:buNone/>
-            </a:pPr>
-            <a:r>
-              <a:rPr lang="en-US" dirty="0">
-                <a:latin typeface="Courier"/>
-                <a:cs typeface="Courier"/>
-              </a:rPr>
-              <a:t>  "Statement": [</a:t>
-            </a:r>
-          </a:p>
-          <a:p>
-            <a:pPr marL="0" indent="0">
-              <a:buNone/>
-            </a:pPr>
-            <a:r>
-              <a:rPr lang="en-US" dirty="0">
-                <a:latin typeface="Courier"/>
-                <a:cs typeface="Courier"/>
-              </a:rPr>
-              <a:t>    {</a:t>
-            </a:r>
-          </a:p>
-          <a:p>
-            <a:pPr marL="0" indent="0">
-              <a:buNone/>
-            </a:pPr>
-            <a:r>
-              <a:rPr lang="en-US" dirty="0">
-                <a:latin typeface="Courier"/>
-                <a:cs typeface="Courier"/>
-              </a:rPr>
-              <a:t>      "Action": [</a:t>
-            </a:r>
-          </a:p>
-          <a:p>
-            <a:pPr marL="0" indent="0">
-              <a:buNone/>
-            </a:pPr>
-            <a:r>
-              <a:rPr lang="en-US" dirty="0">
-                <a:latin typeface="Courier"/>
-                <a:cs typeface="Courier"/>
-              </a:rPr>
-              <a:t>        "s3:GetObject",</a:t>
-            </a:r>
-          </a:p>
-          <a:p>
-            <a:pPr marL="0" indent="0">
-              <a:buNone/>
-            </a:pPr>
-            <a:r>
-              <a:rPr lang="en-US" dirty="0">
-                <a:latin typeface="Courier"/>
-                <a:cs typeface="Courier"/>
-              </a:rPr>
-              <a:t>        "s3:PutObject"</a:t>
-            </a:r>
-          </a:p>
-          <a:p>
-            <a:pPr marL="0" indent="0">
-              <a:buNone/>
-            </a:pPr>
-            <a:r>
-              <a:rPr lang="en-US" dirty="0">
-                <a:latin typeface="Courier"/>
-                <a:cs typeface="Courier"/>
-              </a:rPr>
-              <a:t>      ],</a:t>
-            </a:r>
-          </a:p>
-          <a:p>
-            <a:pPr marL="0" indent="0">
-              <a:buNone/>
-            </a:pPr>
-            <a:r>
-              <a:rPr lang="en-US" dirty="0">
-                <a:latin typeface="Courier"/>
-                <a:cs typeface="Courier"/>
-              </a:rPr>
-              <a:t>      "Effect": "Allow",</a:t>
-            </a:r>
-          </a:p>
-          <a:p>
-            <a:pPr marL="0" indent="0">
-              <a:buNone/>
-            </a:pPr>
-            <a:r>
-              <a:rPr lang="en-US" dirty="0">
-                <a:solidFill>
-                  <a:srgbClr val="FF0000"/>
-                </a:solidFill>
-                <a:latin typeface="Courier"/>
-                <a:cs typeface="Courier"/>
-              </a:rPr>
-              <a:t>      "</a:t>
-            </a:r>
-            <a:r>
-              <a:rPr lang="en-US" dirty="0" smtClean="0">
-                <a:solidFill>
-                  <a:srgbClr val="FF0000"/>
-                </a:solidFill>
-                <a:latin typeface="Courier"/>
-                <a:cs typeface="Courier"/>
-              </a:rPr>
-              <a:t>Resource”:[</a:t>
-            </a:r>
-            <a:r>
-              <a:rPr lang="en-US" dirty="0">
-                <a:solidFill>
-                  <a:srgbClr val="FF0000"/>
-                </a:solidFill>
-                <a:latin typeface="Courier"/>
-                <a:cs typeface="Courier"/>
-              </a:rPr>
-              <a:t>"arn:aws:s3::</a:t>
-            </a:r>
-            <a:r>
-              <a:rPr lang="en-US" dirty="0" smtClean="0">
-                <a:solidFill>
-                  <a:srgbClr val="FF0000"/>
-                </a:solidFill>
-                <a:latin typeface="Courier"/>
-                <a:cs typeface="Courier"/>
-              </a:rPr>
-              <a:t>:</a:t>
-            </a:r>
-            <a:r>
-              <a:rPr lang="en-US" dirty="0" err="1" smtClean="0">
-                <a:solidFill>
-                  <a:srgbClr val="FF0000"/>
-                </a:solidFill>
-                <a:latin typeface="Courier"/>
-                <a:cs typeface="Courier"/>
-              </a:rPr>
-              <a:t>user_bucket</a:t>
-            </a:r>
-            <a:r>
-              <a:rPr lang="en-US" dirty="0" smtClean="0">
-                <a:solidFill>
-                  <a:srgbClr val="FF0000"/>
-                </a:solidFill>
-                <a:latin typeface="Courier"/>
-                <a:cs typeface="Courier"/>
-              </a:rPr>
-              <a:t>/</a:t>
-            </a:r>
-            <a:r>
-              <a:rPr lang="en-US" dirty="0">
-                <a:solidFill>
-                  <a:srgbClr val="FF0000"/>
-                </a:solidFill>
-                <a:latin typeface="Courier"/>
-                <a:cs typeface="Courier"/>
-              </a:rPr>
-              <a:t>${</a:t>
-            </a:r>
-            <a:r>
-              <a:rPr lang="en-US" dirty="0" err="1">
-                <a:solidFill>
-                  <a:srgbClr val="FF0000"/>
-                </a:solidFill>
-                <a:latin typeface="Courier"/>
-                <a:cs typeface="Courier"/>
-              </a:rPr>
-              <a:t>aws:username</a:t>
-            </a:r>
-            <a:r>
-              <a:rPr lang="en-US" dirty="0" smtClean="0">
-                <a:solidFill>
-                  <a:srgbClr val="FF0000"/>
-                </a:solidFill>
-                <a:latin typeface="Courier"/>
-                <a:cs typeface="Courier"/>
-              </a:rPr>
-              <a:t>}/*</a:t>
-            </a:r>
-            <a:r>
-              <a:rPr lang="en-US" dirty="0">
-                <a:solidFill>
-                  <a:srgbClr val="FF0000"/>
-                </a:solidFill>
-                <a:latin typeface="Courier"/>
-                <a:cs typeface="Courier"/>
-              </a:rPr>
-              <a:t>"]</a:t>
-            </a:r>
-          </a:p>
-          <a:p>
-            <a:pPr marL="0" indent="0">
-              <a:buNone/>
-            </a:pPr>
-            <a:r>
-              <a:rPr lang="en-US" dirty="0">
-                <a:latin typeface="Courier"/>
-                <a:cs typeface="Courier"/>
-              </a:rPr>
-              <a:t>    }</a:t>
-            </a:r>
-          </a:p>
-          <a:p>
-            <a:pPr marL="0" indent="0">
-              <a:buNone/>
-            </a:pPr>
-            <a:r>
-              <a:rPr lang="en-US" dirty="0">
-                <a:latin typeface="Courier"/>
-                <a:cs typeface="Courier"/>
-              </a:rPr>
-              <a:t>  ]</a:t>
-            </a:r>
-          </a:p>
-          <a:p>
-            <a:pPr marL="0" indent="0">
-              <a:buNone/>
-            </a:pPr>
-            <a:r>
-              <a:rPr lang="en-US" dirty="0">
-                <a:latin typeface="Courier"/>
-                <a:cs typeface="Courier"/>
-              </a:rPr>
-              <a:t>}</a:t>
-            </a:r>
-            <a:endParaRPr lang="en-US" dirty="0" smtClean="0">
-              <a:latin typeface="Courier"/>
-              <a:cs typeface="Courier"/>
-            </a:endParaRPr>
-          </a:p>
-        </p:txBody>
-      </p:sp>
-      <p:sp>
-        <p:nvSpPr>
-          <p:cNvPr id="2" name="Title 1"/>
-          <p:cNvSpPr>
-            <a:spLocks noGrp="1"/>
-          </p:cNvSpPr>
-          <p:nvPr>
-            <p:ph type="title"/>
-          </p:nvPr>
-        </p:nvSpPr>
-        <p:spPr/>
-        <p:txBody>
-          <a:bodyPr>
-            <a:normAutofit/>
-          </a:bodyPr>
-          <a:lstStyle/>
-          <a:p>
-            <a:r>
-              <a:rPr lang="en-US" dirty="0" smtClean="0"/>
-              <a:t>IAM: Policy Variables</a:t>
-            </a:r>
-            <a:endParaRPr lang="en-US" dirty="0"/>
-          </a:p>
-        </p:txBody>
-      </p:sp>
-    </p:spTree>
-    <p:extLst>
-      <p:ext uri="{BB962C8B-B14F-4D97-AF65-F5344CB8AC3E}">
-        <p14:creationId xmlns:p14="http://schemas.microsoft.com/office/powerpoint/2010/main" val="3196469798"/>
-      </p:ext>
-    </p:extLst>
-  </p:cSld>
-  <p:clrMapOvr>
-    <a:masterClrMapping/>
-  </p:clrMapOvr>
-  <p:timing>
-    <p:tnLst>
-      <p:par>
-        <p:cTn id="1" dur="indefinite" restart="never" nodeType="tmRoot"/>
-      </p:par>
-    </p:tnLst>
-  </p:timing>
-</p:sld>
-</file>
-
-<file path=ppt/slides/slide13.xml><?xml version="1.0" encoding="utf-8"?>
-<p:sld xmlns:a="http://schemas.openxmlformats.org/drawingml/2006/main" xmlns:r="http://schemas.openxmlformats.org/officeDocument/2006/relationships" xmlns:p="http://schemas.openxmlformats.org/presentationml/2006/main">
-  <p:cSld>
-    <p:spTree>
-      <p:nvGrpSpPr>
-        <p:cNvPr id="1" name=""/>
-        <p:cNvGrpSpPr/>
-        <p:nvPr/>
-      </p:nvGrpSpPr>
-      <p:grpSpPr>
-        <a:xfrm>
-          <a:off x="0" y="0"/>
-          <a:ext cx="0" cy="0"/>
-          <a:chOff x="0" y="0"/>
-          <a:chExt cx="0" cy="0"/>
-        </a:xfrm>
-      </p:grpSpPr>
-      <p:sp>
-        <p:nvSpPr>
-          <p:cNvPr id="2" name="Content Placeholder 1"/>
-          <p:cNvSpPr>
-            <a:spLocks noGrp="1"/>
-          </p:cNvSpPr>
-          <p:nvPr>
-            <p:ph idx="1"/>
-          </p:nvPr>
-        </p:nvSpPr>
-        <p:spPr/>
-        <p:txBody>
-          <a:bodyPr>
-            <a:normAutofit fontScale="77500" lnSpcReduction="20000"/>
-          </a:bodyPr>
-          <a:lstStyle/>
-          <a:p>
-            <a:pPr marL="0" indent="0">
-              <a:buNone/>
-            </a:pPr>
-            <a:r>
-              <a:rPr lang="en-US" sz="1800" dirty="0" smtClean="0">
-                <a:solidFill>
-                  <a:srgbClr val="FF0000"/>
-                </a:solidFill>
-                <a:latin typeface="Courier"/>
-                <a:cs typeface="Courier"/>
-              </a:rPr>
-              <a:t>"Resource”:[</a:t>
-            </a:r>
-            <a:r>
-              <a:rPr lang="en-US" sz="1800" dirty="0">
-                <a:solidFill>
-                  <a:srgbClr val="FF0000"/>
-                </a:solidFill>
-                <a:latin typeface="Courier"/>
-                <a:cs typeface="Courier"/>
-              </a:rPr>
-              <a:t>"</a:t>
-            </a:r>
-            <a:r>
-              <a:rPr lang="en-US" sz="1800" dirty="0" smtClean="0">
-                <a:solidFill>
-                  <a:srgbClr val="FF0000"/>
-                </a:solidFill>
-                <a:latin typeface="Courier"/>
-                <a:cs typeface="Courier"/>
-              </a:rPr>
-              <a:t>arn:aws:ec2:us-west-</a:t>
-            </a:r>
-            <a:r>
-              <a:rPr lang="en-US" sz="1800" dirty="0">
-                <a:solidFill>
-                  <a:srgbClr val="FF0000"/>
-                </a:solidFill>
-                <a:latin typeface="Courier"/>
-                <a:cs typeface="Courier"/>
-              </a:rPr>
-              <a:t>2:</a:t>
-            </a:r>
-            <a:r>
-              <a:rPr lang="en-US" sz="1800" dirty="0" smtClean="0">
-                <a:solidFill>
-                  <a:srgbClr val="FF0000"/>
-                </a:solidFill>
-                <a:latin typeface="Courier"/>
-                <a:cs typeface="Courier"/>
-              </a:rPr>
-              <a:t>12345:user/tom”]</a:t>
-            </a:r>
-          </a:p>
-          <a:p>
-            <a:r>
-              <a:rPr lang="en-US" dirty="0" err="1">
-                <a:solidFill>
-                  <a:srgbClr val="000000"/>
-                </a:solidFill>
-                <a:latin typeface="Calibri"/>
-                <a:cs typeface="Calibri"/>
-              </a:rPr>
-              <a:t>a</a:t>
-            </a:r>
-            <a:r>
-              <a:rPr lang="en-US" dirty="0" err="1" smtClean="0">
-                <a:solidFill>
-                  <a:srgbClr val="000000"/>
-                </a:solidFill>
-                <a:latin typeface="Calibri"/>
-                <a:cs typeface="Calibri"/>
-              </a:rPr>
-              <a:t>rn</a:t>
-            </a:r>
-            <a:r>
-              <a:rPr lang="en-US" dirty="0" smtClean="0">
-                <a:solidFill>
-                  <a:srgbClr val="000000"/>
-                </a:solidFill>
-                <a:latin typeface="Calibri"/>
-                <a:cs typeface="Calibri"/>
-              </a:rPr>
-              <a:t>: always included</a:t>
-            </a:r>
-          </a:p>
-          <a:p>
-            <a:r>
-              <a:rPr lang="en-US" dirty="0">
-                <a:solidFill>
-                  <a:srgbClr val="000000"/>
-                </a:solidFill>
-                <a:latin typeface="Calibri"/>
-                <a:cs typeface="Calibri"/>
-              </a:rPr>
-              <a:t>p</a:t>
-            </a:r>
-            <a:r>
-              <a:rPr lang="en-US" dirty="0" smtClean="0">
-                <a:solidFill>
-                  <a:srgbClr val="000000"/>
-                </a:solidFill>
-                <a:latin typeface="Calibri"/>
-                <a:cs typeface="Calibri"/>
-              </a:rPr>
-              <a:t>artition: </a:t>
-            </a:r>
-            <a:r>
-              <a:rPr lang="en-US" dirty="0" err="1" smtClean="0">
-                <a:solidFill>
-                  <a:srgbClr val="000000"/>
-                </a:solidFill>
-                <a:latin typeface="Calibri"/>
-                <a:cs typeface="Calibri"/>
-              </a:rPr>
-              <a:t>aws</a:t>
-            </a:r>
-            <a:r>
-              <a:rPr lang="en-US" dirty="0" smtClean="0">
-                <a:solidFill>
-                  <a:srgbClr val="000000"/>
-                </a:solidFill>
-                <a:latin typeface="Calibri"/>
-                <a:cs typeface="Calibri"/>
-              </a:rPr>
-              <a:t>, although </a:t>
-            </a:r>
-            <a:r>
-              <a:rPr lang="en-US" dirty="0" err="1" smtClean="0">
-                <a:solidFill>
-                  <a:srgbClr val="000000"/>
-                </a:solidFill>
-                <a:latin typeface="Calibri"/>
-                <a:cs typeface="Calibri"/>
-              </a:rPr>
-              <a:t>aws-cn</a:t>
-            </a:r>
-            <a:r>
-              <a:rPr lang="en-US" dirty="0" smtClean="0">
-                <a:solidFill>
-                  <a:srgbClr val="000000"/>
-                </a:solidFill>
-                <a:latin typeface="Calibri"/>
-                <a:cs typeface="Calibri"/>
-              </a:rPr>
-              <a:t> exists for China</a:t>
-            </a:r>
-          </a:p>
-          <a:p>
-            <a:r>
-              <a:rPr lang="en-US" dirty="0" smtClean="0">
-                <a:solidFill>
-                  <a:srgbClr val="000000"/>
-                </a:solidFill>
-                <a:latin typeface="Calibri"/>
-                <a:cs typeface="Calibri"/>
-              </a:rPr>
-              <a:t>service: ec2, </a:t>
-            </a:r>
-            <a:r>
-              <a:rPr lang="en-US" dirty="0" err="1" smtClean="0">
-                <a:solidFill>
-                  <a:srgbClr val="000000"/>
-                </a:solidFill>
-                <a:latin typeface="Calibri"/>
-                <a:cs typeface="Calibri"/>
-              </a:rPr>
-              <a:t>rds</a:t>
-            </a:r>
-            <a:r>
-              <a:rPr lang="en-US" dirty="0" smtClean="0">
-                <a:solidFill>
-                  <a:srgbClr val="000000"/>
-                </a:solidFill>
-                <a:latin typeface="Calibri"/>
-                <a:cs typeface="Calibri"/>
-              </a:rPr>
-              <a:t>, </a:t>
-            </a:r>
-            <a:r>
-              <a:rPr lang="en-US" dirty="0" err="1" smtClean="0">
-                <a:solidFill>
-                  <a:srgbClr val="000000"/>
-                </a:solidFill>
-                <a:latin typeface="Calibri"/>
-                <a:cs typeface="Calibri"/>
-              </a:rPr>
-              <a:t>iam</a:t>
-            </a:r>
-            <a:r>
-              <a:rPr lang="en-US" dirty="0" smtClean="0">
-                <a:solidFill>
-                  <a:srgbClr val="000000"/>
-                </a:solidFill>
-                <a:latin typeface="Calibri"/>
-                <a:cs typeface="Calibri"/>
-              </a:rPr>
-              <a:t>, etc.</a:t>
-            </a:r>
-          </a:p>
-          <a:p>
-            <a:r>
-              <a:rPr lang="en-US" dirty="0" smtClean="0">
-                <a:solidFill>
-                  <a:srgbClr val="000000"/>
-                </a:solidFill>
-                <a:latin typeface="Calibri"/>
-                <a:cs typeface="Calibri"/>
-              </a:rPr>
-              <a:t>region: us-west-2, us-east-1, etc.</a:t>
-            </a:r>
-          </a:p>
-          <a:p>
-            <a:pPr lvl="1"/>
-            <a:r>
-              <a:rPr lang="en-US" dirty="0" smtClean="0">
-                <a:solidFill>
-                  <a:srgbClr val="000000"/>
-                </a:solidFill>
-                <a:latin typeface="Calibri"/>
-                <a:cs typeface="Calibri"/>
-              </a:rPr>
-              <a:t>use wildcards here if possible</a:t>
-            </a:r>
-          </a:p>
-          <a:p>
-            <a:r>
-              <a:rPr lang="en-US" dirty="0">
-                <a:solidFill>
-                  <a:srgbClr val="000000"/>
-                </a:solidFill>
-                <a:latin typeface="Calibri"/>
-                <a:cs typeface="Calibri"/>
-              </a:rPr>
-              <a:t>a</a:t>
-            </a:r>
-            <a:r>
-              <a:rPr lang="en-US" dirty="0" smtClean="0">
-                <a:solidFill>
-                  <a:srgbClr val="000000"/>
-                </a:solidFill>
-                <a:latin typeface="Calibri"/>
-                <a:cs typeface="Calibri"/>
-              </a:rPr>
-              <a:t>ccount id: an AWS account ID</a:t>
-            </a:r>
-          </a:p>
-          <a:p>
-            <a:pPr lvl="1"/>
-            <a:r>
-              <a:rPr lang="en-US" dirty="0" smtClean="0">
-                <a:solidFill>
-                  <a:srgbClr val="000000"/>
-                </a:solidFill>
-                <a:latin typeface="Calibri"/>
-                <a:cs typeface="Calibri"/>
-              </a:rPr>
-              <a:t>use wildcards here if possible</a:t>
-            </a:r>
-          </a:p>
-          <a:p>
-            <a:r>
-              <a:rPr lang="en-US" dirty="0">
-                <a:solidFill>
-                  <a:srgbClr val="000000"/>
-                </a:solidFill>
-                <a:latin typeface="Calibri"/>
-                <a:cs typeface="Calibri"/>
-              </a:rPr>
-              <a:t>r</a:t>
-            </a:r>
-            <a:r>
-              <a:rPr lang="en-US" dirty="0" smtClean="0">
-                <a:solidFill>
-                  <a:srgbClr val="000000"/>
-                </a:solidFill>
-                <a:latin typeface="Calibri"/>
-                <a:cs typeface="Calibri"/>
-              </a:rPr>
-              <a:t>esource: varies by service, examples:</a:t>
-            </a:r>
-          </a:p>
-          <a:p>
-            <a:pPr lvl="1"/>
-            <a:r>
-              <a:rPr lang="en-US" dirty="0" smtClean="0">
-                <a:solidFill>
-                  <a:srgbClr val="000000"/>
-                </a:solidFill>
-                <a:latin typeface="Calibri"/>
-                <a:cs typeface="Calibri"/>
-              </a:rPr>
-              <a:t>security-group/sg-1a2b3c4d</a:t>
-            </a:r>
-          </a:p>
-          <a:p>
-            <a:pPr lvl="1"/>
-            <a:r>
-              <a:rPr lang="en-US" dirty="0" smtClean="0">
-                <a:solidFill>
-                  <a:srgbClr val="000000"/>
-                </a:solidFill>
-                <a:latin typeface="Calibri"/>
-                <a:cs typeface="Calibri"/>
-              </a:rPr>
-              <a:t>reports-batch-</a:t>
-            </a:r>
-            <a:r>
-              <a:rPr lang="en-US" dirty="0" err="1" smtClean="0">
-                <a:solidFill>
-                  <a:srgbClr val="000000"/>
-                </a:solidFill>
-                <a:latin typeface="Calibri"/>
-                <a:cs typeface="Calibri"/>
-              </a:rPr>
-              <a:t>sqs</a:t>
-            </a:r>
-            <a:endParaRPr lang="en-US" dirty="0" smtClean="0">
-              <a:solidFill>
-                <a:srgbClr val="000000"/>
-              </a:solidFill>
-              <a:latin typeface="Calibri"/>
-              <a:cs typeface="Calibri"/>
-            </a:endParaRPr>
-          </a:p>
-          <a:p>
-            <a:pPr lvl="1"/>
-            <a:r>
-              <a:rPr lang="en-US" dirty="0" err="1" smtClean="0">
-                <a:solidFill>
-                  <a:srgbClr val="000000"/>
-                </a:solidFill>
-                <a:latin typeface="Calibri"/>
-                <a:cs typeface="Calibri"/>
-              </a:rPr>
-              <a:t>mybucket</a:t>
-            </a:r>
-            <a:r>
-              <a:rPr lang="en-US" dirty="0" smtClean="0">
-                <a:solidFill>
-                  <a:srgbClr val="000000"/>
-                </a:solidFill>
-                <a:latin typeface="Calibri"/>
-                <a:cs typeface="Calibri"/>
-              </a:rPr>
-              <a:t>/</a:t>
-            </a:r>
-            <a:r>
-              <a:rPr lang="en-US" dirty="0" err="1" smtClean="0">
-                <a:solidFill>
-                  <a:srgbClr val="000000"/>
-                </a:solidFill>
-                <a:latin typeface="Calibri"/>
-                <a:cs typeface="Calibri"/>
-              </a:rPr>
-              <a:t>myobjectpath</a:t>
-            </a:r>
-            <a:r>
-              <a:rPr lang="en-US" dirty="0" smtClean="0">
-                <a:solidFill>
-                  <a:srgbClr val="000000"/>
-                </a:solidFill>
-                <a:latin typeface="Calibri"/>
-                <a:cs typeface="Calibri"/>
-              </a:rPr>
-              <a:t>/*</a:t>
-            </a:r>
-          </a:p>
-          <a:p>
-            <a:endParaRPr lang="en-US" dirty="0">
-              <a:solidFill>
-                <a:srgbClr val="000000"/>
-              </a:solidFill>
-              <a:latin typeface="Courier"/>
-              <a:cs typeface="Courier"/>
-            </a:endParaRPr>
-          </a:p>
-        </p:txBody>
-      </p:sp>
-      <p:sp>
-        <p:nvSpPr>
-          <p:cNvPr id="3" name="Title 2"/>
-          <p:cNvSpPr>
-            <a:spLocks noGrp="1"/>
-          </p:cNvSpPr>
-          <p:nvPr>
-            <p:ph type="title"/>
-          </p:nvPr>
-        </p:nvSpPr>
-        <p:spPr/>
-        <p:txBody>
-          <a:bodyPr>
-            <a:normAutofit fontScale="90000"/>
-          </a:bodyPr>
-          <a:lstStyle/>
-          <a:p>
-            <a:r>
-              <a:rPr lang="en-US" dirty="0"/>
-              <a:t>IAM: </a:t>
-            </a:r>
-            <a:br>
-              <a:rPr lang="en-US" dirty="0"/>
-            </a:br>
-            <a:r>
-              <a:rPr lang="en-US" dirty="0"/>
-              <a:t>Resource Identification with ARN</a:t>
-            </a:r>
-          </a:p>
-        </p:txBody>
-      </p:sp>
-    </p:spTree>
-    <p:extLst>
-      <p:ext uri="{BB962C8B-B14F-4D97-AF65-F5344CB8AC3E}">
-        <p14:creationId xmlns:p14="http://schemas.microsoft.com/office/powerpoint/2010/main" val="4141466889"/>
-      </p:ext>
-    </p:extLst>
-  </p:cSld>
-  <p:clrMapOvr>
-    <a:masterClrMapping/>
-  </p:clrMapOvr>
-</p:sld>
-</file>
-
-<file path=ppt/slides/slide14.xml><?xml version="1.0" encoding="utf-8"?>
-<p:sld xmlns:a="http://schemas.openxmlformats.org/drawingml/2006/main" xmlns:r="http://schemas.openxmlformats.org/officeDocument/2006/relationships" xmlns:p="http://schemas.openxmlformats.org/presentationml/2006/main">
-  <p:cSld>
-    <p:spTree>
-      <p:nvGrpSpPr>
-        <p:cNvPr id="1" name=""/>
-        <p:cNvGrpSpPr/>
-        <p:nvPr/>
-      </p:nvGrpSpPr>
-      <p:grpSpPr>
-        <a:xfrm>
-          <a:off x="0" y="0"/>
-          <a:ext cx="0" cy="0"/>
-          <a:chOff x="0" y="0"/>
-          <a:chExt cx="0" cy="0"/>
-        </a:xfrm>
-      </p:grpSpPr>
-      <p:sp>
-        <p:nvSpPr>
-          <p:cNvPr id="3" name="Content Placeholder 2"/>
-          <p:cNvSpPr>
-            <a:spLocks noGrp="1"/>
-          </p:cNvSpPr>
-          <p:nvPr>
-            <p:ph idx="1"/>
-          </p:nvPr>
-        </p:nvSpPr>
-        <p:spPr/>
-        <p:txBody>
-          <a:bodyPr>
-            <a:normAutofit/>
-          </a:bodyPr>
-          <a:lstStyle/>
-          <a:p>
-            <a:r>
-              <a:rPr lang="en-US" dirty="0" smtClean="0"/>
-              <a:t>Allows API calls to be made from an Application on EC2</a:t>
-            </a:r>
-          </a:p>
-          <a:p>
-            <a:r>
-              <a:rPr lang="en-US" dirty="0" smtClean="0"/>
-              <a:t>Access Key and Secret Key available </a:t>
-            </a:r>
-            <a:r>
-              <a:rPr lang="en-US" dirty="0"/>
-              <a:t>at URL curl http://169.254.169.254/latest/meta-data/</a:t>
-            </a:r>
-            <a:r>
-              <a:rPr lang="en-US" dirty="0" err="1"/>
-              <a:t>iam</a:t>
-            </a:r>
-            <a:r>
-              <a:rPr lang="en-US" dirty="0"/>
-              <a:t>/security-credentials/</a:t>
-            </a:r>
-            <a:r>
-              <a:rPr lang="en-US" dirty="0" err="1"/>
-              <a:t>role_name</a:t>
-            </a:r>
-            <a:endParaRPr lang="en-US" dirty="0" smtClean="0"/>
-          </a:p>
-          <a:p>
-            <a:r>
-              <a:rPr lang="en-US" dirty="0" smtClean="0"/>
-              <a:t>Official AWS SDKs can retrieve this Access Key and Secret Key for you – it “just works”</a:t>
-            </a:r>
-          </a:p>
-          <a:p>
-            <a:r>
-              <a:rPr lang="en-US" dirty="0" smtClean="0"/>
-              <a:t>Credentials rotated Automatically</a:t>
-            </a:r>
-          </a:p>
-          <a:p>
-            <a:endParaRPr lang="en-US" dirty="0" smtClean="0"/>
-          </a:p>
-          <a:p>
-            <a:endParaRPr lang="en-US" dirty="0" smtClean="0"/>
-          </a:p>
-        </p:txBody>
-      </p:sp>
-      <p:sp>
-        <p:nvSpPr>
-          <p:cNvPr id="2" name="Title 1"/>
-          <p:cNvSpPr>
-            <a:spLocks noGrp="1"/>
-          </p:cNvSpPr>
-          <p:nvPr>
-            <p:ph type="title"/>
-          </p:nvPr>
-        </p:nvSpPr>
-        <p:spPr/>
-        <p:txBody>
-          <a:bodyPr>
-            <a:normAutofit/>
-          </a:bodyPr>
-          <a:lstStyle/>
-          <a:p>
-            <a:r>
-              <a:rPr lang="en-US" dirty="0" smtClean="0"/>
-              <a:t>IAM: IAM Roles for EC2</a:t>
-            </a:r>
-            <a:endParaRPr lang="en-US" dirty="0"/>
-          </a:p>
-        </p:txBody>
-      </p:sp>
-    </p:spTree>
-    <p:extLst>
-      <p:ext uri="{BB962C8B-B14F-4D97-AF65-F5344CB8AC3E}">
-        <p14:creationId xmlns:p14="http://schemas.microsoft.com/office/powerpoint/2010/main" val="4122533754"/>
-      </p:ext>
-    </p:extLst>
-  </p:cSld>
-  <p:clrMapOvr>
-    <a:masterClrMapping/>
-  </p:clrMapOvr>
-  <p:timing>
-    <p:tnLst>
-      <p:par>
-        <p:cTn id="1" dur="indefinite" restart="never" nodeType="tmRoot"/>
-      </p:par>
-    </p:tnLst>
-  </p:timing>
-</p:sld>
-</file>
-
-<file path=ppt/slides/slide15.xml><?xml version="1.0" encoding="utf-8"?>
-<p:sld xmlns:a="http://schemas.openxmlformats.org/drawingml/2006/main" xmlns:r="http://schemas.openxmlformats.org/officeDocument/2006/relationships" xmlns:p="http://schemas.openxmlformats.org/presentationml/2006/main">
-  <p:cSld>
-    <p:spTree>
-      <p:nvGrpSpPr>
-        <p:cNvPr id="1" name=""/>
-        <p:cNvGrpSpPr/>
-        <p:nvPr/>
-      </p:nvGrpSpPr>
-      <p:grpSpPr>
-        <a:xfrm>
-          <a:off x="0" y="0"/>
-          <a:ext cx="0" cy="0"/>
-          <a:chOff x="0" y="0"/>
-          <a:chExt cx="0" cy="0"/>
-        </a:xfrm>
-      </p:grpSpPr>
-      <p:sp>
-        <p:nvSpPr>
-          <p:cNvPr id="3" name="Content Placeholder 2"/>
-          <p:cNvSpPr>
-            <a:spLocks noGrp="1"/>
-          </p:cNvSpPr>
-          <p:nvPr>
-            <p:ph idx="1"/>
-          </p:nvPr>
-        </p:nvSpPr>
-        <p:spPr/>
-        <p:txBody>
-          <a:bodyPr>
-            <a:normAutofit/>
-          </a:bodyPr>
-          <a:lstStyle/>
-          <a:p>
-            <a:r>
-              <a:rPr lang="en-US" dirty="0" smtClean="0"/>
-              <a:t>Use IAM instead of Root Account</a:t>
-            </a:r>
-          </a:p>
-          <a:p>
-            <a:r>
-              <a:rPr lang="en-US" dirty="0" smtClean="0"/>
-              <a:t>Use IAM groups</a:t>
-            </a:r>
-          </a:p>
-          <a:p>
-            <a:r>
-              <a:rPr lang="en-US" dirty="0"/>
-              <a:t>Use Multi-Factor </a:t>
-            </a:r>
-            <a:r>
-              <a:rPr lang="en-US" dirty="0" smtClean="0"/>
-              <a:t>Authentication if Possible</a:t>
-            </a:r>
-          </a:p>
-          <a:p>
-            <a:r>
-              <a:rPr lang="en-US" dirty="0" smtClean="0"/>
-              <a:t>Provide IAM password reset sparingly</a:t>
-            </a:r>
-          </a:p>
-          <a:p>
-            <a:r>
-              <a:rPr lang="en-US" dirty="0" smtClean="0"/>
-              <a:t>Use “Least Privilege Principle” if Organization Allows</a:t>
-            </a:r>
-          </a:p>
-        </p:txBody>
-      </p:sp>
-      <p:sp>
-        <p:nvSpPr>
-          <p:cNvPr id="2" name="Title 1"/>
-          <p:cNvSpPr>
-            <a:spLocks noGrp="1"/>
-          </p:cNvSpPr>
-          <p:nvPr>
-            <p:ph type="title"/>
-          </p:nvPr>
-        </p:nvSpPr>
-        <p:spPr/>
-        <p:txBody>
-          <a:bodyPr>
-            <a:normAutofit/>
-          </a:bodyPr>
-          <a:lstStyle/>
-          <a:p>
-            <a:r>
-              <a:rPr lang="en-US" dirty="0" smtClean="0"/>
-              <a:t>IAM: Best Practices</a:t>
-            </a:r>
-            <a:endParaRPr lang="en-US" dirty="0"/>
-          </a:p>
-        </p:txBody>
-      </p:sp>
-    </p:spTree>
-    <p:extLst>
-      <p:ext uri="{BB962C8B-B14F-4D97-AF65-F5344CB8AC3E}">
-        <p14:creationId xmlns:p14="http://schemas.microsoft.com/office/powerpoint/2010/main" val="2424893038"/>
       </p:ext>
     </p:extLst>
   </p:cSld>
@@ -18331,14 +18995,179 @@
         <p:spPr/>
         <p:txBody>
           <a:bodyPr>
+            <a:normAutofit/>
+          </a:bodyPr>
+          <a:lstStyle/>
+          <a:p>
+            <a:r>
+              <a:rPr lang="en-US" dirty="0" smtClean="0"/>
+              <a:t>Use </a:t>
+            </a:r>
+            <a:r>
+              <a:rPr lang="en-US" dirty="0" smtClean="0"/>
+              <a:t>IAM Users </a:t>
+            </a:r>
+            <a:r>
+              <a:rPr lang="en-US" dirty="0" smtClean="0"/>
+              <a:t>instead of Root Account</a:t>
+            </a:r>
+          </a:p>
+          <a:p>
+            <a:r>
+              <a:rPr lang="en-US" dirty="0" smtClean="0"/>
+              <a:t>Use IAM </a:t>
+            </a:r>
+            <a:r>
+              <a:rPr lang="en-US" dirty="0" smtClean="0"/>
+              <a:t>Groups for Everything</a:t>
+            </a:r>
+            <a:endParaRPr lang="en-US" dirty="0" smtClean="0"/>
+          </a:p>
+          <a:p>
+            <a:r>
+              <a:rPr lang="en-US" dirty="0"/>
+              <a:t>Use Multi-Factor </a:t>
+            </a:r>
+            <a:r>
+              <a:rPr lang="en-US" dirty="0" smtClean="0"/>
+              <a:t>Authentication if Possible</a:t>
+            </a:r>
+          </a:p>
+          <a:p>
+            <a:r>
+              <a:rPr lang="en-US" dirty="0"/>
+              <a:t>G</a:t>
+            </a:r>
+            <a:r>
+              <a:rPr lang="en-US" dirty="0" smtClean="0"/>
+              <a:t>rant</a:t>
+            </a:r>
+            <a:r>
+              <a:rPr lang="en-US" dirty="0" smtClean="0"/>
+              <a:t> </a:t>
+            </a:r>
+            <a:r>
+              <a:rPr lang="en-US" dirty="0" smtClean="0"/>
+              <a:t>IAM password reset </a:t>
+            </a:r>
+            <a:r>
+              <a:rPr lang="en-US" dirty="0" smtClean="0"/>
+              <a:t>sparingly</a:t>
+            </a:r>
+          </a:p>
+          <a:p>
+            <a:pPr lvl="1"/>
+            <a:r>
+              <a:rPr lang="en-US" dirty="0" smtClean="0"/>
+              <a:t>Use </a:t>
+            </a:r>
+            <a:r>
+              <a:rPr lang="en-US" i="1" dirty="0" smtClean="0"/>
+              <a:t>Power User</a:t>
+            </a:r>
+            <a:endParaRPr lang="en-US" dirty="0" smtClean="0"/>
+          </a:p>
+          <a:p>
+            <a:r>
+              <a:rPr lang="en-US" dirty="0" smtClean="0"/>
+              <a:t>Use “Least Privilege Principle” if </a:t>
+            </a:r>
+            <a:r>
+              <a:rPr lang="en-US" dirty="0" smtClean="0"/>
+              <a:t>company culture allows</a:t>
+            </a:r>
+            <a:endParaRPr lang="en-US" dirty="0" smtClean="0"/>
+          </a:p>
+        </p:txBody>
+      </p:sp>
+      <p:sp>
+        <p:nvSpPr>
+          <p:cNvPr id="2" name="Title 1"/>
+          <p:cNvSpPr>
+            <a:spLocks noGrp="1"/>
+          </p:cNvSpPr>
+          <p:nvPr>
+            <p:ph type="title"/>
+          </p:nvPr>
+        </p:nvSpPr>
+        <p:spPr/>
+        <p:txBody>
+          <a:bodyPr>
+            <a:normAutofit/>
+          </a:bodyPr>
+          <a:lstStyle/>
+          <a:p>
+            <a:r>
+              <a:rPr lang="en-US" dirty="0" smtClean="0"/>
+              <a:t>IAM: Best Practices</a:t>
+            </a:r>
+            <a:endParaRPr lang="en-US" dirty="0"/>
+          </a:p>
+        </p:txBody>
+      </p:sp>
+    </p:spTree>
+    <p:extLst>
+      <p:ext uri="{BB962C8B-B14F-4D97-AF65-F5344CB8AC3E}">
+        <p14:creationId xmlns:p14="http://schemas.microsoft.com/office/powerpoint/2010/main" val="2424893038"/>
+      </p:ext>
+    </p:extLst>
+  </p:cSld>
+  <p:clrMapOvr>
+    <a:masterClrMapping/>
+  </p:clrMapOvr>
+  <p:timing>
+    <p:tnLst>
+      <p:par>
+        <p:cTn id="1" dur="indefinite" restart="never" nodeType="tmRoot"/>
+      </p:par>
+    </p:tnLst>
+  </p:timing>
+</p:sld>
+</file>
+
+<file path=ppt/slides/slide17.xml><?xml version="1.0" encoding="utf-8"?>
+<p:sld xmlns:a="http://schemas.openxmlformats.org/drawingml/2006/main" xmlns:r="http://schemas.openxmlformats.org/officeDocument/2006/relationships" xmlns:p="http://schemas.openxmlformats.org/presentationml/2006/main">
+  <p:cSld>
+    <p:spTree>
+      <p:nvGrpSpPr>
+        <p:cNvPr id="1" name=""/>
+        <p:cNvGrpSpPr/>
+        <p:nvPr/>
+      </p:nvGrpSpPr>
+      <p:grpSpPr>
+        <a:xfrm>
+          <a:off x="0" y="0"/>
+          <a:ext cx="0" cy="0"/>
+          <a:chOff x="0" y="0"/>
+          <a:chExt cx="0" cy="0"/>
+        </a:xfrm>
+      </p:grpSpPr>
+      <p:sp>
+        <p:nvSpPr>
+          <p:cNvPr id="3" name="Content Placeholder 2"/>
+          <p:cNvSpPr>
+            <a:spLocks noGrp="1"/>
+          </p:cNvSpPr>
+          <p:nvPr>
+            <p:ph idx="1"/>
+          </p:nvPr>
+        </p:nvSpPr>
+        <p:spPr/>
+        <p:txBody>
+          <a:bodyPr>
             <a:normAutofit lnSpcReduction="10000"/>
           </a:bodyPr>
           <a:lstStyle/>
           <a:p>
             <a:r>
               <a:rPr lang="en-US" dirty="0" smtClean="0"/>
-              <a:t>Use IAM roles to allow EC2 servers access to S3 buckets in order to retrieve configuration information</a:t>
-            </a:r>
+              <a:t>Use IAM roles to allow EC2 servers access to S3 buckets in order to </a:t>
+            </a:r>
+            <a:r>
+              <a:rPr lang="en-US" dirty="0" smtClean="0"/>
+              <a:t>store and retrieve data</a:t>
+            </a:r>
+            <a:endParaRPr lang="en-US" dirty="0" smtClean="0"/>
           </a:p>
           <a:p>
             <a:r>
@@ -18364,14 +19193,18 @@
             <a:pPr lvl="1"/>
             <a:r>
               <a:rPr lang="en-US" dirty="0"/>
-              <a:t>"arn:aws:s3:::</a:t>
-            </a:r>
-            <a:r>
-              <a:rPr lang="en-US" dirty="0" err="1"/>
-              <a:t>company_backups</a:t>
-            </a:r>
-            <a:r>
-              <a:rPr lang="en-US" dirty="0"/>
+              <a:t>"arn:aws:s3</a:t>
+            </a:r>
+            <a:r>
+              <a:rPr lang="en-US" dirty="0" smtClean="0"/>
+              <a:t>:::</a:t>
+            </a:r>
+            <a:r>
+              <a:rPr lang="en-US" dirty="0" err="1" smtClean="0"/>
+              <a:t>user_folders</a:t>
+            </a:r>
+            <a:r>
+              <a:rPr lang="en-US" dirty="0" smtClean="0"/>
               <a:t>/${</a:t>
             </a:r>
             <a:r>
@@ -18623,13 +19456,18 @@
           <a:p>
             <a:r>
               <a:rPr lang="en-US" dirty="0" smtClean="0"/>
-              <a:t>IAM Roles makes credential retrieval easy</a:t>
-            </a:r>
-          </a:p>
-          <a:p>
+              <a:t>IAM Roles makes credential </a:t>
+            </a:r>
             <a:r>
               <a:rPr lang="en-US" dirty="0" smtClean="0"/>
-              <a:t>Works with Tags for Flexibility</a:t>
+              <a:t>retrieval easy</a:t>
+            </a:r>
+            <a:endParaRPr lang="en-US" dirty="0" smtClean="0"/>
+          </a:p>
+          <a:p>
+            <a:r>
+              <a:rPr lang="en-US" dirty="0" smtClean="0"/>
+              <a:t>IAM works in tandem with AWS Resource Tags</a:t>
             </a:r>
           </a:p>
         </p:txBody>
@@ -18653,14 +19491,54 @@
           <a:p>
             <a:r>
               <a:rPr lang="en-US" dirty="0" smtClean="0"/>
-              <a:t>Control is limited to resource – can not control SSH to EC2 or access to RDS</a:t>
-            </a:r>
-          </a:p>
-          <a:p>
+              <a:t>Control is limited to </a:t>
+            </a:r>
             <a:r>
               <a:rPr lang="en-US" dirty="0" smtClean="0"/>
-              <a:t>IAM Roles are AWS specific</a:t>
-            </a:r>
+              <a:t>AWS resources</a:t>
+            </a:r>
+          </a:p>
+          <a:p>
+            <a:pPr lvl="1"/>
+            <a:r>
+              <a:rPr lang="en-US" dirty="0" smtClean="0"/>
+              <a:t>can </a:t>
+            </a:r>
+            <a:r>
+              <a:rPr lang="en-US" dirty="0" smtClean="0"/>
+              <a:t>not control </a:t>
+            </a:r>
+            <a:r>
+              <a:rPr lang="en-US" dirty="0" smtClean="0"/>
+              <a:t>RDP, </a:t>
+            </a:r>
+            <a:r>
+              <a:rPr lang="en-US" dirty="0" err="1" smtClean="0"/>
+              <a:t>ssh</a:t>
+            </a:r>
+            <a:r>
+              <a:rPr lang="en-US" dirty="0"/>
+              <a:t> </a:t>
+            </a:r>
+            <a:r>
+              <a:rPr lang="en-US" dirty="0" smtClean="0"/>
+              <a:t>to </a:t>
+            </a:r>
+            <a:r>
+              <a:rPr lang="en-US" dirty="0" smtClean="0"/>
+              <a:t>EC2 or access to RDS</a:t>
+            </a:r>
+          </a:p>
+          <a:p>
+            <a:r>
+              <a:rPr lang="en-US" dirty="0" smtClean="0"/>
+              <a:t>IAM Roles are </a:t>
+            </a:r>
+            <a:r>
+              <a:rPr lang="en-US" dirty="0" smtClean="0"/>
+              <a:t>specific to AWS resources</a:t>
+            </a:r>
+            <a:endParaRPr lang="en-US" dirty="0" smtClean="0"/>
           </a:p>
           <a:p>
             <a:r>
@@ -18726,43 +19604,28 @@
         <p:spPr/>
         <p:txBody>
           <a:bodyPr>
-            <a:normAutofit/>
+            <a:normAutofit lnSpcReduction="10000"/>
           </a:bodyPr>
           <a:lstStyle/>
           <a:p>
             <a:r>
               <a:rPr lang="en-US" dirty="0" smtClean="0"/>
-              <a:t>Passwords:</a:t>
-            </a:r>
+              <a:t>IAM Password:</a:t>
+            </a:r>
+            <a:endParaRPr lang="en-US" dirty="0" smtClean="0"/>
           </a:p>
           <a:p>
             <a:pPr lvl="1"/>
             <a:r>
               <a:rPr lang="en-US" dirty="0" smtClean="0"/>
-              <a:t>Grant Access to the AWS Console</a:t>
+              <a:t>Use Case: logging into AWS Console</a:t>
             </a:r>
           </a:p>
           <a:p>
             <a:pPr lvl="1"/>
             <a:r>
               <a:rPr lang="en-US" dirty="0" smtClean="0"/>
-              <a:t>Console URL can </a:t>
-            </a:r>
-            <a:r>
-              <a:rPr lang="en-US" dirty="0"/>
-              <a:t>be found at: </a:t>
-            </a:r>
-            <a:r>
-              <a:rPr lang="en-US" dirty="0">
-                <a:hlinkClick r:id="rId3"/>
-              </a:rPr>
-              <a:t>https://console.aws.amazon.com/iam</a:t>
-            </a:r>
-            <a:r>
-              <a:rPr lang="en-US" dirty="0" smtClean="0">
-                <a:hlinkClick r:id="rId3"/>
-              </a:rPr>
-              <a:t>/</a:t>
+              <a:t>Example: create an EC2 instance through AWS Console</a:t>
             </a:r>
             <a:endParaRPr lang="en-US" dirty="0" smtClean="0"/>
           </a:p>
@@ -18771,19 +19634,75 @@
               <a:rPr lang="en-US" dirty="0" smtClean="0"/>
               <a:t>Keys:</a:t>
             </a:r>
+            <a:endParaRPr lang="en-US" dirty="0" smtClean="0"/>
           </a:p>
           <a:p>
             <a:pPr lvl="1"/>
             <a:r>
               <a:rPr lang="en-US" dirty="0" smtClean="0"/>
-              <a:t>Access Key and Secret Key Pair</a:t>
-            </a:r>
+              <a:t>Access Key and Secret Key </a:t>
+            </a:r>
+            <a:r>
+              <a:rPr lang="en-US" dirty="0" smtClean="0"/>
+              <a:t>Pair</a:t>
+            </a:r>
+            <a:endParaRPr lang="en-US" dirty="0" smtClean="0"/>
           </a:p>
           <a:p>
             <a:pPr lvl="1"/>
             <a:r>
               <a:rPr lang="en-US" dirty="0" smtClean="0"/>
-              <a:t>Allow programmatic access to the Amazon API</a:t>
+              <a:t>Function: Allow </a:t>
+            </a:r>
+            <a:r>
+              <a:rPr lang="en-US" dirty="0" smtClean="0"/>
+              <a:t>access to </a:t>
+            </a:r>
+            <a:r>
+              <a:rPr lang="en-US" dirty="0" smtClean="0"/>
+              <a:t>Amazon API</a:t>
+            </a:r>
+            <a:endParaRPr lang="en-US" dirty="0"/>
+          </a:p>
+          <a:p>
+            <a:pPr lvl="1"/>
+            <a:r>
+              <a:rPr lang="en-US" dirty="0" smtClean="0"/>
+              <a:t>Use Cases:</a:t>
+            </a:r>
+          </a:p>
+          <a:p>
+            <a:pPr lvl="2"/>
+            <a:r>
+              <a:rPr lang="en-US" dirty="0" smtClean="0"/>
+              <a:t>User runs </a:t>
+            </a:r>
+            <a:r>
+              <a:rPr lang="en-US" dirty="0" err="1" smtClean="0">
+                <a:latin typeface="Courier" charset="0"/>
+                <a:ea typeface="Courier" charset="0"/>
+                <a:cs typeface="Courier" charset="0"/>
+              </a:rPr>
+              <a:t>aws</a:t>
+            </a:r>
+            <a:r>
+              <a:rPr lang="en-US" dirty="0" smtClean="0">
+                <a:latin typeface="Courier" charset="0"/>
+                <a:ea typeface="Courier" charset="0"/>
+                <a:cs typeface="Courier" charset="0"/>
+              </a:rPr>
+              <a:t> ec2 describe-instances </a:t>
+            </a:r>
+            <a:r>
+              <a:rPr lang="en-US" dirty="0" smtClean="0"/>
+              <a:t>command</a:t>
+            </a:r>
+          </a:p>
+          <a:p>
+            <a:pPr lvl="2"/>
+            <a:r>
+              <a:rPr lang="en-US" dirty="0" smtClean="0"/>
+              <a:t>Application writing data into an SQS queue</a:t>
             </a:r>
           </a:p>
         </p:txBody>
@@ -18863,233 +19782,99 @@
         <p:spPr/>
         <p:txBody>
           <a:bodyPr>
-            <a:normAutofit fontScale="62500" lnSpcReduction="20000"/>
+            <a:normAutofit fontScale="92500" lnSpcReduction="10000"/>
           </a:bodyPr>
           <a:lstStyle/>
           <a:p>
-            <a:pPr marL="0" indent="0">
-              <a:buNone/>
-            </a:pPr>
-            <a:r>
-              <a:rPr lang="en-US" dirty="0" smtClean="0">
-                <a:latin typeface="Courier"/>
-                <a:cs typeface="Courier"/>
-              </a:rPr>
-              <a:t>Command: </a:t>
-            </a:r>
-            <a:r>
-              <a:rPr lang="en-US" dirty="0" err="1" smtClean="0">
-                <a:latin typeface="Courier"/>
-                <a:cs typeface="Courier"/>
-              </a:rPr>
-              <a:t>aws</a:t>
-            </a:r>
-            <a:r>
-              <a:rPr lang="en-US" dirty="0" smtClean="0">
-                <a:latin typeface="Courier"/>
-                <a:cs typeface="Courier"/>
-              </a:rPr>
-              <a:t> </a:t>
-            </a:r>
-            <a:r>
-              <a:rPr lang="en-US" dirty="0">
-                <a:latin typeface="Courier"/>
-                <a:cs typeface="Courier"/>
-              </a:rPr>
-              <a:t>ec2 terminate-instances --instance-ids i-</a:t>
-            </a:r>
-            <a:r>
-              <a:rPr lang="en-US" dirty="0" smtClean="0">
-                <a:latin typeface="Courier"/>
-                <a:cs typeface="Courier"/>
-              </a:rPr>
-              <a:t>8f00e559</a:t>
-            </a:r>
-          </a:p>
-          <a:p>
-            <a:pPr marL="0" indent="0">
-              <a:buNone/>
-            </a:pPr>
-            <a:endParaRPr lang="en-US" dirty="0" smtClean="0">
-              <a:latin typeface="Courier"/>
-              <a:cs typeface="Courier"/>
-            </a:endParaRPr>
-          </a:p>
-          <a:p>
-            <a:pPr marL="0" indent="0">
-              <a:buNone/>
-            </a:pPr>
-            <a:r>
-              <a:rPr lang="en-US" dirty="0" smtClean="0">
-                <a:latin typeface="Courier"/>
-                <a:cs typeface="Courier"/>
-              </a:rPr>
-              <a:t>{</a:t>
-            </a:r>
-            <a:endParaRPr lang="en-US" dirty="0">
-              <a:latin typeface="Courier"/>
-              <a:cs typeface="Courier"/>
-            </a:endParaRPr>
-          </a:p>
-          <a:p>
-            <a:pPr marL="0" indent="0">
-              <a:buNone/>
-            </a:pPr>
-            <a:r>
-              <a:rPr lang="en-US" dirty="0">
-                <a:latin typeface="Courier"/>
-                <a:cs typeface="Courier"/>
-              </a:rPr>
-              <a:t>  "Statement": [</a:t>
-            </a:r>
-          </a:p>
-          <a:p>
-            <a:pPr marL="0" indent="0">
-              <a:buNone/>
-            </a:pPr>
-            <a:r>
-              <a:rPr lang="en-US" dirty="0">
-                <a:latin typeface="Courier"/>
-                <a:cs typeface="Courier"/>
-              </a:rPr>
-              <a:t>    {</a:t>
-            </a:r>
-          </a:p>
-          <a:p>
-            <a:pPr marL="0" indent="0">
-              <a:buNone/>
-            </a:pPr>
-            <a:r>
-              <a:rPr lang="en-US" dirty="0">
-                <a:latin typeface="Courier"/>
-                <a:cs typeface="Courier"/>
-              </a:rPr>
-              <a:t>      "Action": [</a:t>
-            </a:r>
-          </a:p>
-          <a:p>
-            <a:pPr marL="0" indent="0">
-              <a:buNone/>
-            </a:pPr>
-            <a:r>
-              <a:rPr lang="en-US" dirty="0">
-                <a:latin typeface="Courier"/>
-                <a:cs typeface="Courier"/>
-              </a:rPr>
-              <a:t>        "s3:GetObject",</a:t>
-            </a:r>
-          </a:p>
-          <a:p>
-            <a:pPr marL="0" indent="0">
-              <a:buNone/>
-            </a:pPr>
-            <a:r>
-              <a:rPr lang="en-US" dirty="0">
-                <a:latin typeface="Courier"/>
-                <a:cs typeface="Courier"/>
-              </a:rPr>
-              <a:t>        "s3:PutObject"</a:t>
-            </a:r>
-          </a:p>
-          <a:p>
-            <a:pPr marL="0" indent="0">
-              <a:buNone/>
-            </a:pPr>
-            <a:r>
-              <a:rPr lang="en-US" dirty="0">
-                <a:latin typeface="Courier"/>
-                <a:cs typeface="Courier"/>
-              </a:rPr>
-              <a:t>      ],</a:t>
-            </a:r>
-          </a:p>
-          <a:p>
-            <a:pPr marL="0" indent="0">
-              <a:buNone/>
-            </a:pPr>
-            <a:r>
-              <a:rPr lang="en-US" dirty="0">
-                <a:latin typeface="Courier"/>
-                <a:cs typeface="Courier"/>
-              </a:rPr>
-              <a:t>      "Effect": "Allow",</a:t>
-            </a:r>
-          </a:p>
-          <a:p>
-            <a:pPr marL="0" indent="0">
-              <a:buNone/>
-            </a:pPr>
-            <a:r>
-              <a:rPr lang="en-US" dirty="0">
-                <a:latin typeface="Courier"/>
-                <a:cs typeface="Courier"/>
-              </a:rPr>
-              <a:t>      "Resource”:["arn:aws:s3:::</a:t>
-            </a:r>
-            <a:r>
-              <a:rPr lang="en-US" dirty="0" err="1">
-                <a:latin typeface="Courier"/>
-                <a:cs typeface="Courier"/>
-              </a:rPr>
-              <a:t>user_bucket</a:t>
-            </a:r>
-            <a:r>
-              <a:rPr lang="en-US" dirty="0">
-                <a:latin typeface="Courier"/>
-                <a:cs typeface="Courier"/>
-              </a:rPr>
-              <a:t>/${</a:t>
-            </a:r>
-            <a:r>
-              <a:rPr lang="en-US" dirty="0" err="1">
-                <a:latin typeface="Courier"/>
-                <a:cs typeface="Courier"/>
-              </a:rPr>
-              <a:t>aws:username</a:t>
-            </a:r>
-            <a:r>
-              <a:rPr lang="en-US" dirty="0">
-                <a:latin typeface="Courier"/>
-                <a:cs typeface="Courier"/>
-              </a:rPr>
-              <a:t>}/*"]</a:t>
-            </a:r>
-          </a:p>
-          <a:p>
-            <a:pPr marL="0" indent="0">
-              <a:buNone/>
-            </a:pPr>
-            <a:r>
-              <a:rPr lang="en-US" dirty="0">
-                <a:latin typeface="Courier"/>
-                <a:cs typeface="Courier"/>
-              </a:rPr>
-              <a:t>    }</a:t>
-            </a:r>
-          </a:p>
-          <a:p>
-            <a:pPr marL="0" indent="0">
-              <a:buNone/>
-            </a:pPr>
-            <a:r>
-              <a:rPr lang="en-US" dirty="0">
-                <a:latin typeface="Courier"/>
-                <a:cs typeface="Courier"/>
-              </a:rPr>
-              <a:t>  ]</a:t>
-            </a:r>
-          </a:p>
-          <a:p>
-            <a:pPr marL="0" indent="0">
-              <a:buNone/>
-            </a:pPr>
-            <a:r>
-              <a:rPr lang="en-US" dirty="0">
-                <a:latin typeface="Courier"/>
-                <a:cs typeface="Courier"/>
-              </a:rPr>
-              <a:t>}</a:t>
-            </a:r>
+            <a:r>
+              <a:rPr lang="en-US" dirty="0" smtClean="0"/>
+              <a:t>Policies are JSON format</a:t>
+            </a:r>
+          </a:p>
+          <a:p>
+            <a:r>
+              <a:rPr lang="en-US" dirty="0" smtClean="0"/>
+              <a:t>Policies </a:t>
+            </a:r>
+            <a:r>
+              <a:rPr lang="en-US" i="1" dirty="0" smtClean="0"/>
+              <a:t>always</a:t>
+            </a:r>
+            <a:r>
+              <a:rPr lang="en-US" dirty="0" smtClean="0"/>
+              <a:t> do the following:</a:t>
+            </a:r>
+          </a:p>
+          <a:p>
+            <a:pPr lvl="1"/>
+            <a:r>
+              <a:rPr lang="en-US" dirty="0" smtClean="0"/>
+              <a:t>List allowed or denied actions - </a:t>
+            </a:r>
+            <a:r>
+              <a:rPr lang="en-US" i="1" dirty="0" smtClean="0"/>
+              <a:t>verbs</a:t>
+            </a:r>
+            <a:endParaRPr lang="en-US" dirty="0" smtClean="0"/>
+          </a:p>
+          <a:p>
+            <a:pPr lvl="1"/>
+            <a:r>
+              <a:rPr lang="en-US" dirty="0" smtClean="0"/>
+              <a:t>List the resource types on which the given action(s) are allowed - - </a:t>
+            </a:r>
+            <a:r>
+              <a:rPr lang="en-US" i="1" dirty="0" smtClean="0"/>
+              <a:t>nouns</a:t>
+            </a:r>
+            <a:endParaRPr lang="en-US" dirty="0" smtClean="0"/>
+          </a:p>
+          <a:p>
+            <a:r>
+              <a:rPr lang="en-US" dirty="0" smtClean="0"/>
+              <a:t>Policies </a:t>
+            </a:r>
+            <a:r>
+              <a:rPr lang="en-US" i="1" dirty="0" smtClean="0"/>
+              <a:t>optionally</a:t>
+            </a:r>
+            <a:r>
+              <a:rPr lang="en-US" dirty="0" smtClean="0"/>
+              <a:t> do the following:</a:t>
+            </a:r>
+          </a:p>
+          <a:p>
+            <a:pPr lvl="1"/>
+            <a:r>
+              <a:rPr lang="en-US" dirty="0" smtClean="0"/>
+              <a:t>List the resource IDs on which the given action(s) are allowed – </a:t>
+            </a:r>
+            <a:r>
+              <a:rPr lang="en-US" i="1" dirty="0" smtClean="0"/>
+              <a:t>proper nouns</a:t>
+            </a:r>
+          </a:p>
+          <a:p>
+            <a:pPr lvl="1"/>
+            <a:r>
+              <a:rPr lang="en-US" dirty="0" smtClean="0"/>
+              <a:t>List conditions under which an action is allowed – </a:t>
+            </a:r>
+            <a:r>
+              <a:rPr lang="en-US" i="1" dirty="0" smtClean="0"/>
+              <a:t>adverbs</a:t>
+            </a:r>
+          </a:p>
+          <a:p>
+            <a:pPr lvl="1"/>
+            <a:r>
+              <a:rPr lang="en-US" dirty="0" smtClean="0"/>
+              <a:t>Allow use of policy variables</a:t>
+            </a:r>
+          </a:p>
+          <a:p>
+            <a:pPr lvl="1"/>
+            <a:endParaRPr lang="en-US" dirty="0" smtClean="0"/>
           </a:p>
         </p:txBody>
       </p:sp>
@@ -19112,7 +19897,7 @@
           <a:p>
             <a:r>
               <a:rPr lang="en-US" dirty="0" smtClean="0"/>
-              <a:t>IAM: Will it Terminate?</a:t>
+              <a:t>IAM: Policy Description</a:t>
             </a:r>
             <a:endParaRPr lang="en-US" dirty="0"/>
           </a:p>
@@ -19121,7 +19906,7 @@
     </p:spTree>
     <p:extLst>
       <p:ext uri="{BB962C8B-B14F-4D97-AF65-F5344CB8AC3E}">
-        <p14:creationId xmlns:p14="http://schemas.microsoft.com/office/powerpoint/2010/main" val="851706829"/>
+        <p14:creationId xmlns:p14="http://schemas.microsoft.com/office/powerpoint/2010/main" val="2055820915"/>
       </p:ext>
     </p:extLst>
   </p:cSld>
@@ -19168,7 +19953,7 @@
         <p:spPr/>
         <p:txBody>
           <a:bodyPr>
-            <a:normAutofit fontScale="55000" lnSpcReduction="20000"/>
+            <a:normAutofit fontScale="62500" lnSpcReduction="20000"/>
           </a:bodyPr>
           <a:lstStyle/>
           <a:p>
@@ -19177,48 +19962,11 @@
             </a:pPr>
             <a:r>
               <a:rPr lang="en-US" dirty="0" smtClean="0">
-                <a:latin typeface="Courier"/>
-                <a:cs typeface="Courier"/>
+                <a:latin typeface="Calibri"/>
+                <a:cs typeface="Calibri"/>
               </a:rPr>
-              <a:t>Command: </a:t>
-            </a:r>
-            <a:r>
-              <a:rPr lang="en-US" dirty="0" err="1" smtClean="0">
-                <a:latin typeface="Courier"/>
-                <a:cs typeface="Courier"/>
-              </a:rPr>
-              <a:t>aws</a:t>
-            </a:r>
-            <a:r>
-              <a:rPr lang="en-US" dirty="0" smtClean="0">
-                <a:latin typeface="Courier"/>
-                <a:cs typeface="Courier"/>
-              </a:rPr>
-              <a:t> </a:t>
-            </a:r>
-            <a:r>
-              <a:rPr lang="en-US" dirty="0">
-                <a:latin typeface="Courier"/>
-                <a:cs typeface="Courier"/>
-              </a:rPr>
-              <a:t>ec2 terminate-instances --instance-ids i-</a:t>
-            </a:r>
-            <a:r>
-              <a:rPr lang="en-US" dirty="0" smtClean="0">
-                <a:latin typeface="Courier"/>
-                <a:cs typeface="Courier"/>
-              </a:rPr>
-              <a:t>8f00e559</a:t>
-            </a:r>
-          </a:p>
-          <a:p>
-            <a:pPr marL="0" indent="0">
-              <a:buNone/>
-            </a:pPr>
-            <a:endParaRPr lang="en-US" dirty="0" smtClean="0">
-              <a:latin typeface="Courier"/>
-              <a:cs typeface="Courier"/>
-            </a:endParaRPr>
+              <a:t>Use IAM Policy Variables within IAM Policy Documents</a:t>
+            </a:r>
           </a:p>
           <a:p>
             <a:pPr marL="0" indent="0">
@@ -19245,6 +19993,18 @@
                 <a:latin typeface="Courier"/>
                 <a:cs typeface="Courier"/>
               </a:rPr>
+              <a:t>  "Version": "2012-10-17",</a:t>
+            </a:r>
+          </a:p>
+          <a:p>
+            <a:pPr marL="0" indent="0">
+              <a:buNone/>
+            </a:pPr>
+            <a:r>
+              <a:rPr lang="en-US" dirty="0">
+                <a:latin typeface="Courier"/>
+                <a:cs typeface="Courier"/>
+              </a:rPr>
               <a:t>  "Statement": [</a:t>
             </a:r>
           </a:p>
@@ -19281,64 +20041,20 @@
                 <a:latin typeface="Courier"/>
                 <a:cs typeface="Courier"/>
               </a:rPr>
-              <a:t>        </a:t>
-            </a:r>
-            <a:r>
-              <a:rPr lang="en-US" dirty="0" smtClean="0">
-                <a:latin typeface="Courier"/>
-                <a:cs typeface="Courier"/>
-              </a:rPr>
-              <a:t>”ec2:Describe*"</a:t>
-            </a:r>
+              <a:t>        "s3:GetObject",</a:t>
+            </a:r>
+          </a:p>
+          <a:p>
+            <a:pPr marL="0" indent="0">
+              <a:buNone/>
+            </a:pPr>
             <a:r>
               <a:rPr lang="en-US" dirty="0">
                 <a:latin typeface="Courier"/>
                 <a:cs typeface="Courier"/>
               </a:rPr>
-              <a:t>,</a:t>
-            </a:r>
-          </a:p>
-          <a:p>
-            <a:pPr marL="0" indent="0">
-              <a:buNone/>
-            </a:pPr>
-            <a:r>
-              <a:rPr lang="en-US" dirty="0" smtClean="0">
-                <a:latin typeface="Courier"/>
-                <a:cs typeface="Courier"/>
-              </a:rPr>
-              <a:t>        </a:t>
-            </a:r>
-            <a:r>
-              <a:rPr lang="en-US" dirty="0">
-                <a:latin typeface="Courier"/>
-                <a:cs typeface="Courier"/>
-              </a:rPr>
-              <a:t>”ec2:</a:t>
-            </a:r>
-            <a:r>
-              <a:rPr lang="en-US" dirty="0" smtClean="0">
-                <a:latin typeface="Courier"/>
-                <a:cs typeface="Courier"/>
-              </a:rPr>
-              <a:t>StartInstance”,</a:t>
-            </a:r>
-          </a:p>
-          <a:p>
-            <a:pPr marL="0" indent="0">
-              <a:buNone/>
-            </a:pPr>
-            <a:r>
-              <a:rPr lang="en-US" dirty="0" smtClean="0">
-                <a:latin typeface="Courier"/>
-                <a:cs typeface="Courier"/>
-              </a:rPr>
-              <a:t>        ”ec2:StopInstance"</a:t>
-            </a:r>
-            <a:endParaRPr lang="en-US" dirty="0">
-              <a:latin typeface="Courier"/>
-              <a:cs typeface="Courier"/>
-            </a:endParaRPr>
+              <a:t>        "s3:PutObject"</a:t>
+            </a:r>
           </a:p>
           <a:p>
             <a:pPr marL="0" indent="0">
@@ -19370,38 +20086,103 @@
             </a:pPr>
             <a:r>
               <a:rPr lang="en-US" dirty="0">
+                <a:solidFill>
+                  <a:srgbClr val="FF0000"/>
+                </a:solidFill>
                 <a:latin typeface="Courier"/>
                 <a:cs typeface="Courier"/>
               </a:rPr>
-              <a:t>      "Resource”:["</a:t>
+              <a:t>     </a:t>
             </a:r>
             <a:r>
               <a:rPr lang="en-US" dirty="0" smtClean="0">
+                <a:solidFill>
+                  <a:srgbClr val="FF0000"/>
+                </a:solidFill>
                 <a:latin typeface="Courier"/>
                 <a:cs typeface="Courier"/>
               </a:rPr>
-              <a:t>arn:aws:ec2:</a:t>
+              <a:t> "</a:t>
+            </a:r>
+            <a:r>
+              <a:rPr lang="en-US" dirty="0" smtClean="0">
+                <a:solidFill>
+                  <a:srgbClr val="FF0000"/>
+                </a:solidFill>
+                <a:latin typeface="Courier"/>
+                <a:cs typeface="Courier"/>
+              </a:rPr>
+              <a:t>Resource”:[</a:t>
             </a:r>
             <a:r>
               <a:rPr lang="en-US" dirty="0">
+                <a:solidFill>
+                  <a:srgbClr val="FF0000"/>
+                </a:solidFill>
+                <a:latin typeface="Courier"/>
+                <a:cs typeface="Courier"/>
+              </a:rPr>
+              <a:t>"arn:aws:s3::</a:t>
+            </a:r>
+            <a:r>
+              <a:rPr lang="en-US" dirty="0" smtClean="0">
+                <a:solidFill>
+                  <a:srgbClr val="FF0000"/>
+                </a:solidFill>
                 <a:latin typeface="Courier"/>
                 <a:cs typeface="Courier"/>
               </a:rPr>
               <a:t>:</a:t>
             </a:r>
             <a:r>
-              <a:rPr lang="en-US" dirty="0" smtClean="0">
+              <a:rPr lang="en-US" dirty="0" err="1" smtClean="0">
+                <a:solidFill>
+                  <a:srgbClr val="FF0000"/>
+                </a:solidFill>
                 <a:latin typeface="Courier"/>
                 <a:cs typeface="Courier"/>
               </a:rPr>
-              <a:t>:*"</a:t>
-            </a:r>
-            <a:r>
-              <a:rPr lang="en-US" dirty="0">
+              <a:t>userbuckets</a:t>
+            </a:r>
+            <a:r>
+              <a:rPr lang="en-US" dirty="0" smtClean="0">
+                <a:solidFill>
+                  <a:srgbClr val="FF0000"/>
+                </a:solidFill>
                 <a:latin typeface="Courier"/>
                 <a:cs typeface="Courier"/>
               </a:rPr>
-              <a:t>]</a:t>
+              <a:t>/${</a:t>
+            </a:r>
+            <a:r>
+              <a:rPr lang="en-US" dirty="0" err="1">
+                <a:solidFill>
+                  <a:srgbClr val="FF0000"/>
+                </a:solidFill>
+                <a:latin typeface="Courier"/>
+                <a:cs typeface="Courier"/>
+              </a:rPr>
+              <a:t>aws:username</a:t>
+            </a:r>
+            <a:r>
+              <a:rPr lang="en-US" dirty="0" smtClean="0">
+                <a:solidFill>
+                  <a:srgbClr val="FF0000"/>
+                </a:solidFill>
+                <a:latin typeface="Courier"/>
+                <a:cs typeface="Courier"/>
+              </a:rPr>
+              <a:t>}/*</a:t>
+            </a:r>
+            <a:r>
+              <a:rPr lang="en-US" dirty="0">
+                <a:solidFill>
+                  <a:srgbClr val="FF0000"/>
+                </a:solidFill>
+                <a:latin typeface="Courier"/>
+                <a:cs typeface="Courier"/>
+              </a:rPr>
+              <a:t>"]</a:t>
             </a:r>
           </a:p>
           <a:p>
@@ -19439,6 +20220,10 @@
               </a:rPr>
               <a:t>}</a:t>
             </a:r>
+            <a:endParaRPr lang="en-US" dirty="0" smtClean="0">
+              <a:latin typeface="Courier"/>
+              <a:cs typeface="Courier"/>
+            </a:endParaRPr>
           </a:p>
         </p:txBody>
       </p:sp>
@@ -19461,7 +20246,7 @@
           <a:p>
             <a:r>
               <a:rPr lang="en-US" dirty="0" smtClean="0"/>
-              <a:t>IAM: Will it Terminate?</a:t>
+              <a:t>IAM: Policy Variables</a:t>
             </a:r>
             <a:endParaRPr lang="en-US" dirty="0"/>
           </a:p>
@@ -19470,7 +20255,7 @@
     </p:spTree>
     <p:extLst>
       <p:ext uri="{BB962C8B-B14F-4D97-AF65-F5344CB8AC3E}">
-        <p14:creationId xmlns:p14="http://schemas.microsoft.com/office/powerpoint/2010/main" val="3913562098"/>
+        <p14:creationId xmlns:p14="http://schemas.microsoft.com/office/powerpoint/2010/main" val="3196469798"/>
       </p:ext>
     </p:extLst>
   </p:cSld>
@@ -19626,53 +20411,24 @@
               <a:buNone/>
             </a:pPr>
             <a:r>
-              <a:rPr lang="en-US" dirty="0" smtClean="0">
-                <a:latin typeface="Courier"/>
-                <a:cs typeface="Courier"/>
-              </a:rPr>
-              <a:t>        </a:t>
-            </a:r>
-            <a:r>
               <a:rPr lang="en-US" dirty="0">
                 <a:latin typeface="Courier"/>
                 <a:cs typeface="Courier"/>
               </a:rPr>
-              <a:t>”ec2</a:t>
-            </a:r>
-            <a:r>
-              <a:rPr lang="en-US" dirty="0" smtClean="0">
-                <a:latin typeface="Courier"/>
-                <a:cs typeface="Courier"/>
-              </a:rPr>
-              <a:t>:Describe*”</a:t>
-            </a:r>
+              <a:t>        "s3:GetObject",</a:t>
+            </a:r>
+          </a:p>
+          <a:p>
+            <a:pPr marL="0" indent="0">
+              <a:buNone/>
+            </a:pPr>
             <a:r>
               <a:rPr lang="en-US" dirty="0">
                 <a:latin typeface="Courier"/>
                 <a:cs typeface="Courier"/>
               </a:rPr>
-              <a:t>,</a:t>
-            </a:r>
-            <a:endParaRPr lang="en-US" dirty="0" smtClean="0">
-              <a:latin typeface="Courier"/>
-              <a:cs typeface="Courier"/>
-            </a:endParaRPr>
-          </a:p>
-          <a:p>
-            <a:pPr marL="0" indent="0">
-              <a:buNone/>
-            </a:pPr>
-            <a:r>
-              <a:rPr lang="en-US" dirty="0" smtClean="0">
-                <a:latin typeface="Courier"/>
-                <a:cs typeface="Courier"/>
-              </a:rPr>
-              <a:t>        ”ec2:TerminateInstances”</a:t>
-            </a:r>
-            <a:endParaRPr lang="en-US" dirty="0">
-              <a:latin typeface="Courier"/>
-              <a:cs typeface="Courier"/>
-            </a:endParaRPr>
+              <a:t>        "s3:PutObject"</a:t>
+            </a:r>
           </a:p>
           <a:p>
             <a:pPr marL="0" indent="0">
@@ -19707,35 +20463,35 @@
                 <a:latin typeface="Courier"/>
                 <a:cs typeface="Courier"/>
               </a:rPr>
-              <a:t>      "Resource”:["</a:t>
-            </a:r>
-            <a:r>
-              <a:rPr lang="en-US" dirty="0" smtClean="0">
+              <a:t>      "Resource”:["arn:aws:s3:::</a:t>
+            </a:r>
+            <a:r>
+              <a:rPr lang="en-US" dirty="0" err="1">
                 <a:latin typeface="Courier"/>
                 <a:cs typeface="Courier"/>
               </a:rPr>
-              <a:t>arn:aws:ec2:</a:t>
+              <a:t>user_bucket</a:t>
             </a:r>
             <a:r>
               <a:rPr lang="en-US" dirty="0">
                 <a:latin typeface="Courier"/>
                 <a:cs typeface="Courier"/>
               </a:rPr>
-              <a:t>:</a:t>
-            </a:r>
-            <a:r>
-              <a:rPr lang="en-US" dirty="0" smtClean="0">
+              <a:t>/${</a:t>
+            </a:r>
+            <a:r>
+              <a:rPr lang="en-US" dirty="0" err="1">
                 <a:latin typeface="Courier"/>
                 <a:cs typeface="Courier"/>
               </a:rPr>
-              <a:t>:*"</a:t>
+              <a:t>aws:username</a:t>
             </a:r>
             <a:r>
               <a:rPr lang="en-US" dirty="0">
                 <a:latin typeface="Courier"/>
                 <a:cs typeface="Courier"/>
               </a:rPr>
-              <a:t>]</a:t>
+              <a:t>}/*"]</a:t>
             </a:r>
           </a:p>
           <a:p>
@@ -19804,7 +20560,7 @@
     </p:spTree>
     <p:extLst>
       <p:ext uri="{BB962C8B-B14F-4D97-AF65-F5344CB8AC3E}">
-        <p14:creationId xmlns:p14="http://schemas.microsoft.com/office/powerpoint/2010/main" val="151330617"/>
+        <p14:creationId xmlns:p14="http://schemas.microsoft.com/office/powerpoint/2010/main" val="851706829"/>
       </p:ext>
     </p:extLst>
   </p:cSld>
@@ -19851,7 +20607,7 @@
         <p:spPr/>
         <p:txBody>
           <a:bodyPr>
-            <a:normAutofit fontScale="62500" lnSpcReduction="20000"/>
+            <a:normAutofit fontScale="55000" lnSpcReduction="20000"/>
           </a:bodyPr>
           <a:lstStyle/>
           <a:p>
@@ -19960,6 +20716,32 @@
               <a:buNone/>
             </a:pPr>
             <a:r>
+              <a:rPr lang="en-US" dirty="0">
+                <a:latin typeface="Courier"/>
+                <a:cs typeface="Courier"/>
+              </a:rPr>
+              <a:t>        </a:t>
+            </a:r>
+            <a:r>
+              <a:rPr lang="en-US" dirty="0" smtClean="0">
+                <a:latin typeface="Courier"/>
+                <a:cs typeface="Courier"/>
+              </a:rPr>
+              <a:t>”ec2:Describe*"</a:t>
+            </a:r>
+            <a:r>
+              <a:rPr lang="en-US" dirty="0">
+                <a:latin typeface="Courier"/>
+                <a:cs typeface="Courier"/>
+              </a:rPr>
+              <a:t>,</a:t>
+            </a:r>
+          </a:p>
+          <a:p>
+            <a:pPr marL="0" indent="0">
+              <a:buNone/>
+            </a:pPr>
+            <a:r>
               <a:rPr lang="en-US" dirty="0" smtClean="0">
                 <a:latin typeface="Courier"/>
                 <a:cs typeface="Courier"/>
@@ -19971,26 +20753,15 @@
                 <a:latin typeface="Courier"/>
                 <a:cs typeface="Courier"/>
               </a:rPr>
-              <a:t>”ec2</a:t>
+              <a:t>”ec2:</a:t>
             </a:r>
             <a:r>
               <a:rPr lang="en-US" dirty="0" smtClean="0">
                 <a:latin typeface="Courier"/>
                 <a:cs typeface="Courier"/>
               </a:rPr>
-              <a:t>:Describe*”</a:t>
-            </a:r>
-            <a:r>
-              <a:rPr lang="en-US" dirty="0">
-                <a:latin typeface="Courier"/>
-                <a:cs typeface="Courier"/>
-              </a:rPr>
-              <a:t>,</a:t>
-            </a:r>
-            <a:endParaRPr lang="en-US" dirty="0" smtClean="0">
-              <a:latin typeface="Courier"/>
-              <a:cs typeface="Courier"/>
-            </a:endParaRPr>
+              <a:t>StartInstance”,</a:t>
+            </a:r>
           </a:p>
           <a:p>
             <a:pPr marL="0" indent="0">
@@ -20001,7 +20772,7 @@
                 <a:latin typeface="Courier"/>
                 <a:cs typeface="Courier"/>
               </a:rPr>
-              <a:t>        ”ec2:TerminateInstances”</a:t>
+              <a:t>        ”ec2:StopInstance"</a:t>
             </a:r>
             <a:endParaRPr lang="en-US" dirty="0">
               <a:latin typeface="Courier"/>
@@ -20055,7 +20826,21 @@
                 <a:latin typeface="Courier"/>
                 <a:cs typeface="Courier"/>
               </a:rPr>
-              <a:t>::instance/i-1a2b3c4d"]</a:t>
+              <a:t>:</a:t>
+            </a:r>
+            <a:r>
+              <a:rPr lang="en-US" dirty="0" smtClean="0">
+                <a:latin typeface="Courier"/>
+                <a:cs typeface="Courier"/>
+              </a:rPr>
+              <a:t>:*"</a:t>
+            </a:r>
+            <a:r>
+              <a:rPr lang="en-US" dirty="0">
+                <a:latin typeface="Courier"/>
+                <a:cs typeface="Courier"/>
+              </a:rPr>
+              <a:t>]</a:t>
             </a:r>
           </a:p>
           <a:p>
@@ -20124,7 +20909,7 @@
     </p:spTree>
     <p:extLst>
       <p:ext uri="{BB962C8B-B14F-4D97-AF65-F5344CB8AC3E}">
-        <p14:creationId xmlns:p14="http://schemas.microsoft.com/office/powerpoint/2010/main" val="1105983263"/>
+        <p14:creationId xmlns:p14="http://schemas.microsoft.com/office/powerpoint/2010/main" val="3913562098"/>
       </p:ext>
     </p:extLst>
   </p:cSld>
@@ -20168,15 +20953,10 @@
             <p:ph idx="1"/>
           </p:nvPr>
         </p:nvSpPr>
-        <p:spPr>
-          <a:xfrm>
-            <a:off x="872067" y="2675466"/>
-            <a:ext cx="7408333" cy="3915469"/>
-          </a:xfrm>
-        </p:spPr>
+        <p:spPr/>
         <p:txBody>
           <a:bodyPr>
-            <a:normAutofit fontScale="55000" lnSpcReduction="20000"/>
+            <a:normAutofit fontScale="62500" lnSpcReduction="20000"/>
           </a:bodyPr>
           <a:lstStyle/>
           <a:p>
@@ -20289,33 +21069,21 @@
                 <a:latin typeface="Courier"/>
                 <a:cs typeface="Courier"/>
               </a:rPr>
-              <a:t>        ”</a:t>
+              <a:t>        </a:t>
             </a:r>
             <a:r>
               <a:rPr lang="en-US" dirty="0">
                 <a:latin typeface="Courier"/>
                 <a:cs typeface="Courier"/>
               </a:rPr>
-              <a:t>ec2</a:t>
+              <a:t>”ec2</a:t>
             </a:r>
             <a:r>
               <a:rPr lang="en-US" dirty="0" smtClean="0">
                 <a:latin typeface="Courier"/>
                 <a:cs typeface="Courier"/>
               </a:rPr>
-              <a:t>:TerminateInstance”,</a:t>
-            </a:r>
-          </a:p>
-          <a:p>
-            <a:pPr marL="0" indent="0">
-              <a:buNone/>
-            </a:pPr>
-            <a:r>
-              <a:rPr lang="en-US" dirty="0" smtClean="0">
-                <a:latin typeface="Courier"/>
-                <a:cs typeface="Courier"/>
-              </a:rPr>
-              <a:t>      ]</a:t>
+              <a:t>:Describe*”</a:t>
             </a:r>
             <a:r>
               <a:rPr lang="en-US" dirty="0">
@@ -20324,6 +21092,38 @@
               </a:rPr>
               <a:t>,</a:t>
             </a:r>
+            <a:endParaRPr lang="en-US" dirty="0" smtClean="0">
+              <a:latin typeface="Courier"/>
+              <a:cs typeface="Courier"/>
+            </a:endParaRPr>
+          </a:p>
+          <a:p>
+            <a:pPr marL="0" indent="0">
+              <a:buNone/>
+            </a:pPr>
+            <a:r>
+              <a:rPr lang="en-US" dirty="0" smtClean="0">
+                <a:latin typeface="Courier"/>
+                <a:cs typeface="Courier"/>
+              </a:rPr>
+              <a:t>        ”ec2:TerminateInstances”</a:t>
+            </a:r>
+            <a:endParaRPr lang="en-US" dirty="0">
+              <a:latin typeface="Courier"/>
+              <a:cs typeface="Courier"/>
+            </a:endParaRPr>
+          </a:p>
+          <a:p>
+            <a:pPr marL="0" indent="0">
+              <a:buNone/>
+            </a:pPr>
+            <a:r>
+              <a:rPr lang="en-US" dirty="0">
+                <a:latin typeface="Courier"/>
+                <a:cs typeface="Courier"/>
+              </a:rPr>
+              <a:t>      ],</a:t>
+            </a:r>
           </a:p>
           <a:p>
             <a:pPr marL="0" indent="0">
@@ -20367,136 +21167,15 @@
                 <a:latin typeface="Courier"/>
                 <a:cs typeface="Courier"/>
               </a:rPr>
-              <a:t>:*"]</a:t>
-            </a:r>
-          </a:p>
-          <a:p>
-            <a:pPr marL="0" indent="0">
-              <a:buNone/>
-            </a:pPr>
-            <a:r>
-              <a:rPr lang="en-US" dirty="0" smtClean="0">
-                <a:latin typeface="Courier"/>
-                <a:cs typeface="Courier"/>
-              </a:rPr>
-              <a:t>      "</a:t>
+              <a:t>:*"</a:t>
             </a:r>
             <a:r>
               <a:rPr lang="en-US" dirty="0">
                 <a:latin typeface="Courier"/>
                 <a:cs typeface="Courier"/>
               </a:rPr>
-              <a:t>Condition": {</a:t>
-            </a:r>
-          </a:p>
-          <a:p>
-            <a:pPr marL="0" indent="0">
-              <a:buNone/>
-            </a:pPr>
-            <a:r>
-              <a:rPr lang="en-US" dirty="0">
-                <a:latin typeface="Courier"/>
-                <a:cs typeface="Courier"/>
-              </a:rPr>
-              <a:t>  </a:t>
-            </a:r>
-            <a:r>
-              <a:rPr lang="en-US" dirty="0" smtClean="0">
-                <a:latin typeface="Courier"/>
-                <a:cs typeface="Courier"/>
-              </a:rPr>
-              <a:t>      "</a:t>
-            </a:r>
-            <a:r>
-              <a:rPr lang="en-US" dirty="0" err="1" smtClean="0">
-                <a:latin typeface="Courier"/>
-                <a:cs typeface="Courier"/>
-              </a:rPr>
-              <a:t>DateLessThan</a:t>
-            </a:r>
-            <a:r>
-              <a:rPr lang="en-US" dirty="0">
-                <a:latin typeface="Courier"/>
-                <a:cs typeface="Courier"/>
-              </a:rPr>
-              <a:t>" : {</a:t>
-            </a:r>
-          </a:p>
-          <a:p>
-            <a:pPr marL="0" indent="0">
-              <a:buNone/>
-            </a:pPr>
-            <a:r>
-              <a:rPr lang="en-US" dirty="0">
-                <a:latin typeface="Courier"/>
-                <a:cs typeface="Courier"/>
-              </a:rPr>
-              <a:t>     </a:t>
-            </a:r>
-            <a:r>
-              <a:rPr lang="en-US" dirty="0" smtClean="0">
-                <a:latin typeface="Courier"/>
-                <a:cs typeface="Courier"/>
-              </a:rPr>
-              <a:t>     "</a:t>
-            </a:r>
-            <a:r>
-              <a:rPr lang="en-US" dirty="0" err="1">
-                <a:latin typeface="Courier"/>
-                <a:cs typeface="Courier"/>
-              </a:rPr>
-              <a:t>aws:CurrentTime</a:t>
-            </a:r>
-            <a:r>
-              <a:rPr lang="en-US" dirty="0">
-                <a:latin typeface="Courier"/>
-                <a:cs typeface="Courier"/>
-              </a:rPr>
-              <a:t>" : "2015-05-24T20:00:</a:t>
-            </a:r>
-            <a:r>
-              <a:rPr lang="en-US" dirty="0" smtClean="0">
-                <a:latin typeface="Courier"/>
-                <a:cs typeface="Courier"/>
-              </a:rPr>
-              <a:t>00Z”</a:t>
-            </a:r>
-            <a:endParaRPr lang="en-US" dirty="0">
-              <a:latin typeface="Courier"/>
-              <a:cs typeface="Courier"/>
-            </a:endParaRPr>
-          </a:p>
-          <a:p>
-            <a:pPr marL="0" indent="0">
-              <a:buNone/>
-            </a:pPr>
-            <a:r>
-              <a:rPr lang="en-US" dirty="0" smtClean="0">
-                <a:latin typeface="Courier"/>
-                <a:cs typeface="Courier"/>
-              </a:rPr>
-              <a:t>        }</a:t>
-            </a:r>
-            <a:endParaRPr lang="en-US" dirty="0">
-              <a:latin typeface="Courier"/>
-              <a:cs typeface="Courier"/>
-            </a:endParaRPr>
-          </a:p>
-          <a:p>
-            <a:pPr marL="0" indent="0">
-              <a:buNone/>
-            </a:pPr>
-            <a:r>
-              <a:rPr lang="en-US" dirty="0" smtClean="0">
-                <a:latin typeface="Courier"/>
-                <a:cs typeface="Courier"/>
-              </a:rPr>
-              <a:t>      }</a:t>
-            </a:r>
-            <a:endParaRPr lang="en-US" dirty="0">
-              <a:latin typeface="Courier"/>
-              <a:cs typeface="Courier"/>
-            </a:endParaRPr>
+              <a:t>]</a:t>
+            </a:r>
           </a:p>
           <a:p>
             <a:pPr marL="0" indent="0">
@@ -20564,7 +21243,7 @@
     </p:spTree>
     <p:extLst>
       <p:ext uri="{BB962C8B-B14F-4D97-AF65-F5344CB8AC3E}">
-        <p14:creationId xmlns:p14="http://schemas.microsoft.com/office/powerpoint/2010/main" val="1983193316"/>
+        <p14:creationId xmlns:p14="http://schemas.microsoft.com/office/powerpoint/2010/main" val="151330617"/>
       </p:ext>
     </p:extLst>
   </p:cSld>
